--- a/doc/Presentation/Uniatron-Presentation1207.pptx
+++ b/doc/Presentation/Uniatron-Presentation1207.pptx
@@ -118,86 +118,68 @@
 </file>
 
 <file path=ppt/diagrams/colors1.xml><?xml version="1.0" encoding="utf-8"?>
-<dgm:colorsDef xmlns:dgm="http://schemas.openxmlformats.org/drawingml/2006/diagram" xmlns:a="http://schemas.openxmlformats.org/drawingml/2006/main" uniqueId="urn:microsoft.com/office/officeart/2005/8/colors/accent0_1">
+<dgm:colorsDef xmlns:dgm="http://schemas.openxmlformats.org/drawingml/2006/diagram" xmlns:a="http://schemas.openxmlformats.org/drawingml/2006/main" uniqueId="urn:microsoft.com/office/officeart/2005/8/colors/accent3_2">
   <dgm:title val=""/>
   <dgm:desc val=""/>
   <dgm:catLst>
-    <dgm:cat type="mainScheme" pri="10100"/>
+    <dgm:cat type="accent3" pri="11200"/>
   </dgm:catLst>
   <dgm:styleLbl name="node0">
     <dgm:fillClrLst meth="repeat">
-      <a:schemeClr val="lt1"/>
+      <a:schemeClr val="accent3"/>
     </dgm:fillClrLst>
     <dgm:linClrLst meth="repeat">
-      <a:schemeClr val="dk1">
-        <a:shade val="80000"/>
-      </a:schemeClr>
+      <a:schemeClr val="lt1"/>
     </dgm:linClrLst>
     <dgm:effectClrLst/>
     <dgm:txLinClrLst/>
-    <dgm:txFillClrLst meth="repeat">
-      <a:schemeClr val="dk1"/>
-    </dgm:txFillClrLst>
+    <dgm:txFillClrLst/>
     <dgm:txEffectClrLst/>
   </dgm:styleLbl>
   <dgm:styleLbl name="node1">
     <dgm:fillClrLst meth="repeat">
-      <a:schemeClr val="lt1"/>
+      <a:schemeClr val="accent3"/>
     </dgm:fillClrLst>
     <dgm:linClrLst meth="repeat">
-      <a:schemeClr val="dk1">
-        <a:shade val="80000"/>
-      </a:schemeClr>
+      <a:schemeClr val="lt1"/>
     </dgm:linClrLst>
     <dgm:effectClrLst/>
     <dgm:txLinClrLst/>
-    <dgm:txFillClrLst meth="repeat">
-      <a:schemeClr val="dk1"/>
-    </dgm:txFillClrLst>
+    <dgm:txFillClrLst/>
     <dgm:txEffectClrLst/>
   </dgm:styleLbl>
   <dgm:styleLbl name="alignNode1">
     <dgm:fillClrLst meth="repeat">
-      <a:schemeClr val="lt1"/>
+      <a:schemeClr val="accent3"/>
     </dgm:fillClrLst>
     <dgm:linClrLst meth="repeat">
-      <a:schemeClr val="dk1">
-        <a:shade val="80000"/>
-      </a:schemeClr>
+      <a:schemeClr val="accent3"/>
     </dgm:linClrLst>
     <dgm:effectClrLst/>
     <dgm:txLinClrLst/>
-    <dgm:txFillClrLst meth="repeat">
-      <a:schemeClr val="dk1"/>
-    </dgm:txFillClrLst>
+    <dgm:txFillClrLst/>
     <dgm:txEffectClrLst/>
   </dgm:styleLbl>
   <dgm:styleLbl name="lnNode1">
     <dgm:fillClrLst meth="repeat">
-      <a:schemeClr val="lt1"/>
+      <a:schemeClr val="accent3"/>
     </dgm:fillClrLst>
     <dgm:linClrLst meth="repeat">
-      <a:schemeClr val="dk1">
-        <a:shade val="80000"/>
-      </a:schemeClr>
+      <a:schemeClr val="lt1"/>
     </dgm:linClrLst>
     <dgm:effectClrLst/>
     <dgm:txLinClrLst/>
-    <dgm:txFillClrLst meth="repeat">
-      <a:schemeClr val="dk1"/>
-    </dgm:txFillClrLst>
+    <dgm:txFillClrLst/>
     <dgm:txEffectClrLst/>
   </dgm:styleLbl>
   <dgm:styleLbl name="vennNode1">
     <dgm:fillClrLst meth="repeat">
-      <a:schemeClr val="lt1">
+      <a:schemeClr val="accent3">
         <a:alpha val="50000"/>
       </a:schemeClr>
     </dgm:fillClrLst>
     <dgm:linClrLst meth="repeat">
-      <a:schemeClr val="dk1">
-        <a:shade val="80000"/>
-      </a:schemeClr>
+      <a:schemeClr val="lt1"/>
     </dgm:linClrLst>
     <dgm:effectClrLst/>
     <dgm:txLinClrLst/>
@@ -206,62 +188,48 @@
   </dgm:styleLbl>
   <dgm:styleLbl name="node2">
     <dgm:fillClrLst meth="repeat">
-      <a:schemeClr val="lt1"/>
+      <a:schemeClr val="accent3"/>
     </dgm:fillClrLst>
     <dgm:linClrLst meth="repeat">
-      <a:schemeClr val="dk1">
-        <a:shade val="80000"/>
-      </a:schemeClr>
+      <a:schemeClr val="lt1"/>
     </dgm:linClrLst>
     <dgm:effectClrLst/>
     <dgm:txLinClrLst/>
-    <dgm:txFillClrLst meth="repeat">
-      <a:schemeClr val="dk1"/>
-    </dgm:txFillClrLst>
+    <dgm:txFillClrLst/>
     <dgm:txEffectClrLst/>
   </dgm:styleLbl>
   <dgm:styleLbl name="node3">
     <dgm:fillClrLst meth="repeat">
-      <a:schemeClr val="lt1"/>
+      <a:schemeClr val="accent3"/>
     </dgm:fillClrLst>
     <dgm:linClrLst meth="repeat">
-      <a:schemeClr val="dk1">
-        <a:shade val="80000"/>
-      </a:schemeClr>
+      <a:schemeClr val="lt1"/>
     </dgm:linClrLst>
     <dgm:effectClrLst/>
     <dgm:txLinClrLst/>
-    <dgm:txFillClrLst meth="repeat">
-      <a:schemeClr val="dk1"/>
-    </dgm:txFillClrLst>
+    <dgm:txFillClrLst/>
     <dgm:txEffectClrLst/>
   </dgm:styleLbl>
   <dgm:styleLbl name="node4">
     <dgm:fillClrLst meth="repeat">
-      <a:schemeClr val="lt1"/>
+      <a:schemeClr val="accent3"/>
     </dgm:fillClrLst>
     <dgm:linClrLst meth="repeat">
-      <a:schemeClr val="dk1">
-        <a:shade val="80000"/>
-      </a:schemeClr>
+      <a:schemeClr val="lt1"/>
     </dgm:linClrLst>
     <dgm:effectClrLst/>
     <dgm:txLinClrLst/>
-    <dgm:txFillClrLst meth="repeat">
-      <a:schemeClr val="dk1"/>
-    </dgm:txFillClrLst>
+    <dgm:txFillClrLst/>
     <dgm:txEffectClrLst/>
   </dgm:styleLbl>
   <dgm:styleLbl name="fgImgPlace1">
     <dgm:fillClrLst meth="repeat">
-      <a:schemeClr val="dk1">
-        <a:tint val="40000"/>
+      <a:schemeClr val="accent3">
+        <a:tint val="50000"/>
       </a:schemeClr>
     </dgm:fillClrLst>
     <dgm:linClrLst meth="repeat">
-      <a:schemeClr val="dk1">
-        <a:shade val="80000"/>
-      </a:schemeClr>
+      <a:schemeClr val="lt1"/>
     </dgm:linClrLst>
     <dgm:effectClrLst/>
     <dgm:txLinClrLst/>
@@ -272,14 +240,12 @@
   </dgm:styleLbl>
   <dgm:styleLbl name="alignImgPlace1">
     <dgm:fillClrLst meth="repeat">
-      <a:schemeClr val="dk1">
-        <a:tint val="40000"/>
+      <a:schemeClr val="accent3">
+        <a:tint val="50000"/>
       </a:schemeClr>
     </dgm:fillClrLst>
     <dgm:linClrLst meth="repeat">
-      <a:schemeClr val="dk1">
-        <a:shade val="80000"/>
-      </a:schemeClr>
+      <a:schemeClr val="lt1"/>
     </dgm:linClrLst>
     <dgm:effectClrLst/>
     <dgm:txLinClrLst/>
@@ -290,14 +256,12 @@
   </dgm:styleLbl>
   <dgm:styleLbl name="bgImgPlace1">
     <dgm:fillClrLst meth="repeat">
-      <a:schemeClr val="dk1">
-        <a:tint val="40000"/>
+      <a:schemeClr val="accent3">
+        <a:tint val="50000"/>
       </a:schemeClr>
     </dgm:fillClrLst>
     <dgm:linClrLst meth="repeat">
-      <a:schemeClr val="dk1">
-        <a:shade val="80000"/>
-      </a:schemeClr>
+      <a:schemeClr val="lt1"/>
     </dgm:linClrLst>
     <dgm:effectClrLst/>
     <dgm:txLinClrLst/>
@@ -308,64 +272,58 @@
   </dgm:styleLbl>
   <dgm:styleLbl name="sibTrans2D1">
     <dgm:fillClrLst meth="repeat">
-      <a:schemeClr val="dk1">
+      <a:schemeClr val="accent3">
         <a:tint val="60000"/>
       </a:schemeClr>
     </dgm:fillClrLst>
     <dgm:linClrLst meth="repeat">
-      <a:schemeClr val="dk1">
+      <a:schemeClr val="accent3">
         <a:tint val="60000"/>
       </a:schemeClr>
     </dgm:linClrLst>
     <dgm:effectClrLst/>
     <dgm:txLinClrLst/>
-    <dgm:txFillClrLst meth="repeat">
-      <a:schemeClr val="dk1"/>
-    </dgm:txFillClrLst>
+    <dgm:txFillClrLst/>
     <dgm:txEffectClrLst/>
   </dgm:styleLbl>
   <dgm:styleLbl name="fgSibTrans2D1">
     <dgm:fillClrLst meth="repeat">
-      <a:schemeClr val="dk1">
+      <a:schemeClr val="accent3">
         <a:tint val="60000"/>
       </a:schemeClr>
     </dgm:fillClrLst>
     <dgm:linClrLst meth="repeat">
-      <a:schemeClr val="dk1">
+      <a:schemeClr val="accent3">
         <a:tint val="60000"/>
       </a:schemeClr>
     </dgm:linClrLst>
     <dgm:effectClrLst/>
     <dgm:txLinClrLst/>
-    <dgm:txFillClrLst meth="repeat">
-      <a:schemeClr val="dk1"/>
-    </dgm:txFillClrLst>
+    <dgm:txFillClrLst/>
     <dgm:txEffectClrLst/>
   </dgm:styleLbl>
   <dgm:styleLbl name="bgSibTrans2D1">
     <dgm:fillClrLst meth="repeat">
-      <a:schemeClr val="dk1">
+      <a:schemeClr val="accent3">
         <a:tint val="60000"/>
       </a:schemeClr>
     </dgm:fillClrLst>
     <dgm:linClrLst meth="repeat">
-      <a:schemeClr val="dk1">
+      <a:schemeClr val="accent3">
         <a:tint val="60000"/>
       </a:schemeClr>
     </dgm:linClrLst>
     <dgm:effectClrLst/>
     <dgm:txLinClrLst/>
-    <dgm:txFillClrLst meth="repeat">
-      <a:schemeClr val="dk1"/>
-    </dgm:txFillClrLst>
+    <dgm:txFillClrLst/>
     <dgm:txEffectClrLst/>
   </dgm:styleLbl>
   <dgm:styleLbl name="sibTrans1D1">
     <dgm:fillClrLst meth="repeat">
-      <a:schemeClr val="dk1"/>
+      <a:schemeClr val="accent3"/>
     </dgm:fillClrLst>
     <dgm:linClrLst meth="repeat">
-      <a:schemeClr val="dk1"/>
+      <a:schemeClr val="accent3"/>
     </dgm:linClrLst>
     <dgm:effectClrLst/>
     <dgm:txLinClrLst/>
@@ -376,10 +334,12 @@
   </dgm:styleLbl>
   <dgm:styleLbl name="callout">
     <dgm:fillClrLst meth="repeat">
-      <a:schemeClr val="dk1"/>
+      <a:schemeClr val="accent3"/>
     </dgm:fillClrLst>
     <dgm:linClrLst meth="repeat">
-      <a:schemeClr val="dk1"/>
+      <a:schemeClr val="accent3">
+        <a:tint val="50000"/>
+      </a:schemeClr>
     </dgm:linClrLst>
     <dgm:effectClrLst/>
     <dgm:txLinClrLst/>
@@ -390,130 +350,116 @@
   </dgm:styleLbl>
   <dgm:styleLbl name="asst0">
     <dgm:fillClrLst meth="repeat">
-      <a:schemeClr val="lt1"/>
+      <a:schemeClr val="accent3"/>
     </dgm:fillClrLst>
     <dgm:linClrLst meth="repeat">
-      <a:schemeClr val="dk1">
-        <a:shade val="80000"/>
-      </a:schemeClr>
-    </dgm:linClrLst>
-    <dgm:effectClrLst/>
-    <dgm:txLinClrLst/>
-    <dgm:txFillClrLst meth="repeat">
-      <a:schemeClr val="dk1"/>
-    </dgm:txFillClrLst>
-    <dgm:txEffectClrLst/>
-  </dgm:styleLbl>
-  <dgm:styleLbl name="asst1">
-    <dgm:fillClrLst meth="repeat">
       <a:schemeClr val="lt1"/>
-    </dgm:fillClrLst>
-    <dgm:linClrLst meth="repeat">
-      <a:schemeClr val="dk1">
-        <a:shade val="80000"/>
-      </a:schemeClr>
-    </dgm:linClrLst>
-    <dgm:effectClrLst/>
-    <dgm:txLinClrLst/>
-    <dgm:txFillClrLst meth="repeat">
-      <a:schemeClr val="dk1"/>
-    </dgm:txFillClrLst>
-    <dgm:txEffectClrLst/>
-  </dgm:styleLbl>
-  <dgm:styleLbl name="asst2">
-    <dgm:fillClrLst meth="repeat">
-      <a:schemeClr val="lt1"/>
-    </dgm:fillClrLst>
-    <dgm:linClrLst meth="repeat">
-      <a:schemeClr val="dk1">
-        <a:shade val="80000"/>
-      </a:schemeClr>
-    </dgm:linClrLst>
-    <dgm:effectClrLst/>
-    <dgm:txLinClrLst/>
-    <dgm:txFillClrLst meth="repeat">
-      <a:schemeClr val="dk1"/>
-    </dgm:txFillClrLst>
-    <dgm:txEffectClrLst/>
-  </dgm:styleLbl>
-  <dgm:styleLbl name="asst3">
-    <dgm:fillClrLst meth="repeat">
-      <a:schemeClr val="lt1"/>
-    </dgm:fillClrLst>
-    <dgm:linClrLst meth="repeat">
-      <a:schemeClr val="dk1">
-        <a:shade val="80000"/>
-      </a:schemeClr>
-    </dgm:linClrLst>
-    <dgm:effectClrLst/>
-    <dgm:txLinClrLst/>
-    <dgm:txFillClrLst meth="repeat">
-      <a:schemeClr val="dk1"/>
-    </dgm:txFillClrLst>
-    <dgm:txEffectClrLst/>
-  </dgm:styleLbl>
-  <dgm:styleLbl name="asst4">
-    <dgm:fillClrLst meth="repeat">
-      <a:schemeClr val="lt1"/>
-    </dgm:fillClrLst>
-    <dgm:linClrLst meth="repeat">
-      <a:schemeClr val="dk1">
-        <a:shade val="80000"/>
-      </a:schemeClr>
-    </dgm:linClrLst>
-    <dgm:effectClrLst/>
-    <dgm:txLinClrLst/>
-    <dgm:txFillClrLst meth="repeat">
-      <a:schemeClr val="dk1"/>
-    </dgm:txFillClrLst>
-    <dgm:txEffectClrLst/>
-  </dgm:styleLbl>
-  <dgm:styleLbl name="parChTrans2D1">
-    <dgm:fillClrLst meth="repeat">
-      <a:schemeClr val="dk1">
-        <a:tint val="60000"/>
-      </a:schemeClr>
-    </dgm:fillClrLst>
-    <dgm:linClrLst meth="repeat">
-      <a:schemeClr val="dk1">
-        <a:tint val="60000"/>
-      </a:schemeClr>
     </dgm:linClrLst>
     <dgm:effectClrLst/>
     <dgm:txLinClrLst/>
     <dgm:txFillClrLst/>
     <dgm:txEffectClrLst/>
   </dgm:styleLbl>
-  <dgm:styleLbl name="parChTrans2D2">
+  <dgm:styleLbl name="asst1">
     <dgm:fillClrLst meth="repeat">
-      <a:schemeClr val="dk1"/>
+      <a:schemeClr val="accent3"/>
     </dgm:fillClrLst>
     <dgm:linClrLst meth="repeat">
-      <a:schemeClr val="dk1"/>
+      <a:schemeClr val="lt1"/>
     </dgm:linClrLst>
     <dgm:effectClrLst/>
     <dgm:txLinClrLst/>
     <dgm:txFillClrLst/>
     <dgm:txEffectClrLst/>
   </dgm:styleLbl>
-  <dgm:styleLbl name="parChTrans2D3">
+  <dgm:styleLbl name="asst2">
     <dgm:fillClrLst meth="repeat">
-      <a:schemeClr val="dk1"/>
+      <a:schemeClr val="accent3"/>
     </dgm:fillClrLst>
     <dgm:linClrLst meth="repeat">
-      <a:schemeClr val="dk1"/>
+      <a:schemeClr val="lt1"/>
     </dgm:linClrLst>
     <dgm:effectClrLst/>
     <dgm:txLinClrLst/>
     <dgm:txFillClrLst/>
     <dgm:txEffectClrLst/>
   </dgm:styleLbl>
+  <dgm:styleLbl name="asst3">
+    <dgm:fillClrLst meth="repeat">
+      <a:schemeClr val="accent3"/>
+    </dgm:fillClrLst>
+    <dgm:linClrLst meth="repeat">
+      <a:schemeClr val="lt1"/>
+    </dgm:linClrLst>
+    <dgm:effectClrLst/>
+    <dgm:txLinClrLst/>
+    <dgm:txFillClrLst/>
+    <dgm:txEffectClrLst/>
+  </dgm:styleLbl>
+  <dgm:styleLbl name="asst4">
+    <dgm:fillClrLst meth="repeat">
+      <a:schemeClr val="accent3"/>
+    </dgm:fillClrLst>
+    <dgm:linClrLst meth="repeat">
+      <a:schemeClr val="lt1"/>
+    </dgm:linClrLst>
+    <dgm:effectClrLst/>
+    <dgm:txLinClrLst/>
+    <dgm:txFillClrLst/>
+    <dgm:txEffectClrLst/>
+  </dgm:styleLbl>
+  <dgm:styleLbl name="parChTrans2D1">
+    <dgm:fillClrLst meth="repeat">
+      <a:schemeClr val="accent3">
+        <a:tint val="60000"/>
+      </a:schemeClr>
+    </dgm:fillClrLst>
+    <dgm:linClrLst meth="repeat">
+      <a:schemeClr val="accent3">
+        <a:tint val="60000"/>
+      </a:schemeClr>
+    </dgm:linClrLst>
+    <dgm:effectClrLst/>
+    <dgm:txLinClrLst/>
+    <dgm:txFillClrLst meth="repeat">
+      <a:schemeClr val="lt1"/>
+    </dgm:txFillClrLst>
+    <dgm:txEffectClrLst/>
+  </dgm:styleLbl>
+  <dgm:styleLbl name="parChTrans2D2">
+    <dgm:fillClrLst meth="repeat">
+      <a:schemeClr val="accent3"/>
+    </dgm:fillClrLst>
+    <dgm:linClrLst meth="repeat">
+      <a:schemeClr val="accent3"/>
+    </dgm:linClrLst>
+    <dgm:effectClrLst/>
+    <dgm:txLinClrLst/>
+    <dgm:txFillClrLst meth="repeat">
+      <a:schemeClr val="lt1"/>
+    </dgm:txFillClrLst>
+    <dgm:txEffectClrLst/>
+  </dgm:styleLbl>
+  <dgm:styleLbl name="parChTrans2D3">
+    <dgm:fillClrLst meth="repeat">
+      <a:schemeClr val="accent3"/>
+    </dgm:fillClrLst>
+    <dgm:linClrLst meth="repeat">
+      <a:schemeClr val="accent3"/>
+    </dgm:linClrLst>
+    <dgm:effectClrLst/>
+    <dgm:txLinClrLst/>
+    <dgm:txFillClrLst meth="repeat">
+      <a:schemeClr val="lt1"/>
+    </dgm:txFillClrLst>
+    <dgm:txEffectClrLst/>
+  </dgm:styleLbl>
   <dgm:styleLbl name="parChTrans2D4">
     <dgm:fillClrLst meth="repeat">
-      <a:schemeClr val="dk1"/>
+      <a:schemeClr val="accent3"/>
     </dgm:fillClrLst>
     <dgm:linClrLst meth="repeat">
-      <a:schemeClr val="dk1"/>
+      <a:schemeClr val="accent3"/>
     </dgm:linClrLst>
     <dgm:effectClrLst/>
     <dgm:txLinClrLst/>
@@ -524,10 +470,10 @@
   </dgm:styleLbl>
   <dgm:styleLbl name="parChTrans1D1">
     <dgm:fillClrLst meth="repeat">
-      <a:schemeClr val="dk1"/>
+      <a:schemeClr val="accent3"/>
     </dgm:fillClrLst>
     <dgm:linClrLst meth="repeat">
-      <a:schemeClr val="dk1">
+      <a:schemeClr val="accent3">
         <a:shade val="60000"/>
       </a:schemeClr>
     </dgm:linClrLst>
@@ -540,10 +486,10 @@
   </dgm:styleLbl>
   <dgm:styleLbl name="parChTrans1D2">
     <dgm:fillClrLst meth="repeat">
-      <a:schemeClr val="dk1"/>
+      <a:schemeClr val="accent3"/>
     </dgm:fillClrLst>
     <dgm:linClrLst meth="repeat">
-      <a:schemeClr val="dk1">
+      <a:schemeClr val="accent3">
         <a:shade val="60000"/>
       </a:schemeClr>
     </dgm:linClrLst>
@@ -556,10 +502,10 @@
   </dgm:styleLbl>
   <dgm:styleLbl name="parChTrans1D3">
     <dgm:fillClrLst meth="repeat">
-      <a:schemeClr val="dk1"/>
+      <a:schemeClr val="accent3"/>
     </dgm:fillClrLst>
     <dgm:linClrLst meth="repeat">
-      <a:schemeClr val="dk1">
+      <a:schemeClr val="accent3">
         <a:shade val="80000"/>
       </a:schemeClr>
     </dgm:linClrLst>
@@ -572,10 +518,10 @@
   </dgm:styleLbl>
   <dgm:styleLbl name="parChTrans1D4">
     <dgm:fillClrLst meth="repeat">
-      <a:schemeClr val="dk1"/>
+      <a:schemeClr val="accent3"/>
     </dgm:fillClrLst>
     <dgm:linClrLst meth="repeat">
-      <a:schemeClr val="dk1">
+      <a:schemeClr val="accent3">
         <a:shade val="80000"/>
       </a:schemeClr>
     </dgm:linClrLst>
@@ -588,13 +534,12 @@
   </dgm:styleLbl>
   <dgm:styleLbl name="fgAcc1">
     <dgm:fillClrLst meth="repeat">
-      <a:schemeClr val="dk1">
+      <a:schemeClr val="lt1">
         <a:alpha val="90000"/>
-        <a:tint val="40000"/>
       </a:schemeClr>
     </dgm:fillClrLst>
     <dgm:linClrLst meth="repeat">
-      <a:schemeClr val="dk1"/>
+      <a:schemeClr val="accent3"/>
     </dgm:linClrLst>
     <dgm:effectClrLst/>
     <dgm:txLinClrLst/>
@@ -605,13 +550,12 @@
   </dgm:styleLbl>
   <dgm:styleLbl name="conFgAcc1">
     <dgm:fillClrLst meth="repeat">
-      <a:schemeClr val="dk1">
+      <a:schemeClr val="lt1">
         <a:alpha val="90000"/>
-        <a:tint val="40000"/>
       </a:schemeClr>
     </dgm:fillClrLst>
     <dgm:linClrLst meth="repeat">
-      <a:schemeClr val="dk1"/>
+      <a:schemeClr val="accent3"/>
     </dgm:linClrLst>
     <dgm:effectClrLst/>
     <dgm:txLinClrLst/>
@@ -622,13 +566,12 @@
   </dgm:styleLbl>
   <dgm:styleLbl name="alignAcc1">
     <dgm:fillClrLst meth="repeat">
-      <a:schemeClr val="dk1">
+      <a:schemeClr val="lt1">
         <a:alpha val="90000"/>
-        <a:tint val="40000"/>
       </a:schemeClr>
     </dgm:fillClrLst>
     <dgm:linClrLst meth="repeat">
-      <a:schemeClr val="dk1"/>
+      <a:schemeClr val="accent3"/>
     </dgm:linClrLst>
     <dgm:effectClrLst/>
     <dgm:txLinClrLst/>
@@ -639,13 +582,12 @@
   </dgm:styleLbl>
   <dgm:styleLbl name="trAlignAcc1">
     <dgm:fillClrLst meth="repeat">
-      <a:schemeClr val="dk1">
+      <a:schemeClr val="lt1">
         <a:alpha val="40000"/>
-        <a:tint val="40000"/>
       </a:schemeClr>
     </dgm:fillClrLst>
     <dgm:linClrLst meth="repeat">
-      <a:schemeClr val="dk1"/>
+      <a:schemeClr val="accent3"/>
     </dgm:linClrLst>
     <dgm:effectClrLst/>
     <dgm:txLinClrLst/>
@@ -656,13 +598,12 @@
   </dgm:styleLbl>
   <dgm:styleLbl name="bgAcc1">
     <dgm:fillClrLst meth="repeat">
-      <a:schemeClr val="dk1">
+      <a:schemeClr val="lt1">
         <a:alpha val="90000"/>
-        <a:tint val="40000"/>
       </a:schemeClr>
     </dgm:fillClrLst>
     <dgm:linClrLst meth="repeat">
-      <a:schemeClr val="dk1"/>
+      <a:schemeClr val="accent3"/>
     </dgm:linClrLst>
     <dgm:effectClrLst/>
     <dgm:txLinClrLst/>
@@ -676,7 +617,7 @@
       <a:schemeClr val="lt1"/>
     </dgm:fillClrLst>
     <dgm:linClrLst meth="repeat">
-      <a:schemeClr val="dk1"/>
+      <a:schemeClr val="accent3"/>
     </dgm:linClrLst>
     <dgm:effectClrLst/>
     <dgm:txLinClrLst/>
@@ -690,7 +631,7 @@
       <a:schemeClr val="lt1"/>
     </dgm:fillClrLst>
     <dgm:linClrLst meth="repeat">
-      <a:schemeClr val="dk1"/>
+      <a:schemeClr val="accent3"/>
     </dgm:linClrLst>
     <dgm:effectClrLst/>
     <dgm:txLinClrLst/>
@@ -704,7 +645,7 @@
       <a:schemeClr val="lt1"/>
     </dgm:fillClrLst>
     <dgm:linClrLst meth="repeat">
-      <a:schemeClr val="dk1"/>
+      <a:schemeClr val="accent3"/>
     </dgm:linClrLst>
     <dgm:effectClrLst/>
     <dgm:txLinClrLst/>
@@ -715,14 +656,15 @@
   </dgm:styleLbl>
   <dgm:styleLbl name="fgAccFollowNode1">
     <dgm:fillClrLst meth="repeat">
-      <a:schemeClr val="lt1">
+      <a:schemeClr val="accent3">
         <a:alpha val="90000"/>
         <a:tint val="40000"/>
       </a:schemeClr>
     </dgm:fillClrLst>
     <dgm:linClrLst meth="repeat">
-      <a:schemeClr val="dk1">
+      <a:schemeClr val="accent3">
         <a:alpha val="90000"/>
+        <a:tint val="40000"/>
       </a:schemeClr>
     </dgm:linClrLst>
     <dgm:effectClrLst/>
@@ -734,14 +676,15 @@
   </dgm:styleLbl>
   <dgm:styleLbl name="alignAccFollowNode1">
     <dgm:fillClrLst meth="repeat">
-      <a:schemeClr val="lt1">
+      <a:schemeClr val="accent3">
         <a:alpha val="90000"/>
         <a:tint val="40000"/>
       </a:schemeClr>
     </dgm:fillClrLst>
     <dgm:linClrLst meth="repeat">
-      <a:schemeClr val="dk1">
+      <a:schemeClr val="accent3">
         <a:alpha val="90000"/>
+        <a:tint val="40000"/>
       </a:schemeClr>
     </dgm:linClrLst>
     <dgm:effectClrLst/>
@@ -753,14 +696,15 @@
   </dgm:styleLbl>
   <dgm:styleLbl name="bgAccFollowNode1">
     <dgm:fillClrLst meth="repeat">
-      <a:schemeClr val="lt1">
+      <a:schemeClr val="accent3">
         <a:alpha val="90000"/>
         <a:tint val="40000"/>
       </a:schemeClr>
     </dgm:fillClrLst>
     <dgm:linClrLst meth="repeat">
-      <a:schemeClr val="dk1">
+      <a:schemeClr val="accent3">
         <a:alpha val="90000"/>
+        <a:tint val="40000"/>
       </a:schemeClr>
     </dgm:linClrLst>
     <dgm:effectClrLst/>
@@ -772,13 +716,12 @@
   </dgm:styleLbl>
   <dgm:styleLbl name="fgAcc0">
     <dgm:fillClrLst meth="repeat">
-      <a:schemeClr val="dk1">
+      <a:schemeClr val="lt1">
         <a:alpha val="90000"/>
-        <a:tint val="40000"/>
       </a:schemeClr>
     </dgm:fillClrLst>
     <dgm:linClrLst meth="repeat">
-      <a:schemeClr val="dk1"/>
+      <a:schemeClr val="accent3"/>
     </dgm:linClrLst>
     <dgm:effectClrLst/>
     <dgm:txLinClrLst/>
@@ -789,13 +732,12 @@
   </dgm:styleLbl>
   <dgm:styleLbl name="fgAcc2">
     <dgm:fillClrLst meth="repeat">
-      <a:schemeClr val="dk1">
+      <a:schemeClr val="lt1">
         <a:alpha val="90000"/>
-        <a:tint val="40000"/>
       </a:schemeClr>
     </dgm:fillClrLst>
     <dgm:linClrLst meth="repeat">
-      <a:schemeClr val="dk1"/>
+      <a:schemeClr val="accent3"/>
     </dgm:linClrLst>
     <dgm:effectClrLst/>
     <dgm:txLinClrLst/>
@@ -806,13 +748,12 @@
   </dgm:styleLbl>
   <dgm:styleLbl name="fgAcc3">
     <dgm:fillClrLst meth="repeat">
-      <a:schemeClr val="dk1">
+      <a:schemeClr val="lt1">
         <a:alpha val="90000"/>
-        <a:tint val="40000"/>
       </a:schemeClr>
     </dgm:fillClrLst>
     <dgm:linClrLst meth="repeat">
-      <a:schemeClr val="dk1"/>
+      <a:schemeClr val="accent3"/>
     </dgm:linClrLst>
     <dgm:effectClrLst/>
     <dgm:txLinClrLst/>
@@ -823,13 +764,12 @@
   </dgm:styleLbl>
   <dgm:styleLbl name="fgAcc4">
     <dgm:fillClrLst meth="repeat">
-      <a:schemeClr val="dk1">
+      <a:schemeClr val="lt1">
         <a:alpha val="90000"/>
-        <a:tint val="40000"/>
       </a:schemeClr>
     </dgm:fillClrLst>
     <dgm:linClrLst meth="repeat">
-      <a:schemeClr val="dk1"/>
+      <a:schemeClr val="accent3"/>
     </dgm:linClrLst>
     <dgm:effectClrLst/>
     <dgm:txLinClrLst/>
@@ -840,12 +780,12 @@
   </dgm:styleLbl>
   <dgm:styleLbl name="bgShp">
     <dgm:fillClrLst meth="repeat">
-      <a:schemeClr val="dk1">
+      <a:schemeClr val="accent3">
         <a:tint val="40000"/>
       </a:schemeClr>
     </dgm:fillClrLst>
     <dgm:linClrLst meth="repeat">
-      <a:schemeClr val="dk1"/>
+      <a:schemeClr val="accent3"/>
     </dgm:linClrLst>
     <dgm:effectClrLst/>
     <dgm:txLinClrLst/>
@@ -856,12 +796,12 @@
   </dgm:styleLbl>
   <dgm:styleLbl name="dkBgShp">
     <dgm:fillClrLst meth="repeat">
-      <a:schemeClr val="dk1">
+      <a:schemeClr val="accent3">
         <a:shade val="80000"/>
       </a:schemeClr>
     </dgm:fillClrLst>
     <dgm:linClrLst meth="repeat">
-      <a:schemeClr val="dk1"/>
+      <a:schemeClr val="accent3"/>
     </dgm:linClrLst>
     <dgm:effectClrLst/>
     <dgm:txLinClrLst/>
@@ -872,13 +812,13 @@
   </dgm:styleLbl>
   <dgm:styleLbl name="trBgShp">
     <dgm:fillClrLst meth="repeat">
-      <a:schemeClr val="dk1">
+      <a:schemeClr val="accent3">
         <a:tint val="50000"/>
         <a:alpha val="40000"/>
       </a:schemeClr>
     </dgm:fillClrLst>
     <dgm:linClrLst meth="repeat">
-      <a:schemeClr val="dk1"/>
+      <a:schemeClr val="accent3"/>
     </dgm:linClrLst>
     <dgm:effectClrLst/>
     <dgm:txLinClrLst/>
@@ -889,7 +829,7 @@
   </dgm:styleLbl>
   <dgm:styleLbl name="fgShp">
     <dgm:fillClrLst meth="repeat">
-      <a:schemeClr val="dk1">
+      <a:schemeClr val="accent3">
         <a:tint val="60000"/>
       </a:schemeClr>
     </dgm:fillClrLst>
@@ -928,7 +868,7 @@
 <dgm:dataModel xmlns:dgm="http://schemas.openxmlformats.org/drawingml/2006/diagram" xmlns:a="http://schemas.openxmlformats.org/drawingml/2006/main">
   <dgm:ptLst>
     <dgm:pt modelId="{EE787B55-61CE-4574-A994-56642A3937CA}" type="doc">
-      <dgm:prSet loTypeId="urn:microsoft.com/office/officeart/2005/8/layout/radial4" loCatId="relationship" qsTypeId="urn:microsoft.com/office/officeart/2005/8/quickstyle/simple1" qsCatId="simple" csTypeId="urn:microsoft.com/office/officeart/2005/8/colors/accent0_1" csCatId="mainScheme" phldr="1"/>
+      <dgm:prSet loTypeId="urn:microsoft.com/office/officeart/2005/8/layout/radial1" loCatId="relationship" qsTypeId="urn:microsoft.com/office/officeart/2005/8/quickstyle/simple2" qsCatId="simple" csTypeId="urn:microsoft.com/office/officeart/2005/8/colors/accent3_2" csCatId="accent3" phldr="1"/>
       <dgm:spPr/>
       <dgm:t>
         <a:bodyPr/>
@@ -946,14 +886,26 @@
         <a:lstStyle/>
         <a:p>
           <a:r>
-            <a:rPr lang="de-DE" dirty="0"/>
+            <a:rPr lang="de-DE" dirty="0">
+              <a:solidFill>
+                <a:schemeClr val="tx1"/>
+              </a:solidFill>
+            </a:rPr>
             <a:t>App time </a:t>
           </a:r>
           <a:r>
-            <a:rPr lang="de-DE" dirty="0" err="1"/>
+            <a:rPr lang="de-DE" dirty="0" err="1">
+              <a:solidFill>
+                <a:schemeClr val="tx1"/>
+              </a:solidFill>
+            </a:rPr>
             <a:t>usage</a:t>
           </a:r>
-          <a:endParaRPr lang="en-US" dirty="0"/>
+          <a:endParaRPr lang="en-US" dirty="0">
+            <a:solidFill>
+              <a:schemeClr val="tx1"/>
+            </a:solidFill>
+          </a:endParaRPr>
         </a:p>
       </dgm:t>
     </dgm:pt>
@@ -964,7 +916,11 @@
         <a:bodyPr/>
         <a:lstStyle/>
         <a:p>
-          <a:endParaRPr lang="en-US"/>
+          <a:endParaRPr lang="en-US">
+            <a:solidFill>
+              <a:schemeClr val="tx1"/>
+            </a:solidFill>
+          </a:endParaRPr>
         </a:p>
       </dgm:t>
     </dgm:pt>
@@ -975,7 +931,11 @@
         <a:bodyPr/>
         <a:lstStyle/>
         <a:p>
-          <a:endParaRPr lang="en-US"/>
+          <a:endParaRPr lang="en-US">
+            <a:solidFill>
+              <a:schemeClr val="tx1"/>
+            </a:solidFill>
+          </a:endParaRPr>
         </a:p>
       </dgm:t>
     </dgm:pt>
@@ -987,10 +947,18 @@
         <a:lstStyle/>
         <a:p>
           <a:r>
-            <a:rPr lang="de-DE" dirty="0"/>
+            <a:rPr lang="de-DE" dirty="0">
+              <a:solidFill>
+                <a:schemeClr val="tx1"/>
+              </a:solidFill>
+            </a:rPr>
             <a:t>Step counter</a:t>
           </a:r>
-          <a:endParaRPr lang="en-US" dirty="0"/>
+          <a:endParaRPr lang="en-US" dirty="0">
+            <a:solidFill>
+              <a:schemeClr val="tx1"/>
+            </a:solidFill>
+          </a:endParaRPr>
         </a:p>
       </dgm:t>
     </dgm:pt>
@@ -1001,7 +969,11 @@
         <a:bodyPr/>
         <a:lstStyle/>
         <a:p>
-          <a:endParaRPr lang="en-US"/>
+          <a:endParaRPr lang="en-US">
+            <a:solidFill>
+              <a:schemeClr val="tx1"/>
+            </a:solidFill>
+          </a:endParaRPr>
         </a:p>
       </dgm:t>
     </dgm:pt>
@@ -1012,7 +984,11 @@
         <a:bodyPr/>
         <a:lstStyle/>
         <a:p>
-          <a:endParaRPr lang="en-US"/>
+          <a:endParaRPr lang="en-US">
+            <a:solidFill>
+              <a:schemeClr val="tx1"/>
+            </a:solidFill>
+          </a:endParaRPr>
         </a:p>
       </dgm:t>
     </dgm:pt>
@@ -1024,14 +1000,26 @@
         <a:lstStyle/>
         <a:p>
           <a:r>
-            <a:rPr lang="de-DE" dirty="0"/>
+            <a:rPr lang="de-DE" dirty="0">
+              <a:solidFill>
+                <a:schemeClr val="tx1"/>
+              </a:solidFill>
+            </a:rPr>
             <a:t>App </a:t>
           </a:r>
           <a:r>
-            <a:rPr lang="de-DE" dirty="0" err="1"/>
+            <a:rPr lang="de-DE" dirty="0" err="1">
+              <a:solidFill>
+                <a:schemeClr val="tx1"/>
+              </a:solidFill>
+            </a:rPr>
             <a:t>locking</a:t>
           </a:r>
-          <a:endParaRPr lang="en-US" dirty="0"/>
+          <a:endParaRPr lang="en-US" dirty="0">
+            <a:solidFill>
+              <a:schemeClr val="tx1"/>
+            </a:solidFill>
+          </a:endParaRPr>
         </a:p>
       </dgm:t>
     </dgm:pt>
@@ -1042,7 +1030,11 @@
         <a:bodyPr/>
         <a:lstStyle/>
         <a:p>
-          <a:endParaRPr lang="en-US"/>
+          <a:endParaRPr lang="en-US">
+            <a:solidFill>
+              <a:schemeClr val="tx1"/>
+            </a:solidFill>
+          </a:endParaRPr>
         </a:p>
       </dgm:t>
     </dgm:pt>
@@ -1053,7 +1045,11 @@
         <a:bodyPr/>
         <a:lstStyle/>
         <a:p>
-          <a:endParaRPr lang="en-US"/>
+          <a:endParaRPr lang="en-US">
+            <a:solidFill>
+              <a:schemeClr val="tx1"/>
+            </a:solidFill>
+          </a:endParaRPr>
         </a:p>
       </dgm:t>
     </dgm:pt>
@@ -1065,10 +1061,18 @@
         <a:lstStyle/>
         <a:p>
           <a:r>
-            <a:rPr lang="de-DE" dirty="0"/>
+            <a:rPr lang="de-DE" dirty="0">
+              <a:solidFill>
+                <a:schemeClr val="tx1"/>
+              </a:solidFill>
+            </a:rPr>
             <a:t>Learning Aid</a:t>
           </a:r>
-          <a:endParaRPr lang="en-US" dirty="0"/>
+          <a:endParaRPr lang="en-US" dirty="0">
+            <a:solidFill>
+              <a:schemeClr val="tx1"/>
+            </a:solidFill>
+          </a:endParaRPr>
         </a:p>
       </dgm:t>
     </dgm:pt>
@@ -1079,7 +1083,11 @@
         <a:bodyPr/>
         <a:lstStyle/>
         <a:p>
-          <a:endParaRPr lang="en-US"/>
+          <a:endParaRPr lang="en-US">
+            <a:solidFill>
+              <a:schemeClr val="tx1"/>
+            </a:solidFill>
+          </a:endParaRPr>
         </a:p>
       </dgm:t>
     </dgm:pt>
@@ -1090,7 +1098,11 @@
         <a:bodyPr/>
         <a:lstStyle/>
         <a:p>
-          <a:endParaRPr lang="en-US"/>
+          <a:endParaRPr lang="en-US">
+            <a:solidFill>
+              <a:schemeClr val="tx1"/>
+            </a:solidFill>
+          </a:endParaRPr>
         </a:p>
       </dgm:t>
     </dgm:pt>
@@ -1102,14 +1114,26 @@
         <a:lstStyle/>
         <a:p>
           <a:r>
-            <a:rPr lang="de-DE" dirty="0"/>
+            <a:rPr lang="de-DE" dirty="0">
+              <a:solidFill>
+                <a:schemeClr val="tx1"/>
+              </a:solidFill>
+            </a:rPr>
             <a:t>Emotion </a:t>
           </a:r>
           <a:r>
-            <a:rPr lang="de-DE" dirty="0" err="1"/>
+            <a:rPr lang="de-DE" dirty="0" err="1">
+              <a:solidFill>
+                <a:schemeClr val="tx1"/>
+              </a:solidFill>
+            </a:rPr>
             <a:t>tracking</a:t>
           </a:r>
-          <a:endParaRPr lang="en-US" dirty="0"/>
+          <a:endParaRPr lang="en-US" dirty="0">
+            <a:solidFill>
+              <a:schemeClr val="tx1"/>
+            </a:solidFill>
+          </a:endParaRPr>
         </a:p>
       </dgm:t>
     </dgm:pt>
@@ -1120,7 +1144,11 @@
         <a:bodyPr/>
         <a:lstStyle/>
         <a:p>
-          <a:endParaRPr lang="en-US"/>
+          <a:endParaRPr lang="en-US">
+            <a:solidFill>
+              <a:schemeClr val="tx1"/>
+            </a:solidFill>
+          </a:endParaRPr>
         </a:p>
       </dgm:t>
     </dgm:pt>
@@ -1131,7 +1159,11 @@
         <a:bodyPr/>
         <a:lstStyle/>
         <a:p>
-          <a:endParaRPr lang="en-US"/>
+          <a:endParaRPr lang="en-US">
+            <a:solidFill>
+              <a:schemeClr val="tx1"/>
+            </a:solidFill>
+          </a:endParaRPr>
         </a:p>
       </dgm:t>
     </dgm:pt>
@@ -1143,10 +1175,18 @@
         <a:lstStyle/>
         <a:p>
           <a:r>
-            <a:rPr lang="de-DE" dirty="0"/>
+            <a:rPr lang="de-DE" dirty="0">
+              <a:solidFill>
+                <a:schemeClr val="tx1"/>
+              </a:solidFill>
+            </a:rPr>
             <a:t>Configurations</a:t>
           </a:r>
-          <a:endParaRPr lang="en-US" dirty="0"/>
+          <a:endParaRPr lang="en-US" dirty="0">
+            <a:solidFill>
+              <a:schemeClr val="tx1"/>
+            </a:solidFill>
+          </a:endParaRPr>
         </a:p>
       </dgm:t>
     </dgm:pt>
@@ -1157,7 +1197,11 @@
         <a:bodyPr/>
         <a:lstStyle/>
         <a:p>
-          <a:endParaRPr lang="en-US"/>
+          <a:endParaRPr lang="en-US">
+            <a:solidFill>
+              <a:schemeClr val="tx1"/>
+            </a:solidFill>
+          </a:endParaRPr>
         </a:p>
       </dgm:t>
     </dgm:pt>
@@ -1168,7 +1212,11 @@
         <a:bodyPr/>
         <a:lstStyle/>
         <a:p>
-          <a:endParaRPr lang="en-US"/>
+          <a:endParaRPr lang="en-US">
+            <a:solidFill>
+              <a:schemeClr val="tx1"/>
+            </a:solidFill>
+          </a:endParaRPr>
         </a:p>
       </dgm:t>
     </dgm:pt>
@@ -1180,10 +1228,33 @@
         <a:lstStyle/>
         <a:p>
           <a:r>
-            <a:rPr lang="en-US" dirty="0" err="1"/>
-            <a:t>UNIatron</a:t>
+            <a:rPr lang="en-US" b="1" dirty="0" err="1">
+              <a:solidFill>
+                <a:schemeClr val="tx1"/>
+              </a:solidFill>
+            </a:rPr>
+            <a:t>UNIAtron</a:t>
           </a:r>
-          <a:endParaRPr lang="en-US" dirty="0"/>
+          <a:endParaRPr lang="en-US" b="1" dirty="0">
+            <a:solidFill>
+              <a:schemeClr val="tx1"/>
+            </a:solidFill>
+          </a:endParaRPr>
+        </a:p>
+      </dgm:t>
+    </dgm:pt>
+    <dgm:pt modelId="{0118719F-D18F-4C6E-9120-7A8A94825E91}" type="sibTrans" cxnId="{1E39E831-A584-4C02-A52F-10C236757BB0}">
+      <dgm:prSet/>
+      <dgm:spPr/>
+      <dgm:t>
+        <a:bodyPr/>
+        <a:lstStyle/>
+        <a:p>
+          <a:endParaRPr lang="de-DE">
+            <a:solidFill>
+              <a:schemeClr val="tx1"/>
+            </a:solidFill>
+          </a:endParaRPr>
         </a:p>
       </dgm:t>
     </dgm:pt>
@@ -1194,22 +1265,15 @@
         <a:bodyPr/>
         <a:lstStyle/>
         <a:p>
-          <a:endParaRPr lang="de-DE"/>
+          <a:endParaRPr lang="de-DE">
+            <a:solidFill>
+              <a:schemeClr val="tx1"/>
+            </a:solidFill>
+          </a:endParaRPr>
         </a:p>
       </dgm:t>
     </dgm:pt>
-    <dgm:pt modelId="{0118719F-D18F-4C6E-9120-7A8A94825E91}" type="sibTrans" cxnId="{1E39E831-A584-4C02-A52F-10C236757BB0}">
-      <dgm:prSet/>
-      <dgm:spPr/>
-      <dgm:t>
-        <a:bodyPr/>
-        <a:lstStyle/>
-        <a:p>
-          <a:endParaRPr lang="de-DE"/>
-        </a:p>
-      </dgm:t>
-    </dgm:pt>
-    <dgm:pt modelId="{6A900E02-8B4D-4189-BB8E-23806136CD26}" type="pres">
+    <dgm:pt modelId="{21BE70A3-DBB1-4289-A900-456EA49B5BC3}" type="pres">
       <dgm:prSet presAssocID="{EE787B55-61CE-4574-A994-56642A3937CA}" presName="cycle" presStyleCnt="0">
         <dgm:presLayoutVars>
           <dgm:chMax val="1"/>
@@ -1220,15 +1284,19 @@
       </dgm:prSet>
       <dgm:spPr/>
     </dgm:pt>
-    <dgm:pt modelId="{82B97F31-A7D5-4026-9CBD-DF98D928287B}" type="pres">
+    <dgm:pt modelId="{EDDC9A6A-F139-41C2-B9BE-C5999B49B404}" type="pres">
       <dgm:prSet presAssocID="{CCF17569-3965-458C-9839-E8FF0055E2DC}" presName="centerShape" presStyleLbl="node0" presStyleIdx="0" presStyleCnt="1"/>
       <dgm:spPr/>
     </dgm:pt>
-    <dgm:pt modelId="{035AD76B-BE2A-4157-8655-D253E2651343}" type="pres">
-      <dgm:prSet presAssocID="{7082F214-DE62-4196-9D9F-902540A2608D}" presName="parTrans" presStyleLbl="bgSibTrans2D1" presStyleIdx="0" presStyleCnt="6"/>
+    <dgm:pt modelId="{9A780A5D-7F76-46ED-80B2-445E4D96B759}" type="pres">
+      <dgm:prSet presAssocID="{7082F214-DE62-4196-9D9F-902540A2608D}" presName="Name9" presStyleLbl="parChTrans1D2" presStyleIdx="0" presStyleCnt="6"/>
       <dgm:spPr/>
     </dgm:pt>
-    <dgm:pt modelId="{5A56B467-700B-4058-9EB7-DEF91D8AAC59}" type="pres">
+    <dgm:pt modelId="{5292D23E-C187-49E0-AC92-2722614E5B1B}" type="pres">
+      <dgm:prSet presAssocID="{7082F214-DE62-4196-9D9F-902540A2608D}" presName="connTx" presStyleLbl="parChTrans1D2" presStyleIdx="0" presStyleCnt="6"/>
+      <dgm:spPr/>
+    </dgm:pt>
+    <dgm:pt modelId="{C722847B-D502-4570-8708-13F9C2F97E8A}" type="pres">
       <dgm:prSet presAssocID="{65F6CB29-32DF-4CDA-BF85-6B5A77D3A8D0}" presName="node" presStyleLbl="node1" presStyleIdx="0" presStyleCnt="6">
         <dgm:presLayoutVars>
           <dgm:bulletEnabled val="1"/>
@@ -1236,11 +1304,15 @@
       </dgm:prSet>
       <dgm:spPr/>
     </dgm:pt>
-    <dgm:pt modelId="{02D5363F-8966-4B3E-B8DD-281FA0A528A0}" type="pres">
-      <dgm:prSet presAssocID="{E56E3889-EF5B-406E-91EE-415C6D0C31AF}" presName="parTrans" presStyleLbl="bgSibTrans2D1" presStyleIdx="1" presStyleCnt="6"/>
+    <dgm:pt modelId="{E2B0948E-0EF3-43F8-A204-9201D709951F}" type="pres">
+      <dgm:prSet presAssocID="{E56E3889-EF5B-406E-91EE-415C6D0C31AF}" presName="Name9" presStyleLbl="parChTrans1D2" presStyleIdx="1" presStyleCnt="6"/>
       <dgm:spPr/>
     </dgm:pt>
-    <dgm:pt modelId="{189FBAAC-5A63-4936-80EE-5FB1BB955923}" type="pres">
+    <dgm:pt modelId="{4327AD47-569A-4874-AB93-46935551096D}" type="pres">
+      <dgm:prSet presAssocID="{E56E3889-EF5B-406E-91EE-415C6D0C31AF}" presName="connTx" presStyleLbl="parChTrans1D2" presStyleIdx="1" presStyleCnt="6"/>
+      <dgm:spPr/>
+    </dgm:pt>
+    <dgm:pt modelId="{6C36BD50-337E-4C08-B6BF-48A580DA90CC}" type="pres">
       <dgm:prSet presAssocID="{99B38601-E8BB-4F86-9891-74BAA1593B82}" presName="node" presStyleLbl="node1" presStyleIdx="1" presStyleCnt="6">
         <dgm:presLayoutVars>
           <dgm:bulletEnabled val="1"/>
@@ -1248,11 +1320,15 @@
       </dgm:prSet>
       <dgm:spPr/>
     </dgm:pt>
-    <dgm:pt modelId="{1296835F-34BE-4FC7-B2C5-3DEF9E53C61B}" type="pres">
-      <dgm:prSet presAssocID="{F5FCA0E7-C02B-44DC-8C28-F0BA3E0E9B62}" presName="parTrans" presStyleLbl="bgSibTrans2D1" presStyleIdx="2" presStyleCnt="6"/>
+    <dgm:pt modelId="{D16D04FB-1A92-42A9-9468-ADA5240FE74B}" type="pres">
+      <dgm:prSet presAssocID="{F5FCA0E7-C02B-44DC-8C28-F0BA3E0E9B62}" presName="Name9" presStyleLbl="parChTrans1D2" presStyleIdx="2" presStyleCnt="6"/>
       <dgm:spPr/>
     </dgm:pt>
-    <dgm:pt modelId="{3248916B-FFC7-4209-9E3A-8E41F20F9BBD}" type="pres">
+    <dgm:pt modelId="{A196499A-B71C-4806-B971-DDCFBD18BCB7}" type="pres">
+      <dgm:prSet presAssocID="{F5FCA0E7-C02B-44DC-8C28-F0BA3E0E9B62}" presName="connTx" presStyleLbl="parChTrans1D2" presStyleIdx="2" presStyleCnt="6"/>
+      <dgm:spPr/>
+    </dgm:pt>
+    <dgm:pt modelId="{CCB1B31A-B074-4C69-810B-B13E0969399E}" type="pres">
       <dgm:prSet presAssocID="{53E74A07-BE84-4491-B7A3-AEB4CA53660A}" presName="node" presStyleLbl="node1" presStyleIdx="2" presStyleCnt="6">
         <dgm:presLayoutVars>
           <dgm:bulletEnabled val="1"/>
@@ -1260,11 +1336,15 @@
       </dgm:prSet>
       <dgm:spPr/>
     </dgm:pt>
-    <dgm:pt modelId="{E5CA3B17-B035-4C49-9E8F-61199A2EDDC0}" type="pres">
-      <dgm:prSet presAssocID="{814878D8-7557-4009-834B-F0C02F767790}" presName="parTrans" presStyleLbl="bgSibTrans2D1" presStyleIdx="3" presStyleCnt="6"/>
+    <dgm:pt modelId="{A4DF95CF-4080-41C9-8254-F75AE5A3117C}" type="pres">
+      <dgm:prSet presAssocID="{814878D8-7557-4009-834B-F0C02F767790}" presName="Name9" presStyleLbl="parChTrans1D2" presStyleIdx="3" presStyleCnt="6"/>
       <dgm:spPr/>
     </dgm:pt>
-    <dgm:pt modelId="{4C7AA72E-5734-4373-9EA8-F9493A57C40E}" type="pres">
+    <dgm:pt modelId="{0A8861E4-9E4B-436E-95DE-2201FBF80298}" type="pres">
+      <dgm:prSet presAssocID="{814878D8-7557-4009-834B-F0C02F767790}" presName="connTx" presStyleLbl="parChTrans1D2" presStyleIdx="3" presStyleCnt="6"/>
+      <dgm:spPr/>
+    </dgm:pt>
+    <dgm:pt modelId="{DA9B1E3D-E968-4775-80D1-F0552449A93F}" type="pres">
       <dgm:prSet presAssocID="{4CA19AFE-A92B-4A21-A707-F1A9220AE4D2}" presName="node" presStyleLbl="node1" presStyleIdx="3" presStyleCnt="6">
         <dgm:presLayoutVars>
           <dgm:bulletEnabled val="1"/>
@@ -1272,11 +1352,15 @@
       </dgm:prSet>
       <dgm:spPr/>
     </dgm:pt>
-    <dgm:pt modelId="{2307C343-6092-41BA-BE85-F7B9D63238B0}" type="pres">
-      <dgm:prSet presAssocID="{71C44282-C674-442D-9DF2-C2C479C0278C}" presName="parTrans" presStyleLbl="bgSibTrans2D1" presStyleIdx="4" presStyleCnt="6"/>
+    <dgm:pt modelId="{1422C677-B7C3-4DAF-88B4-98C6094B238E}" type="pres">
+      <dgm:prSet presAssocID="{71C44282-C674-442D-9DF2-C2C479C0278C}" presName="Name9" presStyleLbl="parChTrans1D2" presStyleIdx="4" presStyleCnt="6"/>
       <dgm:spPr/>
     </dgm:pt>
-    <dgm:pt modelId="{34A60924-0122-40D0-BD03-D06D9D5707AA}" type="pres">
+    <dgm:pt modelId="{92CD6007-82A5-4838-A328-DA0ED80B365A}" type="pres">
+      <dgm:prSet presAssocID="{71C44282-C674-442D-9DF2-C2C479C0278C}" presName="connTx" presStyleLbl="parChTrans1D2" presStyleIdx="4" presStyleCnt="6"/>
+      <dgm:spPr/>
+    </dgm:pt>
+    <dgm:pt modelId="{1A6C708B-4FFF-4090-9861-668BFCC7F583}" type="pres">
       <dgm:prSet presAssocID="{029D0851-5726-4B9B-B11E-89F38C07995E}" presName="node" presStyleLbl="node1" presStyleIdx="4" presStyleCnt="6">
         <dgm:presLayoutVars>
           <dgm:bulletEnabled val="1"/>
@@ -1284,11 +1368,15 @@
       </dgm:prSet>
       <dgm:spPr/>
     </dgm:pt>
-    <dgm:pt modelId="{AB91204A-5A14-4DF6-A5CE-7514B46BB53F}" type="pres">
-      <dgm:prSet presAssocID="{9F5B95BA-1BEC-4D21-8C8D-9C60A8E7EA6B}" presName="parTrans" presStyleLbl="bgSibTrans2D1" presStyleIdx="5" presStyleCnt="6"/>
+    <dgm:pt modelId="{6D241E69-C450-4488-BAEA-AD6E600F8C7A}" type="pres">
+      <dgm:prSet presAssocID="{9F5B95BA-1BEC-4D21-8C8D-9C60A8E7EA6B}" presName="Name9" presStyleLbl="parChTrans1D2" presStyleIdx="5" presStyleCnt="6"/>
       <dgm:spPr/>
     </dgm:pt>
-    <dgm:pt modelId="{BA45DA95-460E-48B5-B745-BF0192725DEC}" type="pres">
+    <dgm:pt modelId="{98AFE375-D08A-425F-B691-7F0DF771A974}" type="pres">
+      <dgm:prSet presAssocID="{9F5B95BA-1BEC-4D21-8C8D-9C60A8E7EA6B}" presName="connTx" presStyleLbl="parChTrans1D2" presStyleIdx="5" presStyleCnt="6"/>
+      <dgm:spPr/>
+    </dgm:pt>
+    <dgm:pt modelId="{23EE9F75-557B-4493-9918-2551B38A3764}" type="pres">
       <dgm:prSet presAssocID="{4658E44B-CC13-4D53-B8E4-A2F0DF034CA2}" presName="node" presStyleLbl="node1" presStyleIdx="5" presStyleCnt="6">
         <dgm:presLayoutVars>
           <dgm:bulletEnabled val="1"/>
@@ -1298,40 +1386,52 @@
     </dgm:pt>
   </dgm:ptLst>
   <dgm:cxnLst>
-    <dgm:cxn modelId="{46F4FF0A-D490-4A15-A49C-25BD65E93F05}" type="presOf" srcId="{CCF17569-3965-458C-9839-E8FF0055E2DC}" destId="{82B97F31-A7D5-4026-9CBD-DF98D928287B}" srcOrd="0" destOrd="0" presId="urn:microsoft.com/office/officeart/2005/8/layout/radial4"/>
-    <dgm:cxn modelId="{EAB2C512-07A6-48A7-90D5-9537406E1228}" type="presOf" srcId="{53E74A07-BE84-4491-B7A3-AEB4CA53660A}" destId="{3248916B-FFC7-4209-9E3A-8E41F20F9BBD}" srcOrd="0" destOrd="0" presId="urn:microsoft.com/office/officeart/2005/8/layout/radial4"/>
-    <dgm:cxn modelId="{36EF272C-FC3C-4A13-B616-9C78BEEA15DE}" type="presOf" srcId="{814878D8-7557-4009-834B-F0C02F767790}" destId="{E5CA3B17-B035-4C49-9E8F-61199A2EDDC0}" srcOrd="0" destOrd="0" presId="urn:microsoft.com/office/officeart/2005/8/layout/radial4"/>
+    <dgm:cxn modelId="{9445221E-289B-4ED9-A43E-B51220112C52}" type="presOf" srcId="{814878D8-7557-4009-834B-F0C02F767790}" destId="{0A8861E4-9E4B-436E-95DE-2201FBF80298}" srcOrd="1" destOrd="0" presId="urn:microsoft.com/office/officeart/2005/8/layout/radial1"/>
+    <dgm:cxn modelId="{98AEC722-7018-4315-8AE7-962046456CE5}" type="presOf" srcId="{E56E3889-EF5B-406E-91EE-415C6D0C31AF}" destId="{E2B0948E-0EF3-43F8-A204-9201D709951F}" srcOrd="0" destOrd="0" presId="urn:microsoft.com/office/officeart/2005/8/layout/radial1"/>
     <dgm:cxn modelId="{1E39E831-A584-4C02-A52F-10C236757BB0}" srcId="{EE787B55-61CE-4574-A994-56642A3937CA}" destId="{CCF17569-3965-458C-9839-E8FF0055E2DC}" srcOrd="0" destOrd="0" parTransId="{3A183526-05BE-4F77-8584-70290E53893D}" sibTransId="{0118719F-D18F-4C6E-9120-7A8A94825E91}"/>
-    <dgm:cxn modelId="{56113A49-E34E-4F3D-9D17-D24E50FC857C}" type="presOf" srcId="{99B38601-E8BB-4F86-9891-74BAA1593B82}" destId="{189FBAAC-5A63-4936-80EE-5FB1BB955923}" srcOrd="0" destOrd="0" presId="urn:microsoft.com/office/officeart/2005/8/layout/radial4"/>
-    <dgm:cxn modelId="{7D9CBF49-0111-4291-A4EF-0DBBA413B953}" type="presOf" srcId="{F5FCA0E7-C02B-44DC-8C28-F0BA3E0E9B62}" destId="{1296835F-34BE-4FC7-B2C5-3DEF9E53C61B}" srcOrd="0" destOrd="0" presId="urn:microsoft.com/office/officeart/2005/8/layout/radial4"/>
-    <dgm:cxn modelId="{5E130754-7B4F-492E-8E03-9E543B732E88}" type="presOf" srcId="{029D0851-5726-4B9B-B11E-89F38C07995E}" destId="{34A60924-0122-40D0-BD03-D06D9D5707AA}" srcOrd="0" destOrd="0" presId="urn:microsoft.com/office/officeart/2005/8/layout/radial4"/>
+    <dgm:cxn modelId="{B8E2C633-AA0D-4509-95CB-2AE767EA66E5}" type="presOf" srcId="{F5FCA0E7-C02B-44DC-8C28-F0BA3E0E9B62}" destId="{A196499A-B71C-4806-B971-DDCFBD18BCB7}" srcOrd="1" destOrd="0" presId="urn:microsoft.com/office/officeart/2005/8/layout/radial1"/>
+    <dgm:cxn modelId="{6151113F-49F1-4C8C-AA62-587978A678CE}" type="presOf" srcId="{4658E44B-CC13-4D53-B8E4-A2F0DF034CA2}" destId="{23EE9F75-557B-4493-9918-2551B38A3764}" srcOrd="0" destOrd="0" presId="urn:microsoft.com/office/officeart/2005/8/layout/radial1"/>
+    <dgm:cxn modelId="{6AB0F15D-61EB-4D40-8E40-AC77B6CBEACB}" type="presOf" srcId="{9F5B95BA-1BEC-4D21-8C8D-9C60A8E7EA6B}" destId="{98AFE375-D08A-425F-B691-7F0DF771A974}" srcOrd="1" destOrd="0" presId="urn:microsoft.com/office/officeart/2005/8/layout/radial1"/>
+    <dgm:cxn modelId="{66DB1361-439F-4927-B9D8-452F29FD5A6D}" type="presOf" srcId="{814878D8-7557-4009-834B-F0C02F767790}" destId="{A4DF95CF-4080-41C9-8254-F75AE5A3117C}" srcOrd="0" destOrd="0" presId="urn:microsoft.com/office/officeart/2005/8/layout/radial1"/>
+    <dgm:cxn modelId="{4CB4274C-4BF2-4423-8B99-19C68DA455B0}" type="presOf" srcId="{9F5B95BA-1BEC-4D21-8C8D-9C60A8E7EA6B}" destId="{6D241E69-C450-4488-BAEA-AD6E600F8C7A}" srcOrd="0" destOrd="0" presId="urn:microsoft.com/office/officeart/2005/8/layout/radial1"/>
+    <dgm:cxn modelId="{59EDCA4E-A642-477C-81A3-6881B3807580}" type="presOf" srcId="{71C44282-C674-442D-9DF2-C2C479C0278C}" destId="{1422C677-B7C3-4DAF-88B4-98C6094B238E}" srcOrd="0" destOrd="0" presId="urn:microsoft.com/office/officeart/2005/8/layout/radial1"/>
+    <dgm:cxn modelId="{2023E572-D688-431B-A866-19DDC8408370}" type="presOf" srcId="{CCF17569-3965-458C-9839-E8FF0055E2DC}" destId="{EDDC9A6A-F139-41C2-B9BE-C5999B49B404}" srcOrd="0" destOrd="0" presId="urn:microsoft.com/office/officeart/2005/8/layout/radial1"/>
+    <dgm:cxn modelId="{5D449873-00C2-42B7-B25B-84A78796A511}" type="presOf" srcId="{53E74A07-BE84-4491-B7A3-AEB4CA53660A}" destId="{CCB1B31A-B074-4C69-810B-B13E0969399E}" srcOrd="0" destOrd="0" presId="urn:microsoft.com/office/officeart/2005/8/layout/radial1"/>
     <dgm:cxn modelId="{BDD1DD79-A96C-4DB2-8E63-956192D6A438}" srcId="{CCF17569-3965-458C-9839-E8FF0055E2DC}" destId="{4CA19AFE-A92B-4A21-A707-F1A9220AE4D2}" srcOrd="3" destOrd="0" parTransId="{814878D8-7557-4009-834B-F0C02F767790}" sibTransId="{9966915C-08B2-4C1A-B534-3B089A20F37B}"/>
-    <dgm:cxn modelId="{25231190-66D6-42CD-944B-34E919D58F09}" type="presOf" srcId="{4CA19AFE-A92B-4A21-A707-F1A9220AE4D2}" destId="{4C7AA72E-5734-4373-9EA8-F9493A57C40E}" srcOrd="0" destOrd="0" presId="urn:microsoft.com/office/officeart/2005/8/layout/radial4"/>
+    <dgm:cxn modelId="{E0353A7A-14EA-4704-ACB4-7BAB81495ADB}" type="presOf" srcId="{4CA19AFE-A92B-4A21-A707-F1A9220AE4D2}" destId="{DA9B1E3D-E968-4775-80D1-F0552449A93F}" srcOrd="0" destOrd="0" presId="urn:microsoft.com/office/officeart/2005/8/layout/radial1"/>
+    <dgm:cxn modelId="{9589F187-9680-497C-B0B7-7BC4CF5D7885}" type="presOf" srcId="{7082F214-DE62-4196-9D9F-902540A2608D}" destId="{5292D23E-C187-49E0-AC92-2722614E5B1B}" srcOrd="1" destOrd="0" presId="urn:microsoft.com/office/officeart/2005/8/layout/radial1"/>
     <dgm:cxn modelId="{D5826C9A-6726-42B5-A109-D778A4F7516A}" srcId="{CCF17569-3965-458C-9839-E8FF0055E2DC}" destId="{65F6CB29-32DF-4CDA-BF85-6B5A77D3A8D0}" srcOrd="0" destOrd="0" parTransId="{7082F214-DE62-4196-9D9F-902540A2608D}" sibTransId="{1C3801C1-1353-4F93-9055-A91433AFA796}"/>
-    <dgm:cxn modelId="{07B7259B-600F-4E33-B8BF-2B8933A8E167}" type="presOf" srcId="{4658E44B-CC13-4D53-B8E4-A2F0DF034CA2}" destId="{BA45DA95-460E-48B5-B745-BF0192725DEC}" srcOrd="0" destOrd="0" presId="urn:microsoft.com/office/officeart/2005/8/layout/radial4"/>
-    <dgm:cxn modelId="{EB5BB5A5-F508-497A-A272-ACEF0841B72A}" type="presOf" srcId="{65F6CB29-32DF-4CDA-BF85-6B5A77D3A8D0}" destId="{5A56B467-700B-4058-9EB7-DEF91D8AAC59}" srcOrd="0" destOrd="0" presId="urn:microsoft.com/office/officeart/2005/8/layout/radial4"/>
+    <dgm:cxn modelId="{8936AF9C-DB71-46A0-A96D-1585A6E09273}" type="presOf" srcId="{F5FCA0E7-C02B-44DC-8C28-F0BA3E0E9B62}" destId="{D16D04FB-1A92-42A9-9468-ADA5240FE74B}" srcOrd="0" destOrd="0" presId="urn:microsoft.com/office/officeart/2005/8/layout/radial1"/>
+    <dgm:cxn modelId="{7D559C9E-890B-4692-8F06-327A51DD3441}" type="presOf" srcId="{71C44282-C674-442D-9DF2-C2C479C0278C}" destId="{92CD6007-82A5-4838-A328-DA0ED80B365A}" srcOrd="1" destOrd="0" presId="urn:microsoft.com/office/officeart/2005/8/layout/radial1"/>
+    <dgm:cxn modelId="{467C72A6-B737-41E0-8773-BC83DAD5B479}" type="presOf" srcId="{65F6CB29-32DF-4CDA-BF85-6B5A77D3A8D0}" destId="{C722847B-D502-4570-8708-13F9C2F97E8A}" srcOrd="0" destOrd="0" presId="urn:microsoft.com/office/officeart/2005/8/layout/radial1"/>
     <dgm:cxn modelId="{F24E5DB2-4B03-4A4E-A6CF-17E033023F87}" srcId="{CCF17569-3965-458C-9839-E8FF0055E2DC}" destId="{4658E44B-CC13-4D53-B8E4-A2F0DF034CA2}" srcOrd="5" destOrd="0" parTransId="{9F5B95BA-1BEC-4D21-8C8D-9C60A8E7EA6B}" sibTransId="{95EB7DBD-99BB-4E84-884C-1BA514B6C9A3}"/>
-    <dgm:cxn modelId="{636600B5-24EC-4AAC-9A7D-C83036C5C3C4}" type="presOf" srcId="{71C44282-C674-442D-9DF2-C2C479C0278C}" destId="{2307C343-6092-41BA-BE85-F7B9D63238B0}" srcOrd="0" destOrd="0" presId="urn:microsoft.com/office/officeart/2005/8/layout/radial4"/>
-    <dgm:cxn modelId="{7C9577BE-C174-4488-858B-0709A5231B70}" type="presOf" srcId="{EE787B55-61CE-4574-A994-56642A3937CA}" destId="{6A900E02-8B4D-4189-BB8E-23806136CD26}" srcOrd="0" destOrd="0" presId="urn:microsoft.com/office/officeart/2005/8/layout/radial4"/>
-    <dgm:cxn modelId="{BCAFCFD7-F382-4778-BDCB-74EF32A075C0}" type="presOf" srcId="{E56E3889-EF5B-406E-91EE-415C6D0C31AF}" destId="{02D5363F-8966-4B3E-B8DD-281FA0A528A0}" srcOrd="0" destOrd="0" presId="urn:microsoft.com/office/officeart/2005/8/layout/radial4"/>
+    <dgm:cxn modelId="{55F74EB4-42E5-405F-B5AF-8B9D979BE049}" type="presOf" srcId="{7082F214-DE62-4196-9D9F-902540A2608D}" destId="{9A780A5D-7F76-46ED-80B2-445E4D96B759}" srcOrd="0" destOrd="0" presId="urn:microsoft.com/office/officeart/2005/8/layout/radial1"/>
+    <dgm:cxn modelId="{27CE36DE-CA59-4D3A-9C6B-D20F81064273}" type="presOf" srcId="{E56E3889-EF5B-406E-91EE-415C6D0C31AF}" destId="{4327AD47-569A-4874-AB93-46935551096D}" srcOrd="1" destOrd="0" presId="urn:microsoft.com/office/officeart/2005/8/layout/radial1"/>
     <dgm:cxn modelId="{2576F0E5-97BD-4569-83BB-2CE18C920851}" srcId="{CCF17569-3965-458C-9839-E8FF0055E2DC}" destId="{029D0851-5726-4B9B-B11E-89F38C07995E}" srcOrd="4" destOrd="0" parTransId="{71C44282-C674-442D-9DF2-C2C479C0278C}" sibTransId="{4DB8A41A-7425-4E97-AF8D-C71F66D7D4D3}"/>
+    <dgm:cxn modelId="{2F76D4E8-AA9A-42AF-B0E1-2BAAC68AC5DE}" type="presOf" srcId="{029D0851-5726-4B9B-B11E-89F38C07995E}" destId="{1A6C708B-4FFF-4090-9861-668BFCC7F583}" srcOrd="0" destOrd="0" presId="urn:microsoft.com/office/officeart/2005/8/layout/radial1"/>
     <dgm:cxn modelId="{AF1884ED-8A47-4F85-A9BE-EA19CF6721E1}" srcId="{CCF17569-3965-458C-9839-E8FF0055E2DC}" destId="{99B38601-E8BB-4F86-9891-74BAA1593B82}" srcOrd="1" destOrd="0" parTransId="{E56E3889-EF5B-406E-91EE-415C6D0C31AF}" sibTransId="{D10D85CB-0180-4755-BBD6-1AC33DB240F9}"/>
-    <dgm:cxn modelId="{05C6E4EF-6D64-4D9F-834E-CECFD018EEC4}" type="presOf" srcId="{9F5B95BA-1BEC-4D21-8C8D-9C60A8E7EA6B}" destId="{AB91204A-5A14-4DF6-A5CE-7514B46BB53F}" srcOrd="0" destOrd="0" presId="urn:microsoft.com/office/officeart/2005/8/layout/radial4"/>
-    <dgm:cxn modelId="{2C7C76F5-89CD-4EC6-BA33-D4E25BF7C584}" type="presOf" srcId="{7082F214-DE62-4196-9D9F-902540A2608D}" destId="{035AD76B-BE2A-4157-8655-D253E2651343}" srcOrd="0" destOrd="0" presId="urn:microsoft.com/office/officeart/2005/8/layout/radial4"/>
+    <dgm:cxn modelId="{4AB959F3-B187-4DF7-9B67-9292C0106972}" type="presOf" srcId="{EE787B55-61CE-4574-A994-56642A3937CA}" destId="{21BE70A3-DBB1-4289-A900-456EA49B5BC3}" srcOrd="0" destOrd="0" presId="urn:microsoft.com/office/officeart/2005/8/layout/radial1"/>
+    <dgm:cxn modelId="{0A0D76FC-DEDB-4228-ACB0-F9FB7ADD8E85}" type="presOf" srcId="{99B38601-E8BB-4F86-9891-74BAA1593B82}" destId="{6C36BD50-337E-4C08-B6BF-48A580DA90CC}" srcOrd="0" destOrd="0" presId="urn:microsoft.com/office/officeart/2005/8/layout/radial1"/>
     <dgm:cxn modelId="{04CDA0FD-1606-4148-A52A-F91D05B2DD43}" srcId="{CCF17569-3965-458C-9839-E8FF0055E2DC}" destId="{53E74A07-BE84-4491-B7A3-AEB4CA53660A}" srcOrd="2" destOrd="0" parTransId="{F5FCA0E7-C02B-44DC-8C28-F0BA3E0E9B62}" sibTransId="{F465C93E-2D0E-4869-A7E3-3DF59704E692}"/>
-    <dgm:cxn modelId="{9163852B-B442-4331-9C4C-04D9D28A112A}" type="presParOf" srcId="{6A900E02-8B4D-4189-BB8E-23806136CD26}" destId="{82B97F31-A7D5-4026-9CBD-DF98D928287B}" srcOrd="0" destOrd="0" presId="urn:microsoft.com/office/officeart/2005/8/layout/radial4"/>
-    <dgm:cxn modelId="{ED26EE3B-E0EB-4292-B56B-EA36BB59676A}" type="presParOf" srcId="{6A900E02-8B4D-4189-BB8E-23806136CD26}" destId="{035AD76B-BE2A-4157-8655-D253E2651343}" srcOrd="1" destOrd="0" presId="urn:microsoft.com/office/officeart/2005/8/layout/radial4"/>
-    <dgm:cxn modelId="{C1BBE7BE-5B34-4370-BF31-86B0AE9D6641}" type="presParOf" srcId="{6A900E02-8B4D-4189-BB8E-23806136CD26}" destId="{5A56B467-700B-4058-9EB7-DEF91D8AAC59}" srcOrd="2" destOrd="0" presId="urn:microsoft.com/office/officeart/2005/8/layout/radial4"/>
-    <dgm:cxn modelId="{B6AC78D5-D5E2-448E-83EB-1D6A5336C2D1}" type="presParOf" srcId="{6A900E02-8B4D-4189-BB8E-23806136CD26}" destId="{02D5363F-8966-4B3E-B8DD-281FA0A528A0}" srcOrd="3" destOrd="0" presId="urn:microsoft.com/office/officeart/2005/8/layout/radial4"/>
-    <dgm:cxn modelId="{A1E59250-529A-489D-A527-B188C2421017}" type="presParOf" srcId="{6A900E02-8B4D-4189-BB8E-23806136CD26}" destId="{189FBAAC-5A63-4936-80EE-5FB1BB955923}" srcOrd="4" destOrd="0" presId="urn:microsoft.com/office/officeart/2005/8/layout/radial4"/>
-    <dgm:cxn modelId="{A9E35515-8B49-45C8-B1EC-5E134CFC6530}" type="presParOf" srcId="{6A900E02-8B4D-4189-BB8E-23806136CD26}" destId="{1296835F-34BE-4FC7-B2C5-3DEF9E53C61B}" srcOrd="5" destOrd="0" presId="urn:microsoft.com/office/officeart/2005/8/layout/radial4"/>
-    <dgm:cxn modelId="{55DF5FD6-A226-4C6D-B897-30B76A48CC01}" type="presParOf" srcId="{6A900E02-8B4D-4189-BB8E-23806136CD26}" destId="{3248916B-FFC7-4209-9E3A-8E41F20F9BBD}" srcOrd="6" destOrd="0" presId="urn:microsoft.com/office/officeart/2005/8/layout/radial4"/>
-    <dgm:cxn modelId="{33778662-CF28-4088-A422-6E17B922CF5D}" type="presParOf" srcId="{6A900E02-8B4D-4189-BB8E-23806136CD26}" destId="{E5CA3B17-B035-4C49-9E8F-61199A2EDDC0}" srcOrd="7" destOrd="0" presId="urn:microsoft.com/office/officeart/2005/8/layout/radial4"/>
-    <dgm:cxn modelId="{4DC7F030-7E0F-4117-9FD3-3A607C216561}" type="presParOf" srcId="{6A900E02-8B4D-4189-BB8E-23806136CD26}" destId="{4C7AA72E-5734-4373-9EA8-F9493A57C40E}" srcOrd="8" destOrd="0" presId="urn:microsoft.com/office/officeart/2005/8/layout/radial4"/>
-    <dgm:cxn modelId="{BE78B043-1D2B-4B25-AEC4-BDE1E8DE2E22}" type="presParOf" srcId="{6A900E02-8B4D-4189-BB8E-23806136CD26}" destId="{2307C343-6092-41BA-BE85-F7B9D63238B0}" srcOrd="9" destOrd="0" presId="urn:microsoft.com/office/officeart/2005/8/layout/radial4"/>
-    <dgm:cxn modelId="{DC24AB83-2B67-4C30-8799-3033FB82C688}" type="presParOf" srcId="{6A900E02-8B4D-4189-BB8E-23806136CD26}" destId="{34A60924-0122-40D0-BD03-D06D9D5707AA}" srcOrd="10" destOrd="0" presId="urn:microsoft.com/office/officeart/2005/8/layout/radial4"/>
-    <dgm:cxn modelId="{75011494-1CE6-4F0C-B5D5-1F51C0CAD155}" type="presParOf" srcId="{6A900E02-8B4D-4189-BB8E-23806136CD26}" destId="{AB91204A-5A14-4DF6-A5CE-7514B46BB53F}" srcOrd="11" destOrd="0" presId="urn:microsoft.com/office/officeart/2005/8/layout/radial4"/>
-    <dgm:cxn modelId="{ABA321CB-52B1-4BE8-B2F6-7BA534EC9E11}" type="presParOf" srcId="{6A900E02-8B4D-4189-BB8E-23806136CD26}" destId="{BA45DA95-460E-48B5-B745-BF0192725DEC}" srcOrd="12" destOrd="0" presId="urn:microsoft.com/office/officeart/2005/8/layout/radial4"/>
+    <dgm:cxn modelId="{40563613-9922-4D51-BA42-FCD6B7F7BAD9}" type="presParOf" srcId="{21BE70A3-DBB1-4289-A900-456EA49B5BC3}" destId="{EDDC9A6A-F139-41C2-B9BE-C5999B49B404}" srcOrd="0" destOrd="0" presId="urn:microsoft.com/office/officeart/2005/8/layout/radial1"/>
+    <dgm:cxn modelId="{869BDCA6-1654-4A12-A655-C8B915748EC7}" type="presParOf" srcId="{21BE70A3-DBB1-4289-A900-456EA49B5BC3}" destId="{9A780A5D-7F76-46ED-80B2-445E4D96B759}" srcOrd="1" destOrd="0" presId="urn:microsoft.com/office/officeart/2005/8/layout/radial1"/>
+    <dgm:cxn modelId="{B5FB38D5-5EF8-408A-9603-A782AFEEEEAA}" type="presParOf" srcId="{9A780A5D-7F76-46ED-80B2-445E4D96B759}" destId="{5292D23E-C187-49E0-AC92-2722614E5B1B}" srcOrd="0" destOrd="0" presId="urn:microsoft.com/office/officeart/2005/8/layout/radial1"/>
+    <dgm:cxn modelId="{A754C094-F8E8-49F6-8CE1-53B19E57C601}" type="presParOf" srcId="{21BE70A3-DBB1-4289-A900-456EA49B5BC3}" destId="{C722847B-D502-4570-8708-13F9C2F97E8A}" srcOrd="2" destOrd="0" presId="urn:microsoft.com/office/officeart/2005/8/layout/radial1"/>
+    <dgm:cxn modelId="{FF2DAF41-D0F7-48A2-B5CF-AB24E481F1A8}" type="presParOf" srcId="{21BE70A3-DBB1-4289-A900-456EA49B5BC3}" destId="{E2B0948E-0EF3-43F8-A204-9201D709951F}" srcOrd="3" destOrd="0" presId="urn:microsoft.com/office/officeart/2005/8/layout/radial1"/>
+    <dgm:cxn modelId="{CE0D0369-55B4-4B1E-80F6-C3EDFB8C6C74}" type="presParOf" srcId="{E2B0948E-0EF3-43F8-A204-9201D709951F}" destId="{4327AD47-569A-4874-AB93-46935551096D}" srcOrd="0" destOrd="0" presId="urn:microsoft.com/office/officeart/2005/8/layout/radial1"/>
+    <dgm:cxn modelId="{AE4CA615-5327-4EA6-9D92-361A575BEEAB}" type="presParOf" srcId="{21BE70A3-DBB1-4289-A900-456EA49B5BC3}" destId="{6C36BD50-337E-4C08-B6BF-48A580DA90CC}" srcOrd="4" destOrd="0" presId="urn:microsoft.com/office/officeart/2005/8/layout/radial1"/>
+    <dgm:cxn modelId="{6C91A18D-9FF0-424B-BE86-1357AF91F9DF}" type="presParOf" srcId="{21BE70A3-DBB1-4289-A900-456EA49B5BC3}" destId="{D16D04FB-1A92-42A9-9468-ADA5240FE74B}" srcOrd="5" destOrd="0" presId="urn:microsoft.com/office/officeart/2005/8/layout/radial1"/>
+    <dgm:cxn modelId="{CF0AC525-CD1C-4A42-B748-A7EB0B9F9FF8}" type="presParOf" srcId="{D16D04FB-1A92-42A9-9468-ADA5240FE74B}" destId="{A196499A-B71C-4806-B971-DDCFBD18BCB7}" srcOrd="0" destOrd="0" presId="urn:microsoft.com/office/officeart/2005/8/layout/radial1"/>
+    <dgm:cxn modelId="{C80761F8-14B0-473F-9F84-A4958635F0B4}" type="presParOf" srcId="{21BE70A3-DBB1-4289-A900-456EA49B5BC3}" destId="{CCB1B31A-B074-4C69-810B-B13E0969399E}" srcOrd="6" destOrd="0" presId="urn:microsoft.com/office/officeart/2005/8/layout/radial1"/>
+    <dgm:cxn modelId="{C051D015-C7CC-4B81-B753-F96C84C1DB34}" type="presParOf" srcId="{21BE70A3-DBB1-4289-A900-456EA49B5BC3}" destId="{A4DF95CF-4080-41C9-8254-F75AE5A3117C}" srcOrd="7" destOrd="0" presId="urn:microsoft.com/office/officeart/2005/8/layout/radial1"/>
+    <dgm:cxn modelId="{71D5EC61-1EA8-4230-8403-0FDDE7428E95}" type="presParOf" srcId="{A4DF95CF-4080-41C9-8254-F75AE5A3117C}" destId="{0A8861E4-9E4B-436E-95DE-2201FBF80298}" srcOrd="0" destOrd="0" presId="urn:microsoft.com/office/officeart/2005/8/layout/radial1"/>
+    <dgm:cxn modelId="{8C3F667F-F9A2-4474-87E5-B5164321D19D}" type="presParOf" srcId="{21BE70A3-DBB1-4289-A900-456EA49B5BC3}" destId="{DA9B1E3D-E968-4775-80D1-F0552449A93F}" srcOrd="8" destOrd="0" presId="urn:microsoft.com/office/officeart/2005/8/layout/radial1"/>
+    <dgm:cxn modelId="{6A417F8C-3E0F-4489-AFFB-42FF314230AD}" type="presParOf" srcId="{21BE70A3-DBB1-4289-A900-456EA49B5BC3}" destId="{1422C677-B7C3-4DAF-88B4-98C6094B238E}" srcOrd="9" destOrd="0" presId="urn:microsoft.com/office/officeart/2005/8/layout/radial1"/>
+    <dgm:cxn modelId="{01D4C9F1-4712-4BBA-8B97-914556398A1D}" type="presParOf" srcId="{1422C677-B7C3-4DAF-88B4-98C6094B238E}" destId="{92CD6007-82A5-4838-A328-DA0ED80B365A}" srcOrd="0" destOrd="0" presId="urn:microsoft.com/office/officeart/2005/8/layout/radial1"/>
+    <dgm:cxn modelId="{2F152821-91E9-4AE1-A6BB-C92AE920FD39}" type="presParOf" srcId="{21BE70A3-DBB1-4289-A900-456EA49B5BC3}" destId="{1A6C708B-4FFF-4090-9861-668BFCC7F583}" srcOrd="10" destOrd="0" presId="urn:microsoft.com/office/officeart/2005/8/layout/radial1"/>
+    <dgm:cxn modelId="{7B1A8010-B259-4044-B118-C4CDE646090A}" type="presParOf" srcId="{21BE70A3-DBB1-4289-A900-456EA49B5BC3}" destId="{6D241E69-C450-4488-BAEA-AD6E600F8C7A}" srcOrd="11" destOrd="0" presId="urn:microsoft.com/office/officeart/2005/8/layout/radial1"/>
+    <dgm:cxn modelId="{9E246738-8D28-496F-A9CB-77689CA7F7EE}" type="presParOf" srcId="{6D241E69-C450-4488-BAEA-AD6E600F8C7A}" destId="{98AFE375-D08A-425F-B691-7F0DF771A974}" srcOrd="0" destOrd="0" presId="urn:microsoft.com/office/officeart/2005/8/layout/radial1"/>
+    <dgm:cxn modelId="{E36BD862-FDB8-4969-B85E-60866677DB13}" type="presParOf" srcId="{21BE70A3-DBB1-4289-A900-456EA49B5BC3}" destId="{23EE9F75-557B-4493-9918-2551B38A3764}" srcOrd="12" destOrd="0" presId="urn:microsoft.com/office/officeart/2005/8/layout/radial1"/>
   </dgm:cxnLst>
   <dgm:bg/>
   <dgm:whole/>
@@ -1351,31 +1451,124 @@
       <dsp:cNvGrpSpPr/>
     </dsp:nvGrpSpPr>
     <dsp:grpSpPr/>
-    <dsp:sp modelId="{82B97F31-A7D5-4026-9CBD-DF98D928287B}">
+    <dsp:sp modelId="{EDDC9A6A-F139-41C2-B9BE-C5999B49B404}">
       <dsp:nvSpPr>
         <dsp:cNvPr id="0" name=""/>
         <dsp:cNvSpPr/>
       </dsp:nvSpPr>
       <dsp:spPr>
         <a:xfrm>
-          <a:off x="3424379" y="2132749"/>
-          <a:ext cx="1747552" cy="1747552"/>
+          <a:off x="2803903" y="2224179"/>
+          <a:ext cx="1707344" cy="1707344"/>
         </a:xfrm>
         <a:prstGeom prst="ellipse">
           <a:avLst/>
         </a:prstGeom>
         <a:solidFill>
-          <a:schemeClr val="lt1">
+          <a:schemeClr val="accent3">
             <a:hueOff val="0"/>
             <a:satOff val="0"/>
             <a:lumOff val="0"/>
             <a:alphaOff val="0"/>
           </a:schemeClr>
         </a:solidFill>
+        <a:ln w="25400" cap="rnd" cmpd="sng" algn="ctr">
+          <a:solidFill>
+            <a:schemeClr val="lt1">
+              <a:hueOff val="0"/>
+              <a:satOff val="0"/>
+              <a:lumOff val="0"/>
+              <a:alphaOff val="0"/>
+            </a:schemeClr>
+          </a:solidFill>
+          <a:prstDash val="solid"/>
+        </a:ln>
+        <a:effectLst/>
+      </dsp:spPr>
+      <dsp:style>
+        <a:lnRef idx="3">
+          <a:scrgbClr r="0" g="0" b="0"/>
+        </a:lnRef>
+        <a:fillRef idx="1">
+          <a:scrgbClr r="0" g="0" b="0"/>
+        </a:fillRef>
+        <a:effectRef idx="1">
+          <a:scrgbClr r="0" g="0" b="0"/>
+        </a:effectRef>
+        <a:fontRef idx="minor">
+          <a:schemeClr val="lt1"/>
+        </a:fontRef>
+      </dsp:style>
+      <dsp:txBody>
+        <a:bodyPr spcFirstLastPara="0" vert="horz" wrap="square" lIns="13335" tIns="13335" rIns="13335" bIns="13335" numCol="1" spcCol="1270" anchor="ctr" anchorCtr="0">
+          <a:noAutofit/>
+        </a:bodyPr>
+        <a:lstStyle/>
+        <a:p>
+          <a:pPr marL="0" lvl="0" indent="0" algn="ctr" defTabSz="933450">
+            <a:lnSpc>
+              <a:spcPct val="90000"/>
+            </a:lnSpc>
+            <a:spcBef>
+              <a:spcPct val="0"/>
+            </a:spcBef>
+            <a:spcAft>
+              <a:spcPct val="35000"/>
+            </a:spcAft>
+            <a:buNone/>
+          </a:pPr>
+          <a:r>
+            <a:rPr lang="en-US" sz="2100" b="1" kern="1200" dirty="0" err="1">
+              <a:solidFill>
+                <a:schemeClr val="tx1"/>
+              </a:solidFill>
+            </a:rPr>
+            <a:t>UNIAtron</a:t>
+          </a:r>
+          <a:endParaRPr lang="en-US" sz="2100" b="1" kern="1200" dirty="0">
+            <a:solidFill>
+              <a:schemeClr val="tx1"/>
+            </a:solidFill>
+          </a:endParaRPr>
+        </a:p>
+      </dsp:txBody>
+      <dsp:txXfrm>
+        <a:off x="3053938" y="2474214"/>
+        <a:ext cx="1207274" cy="1207274"/>
+      </dsp:txXfrm>
+    </dsp:sp>
+    <dsp:sp modelId="{9A780A5D-7F76-46ED-80B2-445E4D96B759}">
+      <dsp:nvSpPr>
+        <dsp:cNvPr id="0" name=""/>
+        <dsp:cNvSpPr/>
+      </dsp:nvSpPr>
+      <dsp:spPr>
+        <a:xfrm rot="16200000">
+          <a:off x="3400786" y="1946383"/>
+          <a:ext cx="513578" cy="42011"/>
+        </a:xfrm>
+        <a:custGeom>
+          <a:avLst/>
+          <a:gdLst/>
+          <a:ahLst/>
+          <a:cxnLst/>
+          <a:rect l="0" t="0" r="0" b="0"/>
+          <a:pathLst>
+            <a:path>
+              <a:moveTo>
+                <a:pt x="0" y="21005"/>
+              </a:moveTo>
+              <a:lnTo>
+                <a:pt x="513578" y="21005"/>
+              </a:lnTo>
+            </a:path>
+          </a:pathLst>
+        </a:custGeom>
+        <a:noFill/>
         <a:ln w="19050" cap="rnd" cmpd="sng" algn="ctr">
           <a:solidFill>
-            <a:schemeClr val="dk1">
-              <a:shade val="80000"/>
+            <a:schemeClr val="accent3">
+              <a:shade val="60000"/>
               <a:hueOff val="0"/>
               <a:satOff val="0"/>
               <a:lumOff val="0"/>
@@ -1390,10 +1583,86 @@
         <a:lnRef idx="2">
           <a:scrgbClr r="0" g="0" b="0"/>
         </a:lnRef>
+        <a:fillRef idx="0">
+          <a:scrgbClr r="0" g="0" b="0"/>
+        </a:fillRef>
+        <a:effectRef idx="0">
+          <a:scrgbClr r="0" g="0" b="0"/>
+        </a:effectRef>
+        <a:fontRef idx="minor"/>
+      </dsp:style>
+      <dsp:txBody>
+        <a:bodyPr spcFirstLastPara="0" vert="horz" wrap="square" lIns="12700" tIns="0" rIns="12700" bIns="0" numCol="1" spcCol="1270" anchor="ctr" anchorCtr="0">
+          <a:noAutofit/>
+        </a:bodyPr>
+        <a:lstStyle/>
+        <a:p>
+          <a:pPr marL="0" lvl="0" indent="0" algn="ctr" defTabSz="222250">
+            <a:lnSpc>
+              <a:spcPct val="90000"/>
+            </a:lnSpc>
+            <a:spcBef>
+              <a:spcPct val="0"/>
+            </a:spcBef>
+            <a:spcAft>
+              <a:spcPct val="35000"/>
+            </a:spcAft>
+            <a:buNone/>
+          </a:pPr>
+          <a:endParaRPr lang="en-US" sz="500" kern="1200">
+            <a:solidFill>
+              <a:schemeClr val="tx1"/>
+            </a:solidFill>
+          </a:endParaRPr>
+        </a:p>
+      </dsp:txBody>
+      <dsp:txXfrm>
+        <a:off x="3644736" y="1954550"/>
+        <a:ext cx="25678" cy="25678"/>
+      </dsp:txXfrm>
+    </dsp:sp>
+    <dsp:sp modelId="{C722847B-D502-4570-8708-13F9C2F97E8A}">
+      <dsp:nvSpPr>
+        <dsp:cNvPr id="0" name=""/>
+        <dsp:cNvSpPr/>
+      </dsp:nvSpPr>
+      <dsp:spPr>
+        <a:xfrm>
+          <a:off x="2803903" y="3255"/>
+          <a:ext cx="1707344" cy="1707344"/>
+        </a:xfrm>
+        <a:prstGeom prst="ellipse">
+          <a:avLst/>
+        </a:prstGeom>
+        <a:solidFill>
+          <a:schemeClr val="accent3">
+            <a:hueOff val="0"/>
+            <a:satOff val="0"/>
+            <a:lumOff val="0"/>
+            <a:alphaOff val="0"/>
+          </a:schemeClr>
+        </a:solidFill>
+        <a:ln w="25400" cap="rnd" cmpd="sng" algn="ctr">
+          <a:solidFill>
+            <a:schemeClr val="lt1">
+              <a:hueOff val="0"/>
+              <a:satOff val="0"/>
+              <a:lumOff val="0"/>
+              <a:alphaOff val="0"/>
+            </a:schemeClr>
+          </a:solidFill>
+          <a:prstDash val="solid"/>
+        </a:ln>
+        <a:effectLst/>
+      </dsp:spPr>
+      <dsp:style>
+        <a:lnRef idx="3">
+          <a:scrgbClr r="0" g="0" b="0"/>
+        </a:lnRef>
         <a:fillRef idx="1">
           <a:scrgbClr r="0" g="0" b="0"/>
         </a:fillRef>
-        <a:effectRef idx="0">
+        <a:effectRef idx="1">
           <a:scrgbClr r="0" g="0" b="0"/>
         </a:effectRef>
         <a:fontRef idx="minor">
@@ -1401,12 +1670,12 @@
         </a:fontRef>
       </dsp:style>
       <dsp:txBody>
-        <a:bodyPr spcFirstLastPara="0" vert="horz" wrap="square" lIns="14605" tIns="14605" rIns="14605" bIns="14605" numCol="1" spcCol="1270" anchor="ctr" anchorCtr="0">
+        <a:bodyPr spcFirstLastPara="0" vert="horz" wrap="square" lIns="8890" tIns="8890" rIns="8890" bIns="8890" numCol="1" spcCol="1270" anchor="ctr" anchorCtr="0">
           <a:noAutofit/>
         </a:bodyPr>
         <a:lstStyle/>
         <a:p>
-          <a:pPr marL="0" lvl="0" indent="0" algn="ctr" defTabSz="1022350">
+          <a:pPr marL="0" lvl="0" indent="0" algn="ctr" defTabSz="622300">
             <a:lnSpc>
               <a:spcPct val="90000"/>
             </a:lnSpc>
@@ -1419,89 +1688,57 @@
             <a:buNone/>
           </a:pPr>
           <a:r>
-            <a:rPr lang="en-US" sz="2300" kern="1200" dirty="0" err="1"/>
-            <a:t>UNIatron</a:t>
+            <a:rPr lang="de-DE" sz="1400" kern="1200" dirty="0">
+              <a:solidFill>
+                <a:schemeClr val="tx1"/>
+              </a:solidFill>
+            </a:rPr>
+            <a:t>Step counter</a:t>
           </a:r>
-          <a:endParaRPr lang="en-US" sz="2300" kern="1200" dirty="0"/>
+          <a:endParaRPr lang="en-US" sz="1400" kern="1200" dirty="0">
+            <a:solidFill>
+              <a:schemeClr val="tx1"/>
+            </a:solidFill>
+          </a:endParaRPr>
         </a:p>
       </dsp:txBody>
       <dsp:txXfrm>
-        <a:off x="3680302" y="2388672"/>
-        <a:ext cx="1235706" cy="1235706"/>
+        <a:off x="3053938" y="253290"/>
+        <a:ext cx="1207274" cy="1207274"/>
       </dsp:txXfrm>
     </dsp:sp>
-    <dsp:sp modelId="{035AD76B-BE2A-4157-8655-D253E2651343}">
+    <dsp:sp modelId="{E2B0948E-0EF3-43F8-A204-9201D709951F}">
       <dsp:nvSpPr>
         <dsp:cNvPr id="0" name=""/>
         <dsp:cNvSpPr/>
       </dsp:nvSpPr>
       <dsp:spPr>
-        <a:xfrm rot="10800000">
-          <a:off x="1652595" y="2757500"/>
-          <a:ext cx="1674335" cy="498052"/>
+        <a:xfrm rot="19800000">
+          <a:off x="4362474" y="2501614"/>
+          <a:ext cx="513578" cy="42011"/>
         </a:xfrm>
-        <a:prstGeom prst="leftArrow">
-          <a:avLst>
-            <a:gd name="adj1" fmla="val 60000"/>
-            <a:gd name="adj2" fmla="val 50000"/>
-          </a:avLst>
-        </a:prstGeom>
-        <a:solidFill>
-          <a:schemeClr val="dk1">
-            <a:tint val="60000"/>
-            <a:hueOff val="0"/>
-            <a:satOff val="0"/>
-            <a:lumOff val="0"/>
-            <a:alphaOff val="0"/>
-          </a:schemeClr>
-        </a:solidFill>
-        <a:ln>
-          <a:noFill/>
-        </a:ln>
-        <a:effectLst/>
-      </dsp:spPr>
-      <dsp:style>
-        <a:lnRef idx="0">
-          <a:scrgbClr r="0" g="0" b="0"/>
-        </a:lnRef>
-        <a:fillRef idx="1">
-          <a:scrgbClr r="0" g="0" b="0"/>
-        </a:fillRef>
-        <a:effectRef idx="0">
-          <a:scrgbClr r="0" g="0" b="0"/>
-        </a:effectRef>
-        <a:fontRef idx="minor">
-          <a:schemeClr val="lt1"/>
-        </a:fontRef>
-      </dsp:style>
-    </dsp:sp>
-    <dsp:sp modelId="{5A56B467-700B-4058-9EB7-DEF91D8AAC59}">
-      <dsp:nvSpPr>
-        <dsp:cNvPr id="0" name=""/>
-        <dsp:cNvSpPr/>
-      </dsp:nvSpPr>
-      <dsp:spPr>
-        <a:xfrm>
-          <a:off x="1040952" y="2517211"/>
-          <a:ext cx="1223287" cy="978629"/>
-        </a:xfrm>
-        <a:prstGeom prst="roundRect">
-          <a:avLst>
-            <a:gd name="adj" fmla="val 10000"/>
-          </a:avLst>
-        </a:prstGeom>
-        <a:solidFill>
-          <a:schemeClr val="lt1">
-            <a:hueOff val="0"/>
-            <a:satOff val="0"/>
-            <a:lumOff val="0"/>
-            <a:alphaOff val="0"/>
-          </a:schemeClr>
-        </a:solidFill>
+        <a:custGeom>
+          <a:avLst/>
+          <a:gdLst/>
+          <a:ahLst/>
+          <a:cxnLst/>
+          <a:rect l="0" t="0" r="0" b="0"/>
+          <a:pathLst>
+            <a:path>
+              <a:moveTo>
+                <a:pt x="0" y="21005"/>
+              </a:moveTo>
+              <a:lnTo>
+                <a:pt x="513578" y="21005"/>
+              </a:lnTo>
+            </a:path>
+          </a:pathLst>
+        </a:custGeom>
+        <a:noFill/>
         <a:ln w="19050" cap="rnd" cmpd="sng" algn="ctr">
           <a:solidFill>
-            <a:schemeClr val="dk1">
-              <a:shade val="80000"/>
+            <a:schemeClr val="accent3">
+              <a:shade val="60000"/>
               <a:hueOff val="0"/>
               <a:satOff val="0"/>
               <a:lumOff val="0"/>
@@ -1516,10 +1753,86 @@
         <a:lnRef idx="2">
           <a:scrgbClr r="0" g="0" b="0"/>
         </a:lnRef>
+        <a:fillRef idx="0">
+          <a:scrgbClr r="0" g="0" b="0"/>
+        </a:fillRef>
+        <a:effectRef idx="0">
+          <a:scrgbClr r="0" g="0" b="0"/>
+        </a:effectRef>
+        <a:fontRef idx="minor"/>
+      </dsp:style>
+      <dsp:txBody>
+        <a:bodyPr spcFirstLastPara="0" vert="horz" wrap="square" lIns="12700" tIns="0" rIns="12700" bIns="0" numCol="1" spcCol="1270" anchor="ctr" anchorCtr="0">
+          <a:noAutofit/>
+        </a:bodyPr>
+        <a:lstStyle/>
+        <a:p>
+          <a:pPr marL="0" lvl="0" indent="0" algn="ctr" defTabSz="222250">
+            <a:lnSpc>
+              <a:spcPct val="90000"/>
+            </a:lnSpc>
+            <a:spcBef>
+              <a:spcPct val="0"/>
+            </a:spcBef>
+            <a:spcAft>
+              <a:spcPct val="35000"/>
+            </a:spcAft>
+            <a:buNone/>
+          </a:pPr>
+          <a:endParaRPr lang="en-US" sz="500" kern="1200">
+            <a:solidFill>
+              <a:schemeClr val="tx1"/>
+            </a:solidFill>
+          </a:endParaRPr>
+        </a:p>
+      </dsp:txBody>
+      <dsp:txXfrm>
+        <a:off x="4606424" y="2509781"/>
+        <a:ext cx="25678" cy="25678"/>
+      </dsp:txXfrm>
+    </dsp:sp>
+    <dsp:sp modelId="{6C36BD50-337E-4C08-B6BF-48A580DA90CC}">
+      <dsp:nvSpPr>
+        <dsp:cNvPr id="0" name=""/>
+        <dsp:cNvSpPr/>
+      </dsp:nvSpPr>
+      <dsp:spPr>
+        <a:xfrm>
+          <a:off x="4727279" y="1113717"/>
+          <a:ext cx="1707344" cy="1707344"/>
+        </a:xfrm>
+        <a:prstGeom prst="ellipse">
+          <a:avLst/>
+        </a:prstGeom>
+        <a:solidFill>
+          <a:schemeClr val="accent3">
+            <a:hueOff val="0"/>
+            <a:satOff val="0"/>
+            <a:lumOff val="0"/>
+            <a:alphaOff val="0"/>
+          </a:schemeClr>
+        </a:solidFill>
+        <a:ln w="25400" cap="rnd" cmpd="sng" algn="ctr">
+          <a:solidFill>
+            <a:schemeClr val="lt1">
+              <a:hueOff val="0"/>
+              <a:satOff val="0"/>
+              <a:lumOff val="0"/>
+              <a:alphaOff val="0"/>
+            </a:schemeClr>
+          </a:solidFill>
+          <a:prstDash val="solid"/>
+        </a:ln>
+        <a:effectLst/>
+      </dsp:spPr>
+      <dsp:style>
+        <a:lnRef idx="3">
+          <a:scrgbClr r="0" g="0" b="0"/>
+        </a:lnRef>
         <a:fillRef idx="1">
           <a:scrgbClr r="0" g="0" b="0"/>
         </a:fillRef>
-        <a:effectRef idx="0">
+        <a:effectRef idx="1">
           <a:scrgbClr r="0" g="0" b="0"/>
         </a:effectRef>
         <a:fontRef idx="minor">
@@ -1527,12 +1840,12 @@
         </a:fontRef>
       </dsp:style>
       <dsp:txBody>
-        <a:bodyPr spcFirstLastPara="0" vert="horz" wrap="square" lIns="24765" tIns="24765" rIns="24765" bIns="24765" numCol="1" spcCol="1270" anchor="ctr" anchorCtr="0">
+        <a:bodyPr spcFirstLastPara="0" vert="horz" wrap="square" lIns="8890" tIns="8890" rIns="8890" bIns="8890" numCol="1" spcCol="1270" anchor="ctr" anchorCtr="0">
           <a:noAutofit/>
         </a:bodyPr>
         <a:lstStyle/>
         <a:p>
-          <a:pPr marL="0" lvl="0" indent="0" algn="ctr" defTabSz="577850">
+          <a:pPr marL="0" lvl="0" indent="0" algn="ctr" defTabSz="622300">
             <a:lnSpc>
               <a:spcPct val="90000"/>
             </a:lnSpc>
@@ -1545,89 +1858,65 @@
             <a:buNone/>
           </a:pPr>
           <a:r>
-            <a:rPr lang="de-DE" sz="1300" kern="1200" dirty="0"/>
-            <a:t>Step counter</a:t>
+            <a:rPr lang="de-DE" sz="1400" kern="1200" dirty="0">
+              <a:solidFill>
+                <a:schemeClr val="tx1"/>
+              </a:solidFill>
+            </a:rPr>
+            <a:t>App time </a:t>
           </a:r>
-          <a:endParaRPr lang="en-US" sz="1300" kern="1200" dirty="0"/>
+          <a:r>
+            <a:rPr lang="de-DE" sz="1400" kern="1200" dirty="0" err="1">
+              <a:solidFill>
+                <a:schemeClr val="tx1"/>
+              </a:solidFill>
+            </a:rPr>
+            <a:t>usage</a:t>
+          </a:r>
+          <a:endParaRPr lang="en-US" sz="1400" kern="1200" dirty="0">
+            <a:solidFill>
+              <a:schemeClr val="tx1"/>
+            </a:solidFill>
+          </a:endParaRPr>
         </a:p>
       </dsp:txBody>
       <dsp:txXfrm>
-        <a:off x="1069615" y="2545874"/>
-        <a:ext cx="1165961" cy="921303"/>
+        <a:off x="4977314" y="1363752"/>
+        <a:ext cx="1207274" cy="1207274"/>
       </dsp:txXfrm>
     </dsp:sp>
-    <dsp:sp modelId="{02D5363F-8966-4B3E-B8DD-281FA0A528A0}">
+    <dsp:sp modelId="{D16D04FB-1A92-42A9-9468-ADA5240FE74B}">
       <dsp:nvSpPr>
         <dsp:cNvPr id="0" name=""/>
         <dsp:cNvSpPr/>
       </dsp:nvSpPr>
       <dsp:spPr>
-        <a:xfrm rot="12960000">
-          <a:off x="1997967" y="1694553"/>
-          <a:ext cx="1674335" cy="498052"/>
+        <a:xfrm rot="1800000">
+          <a:off x="4362474" y="3612076"/>
+          <a:ext cx="513578" cy="42011"/>
         </a:xfrm>
-        <a:prstGeom prst="leftArrow">
-          <a:avLst>
-            <a:gd name="adj1" fmla="val 60000"/>
-            <a:gd name="adj2" fmla="val 50000"/>
-          </a:avLst>
-        </a:prstGeom>
-        <a:solidFill>
-          <a:schemeClr val="dk1">
-            <a:tint val="60000"/>
-            <a:hueOff val="0"/>
-            <a:satOff val="0"/>
-            <a:lumOff val="0"/>
-            <a:alphaOff val="0"/>
-          </a:schemeClr>
-        </a:solidFill>
-        <a:ln>
-          <a:noFill/>
-        </a:ln>
-        <a:effectLst/>
-      </dsp:spPr>
-      <dsp:style>
-        <a:lnRef idx="0">
-          <a:scrgbClr r="0" g="0" b="0"/>
-        </a:lnRef>
-        <a:fillRef idx="1">
-          <a:scrgbClr r="0" g="0" b="0"/>
-        </a:fillRef>
-        <a:effectRef idx="0">
-          <a:scrgbClr r="0" g="0" b="0"/>
-        </a:effectRef>
-        <a:fontRef idx="minor">
-          <a:schemeClr val="lt1"/>
-        </a:fontRef>
-      </dsp:style>
-    </dsp:sp>
-    <dsp:sp modelId="{189FBAAC-5A63-4936-80EE-5FB1BB955923}">
-      <dsp:nvSpPr>
-        <dsp:cNvPr id="0" name=""/>
-        <dsp:cNvSpPr/>
-      </dsp:nvSpPr>
-      <dsp:spPr>
-        <a:xfrm>
-          <a:off x="1546209" y="962190"/>
-          <a:ext cx="1223287" cy="978629"/>
-        </a:xfrm>
-        <a:prstGeom prst="roundRect">
-          <a:avLst>
-            <a:gd name="adj" fmla="val 10000"/>
-          </a:avLst>
-        </a:prstGeom>
-        <a:solidFill>
-          <a:schemeClr val="lt1">
-            <a:hueOff val="0"/>
-            <a:satOff val="0"/>
-            <a:lumOff val="0"/>
-            <a:alphaOff val="0"/>
-          </a:schemeClr>
-        </a:solidFill>
+        <a:custGeom>
+          <a:avLst/>
+          <a:gdLst/>
+          <a:ahLst/>
+          <a:cxnLst/>
+          <a:rect l="0" t="0" r="0" b="0"/>
+          <a:pathLst>
+            <a:path>
+              <a:moveTo>
+                <a:pt x="0" y="21005"/>
+              </a:moveTo>
+              <a:lnTo>
+                <a:pt x="513578" y="21005"/>
+              </a:lnTo>
+            </a:path>
+          </a:pathLst>
+        </a:custGeom>
+        <a:noFill/>
         <a:ln w="19050" cap="rnd" cmpd="sng" algn="ctr">
           <a:solidFill>
-            <a:schemeClr val="dk1">
-              <a:shade val="80000"/>
+            <a:schemeClr val="accent3">
+              <a:shade val="60000"/>
               <a:hueOff val="0"/>
               <a:satOff val="0"/>
               <a:lumOff val="0"/>
@@ -1642,10 +1931,86 @@
         <a:lnRef idx="2">
           <a:scrgbClr r="0" g="0" b="0"/>
         </a:lnRef>
+        <a:fillRef idx="0">
+          <a:scrgbClr r="0" g="0" b="0"/>
+        </a:fillRef>
+        <a:effectRef idx="0">
+          <a:scrgbClr r="0" g="0" b="0"/>
+        </a:effectRef>
+        <a:fontRef idx="minor"/>
+      </dsp:style>
+      <dsp:txBody>
+        <a:bodyPr spcFirstLastPara="0" vert="horz" wrap="square" lIns="12700" tIns="0" rIns="12700" bIns="0" numCol="1" spcCol="1270" anchor="ctr" anchorCtr="0">
+          <a:noAutofit/>
+        </a:bodyPr>
+        <a:lstStyle/>
+        <a:p>
+          <a:pPr marL="0" lvl="0" indent="0" algn="ctr" defTabSz="222250">
+            <a:lnSpc>
+              <a:spcPct val="90000"/>
+            </a:lnSpc>
+            <a:spcBef>
+              <a:spcPct val="0"/>
+            </a:spcBef>
+            <a:spcAft>
+              <a:spcPct val="35000"/>
+            </a:spcAft>
+            <a:buNone/>
+          </a:pPr>
+          <a:endParaRPr lang="en-US" sz="500" kern="1200">
+            <a:solidFill>
+              <a:schemeClr val="tx1"/>
+            </a:solidFill>
+          </a:endParaRPr>
+        </a:p>
+      </dsp:txBody>
+      <dsp:txXfrm>
+        <a:off x="4606424" y="3620242"/>
+        <a:ext cx="25678" cy="25678"/>
+      </dsp:txXfrm>
+    </dsp:sp>
+    <dsp:sp modelId="{CCB1B31A-B074-4C69-810B-B13E0969399E}">
+      <dsp:nvSpPr>
+        <dsp:cNvPr id="0" name=""/>
+        <dsp:cNvSpPr/>
+      </dsp:nvSpPr>
+      <dsp:spPr>
+        <a:xfrm>
+          <a:off x="4727279" y="3334640"/>
+          <a:ext cx="1707344" cy="1707344"/>
+        </a:xfrm>
+        <a:prstGeom prst="ellipse">
+          <a:avLst/>
+        </a:prstGeom>
+        <a:solidFill>
+          <a:schemeClr val="accent3">
+            <a:hueOff val="0"/>
+            <a:satOff val="0"/>
+            <a:lumOff val="0"/>
+            <a:alphaOff val="0"/>
+          </a:schemeClr>
+        </a:solidFill>
+        <a:ln w="25400" cap="rnd" cmpd="sng" algn="ctr">
+          <a:solidFill>
+            <a:schemeClr val="lt1">
+              <a:hueOff val="0"/>
+              <a:satOff val="0"/>
+              <a:lumOff val="0"/>
+              <a:alphaOff val="0"/>
+            </a:schemeClr>
+          </a:solidFill>
+          <a:prstDash val="solid"/>
+        </a:ln>
+        <a:effectLst/>
+      </dsp:spPr>
+      <dsp:style>
+        <a:lnRef idx="3">
+          <a:scrgbClr r="0" g="0" b="0"/>
+        </a:lnRef>
         <a:fillRef idx="1">
           <a:scrgbClr r="0" g="0" b="0"/>
         </a:fillRef>
-        <a:effectRef idx="0">
+        <a:effectRef idx="1">
           <a:scrgbClr r="0" g="0" b="0"/>
         </a:effectRef>
         <a:fontRef idx="minor">
@@ -1653,12 +2018,12 @@
         </a:fontRef>
       </dsp:style>
       <dsp:txBody>
-        <a:bodyPr spcFirstLastPara="0" vert="horz" wrap="square" lIns="24765" tIns="24765" rIns="24765" bIns="24765" numCol="1" spcCol="1270" anchor="ctr" anchorCtr="0">
+        <a:bodyPr spcFirstLastPara="0" vert="horz" wrap="square" lIns="8890" tIns="8890" rIns="8890" bIns="8890" numCol="1" spcCol="1270" anchor="ctr" anchorCtr="0">
           <a:noAutofit/>
         </a:bodyPr>
         <a:lstStyle/>
         <a:p>
-          <a:pPr marL="0" lvl="0" indent="0" algn="ctr" defTabSz="577850">
+          <a:pPr marL="0" lvl="0" indent="0" algn="ctr" defTabSz="622300">
             <a:lnSpc>
               <a:spcPct val="90000"/>
             </a:lnSpc>
@@ -1671,93 +2036,65 @@
             <a:buNone/>
           </a:pPr>
           <a:r>
-            <a:rPr lang="de-DE" sz="1300" kern="1200" dirty="0"/>
-            <a:t>App time </a:t>
+            <a:rPr lang="de-DE" sz="1400" kern="1200" dirty="0">
+              <a:solidFill>
+                <a:schemeClr val="tx1"/>
+              </a:solidFill>
+            </a:rPr>
+            <a:t>App </a:t>
           </a:r>
           <a:r>
-            <a:rPr lang="de-DE" sz="1300" kern="1200" dirty="0" err="1"/>
-            <a:t>usage</a:t>
+            <a:rPr lang="de-DE" sz="1400" kern="1200" dirty="0" err="1">
+              <a:solidFill>
+                <a:schemeClr val="tx1"/>
+              </a:solidFill>
+            </a:rPr>
+            <a:t>locking</a:t>
           </a:r>
-          <a:endParaRPr lang="en-US" sz="1300" kern="1200" dirty="0"/>
+          <a:endParaRPr lang="en-US" sz="1400" kern="1200" dirty="0">
+            <a:solidFill>
+              <a:schemeClr val="tx1"/>
+            </a:solidFill>
+          </a:endParaRPr>
         </a:p>
       </dsp:txBody>
       <dsp:txXfrm>
-        <a:off x="1574872" y="990853"/>
-        <a:ext cx="1165961" cy="921303"/>
+        <a:off x="4977314" y="3584675"/>
+        <a:ext cx="1207274" cy="1207274"/>
       </dsp:txXfrm>
     </dsp:sp>
-    <dsp:sp modelId="{1296835F-34BE-4FC7-B2C5-3DEF9E53C61B}">
+    <dsp:sp modelId="{A4DF95CF-4080-41C9-8254-F75AE5A3117C}">
       <dsp:nvSpPr>
         <dsp:cNvPr id="0" name=""/>
         <dsp:cNvSpPr/>
       </dsp:nvSpPr>
       <dsp:spPr>
-        <a:xfrm rot="15120000">
-          <a:off x="2902164" y="1037616"/>
-          <a:ext cx="1674335" cy="498052"/>
+        <a:xfrm rot="5400000">
+          <a:off x="3400786" y="4167307"/>
+          <a:ext cx="513578" cy="42011"/>
         </a:xfrm>
-        <a:prstGeom prst="leftArrow">
-          <a:avLst>
-            <a:gd name="adj1" fmla="val 60000"/>
-            <a:gd name="adj2" fmla="val 50000"/>
-          </a:avLst>
-        </a:prstGeom>
-        <a:solidFill>
-          <a:schemeClr val="dk1">
-            <a:tint val="60000"/>
-            <a:hueOff val="0"/>
-            <a:satOff val="0"/>
-            <a:lumOff val="0"/>
-            <a:alphaOff val="0"/>
-          </a:schemeClr>
-        </a:solidFill>
-        <a:ln>
-          <a:noFill/>
-        </a:ln>
-        <a:effectLst/>
-      </dsp:spPr>
-      <dsp:style>
-        <a:lnRef idx="0">
-          <a:scrgbClr r="0" g="0" b="0"/>
-        </a:lnRef>
-        <a:fillRef idx="1">
-          <a:scrgbClr r="0" g="0" b="0"/>
-        </a:fillRef>
-        <a:effectRef idx="0">
-          <a:scrgbClr r="0" g="0" b="0"/>
-        </a:effectRef>
-        <a:fontRef idx="minor">
-          <a:schemeClr val="lt1"/>
-        </a:fontRef>
-      </dsp:style>
-    </dsp:sp>
-    <dsp:sp modelId="{3248916B-FFC7-4209-9E3A-8E41F20F9BBD}">
-      <dsp:nvSpPr>
-        <dsp:cNvPr id="0" name=""/>
-        <dsp:cNvSpPr/>
-      </dsp:nvSpPr>
-      <dsp:spPr>
-        <a:xfrm>
-          <a:off x="2868989" y="1134"/>
-          <a:ext cx="1223287" cy="978629"/>
-        </a:xfrm>
-        <a:prstGeom prst="roundRect">
-          <a:avLst>
-            <a:gd name="adj" fmla="val 10000"/>
-          </a:avLst>
-        </a:prstGeom>
-        <a:solidFill>
-          <a:schemeClr val="lt1">
-            <a:hueOff val="0"/>
-            <a:satOff val="0"/>
-            <a:lumOff val="0"/>
-            <a:alphaOff val="0"/>
-          </a:schemeClr>
-        </a:solidFill>
+        <a:custGeom>
+          <a:avLst/>
+          <a:gdLst/>
+          <a:ahLst/>
+          <a:cxnLst/>
+          <a:rect l="0" t="0" r="0" b="0"/>
+          <a:pathLst>
+            <a:path>
+              <a:moveTo>
+                <a:pt x="0" y="21005"/>
+              </a:moveTo>
+              <a:lnTo>
+                <a:pt x="513578" y="21005"/>
+              </a:lnTo>
+            </a:path>
+          </a:pathLst>
+        </a:custGeom>
+        <a:noFill/>
         <a:ln w="19050" cap="rnd" cmpd="sng" algn="ctr">
           <a:solidFill>
-            <a:schemeClr val="dk1">
-              <a:shade val="80000"/>
+            <a:schemeClr val="accent3">
+              <a:shade val="60000"/>
               <a:hueOff val="0"/>
               <a:satOff val="0"/>
               <a:lumOff val="0"/>
@@ -1772,10 +2109,86 @@
         <a:lnRef idx="2">
           <a:scrgbClr r="0" g="0" b="0"/>
         </a:lnRef>
+        <a:fillRef idx="0">
+          <a:scrgbClr r="0" g="0" b="0"/>
+        </a:fillRef>
+        <a:effectRef idx="0">
+          <a:scrgbClr r="0" g="0" b="0"/>
+        </a:effectRef>
+        <a:fontRef idx="minor"/>
+      </dsp:style>
+      <dsp:txBody>
+        <a:bodyPr spcFirstLastPara="0" vert="horz" wrap="square" lIns="12700" tIns="0" rIns="12700" bIns="0" numCol="1" spcCol="1270" anchor="ctr" anchorCtr="0">
+          <a:noAutofit/>
+        </a:bodyPr>
+        <a:lstStyle/>
+        <a:p>
+          <a:pPr marL="0" lvl="0" indent="0" algn="ctr" defTabSz="222250">
+            <a:lnSpc>
+              <a:spcPct val="90000"/>
+            </a:lnSpc>
+            <a:spcBef>
+              <a:spcPct val="0"/>
+            </a:spcBef>
+            <a:spcAft>
+              <a:spcPct val="35000"/>
+            </a:spcAft>
+            <a:buNone/>
+          </a:pPr>
+          <a:endParaRPr lang="en-US" sz="500" kern="1200">
+            <a:solidFill>
+              <a:schemeClr val="tx1"/>
+            </a:solidFill>
+          </a:endParaRPr>
+        </a:p>
+      </dsp:txBody>
+      <dsp:txXfrm>
+        <a:off x="3644736" y="4175473"/>
+        <a:ext cx="25678" cy="25678"/>
+      </dsp:txXfrm>
+    </dsp:sp>
+    <dsp:sp modelId="{DA9B1E3D-E968-4775-80D1-F0552449A93F}">
+      <dsp:nvSpPr>
+        <dsp:cNvPr id="0" name=""/>
+        <dsp:cNvSpPr/>
+      </dsp:nvSpPr>
+      <dsp:spPr>
+        <a:xfrm>
+          <a:off x="2803903" y="4445102"/>
+          <a:ext cx="1707344" cy="1707344"/>
+        </a:xfrm>
+        <a:prstGeom prst="ellipse">
+          <a:avLst/>
+        </a:prstGeom>
+        <a:solidFill>
+          <a:schemeClr val="accent3">
+            <a:hueOff val="0"/>
+            <a:satOff val="0"/>
+            <a:lumOff val="0"/>
+            <a:alphaOff val="0"/>
+          </a:schemeClr>
+        </a:solidFill>
+        <a:ln w="25400" cap="rnd" cmpd="sng" algn="ctr">
+          <a:solidFill>
+            <a:schemeClr val="lt1">
+              <a:hueOff val="0"/>
+              <a:satOff val="0"/>
+              <a:lumOff val="0"/>
+              <a:alphaOff val="0"/>
+            </a:schemeClr>
+          </a:solidFill>
+          <a:prstDash val="solid"/>
+        </a:ln>
+        <a:effectLst/>
+      </dsp:spPr>
+      <dsp:style>
+        <a:lnRef idx="3">
+          <a:scrgbClr r="0" g="0" b="0"/>
+        </a:lnRef>
         <a:fillRef idx="1">
           <a:scrgbClr r="0" g="0" b="0"/>
         </a:fillRef>
-        <a:effectRef idx="0">
+        <a:effectRef idx="1">
           <a:scrgbClr r="0" g="0" b="0"/>
         </a:effectRef>
         <a:fontRef idx="minor">
@@ -1783,12 +2196,12 @@
         </a:fontRef>
       </dsp:style>
       <dsp:txBody>
-        <a:bodyPr spcFirstLastPara="0" vert="horz" wrap="square" lIns="24765" tIns="24765" rIns="24765" bIns="24765" numCol="1" spcCol="1270" anchor="ctr" anchorCtr="0">
+        <a:bodyPr spcFirstLastPara="0" vert="horz" wrap="square" lIns="8890" tIns="8890" rIns="8890" bIns="8890" numCol="1" spcCol="1270" anchor="ctr" anchorCtr="0">
           <a:noAutofit/>
         </a:bodyPr>
         <a:lstStyle/>
         <a:p>
-          <a:pPr marL="0" lvl="0" indent="0" algn="ctr" defTabSz="577850">
+          <a:pPr marL="0" lvl="0" indent="0" algn="ctr" defTabSz="622300">
             <a:lnSpc>
               <a:spcPct val="90000"/>
             </a:lnSpc>
@@ -1801,93 +2214,57 @@
             <a:buNone/>
           </a:pPr>
           <a:r>
-            <a:rPr lang="de-DE" sz="1300" kern="1200" dirty="0"/>
-            <a:t>App </a:t>
+            <a:rPr lang="de-DE" sz="1400" kern="1200" dirty="0">
+              <a:solidFill>
+                <a:schemeClr val="tx1"/>
+              </a:solidFill>
+            </a:rPr>
+            <a:t>Learning Aid</a:t>
           </a:r>
-          <a:r>
-            <a:rPr lang="de-DE" sz="1300" kern="1200" dirty="0" err="1"/>
-            <a:t>locking</a:t>
-          </a:r>
-          <a:endParaRPr lang="en-US" sz="1300" kern="1200" dirty="0"/>
+          <a:endParaRPr lang="en-US" sz="1400" kern="1200" dirty="0">
+            <a:solidFill>
+              <a:schemeClr val="tx1"/>
+            </a:solidFill>
+          </a:endParaRPr>
         </a:p>
       </dsp:txBody>
       <dsp:txXfrm>
-        <a:off x="2897652" y="29797"/>
-        <a:ext cx="1165961" cy="921303"/>
+        <a:off x="3053938" y="4695137"/>
+        <a:ext cx="1207274" cy="1207274"/>
       </dsp:txXfrm>
     </dsp:sp>
-    <dsp:sp modelId="{E5CA3B17-B035-4C49-9E8F-61199A2EDDC0}">
+    <dsp:sp modelId="{1422C677-B7C3-4DAF-88B4-98C6094B238E}">
       <dsp:nvSpPr>
         <dsp:cNvPr id="0" name=""/>
         <dsp:cNvSpPr/>
       </dsp:nvSpPr>
       <dsp:spPr>
-        <a:xfrm rot="17280000">
-          <a:off x="4019812" y="1037616"/>
-          <a:ext cx="1674335" cy="498052"/>
+        <a:xfrm rot="9000000">
+          <a:off x="2439098" y="3612076"/>
+          <a:ext cx="513578" cy="42011"/>
         </a:xfrm>
-        <a:prstGeom prst="leftArrow">
-          <a:avLst>
-            <a:gd name="adj1" fmla="val 60000"/>
-            <a:gd name="adj2" fmla="val 50000"/>
-          </a:avLst>
-        </a:prstGeom>
-        <a:solidFill>
-          <a:schemeClr val="dk1">
-            <a:tint val="60000"/>
-            <a:hueOff val="0"/>
-            <a:satOff val="0"/>
-            <a:lumOff val="0"/>
-            <a:alphaOff val="0"/>
-          </a:schemeClr>
-        </a:solidFill>
-        <a:ln>
-          <a:noFill/>
-        </a:ln>
-        <a:effectLst/>
-      </dsp:spPr>
-      <dsp:style>
-        <a:lnRef idx="0">
-          <a:scrgbClr r="0" g="0" b="0"/>
-        </a:lnRef>
-        <a:fillRef idx="1">
-          <a:scrgbClr r="0" g="0" b="0"/>
-        </a:fillRef>
-        <a:effectRef idx="0">
-          <a:scrgbClr r="0" g="0" b="0"/>
-        </a:effectRef>
-        <a:fontRef idx="minor">
-          <a:schemeClr val="lt1"/>
-        </a:fontRef>
-      </dsp:style>
-    </dsp:sp>
-    <dsp:sp modelId="{4C7AA72E-5734-4373-9EA8-F9493A57C40E}">
-      <dsp:nvSpPr>
-        <dsp:cNvPr id="0" name=""/>
-        <dsp:cNvSpPr/>
-      </dsp:nvSpPr>
-      <dsp:spPr>
-        <a:xfrm>
-          <a:off x="4504035" y="1134"/>
-          <a:ext cx="1223287" cy="978629"/>
-        </a:xfrm>
-        <a:prstGeom prst="roundRect">
-          <a:avLst>
-            <a:gd name="adj" fmla="val 10000"/>
-          </a:avLst>
-        </a:prstGeom>
-        <a:solidFill>
-          <a:schemeClr val="lt1">
-            <a:hueOff val="0"/>
-            <a:satOff val="0"/>
-            <a:lumOff val="0"/>
-            <a:alphaOff val="0"/>
-          </a:schemeClr>
-        </a:solidFill>
+        <a:custGeom>
+          <a:avLst/>
+          <a:gdLst/>
+          <a:ahLst/>
+          <a:cxnLst/>
+          <a:rect l="0" t="0" r="0" b="0"/>
+          <a:pathLst>
+            <a:path>
+              <a:moveTo>
+                <a:pt x="0" y="21005"/>
+              </a:moveTo>
+              <a:lnTo>
+                <a:pt x="513578" y="21005"/>
+              </a:lnTo>
+            </a:path>
+          </a:pathLst>
+        </a:custGeom>
+        <a:noFill/>
         <a:ln w="19050" cap="rnd" cmpd="sng" algn="ctr">
           <a:solidFill>
-            <a:schemeClr val="dk1">
-              <a:shade val="80000"/>
+            <a:schemeClr val="accent3">
+              <a:shade val="60000"/>
               <a:hueOff val="0"/>
               <a:satOff val="0"/>
               <a:lumOff val="0"/>
@@ -1902,10 +2279,86 @@
         <a:lnRef idx="2">
           <a:scrgbClr r="0" g="0" b="0"/>
         </a:lnRef>
+        <a:fillRef idx="0">
+          <a:scrgbClr r="0" g="0" b="0"/>
+        </a:fillRef>
+        <a:effectRef idx="0">
+          <a:scrgbClr r="0" g="0" b="0"/>
+        </a:effectRef>
+        <a:fontRef idx="minor"/>
+      </dsp:style>
+      <dsp:txBody>
+        <a:bodyPr spcFirstLastPara="0" vert="horz" wrap="square" lIns="12700" tIns="0" rIns="12700" bIns="0" numCol="1" spcCol="1270" anchor="ctr" anchorCtr="0">
+          <a:noAutofit/>
+        </a:bodyPr>
+        <a:lstStyle/>
+        <a:p>
+          <a:pPr marL="0" lvl="0" indent="0" algn="ctr" defTabSz="222250">
+            <a:lnSpc>
+              <a:spcPct val="90000"/>
+            </a:lnSpc>
+            <a:spcBef>
+              <a:spcPct val="0"/>
+            </a:spcBef>
+            <a:spcAft>
+              <a:spcPct val="35000"/>
+            </a:spcAft>
+            <a:buNone/>
+          </a:pPr>
+          <a:endParaRPr lang="en-US" sz="500" kern="1200">
+            <a:solidFill>
+              <a:schemeClr val="tx1"/>
+            </a:solidFill>
+          </a:endParaRPr>
+        </a:p>
+      </dsp:txBody>
+      <dsp:txXfrm rot="10800000">
+        <a:off x="2683047" y="3620242"/>
+        <a:ext cx="25678" cy="25678"/>
+      </dsp:txXfrm>
+    </dsp:sp>
+    <dsp:sp modelId="{1A6C708B-4FFF-4090-9861-668BFCC7F583}">
+      <dsp:nvSpPr>
+        <dsp:cNvPr id="0" name=""/>
+        <dsp:cNvSpPr/>
+      </dsp:nvSpPr>
+      <dsp:spPr>
+        <a:xfrm>
+          <a:off x="880526" y="3334640"/>
+          <a:ext cx="1707344" cy="1707344"/>
+        </a:xfrm>
+        <a:prstGeom prst="ellipse">
+          <a:avLst/>
+        </a:prstGeom>
+        <a:solidFill>
+          <a:schemeClr val="accent3">
+            <a:hueOff val="0"/>
+            <a:satOff val="0"/>
+            <a:lumOff val="0"/>
+            <a:alphaOff val="0"/>
+          </a:schemeClr>
+        </a:solidFill>
+        <a:ln w="25400" cap="rnd" cmpd="sng" algn="ctr">
+          <a:solidFill>
+            <a:schemeClr val="lt1">
+              <a:hueOff val="0"/>
+              <a:satOff val="0"/>
+              <a:lumOff val="0"/>
+              <a:alphaOff val="0"/>
+            </a:schemeClr>
+          </a:solidFill>
+          <a:prstDash val="solid"/>
+        </a:ln>
+        <a:effectLst/>
+      </dsp:spPr>
+      <dsp:style>
+        <a:lnRef idx="3">
+          <a:scrgbClr r="0" g="0" b="0"/>
+        </a:lnRef>
         <a:fillRef idx="1">
           <a:scrgbClr r="0" g="0" b="0"/>
         </a:fillRef>
-        <a:effectRef idx="0">
+        <a:effectRef idx="1">
           <a:scrgbClr r="0" g="0" b="0"/>
         </a:effectRef>
         <a:fontRef idx="minor">
@@ -1913,12 +2366,12 @@
         </a:fontRef>
       </dsp:style>
       <dsp:txBody>
-        <a:bodyPr spcFirstLastPara="0" vert="horz" wrap="square" lIns="24765" tIns="24765" rIns="24765" bIns="24765" numCol="1" spcCol="1270" anchor="ctr" anchorCtr="0">
+        <a:bodyPr spcFirstLastPara="0" vert="horz" wrap="square" lIns="8890" tIns="8890" rIns="8890" bIns="8890" numCol="1" spcCol="1270" anchor="ctr" anchorCtr="0">
           <a:noAutofit/>
         </a:bodyPr>
         <a:lstStyle/>
         <a:p>
-          <a:pPr marL="0" lvl="0" indent="0" algn="ctr" defTabSz="577850">
+          <a:pPr marL="0" lvl="0" indent="0" algn="ctr" defTabSz="622300">
             <a:lnSpc>
               <a:spcPct val="90000"/>
             </a:lnSpc>
@@ -1931,89 +2384,65 @@
             <a:buNone/>
           </a:pPr>
           <a:r>
-            <a:rPr lang="de-DE" sz="1300" kern="1200" dirty="0"/>
-            <a:t>Learning Aid</a:t>
+            <a:rPr lang="de-DE" sz="1400" kern="1200" dirty="0">
+              <a:solidFill>
+                <a:schemeClr val="tx1"/>
+              </a:solidFill>
+            </a:rPr>
+            <a:t>Emotion </a:t>
           </a:r>
-          <a:endParaRPr lang="en-US" sz="1300" kern="1200" dirty="0"/>
+          <a:r>
+            <a:rPr lang="de-DE" sz="1400" kern="1200" dirty="0" err="1">
+              <a:solidFill>
+                <a:schemeClr val="tx1"/>
+              </a:solidFill>
+            </a:rPr>
+            <a:t>tracking</a:t>
+          </a:r>
+          <a:endParaRPr lang="en-US" sz="1400" kern="1200" dirty="0">
+            <a:solidFill>
+              <a:schemeClr val="tx1"/>
+            </a:solidFill>
+          </a:endParaRPr>
         </a:p>
       </dsp:txBody>
       <dsp:txXfrm>
-        <a:off x="4532698" y="29797"/>
-        <a:ext cx="1165961" cy="921303"/>
+        <a:off x="1130561" y="3584675"/>
+        <a:ext cx="1207274" cy="1207274"/>
       </dsp:txXfrm>
     </dsp:sp>
-    <dsp:sp modelId="{2307C343-6092-41BA-BE85-F7B9D63238B0}">
+    <dsp:sp modelId="{6D241E69-C450-4488-BAEA-AD6E600F8C7A}">
       <dsp:nvSpPr>
         <dsp:cNvPr id="0" name=""/>
         <dsp:cNvSpPr/>
       </dsp:nvSpPr>
       <dsp:spPr>
-        <a:xfrm rot="19440000">
-          <a:off x="4924008" y="1694553"/>
-          <a:ext cx="1674335" cy="498052"/>
+        <a:xfrm rot="12600000">
+          <a:off x="2439098" y="2501614"/>
+          <a:ext cx="513578" cy="42011"/>
         </a:xfrm>
-        <a:prstGeom prst="leftArrow">
-          <a:avLst>
-            <a:gd name="adj1" fmla="val 60000"/>
-            <a:gd name="adj2" fmla="val 50000"/>
-          </a:avLst>
-        </a:prstGeom>
-        <a:solidFill>
-          <a:schemeClr val="dk1">
-            <a:tint val="60000"/>
-            <a:hueOff val="0"/>
-            <a:satOff val="0"/>
-            <a:lumOff val="0"/>
-            <a:alphaOff val="0"/>
-          </a:schemeClr>
-        </a:solidFill>
-        <a:ln>
-          <a:noFill/>
-        </a:ln>
-        <a:effectLst/>
-      </dsp:spPr>
-      <dsp:style>
-        <a:lnRef idx="0">
-          <a:scrgbClr r="0" g="0" b="0"/>
-        </a:lnRef>
-        <a:fillRef idx="1">
-          <a:scrgbClr r="0" g="0" b="0"/>
-        </a:fillRef>
-        <a:effectRef idx="0">
-          <a:scrgbClr r="0" g="0" b="0"/>
-        </a:effectRef>
-        <a:fontRef idx="minor">
-          <a:schemeClr val="lt1"/>
-        </a:fontRef>
-      </dsp:style>
-    </dsp:sp>
-    <dsp:sp modelId="{34A60924-0122-40D0-BD03-D06D9D5707AA}">
-      <dsp:nvSpPr>
-        <dsp:cNvPr id="0" name=""/>
-        <dsp:cNvSpPr/>
-      </dsp:nvSpPr>
-      <dsp:spPr>
-        <a:xfrm>
-          <a:off x="5826815" y="962190"/>
-          <a:ext cx="1223287" cy="978629"/>
-        </a:xfrm>
-        <a:prstGeom prst="roundRect">
-          <a:avLst>
-            <a:gd name="adj" fmla="val 10000"/>
-          </a:avLst>
-        </a:prstGeom>
-        <a:solidFill>
-          <a:schemeClr val="lt1">
-            <a:hueOff val="0"/>
-            <a:satOff val="0"/>
-            <a:lumOff val="0"/>
-            <a:alphaOff val="0"/>
-          </a:schemeClr>
-        </a:solidFill>
+        <a:custGeom>
+          <a:avLst/>
+          <a:gdLst/>
+          <a:ahLst/>
+          <a:cxnLst/>
+          <a:rect l="0" t="0" r="0" b="0"/>
+          <a:pathLst>
+            <a:path>
+              <a:moveTo>
+                <a:pt x="0" y="21005"/>
+              </a:moveTo>
+              <a:lnTo>
+                <a:pt x="513578" y="21005"/>
+              </a:lnTo>
+            </a:path>
+          </a:pathLst>
+        </a:custGeom>
+        <a:noFill/>
         <a:ln w="19050" cap="rnd" cmpd="sng" algn="ctr">
           <a:solidFill>
-            <a:schemeClr val="dk1">
-              <a:shade val="80000"/>
+            <a:schemeClr val="accent3">
+              <a:shade val="60000"/>
               <a:hueOff val="0"/>
               <a:satOff val="0"/>
               <a:lumOff val="0"/>
@@ -2028,10 +2457,86 @@
         <a:lnRef idx="2">
           <a:scrgbClr r="0" g="0" b="0"/>
         </a:lnRef>
+        <a:fillRef idx="0">
+          <a:scrgbClr r="0" g="0" b="0"/>
+        </a:fillRef>
+        <a:effectRef idx="0">
+          <a:scrgbClr r="0" g="0" b="0"/>
+        </a:effectRef>
+        <a:fontRef idx="minor"/>
+      </dsp:style>
+      <dsp:txBody>
+        <a:bodyPr spcFirstLastPara="0" vert="horz" wrap="square" lIns="12700" tIns="0" rIns="12700" bIns="0" numCol="1" spcCol="1270" anchor="ctr" anchorCtr="0">
+          <a:noAutofit/>
+        </a:bodyPr>
+        <a:lstStyle/>
+        <a:p>
+          <a:pPr marL="0" lvl="0" indent="0" algn="ctr" defTabSz="222250">
+            <a:lnSpc>
+              <a:spcPct val="90000"/>
+            </a:lnSpc>
+            <a:spcBef>
+              <a:spcPct val="0"/>
+            </a:spcBef>
+            <a:spcAft>
+              <a:spcPct val="35000"/>
+            </a:spcAft>
+            <a:buNone/>
+          </a:pPr>
+          <a:endParaRPr lang="en-US" sz="500" kern="1200">
+            <a:solidFill>
+              <a:schemeClr val="tx1"/>
+            </a:solidFill>
+          </a:endParaRPr>
+        </a:p>
+      </dsp:txBody>
+      <dsp:txXfrm rot="10800000">
+        <a:off x="2683047" y="2509781"/>
+        <a:ext cx="25678" cy="25678"/>
+      </dsp:txXfrm>
+    </dsp:sp>
+    <dsp:sp modelId="{23EE9F75-557B-4493-9918-2551B38A3764}">
+      <dsp:nvSpPr>
+        <dsp:cNvPr id="0" name=""/>
+        <dsp:cNvSpPr/>
+      </dsp:nvSpPr>
+      <dsp:spPr>
+        <a:xfrm>
+          <a:off x="880526" y="1113717"/>
+          <a:ext cx="1707344" cy="1707344"/>
+        </a:xfrm>
+        <a:prstGeom prst="ellipse">
+          <a:avLst/>
+        </a:prstGeom>
+        <a:solidFill>
+          <a:schemeClr val="accent3">
+            <a:hueOff val="0"/>
+            <a:satOff val="0"/>
+            <a:lumOff val="0"/>
+            <a:alphaOff val="0"/>
+          </a:schemeClr>
+        </a:solidFill>
+        <a:ln w="25400" cap="rnd" cmpd="sng" algn="ctr">
+          <a:solidFill>
+            <a:schemeClr val="lt1">
+              <a:hueOff val="0"/>
+              <a:satOff val="0"/>
+              <a:lumOff val="0"/>
+              <a:alphaOff val="0"/>
+            </a:schemeClr>
+          </a:solidFill>
+          <a:prstDash val="solid"/>
+        </a:ln>
+        <a:effectLst/>
+      </dsp:spPr>
+      <dsp:style>
+        <a:lnRef idx="3">
+          <a:scrgbClr r="0" g="0" b="0"/>
+        </a:lnRef>
         <a:fillRef idx="1">
           <a:scrgbClr r="0" g="0" b="0"/>
         </a:fillRef>
-        <a:effectRef idx="0">
+        <a:effectRef idx="1">
           <a:scrgbClr r="0" g="0" b="0"/>
         </a:effectRef>
         <a:fontRef idx="minor">
@@ -2039,12 +2544,12 @@
         </a:fontRef>
       </dsp:style>
       <dsp:txBody>
-        <a:bodyPr spcFirstLastPara="0" vert="horz" wrap="square" lIns="24765" tIns="24765" rIns="24765" bIns="24765" numCol="1" spcCol="1270" anchor="ctr" anchorCtr="0">
+        <a:bodyPr spcFirstLastPara="0" vert="horz" wrap="square" lIns="8890" tIns="8890" rIns="8890" bIns="8890" numCol="1" spcCol="1270" anchor="ctr" anchorCtr="0">
           <a:noAutofit/>
         </a:bodyPr>
         <a:lstStyle/>
         <a:p>
-          <a:pPr marL="0" lvl="0" indent="0" algn="ctr" defTabSz="577850">
+          <a:pPr marL="0" lvl="0" indent="0" algn="ctr" defTabSz="622300">
             <a:lnSpc>
               <a:spcPct val="90000"/>
             </a:lnSpc>
@@ -2057,145 +2562,23 @@
             <a:buNone/>
           </a:pPr>
           <a:r>
-            <a:rPr lang="de-DE" sz="1300" kern="1200" dirty="0"/>
-            <a:t>Emotion </a:t>
+            <a:rPr lang="de-DE" sz="1400" kern="1200" dirty="0">
+              <a:solidFill>
+                <a:schemeClr val="tx1"/>
+              </a:solidFill>
+            </a:rPr>
+            <a:t>Configurations</a:t>
           </a:r>
-          <a:r>
-            <a:rPr lang="de-DE" sz="1300" kern="1200" dirty="0" err="1"/>
-            <a:t>tracking</a:t>
-          </a:r>
-          <a:endParaRPr lang="en-US" sz="1300" kern="1200" dirty="0"/>
+          <a:endParaRPr lang="en-US" sz="1400" kern="1200" dirty="0">
+            <a:solidFill>
+              <a:schemeClr val="tx1"/>
+            </a:solidFill>
+          </a:endParaRPr>
         </a:p>
       </dsp:txBody>
       <dsp:txXfrm>
-        <a:off x="5855478" y="990853"/>
-        <a:ext cx="1165961" cy="921303"/>
-      </dsp:txXfrm>
-    </dsp:sp>
-    <dsp:sp modelId="{AB91204A-5A14-4DF6-A5CE-7514B46BB53F}">
-      <dsp:nvSpPr>
-        <dsp:cNvPr id="0" name=""/>
-        <dsp:cNvSpPr/>
-      </dsp:nvSpPr>
-      <dsp:spPr>
-        <a:xfrm>
-          <a:off x="5269380" y="2757500"/>
-          <a:ext cx="1674335" cy="498052"/>
-        </a:xfrm>
-        <a:prstGeom prst="leftArrow">
-          <a:avLst>
-            <a:gd name="adj1" fmla="val 60000"/>
-            <a:gd name="adj2" fmla="val 50000"/>
-          </a:avLst>
-        </a:prstGeom>
-        <a:solidFill>
-          <a:schemeClr val="dk1">
-            <a:tint val="60000"/>
-            <a:hueOff val="0"/>
-            <a:satOff val="0"/>
-            <a:lumOff val="0"/>
-            <a:alphaOff val="0"/>
-          </a:schemeClr>
-        </a:solidFill>
-        <a:ln>
-          <a:noFill/>
-        </a:ln>
-        <a:effectLst/>
-      </dsp:spPr>
-      <dsp:style>
-        <a:lnRef idx="0">
-          <a:scrgbClr r="0" g="0" b="0"/>
-        </a:lnRef>
-        <a:fillRef idx="1">
-          <a:scrgbClr r="0" g="0" b="0"/>
-        </a:fillRef>
-        <a:effectRef idx="0">
-          <a:scrgbClr r="0" g="0" b="0"/>
-        </a:effectRef>
-        <a:fontRef idx="minor">
-          <a:schemeClr val="lt1"/>
-        </a:fontRef>
-      </dsp:style>
-    </dsp:sp>
-    <dsp:sp modelId="{BA45DA95-460E-48B5-B745-BF0192725DEC}">
-      <dsp:nvSpPr>
-        <dsp:cNvPr id="0" name=""/>
-        <dsp:cNvSpPr/>
-      </dsp:nvSpPr>
-      <dsp:spPr>
-        <a:xfrm>
-          <a:off x="6332072" y="2517211"/>
-          <a:ext cx="1223287" cy="978629"/>
-        </a:xfrm>
-        <a:prstGeom prst="roundRect">
-          <a:avLst>
-            <a:gd name="adj" fmla="val 10000"/>
-          </a:avLst>
-        </a:prstGeom>
-        <a:solidFill>
-          <a:schemeClr val="lt1">
-            <a:hueOff val="0"/>
-            <a:satOff val="0"/>
-            <a:lumOff val="0"/>
-            <a:alphaOff val="0"/>
-          </a:schemeClr>
-        </a:solidFill>
-        <a:ln w="19050" cap="rnd" cmpd="sng" algn="ctr">
-          <a:solidFill>
-            <a:schemeClr val="dk1">
-              <a:shade val="80000"/>
-              <a:hueOff val="0"/>
-              <a:satOff val="0"/>
-              <a:lumOff val="0"/>
-              <a:alphaOff val="0"/>
-            </a:schemeClr>
-          </a:solidFill>
-          <a:prstDash val="solid"/>
-        </a:ln>
-        <a:effectLst/>
-      </dsp:spPr>
-      <dsp:style>
-        <a:lnRef idx="2">
-          <a:scrgbClr r="0" g="0" b="0"/>
-        </a:lnRef>
-        <a:fillRef idx="1">
-          <a:scrgbClr r="0" g="0" b="0"/>
-        </a:fillRef>
-        <a:effectRef idx="0">
-          <a:scrgbClr r="0" g="0" b="0"/>
-        </a:effectRef>
-        <a:fontRef idx="minor">
-          <a:schemeClr val="lt1"/>
-        </a:fontRef>
-      </dsp:style>
-      <dsp:txBody>
-        <a:bodyPr spcFirstLastPara="0" vert="horz" wrap="square" lIns="24765" tIns="24765" rIns="24765" bIns="24765" numCol="1" spcCol="1270" anchor="ctr" anchorCtr="0">
-          <a:noAutofit/>
-        </a:bodyPr>
-        <a:lstStyle/>
-        <a:p>
-          <a:pPr marL="0" lvl="0" indent="0" algn="ctr" defTabSz="577850">
-            <a:lnSpc>
-              <a:spcPct val="90000"/>
-            </a:lnSpc>
-            <a:spcBef>
-              <a:spcPct val="0"/>
-            </a:spcBef>
-            <a:spcAft>
-              <a:spcPct val="35000"/>
-            </a:spcAft>
-            <a:buNone/>
-          </a:pPr>
-          <a:r>
-            <a:rPr lang="de-DE" sz="1300" kern="1200" dirty="0"/>
-            <a:t>Configurations</a:t>
-          </a:r>
-          <a:endParaRPr lang="en-US" sz="1300" kern="1200" dirty="0"/>
-        </a:p>
-      </dsp:txBody>
-      <dsp:txXfrm>
-        <a:off x="6360735" y="2545874"/>
-        <a:ext cx="1165961" cy="921303"/>
+        <a:off x="1130561" y="1363752"/>
+        <a:ext cx="1207274" cy="1207274"/>
       </dsp:txXfrm>
     </dsp:sp>
   </dsp:spTree>
@@ -2203,11 +2586,12 @@
 </file>
 
 <file path=ppt/diagrams/layout1.xml><?xml version="1.0" encoding="utf-8"?>
-<dgm:layoutDef xmlns:dgm="http://schemas.openxmlformats.org/drawingml/2006/diagram" xmlns:a="http://schemas.openxmlformats.org/drawingml/2006/main" uniqueId="urn:microsoft.com/office/officeart/2005/8/layout/radial4">
+<dgm:layoutDef xmlns:dgm="http://schemas.openxmlformats.org/drawingml/2006/diagram" xmlns:a="http://schemas.openxmlformats.org/drawingml/2006/main" uniqueId="urn:microsoft.com/office/officeart/2005/8/layout/radial1">
   <dgm:title val=""/>
   <dgm:desc val=""/>
   <dgm:catLst>
-    <dgm:cat type="relationship" pri="19000"/>
+    <dgm:cat type="relationship" pri="22000"/>
+    <dgm:cat type="cycle" pri="10000"/>
   </dgm:catLst>
   <dgm:sampData>
     <dgm:dataModel>
@@ -2225,12 +2609,16 @@
         <dgm:pt modelId="13">
           <dgm:prSet phldr="1"/>
         </dgm:pt>
+        <dgm:pt modelId="14">
+          <dgm:prSet phldr="1"/>
+        </dgm:pt>
       </dgm:ptLst>
       <dgm:cxnLst>
         <dgm:cxn modelId="2" srcId="0" destId="1" srcOrd="0" destOrd="0"/>
         <dgm:cxn modelId="3" srcId="1" destId="11" srcOrd="0" destOrd="0"/>
         <dgm:cxn modelId="4" srcId="1" destId="12" srcOrd="1" destOrd="0"/>
         <dgm:cxn modelId="5" srcId="1" destId="13" srcOrd="2" destOrd="0"/>
+        <dgm:cxn modelId="6" srcId="1" destId="14" srcOrd="3" destOrd="0"/>
       </dgm:cxnLst>
       <dgm:bg/>
       <dgm:whole/>
@@ -2243,11 +2631,13 @@
         <dgm:pt modelId="1"/>
         <dgm:pt modelId="11"/>
         <dgm:pt modelId="12"/>
+        <dgm:pt modelId="13"/>
       </dgm:ptLst>
       <dgm:cxnLst>
         <dgm:cxn modelId="2" srcId="0" destId="1" srcOrd="0" destOrd="0"/>
         <dgm:cxn modelId="15" srcId="1" destId="11" srcOrd="0" destOrd="0"/>
         <dgm:cxn modelId="16" srcId="1" destId="12" srcOrd="1" destOrd="0"/>
+        <dgm:cxn modelId="17" srcId="1" destId="13" srcOrd="2" destOrd="0"/>
       </dgm:cxnLst>
       <dgm:bg/>
       <dgm:whole/>
@@ -2290,81 +2680,26 @@
         <dgm:choose name="Name2">
           <dgm:if name="Name3" axis="ch ch" ptType="node node" st="1 1" cnt="1 0" func="cnt" op="lte" val="1">
             <dgm:alg type="cycle">
-              <dgm:param type="stAng" val="0"/>
+              <dgm:param type="stAng" val="90"/>
               <dgm:param type="spanAng" val="360"/>
               <dgm:param type="ctrShpMap" val="fNode"/>
             </dgm:alg>
           </dgm:if>
           <dgm:else name="Name4">
-            <dgm:choose name="Name5">
-              <dgm:if name="Name6" axis="ch ch" ptType="node node" st="1 1" cnt="1 0" func="cnt" op="lte" val="3">
-                <dgm:alg type="cycle">
-                  <dgm:param type="stAng" val="-55"/>
-                  <dgm:param type="spanAng" val="110"/>
-                  <dgm:param type="ctrShpMap" val="fNode"/>
-                </dgm:alg>
-              </dgm:if>
-              <dgm:else name="Name7">
-                <dgm:choose name="Name8">
-                  <dgm:if name="Name9" axis="ch ch" ptType="node node" st="1 1" cnt="1 0" func="cnt" op="equ" val="4">
-                    <dgm:alg type="cycle">
-                      <dgm:param type="stAng" val="-75"/>
-                      <dgm:param type="spanAng" val="150"/>
-                      <dgm:param type="ctrShpMap" val="fNode"/>
-                    </dgm:alg>
-                  </dgm:if>
-                  <dgm:else name="Name10">
-                    <dgm:alg type="cycle">
-                      <dgm:param type="stAng" val="-90"/>
-                      <dgm:param type="spanAng" val="180"/>
-                      <dgm:param type="ctrShpMap" val="fNode"/>
-                    </dgm:alg>
-                  </dgm:else>
-                </dgm:choose>
-              </dgm:else>
-            </dgm:choose>
+            <dgm:alg type="cycle">
+              <dgm:param type="stAng" val="0"/>
+              <dgm:param type="spanAng" val="360"/>
+              <dgm:param type="ctrShpMap" val="fNode"/>
+            </dgm:alg>
           </dgm:else>
         </dgm:choose>
       </dgm:if>
-      <dgm:else name="Name11">
-        <dgm:choose name="Name12">
-          <dgm:if name="Name13" axis="ch ch" ptType="node node" st="1 1" cnt="1 0" func="cnt" op="lte" val="1">
-            <dgm:alg type="cycle">
-              <dgm:param type="stAng" val="0"/>
-              <dgm:param type="spanAng" val="-360"/>
-              <dgm:param type="ctrShpMap" val="fNode"/>
-            </dgm:alg>
-          </dgm:if>
-          <dgm:else name="Name14">
-            <dgm:choose name="Name15">
-              <dgm:if name="Name16" axis="ch ch" ptType="node node" st="1 1" cnt="1 0" func="cnt" op="lte" val="3">
-                <dgm:alg type="cycle">
-                  <dgm:param type="stAng" val="55"/>
-                  <dgm:param type="spanAng" val="-110"/>
-                  <dgm:param type="ctrShpMap" val="fNode"/>
-                </dgm:alg>
-              </dgm:if>
-              <dgm:else name="Name17">
-                <dgm:choose name="Name18">
-                  <dgm:if name="Name19" axis="ch ch" ptType="node node" st="1 1" cnt="1 0" func="cnt" op="equ" val="4">
-                    <dgm:alg type="cycle">
-                      <dgm:param type="stAng" val="75"/>
-                      <dgm:param type="spanAng" val="-150"/>
-                      <dgm:param type="ctrShpMap" val="fNode"/>
-                    </dgm:alg>
-                  </dgm:if>
-                  <dgm:else name="Name20">
-                    <dgm:alg type="cycle">
-                      <dgm:param type="stAng" val="90"/>
-                      <dgm:param type="spanAng" val="-180"/>
-                      <dgm:param type="ctrShpMap" val="fNode"/>
-                    </dgm:alg>
-                  </dgm:else>
-                </dgm:choose>
-              </dgm:else>
-            </dgm:choose>
-          </dgm:else>
-        </dgm:choose>
+      <dgm:else name="Name5">
+        <dgm:alg type="cycle">
+          <dgm:param type="stAng" val="0"/>
+          <dgm:param type="spanAng" val="-360"/>
+          <dgm:param type="ctrShpMap" val="fNode"/>
+        </dgm:alg>
       </dgm:else>
     </dgm:choose>
     <dgm:shape xmlns:r="http://schemas.openxmlformats.org/officeDocument/2006/relationships" r:blip="">
@@ -2373,26 +2708,16 @@
     <dgm:presOf/>
     <dgm:constrLst>
       <dgm:constr type="w" for="ch" forName="centerShape" refType="w"/>
-      <dgm:constr type="w" for="ch" forName="node" refType="w" refFor="ch" refForName="centerShape" fact="0.95"/>
-      <dgm:constr type="h" for="ch" forName="parTrans" refType="w" refFor="ch" refForName="centerShape" fact="0.285"/>
-      <dgm:constr type="sp" refType="w" refFor="ch" refForName="centerShape" op="equ" fact="0.23"/>
-      <dgm:constr type="sibSp" refType="w" refFor="ch" refForName="node" fact="0.1"/>
-      <dgm:constr type="primFontSz" for="ch" forName="node" op="equ"/>
+      <dgm:constr type="w" for="ch" forName="node" refType="w" refFor="ch" refForName="centerShape" op="equ"/>
+      <dgm:constr type="sp" refType="w" refFor="ch" refForName="node" fact="0.3"/>
+      <dgm:constr type="sibSp" refType="w" refFor="ch" refForName="node" fact="0.3"/>
+      <dgm:constr type="primFontSz" for="ch" forName="centerShape" val="65"/>
+      <dgm:constr type="primFontSz" for="des" forName="node" op="equ" val="65"/>
+      <dgm:constr type="primFontSz" for="des" forName="connTx" val="55"/>
+      <dgm:constr type="primFontSz" for="des" forName="connTx" refType="primFontSz" refFor="ch" refForName="centerShape" op="lte" fact="0.8"/>
     </dgm:constrLst>
-    <dgm:choose name="Name21">
-      <dgm:if name="Name22" axis="ch ch" ptType="node node" st="1 1" cnt="1 0" func="cnt" op="lte" val="5">
-        <dgm:ruleLst>
-          <dgm:rule type="w" for="ch" forName="centerShape" val="NaN" fact="0.27" max="NaN"/>
-        </dgm:ruleLst>
-      </dgm:if>
-      <dgm:else name="Name23">
-        <dgm:ruleLst>
-          <dgm:rule type="w" for="ch" forName="centerShape" val="NaN" fact="0.27" max="NaN"/>
-          <dgm:rule type="w" for="ch" forName="node" val="NaN" fact="0.7" max="NaN"/>
-        </dgm:ruleLst>
-      </dgm:else>
-    </dgm:choose>
-    <dgm:forEach name="Name24" axis="ch" ptType="node" cnt="1">
+    <dgm:ruleLst/>
+    <dgm:forEach name="Name6" axis="ch" ptType="node" cnt="1">
       <dgm:layoutNode name="centerShape" styleLbl="node0">
         <dgm:alg type="tx"/>
         <dgm:shape xmlns:r="http://schemas.openxmlformats.org/officeDocument/2006/relationships" type="ellipse" r:blip="">
@@ -2400,56 +2725,82 @@
         </dgm:shape>
         <dgm:presOf axis="self"/>
         <dgm:constrLst>
+          <dgm:constr type="h" refType="w"/>
           <dgm:constr type="tMarg" refType="primFontSz" fact="0.05"/>
           <dgm:constr type="bMarg" refType="primFontSz" fact="0.05"/>
           <dgm:constr type="lMarg" refType="primFontSz" fact="0.05"/>
           <dgm:constr type="rMarg" refType="primFontSz" fact="0.05"/>
-          <dgm:constr type="primFontSz" val="65"/>
-          <dgm:constr type="h" refType="w"/>
         </dgm:constrLst>
         <dgm:ruleLst>
           <dgm:rule type="primFontSz" val="5" fact="NaN" max="NaN"/>
         </dgm:ruleLst>
       </dgm:layoutNode>
-      <dgm:forEach name="Name25" axis="ch">
-        <dgm:forEach name="Name26" axis="self" ptType="parTrans">
-          <dgm:layoutNode name="parTrans" styleLbl="bgSibTrans2D1">
+      <dgm:forEach name="Name7" axis="ch">
+        <dgm:forEach name="Name8" axis="self" ptType="parTrans">
+          <dgm:layoutNode name="Name9">
             <dgm:alg type="conn">
+              <dgm:param type="dim" val="1D"/>
               <dgm:param type="begPts" val="auto"/>
-              <dgm:param type="endPts" val="ctr"/>
+              <dgm:param type="endPts" val="auto"/>
+              <dgm:param type="begSty" val="noArr"/>
               <dgm:param type="endSty" val="noArr"/>
-              <dgm:param type="begSty" val="arr"/>
             </dgm:alg>
             <dgm:shape xmlns:r="http://schemas.openxmlformats.org/officeDocument/2006/relationships" type="conn" r:blip="">
               <dgm:adjLst/>
             </dgm:shape>
             <dgm:presOf axis="self"/>
             <dgm:constrLst>
-              <dgm:constr type="begPad" refType="connDist" fact="0.055"/>
+              <dgm:constr type="connDist"/>
+              <dgm:constr type="userA" for="ch" refType="connDist"/>
+              <dgm:constr type="w" val="1"/>
+              <dgm:constr type="h" val="5"/>
+              <dgm:constr type="begPad"/>
               <dgm:constr type="endPad"/>
             </dgm:constrLst>
             <dgm:ruleLst/>
+            <dgm:layoutNode name="connTx">
+              <dgm:alg type="tx">
+                <dgm:param type="autoTxRot" val="grav"/>
+              </dgm:alg>
+              <dgm:shape xmlns:r="http://schemas.openxmlformats.org/officeDocument/2006/relationships" type="rect" r:blip="" hideGeom="1">
+                <dgm:adjLst/>
+              </dgm:shape>
+              <dgm:presOf axis="self"/>
+              <dgm:constrLst>
+                <dgm:constr type="userA"/>
+                <dgm:constr type="w" refType="userA" fact="0.05"/>
+                <dgm:constr type="h" refType="userA" fact="0.05"/>
+                <dgm:constr type="lMarg" val="1"/>
+                <dgm:constr type="rMarg" val="1"/>
+                <dgm:constr type="tMarg"/>
+                <dgm:constr type="bMarg"/>
+              </dgm:constrLst>
+              <dgm:ruleLst>
+                <dgm:rule type="w" val="NaN" fact="0.8" max="NaN"/>
+                <dgm:rule type="h" val="NaN" fact="1" max="NaN"/>
+                <dgm:rule type="primFontSz" val="5" fact="NaN" max="NaN"/>
+              </dgm:ruleLst>
+            </dgm:layoutNode>
           </dgm:layoutNode>
         </dgm:forEach>
-        <dgm:forEach name="Name27" axis="self" ptType="node">
+        <dgm:forEach name="Name10" axis="self" ptType="node">
           <dgm:layoutNode name="node" styleLbl="node1">
             <dgm:varLst>
               <dgm:bulletEnabled val="1"/>
             </dgm:varLst>
-            <dgm:alg type="tx"/>
-            <dgm:shape xmlns:r="http://schemas.openxmlformats.org/officeDocument/2006/relationships" type="roundRect" r:blip="">
-              <dgm:adjLst>
-                <dgm:adj idx="1" val="0.1"/>
-              </dgm:adjLst>
+            <dgm:alg type="tx">
+              <dgm:param type="txAnchorVertCh" val="mid"/>
+            </dgm:alg>
+            <dgm:shape xmlns:r="http://schemas.openxmlformats.org/officeDocument/2006/relationships" type="ellipse" r:blip="">
+              <dgm:adjLst/>
             </dgm:shape>
             <dgm:presOf axis="desOrSelf" ptType="node"/>
             <dgm:constrLst>
-              <dgm:constr type="primFontSz" val="65"/>
-              <dgm:constr type="h" refType="w" fact="0.8"/>
-              <dgm:constr type="tMarg" refType="primFontSz" fact="0.15"/>
-              <dgm:constr type="bMarg" refType="primFontSz" fact="0.15"/>
-              <dgm:constr type="lMarg" refType="primFontSz" fact="0.15"/>
-              <dgm:constr type="rMarg" refType="primFontSz" fact="0.15"/>
+              <dgm:constr type="h" refType="w"/>
+              <dgm:constr type="tMarg" refType="primFontSz" fact="0.05"/>
+              <dgm:constr type="bMarg" refType="primFontSz" fact="0.05"/>
+              <dgm:constr type="lMarg" refType="primFontSz" fact="0.05"/>
+              <dgm:constr type="rMarg" refType="primFontSz" fact="0.05"/>
             </dgm:constrLst>
             <dgm:ruleLst>
               <dgm:rule type="primFontSz" val="5" fact="NaN" max="NaN"/>
@@ -2463,11 +2814,11 @@
 </file>
 
 <file path=ppt/diagrams/quickStyle1.xml><?xml version="1.0" encoding="utf-8"?>
-<dgm:styleDef xmlns:dgm="http://schemas.openxmlformats.org/drawingml/2006/diagram" xmlns:a="http://schemas.openxmlformats.org/drawingml/2006/main" uniqueId="urn:microsoft.com/office/officeart/2005/8/quickstyle/simple1">
+<dgm:styleDef xmlns:dgm="http://schemas.openxmlformats.org/drawingml/2006/diagram" xmlns:a="http://schemas.openxmlformats.org/drawingml/2006/main" uniqueId="urn:microsoft.com/office/officeart/2005/8/quickstyle/simple2">
   <dgm:title val=""/>
   <dgm:desc val=""/>
   <dgm:catLst>
-    <dgm:cat type="simple" pri="10100"/>
+    <dgm:cat type="simple" pri="10200"/>
   </dgm:catLst>
   <dgm:scene3d>
     <a:camera prst="orthographicFront"/>
@@ -2481,13 +2832,13 @@
     <dgm:sp3d/>
     <dgm:txPr/>
     <dgm:style>
-      <a:lnRef idx="2">
+      <a:lnRef idx="3">
         <a:scrgbClr r="0" g="0" b="0"/>
       </a:lnRef>
       <a:fillRef idx="1">
         <a:scrgbClr r="0" g="0" b="0"/>
       </a:fillRef>
-      <a:effectRef idx="0">
+      <a:effectRef idx="1">
         <a:scrgbClr r="0" g="0" b="0"/>
       </a:effectRef>
       <a:fontRef idx="minor">
@@ -2503,13 +2854,13 @@
     <dgm:sp3d/>
     <dgm:txPr/>
     <dgm:style>
-      <a:lnRef idx="2">
+      <a:lnRef idx="3">
         <a:scrgbClr r="0" g="0" b="0"/>
       </a:lnRef>
       <a:fillRef idx="1">
         <a:scrgbClr r="0" g="0" b="0"/>
       </a:fillRef>
-      <a:effectRef idx="0">
+      <a:effectRef idx="1">
         <a:scrgbClr r="0" g="0" b="0"/>
       </a:effectRef>
       <a:fontRef idx="minor">
@@ -2525,7 +2876,7 @@
     <dgm:sp3d/>
     <dgm:txPr/>
     <dgm:style>
-      <a:lnRef idx="2">
+      <a:lnRef idx="3">
         <a:scrgbClr r="0" g="0" b="0"/>
       </a:lnRef>
       <a:fillRef idx="1">
@@ -2553,7 +2904,7 @@
       <a:fillRef idx="1">
         <a:scrgbClr r="0" g="0" b="0"/>
       </a:fillRef>
-      <a:effectRef idx="0">
+      <a:effectRef idx="1">
         <a:scrgbClr r="0" g="0" b="0"/>
       </a:effectRef>
       <a:fontRef idx="minor">
@@ -2569,13 +2920,13 @@
     <dgm:sp3d/>
     <dgm:txPr/>
     <dgm:style>
-      <a:lnRef idx="2">
+      <a:lnRef idx="3">
         <a:scrgbClr r="0" g="0" b="0"/>
       </a:lnRef>
       <a:fillRef idx="1">
         <a:scrgbClr r="0" g="0" b="0"/>
       </a:fillRef>
-      <a:effectRef idx="0">
+      <a:effectRef idx="1">
         <a:scrgbClr r="0" g="0" b="0"/>
       </a:effectRef>
       <a:fontRef idx="minor">
@@ -2591,13 +2942,13 @@
     <dgm:sp3d/>
     <dgm:txPr/>
     <dgm:style>
-      <a:lnRef idx="2">
+      <a:lnRef idx="3">
         <a:scrgbClr r="0" g="0" b="0"/>
       </a:lnRef>
       <a:fillRef idx="1">
         <a:scrgbClr r="0" g="0" b="0"/>
       </a:fillRef>
-      <a:effectRef idx="0">
+      <a:effectRef idx="1">
         <a:scrgbClr r="0" g="0" b="0"/>
       </a:effectRef>
       <a:fontRef idx="minor">
@@ -2613,13 +2964,13 @@
     <dgm:sp3d/>
     <dgm:txPr/>
     <dgm:style>
-      <a:lnRef idx="2">
+      <a:lnRef idx="3">
         <a:scrgbClr r="0" g="0" b="0"/>
       </a:lnRef>
       <a:fillRef idx="1">
         <a:scrgbClr r="0" g="0" b="0"/>
       </a:fillRef>
-      <a:effectRef idx="0">
+      <a:effectRef idx="1">
         <a:scrgbClr r="0" g="0" b="0"/>
       </a:effectRef>
       <a:fontRef idx="minor">
@@ -2635,13 +2986,13 @@
     <dgm:sp3d/>
     <dgm:txPr/>
     <dgm:style>
-      <a:lnRef idx="2">
+      <a:lnRef idx="3">
         <a:scrgbClr r="0" g="0" b="0"/>
       </a:lnRef>
       <a:fillRef idx="1">
         <a:scrgbClr r="0" g="0" b="0"/>
       </a:fillRef>
-      <a:effectRef idx="0">
+      <a:effectRef idx="1">
         <a:scrgbClr r="0" g="0" b="0"/>
       </a:effectRef>
       <a:fontRef idx="minor">
@@ -2657,13 +3008,13 @@
     <dgm:sp3d/>
     <dgm:txPr/>
     <dgm:style>
-      <a:lnRef idx="2">
+      <a:lnRef idx="3">
         <a:scrgbClr r="0" g="0" b="0"/>
       </a:lnRef>
       <a:fillRef idx="1">
         <a:scrgbClr r="0" g="0" b="0"/>
       </a:fillRef>
-      <a:effectRef idx="0">
+      <a:effectRef idx="1">
         <a:scrgbClr r="0" g="0" b="0"/>
       </a:effectRef>
       <a:fontRef idx="minor"/>
@@ -2677,13 +3028,13 @@
     <dgm:sp3d/>
     <dgm:txPr/>
     <dgm:style>
-      <a:lnRef idx="2">
+      <a:lnRef idx="3">
         <a:scrgbClr r="0" g="0" b="0"/>
       </a:lnRef>
       <a:fillRef idx="1">
         <a:scrgbClr r="0" g="0" b="0"/>
       </a:fillRef>
-      <a:effectRef idx="0">
+      <a:effectRef idx="1">
         <a:scrgbClr r="0" g="0" b="0"/>
       </a:effectRef>
       <a:fontRef idx="minor"/>
@@ -2697,13 +3048,13 @@
     <dgm:sp3d/>
     <dgm:txPr/>
     <dgm:style>
-      <a:lnRef idx="2">
+      <a:lnRef idx="3">
         <a:scrgbClr r="0" g="0" b="0"/>
       </a:lnRef>
       <a:fillRef idx="1">
         <a:scrgbClr r="0" g="0" b="0"/>
       </a:fillRef>
-      <a:effectRef idx="0">
+      <a:effectRef idx="1">
         <a:scrgbClr r="0" g="0" b="0"/>
       </a:effectRef>
       <a:fontRef idx="minor"/>
@@ -2723,7 +3074,7 @@
       <a:fillRef idx="1">
         <a:scrgbClr r="0" g="0" b="0"/>
       </a:fillRef>
-      <a:effectRef idx="0">
+      <a:effectRef idx="1">
         <a:scrgbClr r="0" g="0" b="0"/>
       </a:effectRef>
       <a:fontRef idx="minor">
@@ -2745,7 +3096,7 @@
       <a:fillRef idx="1">
         <a:scrgbClr r="0" g="0" b="0"/>
       </a:fillRef>
-      <a:effectRef idx="0">
+      <a:effectRef idx="1">
         <a:scrgbClr r="0" g="0" b="0"/>
       </a:effectRef>
       <a:fontRef idx="minor">
@@ -2767,7 +3118,7 @@
       <a:fillRef idx="1">
         <a:scrgbClr r="0" g="0" b="0"/>
       </a:fillRef>
-      <a:effectRef idx="0">
+      <a:effectRef idx="1">
         <a:scrgbClr r="0" g="0" b="0"/>
       </a:effectRef>
       <a:fontRef idx="minor">
@@ -2809,7 +3160,7 @@
       <a:fillRef idx="1">
         <a:scrgbClr r="0" g="0" b="0"/>
       </a:fillRef>
-      <a:effectRef idx="0">
+      <a:effectRef idx="1">
         <a:scrgbClr r="0" g="0" b="0"/>
       </a:effectRef>
       <a:fontRef idx="minor"/>
@@ -2823,13 +3174,13 @@
     <dgm:sp3d/>
     <dgm:txPr/>
     <dgm:style>
-      <a:lnRef idx="2">
+      <a:lnRef idx="3">
         <a:scrgbClr r="0" g="0" b="0"/>
       </a:lnRef>
       <a:fillRef idx="1">
         <a:scrgbClr r="0" g="0" b="0"/>
       </a:fillRef>
-      <a:effectRef idx="0">
+      <a:effectRef idx="1">
         <a:scrgbClr r="0" g="0" b="0"/>
       </a:effectRef>
       <a:fontRef idx="minor">
@@ -2845,13 +3196,13 @@
     <dgm:sp3d/>
     <dgm:txPr/>
     <dgm:style>
-      <a:lnRef idx="2">
+      <a:lnRef idx="3">
         <a:scrgbClr r="0" g="0" b="0"/>
       </a:lnRef>
       <a:fillRef idx="1">
         <a:scrgbClr r="0" g="0" b="0"/>
       </a:fillRef>
-      <a:effectRef idx="0">
+      <a:effectRef idx="1">
         <a:scrgbClr r="0" g="0" b="0"/>
       </a:effectRef>
       <a:fontRef idx="minor">
@@ -2867,13 +3218,13 @@
     <dgm:sp3d/>
     <dgm:txPr/>
     <dgm:style>
-      <a:lnRef idx="2">
+      <a:lnRef idx="3">
         <a:scrgbClr r="0" g="0" b="0"/>
       </a:lnRef>
       <a:fillRef idx="1">
         <a:scrgbClr r="0" g="0" b="0"/>
       </a:fillRef>
-      <a:effectRef idx="0">
+      <a:effectRef idx="1">
         <a:scrgbClr r="0" g="0" b="0"/>
       </a:effectRef>
       <a:fontRef idx="minor">
@@ -2889,13 +3240,13 @@
     <dgm:sp3d/>
     <dgm:txPr/>
     <dgm:style>
-      <a:lnRef idx="2">
+      <a:lnRef idx="3">
         <a:scrgbClr r="0" g="0" b="0"/>
       </a:lnRef>
       <a:fillRef idx="1">
         <a:scrgbClr r="0" g="0" b="0"/>
       </a:fillRef>
-      <a:effectRef idx="0">
+      <a:effectRef idx="1">
         <a:scrgbClr r="0" g="0" b="0"/>
       </a:effectRef>
       <a:fontRef idx="minor">
@@ -2911,13 +3262,13 @@
     <dgm:sp3d/>
     <dgm:txPr/>
     <dgm:style>
-      <a:lnRef idx="2">
+      <a:lnRef idx="3">
         <a:scrgbClr r="0" g="0" b="0"/>
       </a:lnRef>
       <a:fillRef idx="1">
         <a:scrgbClr r="0" g="0" b="0"/>
       </a:fillRef>
-      <a:effectRef idx="0">
+      <a:effectRef idx="1">
         <a:scrgbClr r="0" g="0" b="0"/>
       </a:effectRef>
       <a:fontRef idx="minor">
@@ -2933,13 +3284,13 @@
     <dgm:sp3d/>
     <dgm:txPr/>
     <dgm:style>
-      <a:lnRef idx="2">
+      <a:lnRef idx="3">
         <a:scrgbClr r="0" g="0" b="0"/>
       </a:lnRef>
       <a:fillRef idx="1">
         <a:scrgbClr r="0" g="0" b="0"/>
       </a:fillRef>
-      <a:effectRef idx="0">
+      <a:effectRef idx="1">
         <a:scrgbClr r="0" g="0" b="0"/>
       </a:effectRef>
       <a:fontRef idx="minor">
@@ -2955,13 +3306,13 @@
     <dgm:sp3d/>
     <dgm:txPr/>
     <dgm:style>
-      <a:lnRef idx="2">
+      <a:lnRef idx="3">
         <a:scrgbClr r="0" g="0" b="0"/>
       </a:lnRef>
       <a:fillRef idx="1">
         <a:scrgbClr r="0" g="0" b="0"/>
       </a:fillRef>
-      <a:effectRef idx="0">
+      <a:effectRef idx="1">
         <a:scrgbClr r="0" g="0" b="0"/>
       </a:effectRef>
       <a:fontRef idx="minor">
@@ -2977,13 +3328,13 @@
     <dgm:sp3d/>
     <dgm:txPr/>
     <dgm:style>
-      <a:lnRef idx="2">
+      <a:lnRef idx="3">
         <a:scrgbClr r="0" g="0" b="0"/>
       </a:lnRef>
       <a:fillRef idx="1">
         <a:scrgbClr r="0" g="0" b="0"/>
       </a:fillRef>
-      <a:effectRef idx="0">
+      <a:effectRef idx="1">
         <a:scrgbClr r="0" g="0" b="0"/>
       </a:effectRef>
       <a:fontRef idx="minor">
@@ -2999,13 +3350,13 @@
     <dgm:sp3d/>
     <dgm:txPr/>
     <dgm:style>
-      <a:lnRef idx="2">
+      <a:lnRef idx="3">
         <a:scrgbClr r="0" g="0" b="0"/>
       </a:lnRef>
       <a:fillRef idx="1">
         <a:scrgbClr r="0" g="0" b="0"/>
       </a:fillRef>
-      <a:effectRef idx="0">
+      <a:effectRef idx="1">
         <a:scrgbClr r="0" g="0" b="0"/>
       </a:effectRef>
       <a:fontRef idx="minor">
@@ -3461,13 +3812,13 @@
     <dgm:sp3d/>
     <dgm:txPr/>
     <dgm:style>
-      <a:lnRef idx="2">
+      <a:lnRef idx="3">
         <a:scrgbClr r="0" g="0" b="0"/>
       </a:lnRef>
       <a:fillRef idx="1">
         <a:scrgbClr r="0" g="0" b="0"/>
       </a:fillRef>
-      <a:effectRef idx="0">
+      <a:effectRef idx="1">
         <a:scrgbClr r="0" g="0" b="0"/>
       </a:effectRef>
       <a:fontRef idx="minor"/>
@@ -9582,7 +9933,7 @@
         </p:blipFill>
         <p:spPr bwMode="auto">
           <a:xfrm>
-            <a:off x="7972181" y="986645"/>
+            <a:off x="3150015" y="4927689"/>
             <a:ext cx="1201918" cy="1201918"/>
           </a:xfrm>
           <a:prstGeom prst="rect">
@@ -9629,7 +9980,7 @@
         </p:blipFill>
         <p:spPr bwMode="auto">
           <a:xfrm>
-            <a:off x="1412461" y="5082610"/>
+            <a:off x="4078023" y="3375461"/>
             <a:ext cx="1211590" cy="1201917"/>
           </a:xfrm>
           <a:prstGeom prst="rect">
@@ -9676,7 +10027,7 @@
         </p:blipFill>
         <p:spPr bwMode="auto">
           <a:xfrm>
-            <a:off x="5022056" y="3248180"/>
+            <a:off x="5924081" y="3343071"/>
             <a:ext cx="1125684" cy="1201917"/>
           </a:xfrm>
           <a:prstGeom prst="rect">
@@ -9770,7 +10121,7 @@
         </p:blipFill>
         <p:spPr bwMode="auto">
           <a:xfrm>
-            <a:off x="3935157" y="5082610"/>
+            <a:off x="4915532" y="4859959"/>
             <a:ext cx="1201918" cy="1201918"/>
           </a:xfrm>
           <a:prstGeom prst="rect">
@@ -9857,7 +10208,7 @@
         </p:blipFill>
         <p:spPr>
           <a:xfrm>
-            <a:off x="5679936" y="971323"/>
+            <a:off x="6433484" y="1519268"/>
             <a:ext cx="1232562" cy="1232562"/>
           </a:xfrm>
           <a:prstGeom prst="rect">
@@ -9881,6 +10232,14 @@
 <file path=ppt/slides/slide3.xml><?xml version="1.0" encoding="utf-8"?>
 <p:sld xmlns:a="http://schemas.openxmlformats.org/drawingml/2006/main" xmlns:r="http://schemas.openxmlformats.org/officeDocument/2006/relationships" xmlns:p="http://schemas.openxmlformats.org/presentationml/2006/main">
   <p:cSld>
+    <p:bg>
+      <p:bgPr>
+        <a:solidFill>
+          <a:schemeClr val="bg1"/>
+        </a:solidFill>
+        <a:effectLst/>
+      </p:bgPr>
+    </p:bg>
     <p:spTree>
       <p:nvGrpSpPr>
         <p:cNvPr id="1" name=""/>
@@ -9895,6 +10254,767 @@
           <a:chExt cx="0" cy="0"/>
         </a:xfrm>
       </p:grpSpPr>
+      <p:sp useBgFill="1">
+        <p:nvSpPr>
+          <p:cNvPr id="10" name="Rectangle 9">
+            <a:extLst>
+              <a:ext uri="{FF2B5EF4-FFF2-40B4-BE49-F238E27FC236}">
+                <a16:creationId xmlns:a16="http://schemas.microsoft.com/office/drawing/2014/main" id="{655AE6B0-AC9E-4167-806F-E9DB135FC46B}"/>
+              </a:ext>
+              <a:ext uri="{C183D7F6-B498-43B3-948B-1728B52AA6E4}">
+                <adec:decorative xmlns:adec="http://schemas.microsoft.com/office/drawing/2017/decorative" val="1"/>
+              </a:ext>
+            </a:extLst>
+          </p:cNvPr>
+          <p:cNvSpPr>
+            <a:spLocks noGrp="1" noRot="1" noChangeAspect="1" noMove="1" noResize="1" noEditPoints="1" noAdjustHandles="1" noChangeArrowheads="1" noChangeShapeType="1" noTextEdit="1"/>
+          </p:cNvSpPr>
+          <p:nvPr>
+            <p:extLst>
+              <p:ext uri="{386F3935-93C4-4BCD-93E2-E3B085C9AB24}">
+                <p16:designElem xmlns:p16="http://schemas.microsoft.com/office/powerpoint/2015/main" val="1"/>
+              </p:ext>
+            </p:extLst>
+          </p:nvPr>
+        </p:nvSpPr>
+        <p:spPr>
+          <a:xfrm>
+            <a:off x="0" y="0"/>
+            <a:ext cx="12192000" cy="6858000"/>
+          </a:xfrm>
+          <a:prstGeom prst="rect">
+            <a:avLst/>
+          </a:prstGeom>
+          <a:ln>
+            <a:noFill/>
+          </a:ln>
+        </p:spPr>
+        <p:style>
+          <a:lnRef idx="2">
+            <a:schemeClr val="accent1">
+              <a:shade val="50000"/>
+            </a:schemeClr>
+          </a:lnRef>
+          <a:fillRef idx="1">
+            <a:schemeClr val="accent1"/>
+          </a:fillRef>
+          <a:effectRef idx="0">
+            <a:schemeClr val="accent1"/>
+          </a:effectRef>
+          <a:fontRef idx="minor">
+            <a:schemeClr val="lt1"/>
+          </a:fontRef>
+        </p:style>
+        <p:txBody>
+          <a:bodyPr rtlCol="0" anchor="ctr"/>
+          <a:lstStyle/>
+          <a:p>
+            <a:pPr algn="ctr"/>
+            <a:endParaRPr lang="en-US"/>
+          </a:p>
+        </p:txBody>
+      </p:sp>
+      <p:grpSp>
+        <p:nvGrpSpPr>
+          <p:cNvPr id="12" name="Group 11">
+            <a:extLst>
+              <a:ext uri="{FF2B5EF4-FFF2-40B4-BE49-F238E27FC236}">
+                <a16:creationId xmlns:a16="http://schemas.microsoft.com/office/drawing/2014/main" id="{3523416A-383B-4FDC-B4C9-D8EDDFE9C043}"/>
+              </a:ext>
+              <a:ext uri="{C183D7F6-B498-43B3-948B-1728B52AA6E4}">
+                <adec:decorative xmlns:adec="http://schemas.microsoft.com/office/drawing/2017/decorative" val="1"/>
+              </a:ext>
+            </a:extLst>
+          </p:cNvPr>
+          <p:cNvGrpSpPr>
+            <a:grpSpLocks noGrp="1" noUngrp="1" noRot="1" noChangeAspect="1" noMove="1" noResize="1"/>
+          </p:cNvGrpSpPr>
+          <p:nvPr>
+            <p:extLst>
+              <p:ext uri="{386F3935-93C4-4BCD-93E2-E3B085C9AB24}">
+                <p16:designElem xmlns:p16="http://schemas.microsoft.com/office/powerpoint/2015/main" val="1"/>
+              </p:ext>
+            </p:extLst>
+          </p:nvPr>
+        </p:nvGrpSpPr>
+        <p:grpSpPr>
+          <a:xfrm>
+            <a:off x="1329267" y="-8467"/>
+            <a:ext cx="4766733" cy="6866467"/>
+            <a:chOff x="7425267" y="-8467"/>
+            <a:chExt cx="4766733" cy="6866467"/>
+          </a:xfrm>
+        </p:grpSpPr>
+        <p:cxnSp>
+          <p:nvCxnSpPr>
+            <p:cNvPr id="13" name="Straight Connector 12">
+              <a:extLst>
+                <a:ext uri="{FF2B5EF4-FFF2-40B4-BE49-F238E27FC236}">
+                  <a16:creationId xmlns:a16="http://schemas.microsoft.com/office/drawing/2014/main" id="{CB0D29D5-3F7C-4197-821B-6D60A66CC04B}"/>
+                </a:ext>
+                <a:ext uri="{C183D7F6-B498-43B3-948B-1728B52AA6E4}">
+                  <adec:decorative xmlns:adec="http://schemas.microsoft.com/office/drawing/2017/decorative" val="1"/>
+                </a:ext>
+              </a:extLst>
+            </p:cNvPr>
+            <p:cNvCxnSpPr/>
+            <p:nvPr>
+              <p:extLst>
+                <p:ext uri="{386F3935-93C4-4BCD-93E2-E3B085C9AB24}">
+                  <p16:designElem xmlns:p16="http://schemas.microsoft.com/office/powerpoint/2015/main" val="1"/>
+                </p:ext>
+              </p:extLst>
+            </p:nvPr>
+          </p:nvCxnSpPr>
+          <p:spPr>
+            <a:xfrm>
+              <a:off x="9371012" y="0"/>
+              <a:ext cx="1219200" cy="6858000"/>
+            </a:xfrm>
+            <a:prstGeom prst="line">
+              <a:avLst/>
+            </a:prstGeom>
+            <a:ln w="9525">
+              <a:solidFill>
+                <a:srgbClr val="BFBFBF">
+                  <a:alpha val="75000"/>
+                </a:srgbClr>
+              </a:solidFill>
+            </a:ln>
+          </p:spPr>
+          <p:style>
+            <a:lnRef idx="2">
+              <a:schemeClr val="accent1"/>
+            </a:lnRef>
+            <a:fillRef idx="0">
+              <a:schemeClr val="accent1"/>
+            </a:fillRef>
+            <a:effectRef idx="1">
+              <a:schemeClr val="accent1"/>
+            </a:effectRef>
+            <a:fontRef idx="minor">
+              <a:schemeClr val="tx1"/>
+            </a:fontRef>
+          </p:style>
+        </p:cxnSp>
+        <p:cxnSp>
+          <p:nvCxnSpPr>
+            <p:cNvPr id="14" name="Straight Connector 13">
+              <a:extLst>
+                <a:ext uri="{FF2B5EF4-FFF2-40B4-BE49-F238E27FC236}">
+                  <a16:creationId xmlns:a16="http://schemas.microsoft.com/office/drawing/2014/main" id="{347FB49A-3541-428A-AADE-682A3C50563D}"/>
+                </a:ext>
+                <a:ext uri="{C183D7F6-B498-43B3-948B-1728B52AA6E4}">
+                  <adec:decorative xmlns:adec="http://schemas.microsoft.com/office/drawing/2017/decorative" val="1"/>
+                </a:ext>
+              </a:extLst>
+            </p:cNvPr>
+            <p:cNvCxnSpPr/>
+            <p:nvPr>
+              <p:extLst>
+                <p:ext uri="{386F3935-93C4-4BCD-93E2-E3B085C9AB24}">
+                  <p16:designElem xmlns:p16="http://schemas.microsoft.com/office/powerpoint/2015/main" val="1"/>
+                </p:ext>
+              </p:extLst>
+            </p:nvPr>
+          </p:nvCxnSpPr>
+          <p:spPr>
+            <a:xfrm flipH="1">
+              <a:off x="7425267" y="3681413"/>
+              <a:ext cx="4763558" cy="3176587"/>
+            </a:xfrm>
+            <a:prstGeom prst="line">
+              <a:avLst/>
+            </a:prstGeom>
+            <a:ln w="9525">
+              <a:solidFill>
+                <a:srgbClr val="BFBFBF">
+                  <a:alpha val="80000"/>
+                </a:srgbClr>
+              </a:solidFill>
+            </a:ln>
+          </p:spPr>
+          <p:style>
+            <a:lnRef idx="2">
+              <a:schemeClr val="accent1"/>
+            </a:lnRef>
+            <a:fillRef idx="0">
+              <a:schemeClr val="accent1"/>
+            </a:fillRef>
+            <a:effectRef idx="1">
+              <a:schemeClr val="accent1"/>
+            </a:effectRef>
+            <a:fontRef idx="minor">
+              <a:schemeClr val="tx1"/>
+            </a:fontRef>
+          </p:style>
+        </p:cxnSp>
+        <p:sp>
+          <p:nvSpPr>
+            <p:cNvPr id="15" name="Rectangle 23">
+              <a:extLst>
+                <a:ext uri="{FF2B5EF4-FFF2-40B4-BE49-F238E27FC236}">
+                  <a16:creationId xmlns:a16="http://schemas.microsoft.com/office/drawing/2014/main" id="{D96F53DC-08F1-42C6-B558-B83D54B27664}"/>
+                </a:ext>
+                <a:ext uri="{C183D7F6-B498-43B3-948B-1728B52AA6E4}">
+                  <adec:decorative xmlns:adec="http://schemas.microsoft.com/office/drawing/2017/decorative" val="1"/>
+                </a:ext>
+              </a:extLst>
+            </p:cNvPr>
+            <p:cNvSpPr/>
+            <p:nvPr>
+              <p:extLst>
+                <p:ext uri="{386F3935-93C4-4BCD-93E2-E3B085C9AB24}">
+                  <p16:designElem xmlns:p16="http://schemas.microsoft.com/office/powerpoint/2015/main" val="1"/>
+                </p:ext>
+              </p:extLst>
+            </p:nvPr>
+          </p:nvSpPr>
+          <p:spPr>
+            <a:xfrm>
+              <a:off x="9181476" y="-8467"/>
+              <a:ext cx="3007349" cy="6866467"/>
+            </a:xfrm>
+            <a:custGeom>
+              <a:avLst/>
+              <a:gdLst/>
+              <a:ahLst/>
+              <a:cxnLst/>
+              <a:rect l="l" t="t" r="r" b="b"/>
+              <a:pathLst>
+                <a:path w="3007349" h="6866467">
+                  <a:moveTo>
+                    <a:pt x="2045532" y="0"/>
+                  </a:moveTo>
+                  <a:lnTo>
+                    <a:pt x="3007349" y="0"/>
+                  </a:lnTo>
+                  <a:lnTo>
+                    <a:pt x="3007349" y="6866467"/>
+                  </a:lnTo>
+                  <a:lnTo>
+                    <a:pt x="0" y="6866467"/>
+                  </a:lnTo>
+                  <a:lnTo>
+                    <a:pt x="2045532" y="0"/>
+                  </a:lnTo>
+                  <a:close/>
+                </a:path>
+              </a:pathLst>
+            </a:custGeom>
+            <a:solidFill>
+              <a:schemeClr val="accent1">
+                <a:alpha val="30000"/>
+              </a:schemeClr>
+            </a:solidFill>
+            <a:ln>
+              <a:noFill/>
+            </a:ln>
+            <a:effectLst/>
+          </p:spPr>
+          <p:style>
+            <a:lnRef idx="1">
+              <a:schemeClr val="accent1"/>
+            </a:lnRef>
+            <a:fillRef idx="3">
+              <a:schemeClr val="accent1"/>
+            </a:fillRef>
+            <a:effectRef idx="2">
+              <a:schemeClr val="accent1"/>
+            </a:effectRef>
+            <a:fontRef idx="minor">
+              <a:schemeClr val="lt1"/>
+            </a:fontRef>
+          </p:style>
+        </p:sp>
+        <p:sp>
+          <p:nvSpPr>
+            <p:cNvPr id="16" name="Rectangle 25">
+              <a:extLst>
+                <a:ext uri="{FF2B5EF4-FFF2-40B4-BE49-F238E27FC236}">
+                  <a16:creationId xmlns:a16="http://schemas.microsoft.com/office/drawing/2014/main" id="{AFE48CAF-A51C-463F-A570-ED99439A5CA3}"/>
+                </a:ext>
+                <a:ext uri="{C183D7F6-B498-43B3-948B-1728B52AA6E4}">
+                  <adec:decorative xmlns:adec="http://schemas.microsoft.com/office/drawing/2017/decorative" val="1"/>
+                </a:ext>
+              </a:extLst>
+            </p:cNvPr>
+            <p:cNvSpPr/>
+            <p:nvPr>
+              <p:extLst>
+                <p:ext uri="{386F3935-93C4-4BCD-93E2-E3B085C9AB24}">
+                  <p16:designElem xmlns:p16="http://schemas.microsoft.com/office/powerpoint/2015/main" val="1"/>
+                </p:ext>
+              </p:extLst>
+            </p:nvPr>
+          </p:nvSpPr>
+          <p:spPr>
+            <a:xfrm>
+              <a:off x="9603442" y="-8467"/>
+              <a:ext cx="2588558" cy="6866467"/>
+            </a:xfrm>
+            <a:custGeom>
+              <a:avLst/>
+              <a:gdLst/>
+              <a:ahLst/>
+              <a:cxnLst/>
+              <a:rect l="l" t="t" r="r" b="b"/>
+              <a:pathLst>
+                <a:path w="2573311" h="6866467">
+                  <a:moveTo>
+                    <a:pt x="0" y="0"/>
+                  </a:moveTo>
+                  <a:lnTo>
+                    <a:pt x="2573311" y="0"/>
+                  </a:lnTo>
+                  <a:lnTo>
+                    <a:pt x="2573311" y="6866467"/>
+                  </a:lnTo>
+                  <a:lnTo>
+                    <a:pt x="1202336" y="6866467"/>
+                  </a:lnTo>
+                  <a:lnTo>
+                    <a:pt x="0" y="0"/>
+                  </a:lnTo>
+                  <a:close/>
+                </a:path>
+              </a:pathLst>
+            </a:custGeom>
+            <a:solidFill>
+              <a:schemeClr val="accent1">
+                <a:alpha val="20000"/>
+              </a:schemeClr>
+            </a:solidFill>
+            <a:ln>
+              <a:noFill/>
+            </a:ln>
+            <a:effectLst/>
+          </p:spPr>
+          <p:style>
+            <a:lnRef idx="1">
+              <a:schemeClr val="accent1"/>
+            </a:lnRef>
+            <a:fillRef idx="3">
+              <a:schemeClr val="accent1"/>
+            </a:fillRef>
+            <a:effectRef idx="2">
+              <a:schemeClr val="accent1"/>
+            </a:effectRef>
+            <a:fontRef idx="minor">
+              <a:schemeClr val="lt1"/>
+            </a:fontRef>
+          </p:style>
+        </p:sp>
+        <p:sp>
+          <p:nvSpPr>
+            <p:cNvPr id="17" name="Isosceles Triangle 16">
+              <a:extLst>
+                <a:ext uri="{FF2B5EF4-FFF2-40B4-BE49-F238E27FC236}">
+                  <a16:creationId xmlns:a16="http://schemas.microsoft.com/office/drawing/2014/main" id="{01F0C48B-50FF-4351-8207-16D096048311}"/>
+                </a:ext>
+                <a:ext uri="{C183D7F6-B498-43B3-948B-1728B52AA6E4}">
+                  <adec:decorative xmlns:adec="http://schemas.microsoft.com/office/drawing/2017/decorative" val="1"/>
+                </a:ext>
+              </a:extLst>
+            </p:cNvPr>
+            <p:cNvSpPr/>
+            <p:nvPr>
+              <p:extLst>
+                <p:ext uri="{386F3935-93C4-4BCD-93E2-E3B085C9AB24}">
+                  <p16:designElem xmlns:p16="http://schemas.microsoft.com/office/powerpoint/2015/main" val="1"/>
+                </p:ext>
+              </p:extLst>
+            </p:nvPr>
+          </p:nvSpPr>
+          <p:spPr>
+            <a:xfrm>
+              <a:off x="8932333" y="3048000"/>
+              <a:ext cx="3259667" cy="3810000"/>
+            </a:xfrm>
+            <a:prstGeom prst="triangle">
+              <a:avLst>
+                <a:gd name="adj" fmla="val 100000"/>
+              </a:avLst>
+            </a:prstGeom>
+            <a:solidFill>
+              <a:schemeClr val="accent2">
+                <a:alpha val="72000"/>
+              </a:schemeClr>
+            </a:solidFill>
+            <a:ln>
+              <a:noFill/>
+            </a:ln>
+            <a:effectLst/>
+          </p:spPr>
+          <p:style>
+            <a:lnRef idx="1">
+              <a:schemeClr val="accent1"/>
+            </a:lnRef>
+            <a:fillRef idx="3">
+              <a:schemeClr val="accent1"/>
+            </a:fillRef>
+            <a:effectRef idx="2">
+              <a:schemeClr val="accent1"/>
+            </a:effectRef>
+            <a:fontRef idx="minor">
+              <a:schemeClr val="lt1"/>
+            </a:fontRef>
+          </p:style>
+        </p:sp>
+        <p:sp>
+          <p:nvSpPr>
+            <p:cNvPr id="18" name="Rectangle 27">
+              <a:extLst>
+                <a:ext uri="{FF2B5EF4-FFF2-40B4-BE49-F238E27FC236}">
+                  <a16:creationId xmlns:a16="http://schemas.microsoft.com/office/drawing/2014/main" id="{300384B6-5ED6-4F91-A548-B706D837513E}"/>
+                </a:ext>
+                <a:ext uri="{C183D7F6-B498-43B3-948B-1728B52AA6E4}">
+                  <adec:decorative xmlns:adec="http://schemas.microsoft.com/office/drawing/2017/decorative" val="1"/>
+                </a:ext>
+              </a:extLst>
+            </p:cNvPr>
+            <p:cNvSpPr/>
+            <p:nvPr>
+              <p:extLst>
+                <p:ext uri="{386F3935-93C4-4BCD-93E2-E3B085C9AB24}">
+                  <p16:designElem xmlns:p16="http://schemas.microsoft.com/office/powerpoint/2015/main" val="1"/>
+                </p:ext>
+              </p:extLst>
+            </p:nvPr>
+          </p:nvSpPr>
+          <p:spPr>
+            <a:xfrm>
+              <a:off x="9334500" y="-8467"/>
+              <a:ext cx="2854326" cy="6866467"/>
+            </a:xfrm>
+            <a:custGeom>
+              <a:avLst/>
+              <a:gdLst/>
+              <a:ahLst/>
+              <a:cxnLst/>
+              <a:rect l="l" t="t" r="r" b="b"/>
+              <a:pathLst>
+                <a:path w="2858013" h="6866467">
+                  <a:moveTo>
+                    <a:pt x="0" y="0"/>
+                  </a:moveTo>
+                  <a:lnTo>
+                    <a:pt x="2858013" y="0"/>
+                  </a:lnTo>
+                  <a:lnTo>
+                    <a:pt x="2858013" y="6866467"/>
+                  </a:lnTo>
+                  <a:lnTo>
+                    <a:pt x="2473942" y="6866467"/>
+                  </a:lnTo>
+                  <a:lnTo>
+                    <a:pt x="0" y="0"/>
+                  </a:lnTo>
+                  <a:close/>
+                </a:path>
+              </a:pathLst>
+            </a:custGeom>
+            <a:solidFill>
+              <a:schemeClr val="accent2">
+                <a:lumMod val="75000"/>
+                <a:alpha val="70000"/>
+              </a:schemeClr>
+            </a:solidFill>
+            <a:ln>
+              <a:noFill/>
+            </a:ln>
+            <a:effectLst/>
+          </p:spPr>
+          <p:style>
+            <a:lnRef idx="1">
+              <a:schemeClr val="accent1"/>
+            </a:lnRef>
+            <a:fillRef idx="3">
+              <a:schemeClr val="accent1"/>
+            </a:fillRef>
+            <a:effectRef idx="2">
+              <a:schemeClr val="accent1"/>
+            </a:effectRef>
+            <a:fontRef idx="minor">
+              <a:schemeClr val="lt1"/>
+            </a:fontRef>
+          </p:style>
+        </p:sp>
+        <p:sp>
+          <p:nvSpPr>
+            <p:cNvPr id="19" name="Rectangle 28">
+              <a:extLst>
+                <a:ext uri="{FF2B5EF4-FFF2-40B4-BE49-F238E27FC236}">
+                  <a16:creationId xmlns:a16="http://schemas.microsoft.com/office/drawing/2014/main" id="{337AFFAE-C182-463C-9459-8AB3C69D9A29}"/>
+                </a:ext>
+                <a:ext uri="{C183D7F6-B498-43B3-948B-1728B52AA6E4}">
+                  <adec:decorative xmlns:adec="http://schemas.microsoft.com/office/drawing/2017/decorative" val="1"/>
+                </a:ext>
+              </a:extLst>
+            </p:cNvPr>
+            <p:cNvSpPr/>
+            <p:nvPr>
+              <p:extLst>
+                <p:ext uri="{386F3935-93C4-4BCD-93E2-E3B085C9AB24}">
+                  <p16:designElem xmlns:p16="http://schemas.microsoft.com/office/powerpoint/2015/main" val="1"/>
+                </p:ext>
+              </p:extLst>
+            </p:nvPr>
+          </p:nvSpPr>
+          <p:spPr>
+            <a:xfrm>
+              <a:off x="10898730" y="-8467"/>
+              <a:ext cx="1290094" cy="6866467"/>
+            </a:xfrm>
+            <a:custGeom>
+              <a:avLst/>
+              <a:gdLst/>
+              <a:ahLst/>
+              <a:cxnLst/>
+              <a:rect l="l" t="t" r="r" b="b"/>
+              <a:pathLst>
+                <a:path w="1290094" h="6858000">
+                  <a:moveTo>
+                    <a:pt x="1019735" y="0"/>
+                  </a:moveTo>
+                  <a:lnTo>
+                    <a:pt x="1290094" y="0"/>
+                  </a:lnTo>
+                  <a:lnTo>
+                    <a:pt x="1290094" y="6858000"/>
+                  </a:lnTo>
+                  <a:lnTo>
+                    <a:pt x="0" y="6858000"/>
+                  </a:lnTo>
+                  <a:lnTo>
+                    <a:pt x="1019735" y="0"/>
+                  </a:lnTo>
+                  <a:close/>
+                </a:path>
+              </a:pathLst>
+            </a:custGeom>
+            <a:solidFill>
+              <a:schemeClr val="accent1">
+                <a:lumMod val="60000"/>
+                <a:lumOff val="40000"/>
+                <a:alpha val="70000"/>
+              </a:schemeClr>
+            </a:solidFill>
+            <a:ln>
+              <a:noFill/>
+            </a:ln>
+            <a:effectLst/>
+          </p:spPr>
+          <p:style>
+            <a:lnRef idx="1">
+              <a:schemeClr val="accent1"/>
+            </a:lnRef>
+            <a:fillRef idx="3">
+              <a:schemeClr val="accent1"/>
+            </a:fillRef>
+            <a:effectRef idx="2">
+              <a:schemeClr val="accent1"/>
+            </a:effectRef>
+            <a:fontRef idx="minor">
+              <a:schemeClr val="lt1"/>
+            </a:fontRef>
+          </p:style>
+        </p:sp>
+        <p:sp>
+          <p:nvSpPr>
+            <p:cNvPr id="20" name="Rectangle 29">
+              <a:extLst>
+                <a:ext uri="{FF2B5EF4-FFF2-40B4-BE49-F238E27FC236}">
+                  <a16:creationId xmlns:a16="http://schemas.microsoft.com/office/drawing/2014/main" id="{510ACF17-C3F0-42BF-BDEB-D079277121E4}"/>
+                </a:ext>
+                <a:ext uri="{C183D7F6-B498-43B3-948B-1728B52AA6E4}">
+                  <adec:decorative xmlns:adec="http://schemas.microsoft.com/office/drawing/2017/decorative" val="1"/>
+                </a:ext>
+              </a:extLst>
+            </p:cNvPr>
+            <p:cNvSpPr/>
+            <p:nvPr>
+              <p:extLst>
+                <p:ext uri="{386F3935-93C4-4BCD-93E2-E3B085C9AB24}">
+                  <p16:designElem xmlns:p16="http://schemas.microsoft.com/office/powerpoint/2015/main" val="1"/>
+                </p:ext>
+              </p:extLst>
+            </p:nvPr>
+          </p:nvSpPr>
+          <p:spPr>
+            <a:xfrm>
+              <a:off x="10938999" y="-8467"/>
+              <a:ext cx="1249825" cy="6866467"/>
+            </a:xfrm>
+            <a:custGeom>
+              <a:avLst/>
+              <a:gdLst/>
+              <a:ahLst/>
+              <a:cxnLst/>
+              <a:rect l="l" t="t" r="r" b="b"/>
+              <a:pathLst>
+                <a:path w="1249825" h="6858000">
+                  <a:moveTo>
+                    <a:pt x="0" y="0"/>
+                  </a:moveTo>
+                  <a:lnTo>
+                    <a:pt x="1249825" y="0"/>
+                  </a:lnTo>
+                  <a:lnTo>
+                    <a:pt x="1249825" y="6858000"/>
+                  </a:lnTo>
+                  <a:lnTo>
+                    <a:pt x="1109382" y="6858000"/>
+                  </a:lnTo>
+                  <a:lnTo>
+                    <a:pt x="0" y="0"/>
+                  </a:lnTo>
+                  <a:close/>
+                </a:path>
+              </a:pathLst>
+            </a:custGeom>
+            <a:solidFill>
+              <a:schemeClr val="accent1">
+                <a:alpha val="65000"/>
+              </a:schemeClr>
+            </a:solidFill>
+            <a:ln>
+              <a:noFill/>
+            </a:ln>
+            <a:effectLst/>
+          </p:spPr>
+          <p:style>
+            <a:lnRef idx="1">
+              <a:schemeClr val="accent1"/>
+            </a:lnRef>
+            <a:fillRef idx="3">
+              <a:schemeClr val="accent1"/>
+            </a:fillRef>
+            <a:effectRef idx="2">
+              <a:schemeClr val="accent1"/>
+            </a:effectRef>
+            <a:fontRef idx="minor">
+              <a:schemeClr val="lt1"/>
+            </a:fontRef>
+          </p:style>
+        </p:sp>
+        <p:sp>
+          <p:nvSpPr>
+            <p:cNvPr id="21" name="Isosceles Triangle 20">
+              <a:extLst>
+                <a:ext uri="{FF2B5EF4-FFF2-40B4-BE49-F238E27FC236}">
+                  <a16:creationId xmlns:a16="http://schemas.microsoft.com/office/drawing/2014/main" id="{E804EFD0-B84E-476F-9FC6-6C4A42EA0054}"/>
+                </a:ext>
+                <a:ext uri="{C183D7F6-B498-43B3-948B-1728B52AA6E4}">
+                  <adec:decorative xmlns:adec="http://schemas.microsoft.com/office/drawing/2017/decorative" val="1"/>
+                </a:ext>
+              </a:extLst>
+            </p:cNvPr>
+            <p:cNvSpPr/>
+            <p:nvPr>
+              <p:extLst>
+                <p:ext uri="{386F3935-93C4-4BCD-93E2-E3B085C9AB24}">
+                  <p16:designElem xmlns:p16="http://schemas.microsoft.com/office/powerpoint/2015/main" val="1"/>
+                </p:ext>
+              </p:extLst>
+            </p:nvPr>
+          </p:nvSpPr>
+          <p:spPr>
+            <a:xfrm>
+              <a:off x="10371666" y="3589867"/>
+              <a:ext cx="1817159" cy="3268133"/>
+            </a:xfrm>
+            <a:prstGeom prst="triangle">
+              <a:avLst>
+                <a:gd name="adj" fmla="val 100000"/>
+              </a:avLst>
+            </a:prstGeom>
+            <a:solidFill>
+              <a:schemeClr val="accent1">
+                <a:alpha val="80000"/>
+              </a:schemeClr>
+            </a:solidFill>
+            <a:ln>
+              <a:noFill/>
+            </a:ln>
+            <a:effectLst/>
+          </p:spPr>
+          <p:style>
+            <a:lnRef idx="1">
+              <a:schemeClr val="accent1"/>
+            </a:lnRef>
+            <a:fillRef idx="3">
+              <a:schemeClr val="accent1"/>
+            </a:fillRef>
+            <a:effectRef idx="2">
+              <a:schemeClr val="accent1"/>
+            </a:effectRef>
+            <a:fontRef idx="minor">
+              <a:schemeClr val="lt1"/>
+            </a:fontRef>
+          </p:style>
+        </p:sp>
+      </p:grpSp>
+      <p:sp>
+        <p:nvSpPr>
+          <p:cNvPr id="23" name="Rectangle 22">
+            <a:extLst>
+              <a:ext uri="{FF2B5EF4-FFF2-40B4-BE49-F238E27FC236}">
+                <a16:creationId xmlns:a16="http://schemas.microsoft.com/office/drawing/2014/main" id="{87BD1F4E-A66D-4C06-86DA-8D56CA7A3B41}"/>
+              </a:ext>
+              <a:ext uri="{C183D7F6-B498-43B3-948B-1728B52AA6E4}">
+                <adec:decorative xmlns:adec="http://schemas.microsoft.com/office/drawing/2017/decorative" val="1"/>
+              </a:ext>
+            </a:extLst>
+          </p:cNvPr>
+          <p:cNvSpPr>
+            <a:spLocks noGrp="1" noRot="1" noChangeAspect="1" noMove="1" noResize="1" noEditPoints="1" noAdjustHandles="1" noChangeArrowheads="1" noChangeShapeType="1" noTextEdit="1"/>
+          </p:cNvSpPr>
+          <p:nvPr>
+            <p:extLst>
+              <p:ext uri="{386F3935-93C4-4BCD-93E2-E3B085C9AB24}">
+                <p16:designElem xmlns:p16="http://schemas.microsoft.com/office/powerpoint/2015/main" val="1"/>
+              </p:ext>
+            </p:extLst>
+          </p:nvPr>
+        </p:nvSpPr>
+        <p:spPr>
+          <a:xfrm>
+            <a:off x="5977719" y="0"/>
+            <a:ext cx="6214281" cy="6858000"/>
+          </a:xfrm>
+          <a:prstGeom prst="rect">
+            <a:avLst/>
+          </a:prstGeom>
+          <a:ln>
+            <a:noFill/>
+          </a:ln>
+        </p:spPr>
+        <p:style>
+          <a:lnRef idx="2">
+            <a:schemeClr val="accent1">
+              <a:shade val="50000"/>
+            </a:schemeClr>
+          </a:lnRef>
+          <a:fillRef idx="1">
+            <a:schemeClr val="accent1"/>
+          </a:fillRef>
+          <a:effectRef idx="0">
+            <a:schemeClr val="accent1"/>
+          </a:effectRef>
+          <a:fontRef idx="minor">
+            <a:schemeClr val="lt1"/>
+          </a:fontRef>
+        </p:style>
+        <p:txBody>
+          <a:bodyPr rtlCol="0" anchor="ctr"/>
+          <a:lstStyle/>
+          <a:p>
+            <a:pPr algn="ctr"/>
+            <a:endParaRPr lang="en-US"/>
+          </a:p>
+        </p:txBody>
+      </p:sp>
       <p:sp>
         <p:nvSpPr>
           <p:cNvPr id="2" name="Titel 1">
@@ -9912,19 +11032,21 @@
           </p:nvPr>
         </p:nvSpPr>
         <p:spPr>
-          <a:noFill/>
+          <a:xfrm>
+            <a:off x="652481" y="1382486"/>
+            <a:ext cx="3547581" cy="4093028"/>
+          </a:xfrm>
         </p:spPr>
         <p:txBody>
-          <a:bodyPr>
+          <a:bodyPr anchor="ctr">
             <a:normAutofit/>
           </a:bodyPr>
           <a:lstStyle/>
           <a:p>
             <a:r>
-              <a:rPr lang="de-DE" dirty="0" err="1"/>
-              <a:t>Functionalities</a:t>
+              <a:rPr lang="de-DE" sz="4400"/>
+              <a:t>Features</a:t>
             </a:r>
-            <a:endParaRPr lang="de-DE" dirty="0"/>
           </a:p>
         </p:txBody>
       </p:sp>
@@ -9944,14 +11066,14 @@
             <p:ph idx="1"/>
             <p:extLst>
               <p:ext uri="{D42A27DB-BD31-4B8C-83A1-F6EECF244321}">
-                <p14:modId xmlns:p14="http://schemas.microsoft.com/office/powerpoint/2010/main" val="707643869"/>
+                <p14:modId xmlns:p14="http://schemas.microsoft.com/office/powerpoint/2010/main" val="657136371"/>
               </p:ext>
             </p:extLst>
           </p:nvPr>
         </p:nvGraphicFramePr>
         <p:xfrm>
-          <a:off x="677690" y="1716881"/>
-          <a:ext cx="8596312" cy="3881437"/>
+          <a:off x="4876848" y="311085"/>
+          <a:ext cx="7315151" cy="6155703"/>
         </p:xfrm>
         <a:graphic>
           <a:graphicData uri="http://schemas.openxmlformats.org/drawingml/2006/diagram">
@@ -9975,6 +11097,14 @@
 <file path=ppt/slides/slide4.xml><?xml version="1.0" encoding="utf-8"?>
 <p:sld xmlns:a="http://schemas.openxmlformats.org/drawingml/2006/main" xmlns:r="http://schemas.openxmlformats.org/officeDocument/2006/relationships" xmlns:p="http://schemas.openxmlformats.org/presentationml/2006/main">
   <p:cSld>
+    <p:bg>
+      <p:bgPr>
+        <a:solidFill>
+          <a:schemeClr val="bg2"/>
+        </a:solidFill>
+        <a:effectLst/>
+      </p:bgPr>
+    </p:bg>
     <p:spTree>
       <p:nvGrpSpPr>
         <p:cNvPr id="1" name=""/>
@@ -9989,6 +11119,1423 @@
           <a:chExt cx="0" cy="0"/>
         </a:xfrm>
       </p:grpSpPr>
+      <p:grpSp>
+        <p:nvGrpSpPr>
+          <p:cNvPr id="8" name="Group 7">
+            <a:extLst>
+              <a:ext uri="{FF2B5EF4-FFF2-40B4-BE49-F238E27FC236}">
+                <a16:creationId xmlns:a16="http://schemas.microsoft.com/office/drawing/2014/main" id="{28460BD8-AE3F-4AC9-9D0B-717052AA5D3A}"/>
+              </a:ext>
+              <a:ext uri="{C183D7F6-B498-43B3-948B-1728B52AA6E4}">
+                <adec:decorative xmlns:adec="http://schemas.microsoft.com/office/drawing/2017/decorative" val="1"/>
+              </a:ext>
+            </a:extLst>
+          </p:cNvPr>
+          <p:cNvGrpSpPr>
+            <a:grpSpLocks noGrp="1" noUngrp="1" noRot="1" noChangeAspect="1" noMove="1" noResize="1"/>
+          </p:cNvGrpSpPr>
+          <p:nvPr>
+            <p:extLst>
+              <p:ext uri="{386F3935-93C4-4BCD-93E2-E3B085C9AB24}">
+                <p16:designElem xmlns:p16="http://schemas.microsoft.com/office/powerpoint/2015/main" val="1"/>
+              </p:ext>
+            </p:extLst>
+          </p:nvPr>
+        </p:nvGrpSpPr>
+        <p:grpSpPr>
+          <a:xfrm>
+            <a:off x="0" y="-8467"/>
+            <a:ext cx="12192000" cy="6866467"/>
+            <a:chOff x="0" y="-8467"/>
+            <a:chExt cx="12192000" cy="6866467"/>
+          </a:xfrm>
+        </p:grpSpPr>
+        <p:cxnSp>
+          <p:nvCxnSpPr>
+            <p:cNvPr id="9" name="Straight Connector 8">
+              <a:extLst>
+                <a:ext uri="{FF2B5EF4-FFF2-40B4-BE49-F238E27FC236}">
+                  <a16:creationId xmlns:a16="http://schemas.microsoft.com/office/drawing/2014/main" id="{54420CFE-F482-466E-9E1E-C78513C0B85D}"/>
+                </a:ext>
+                <a:ext uri="{C183D7F6-B498-43B3-948B-1728B52AA6E4}">
+                  <adec:decorative xmlns:adec="http://schemas.microsoft.com/office/drawing/2017/decorative" val="1"/>
+                </a:ext>
+              </a:extLst>
+            </p:cNvPr>
+            <p:cNvCxnSpPr/>
+            <p:nvPr>
+              <p:extLst>
+                <p:ext uri="{386F3935-93C4-4BCD-93E2-E3B085C9AB24}">
+                  <p16:designElem xmlns:p16="http://schemas.microsoft.com/office/powerpoint/2015/main" val="1"/>
+                </p:ext>
+              </p:extLst>
+            </p:nvPr>
+          </p:nvCxnSpPr>
+          <p:spPr>
+            <a:xfrm>
+              <a:off x="9371012" y="0"/>
+              <a:ext cx="1219200" cy="6858000"/>
+            </a:xfrm>
+            <a:prstGeom prst="line">
+              <a:avLst/>
+            </a:prstGeom>
+            <a:ln w="9525">
+              <a:solidFill>
+                <a:schemeClr val="bg1">
+                  <a:lumMod val="75000"/>
+                </a:schemeClr>
+              </a:solidFill>
+            </a:ln>
+          </p:spPr>
+          <p:style>
+            <a:lnRef idx="2">
+              <a:schemeClr val="accent1"/>
+            </a:lnRef>
+            <a:fillRef idx="0">
+              <a:schemeClr val="accent1"/>
+            </a:fillRef>
+            <a:effectRef idx="1">
+              <a:schemeClr val="accent1"/>
+            </a:effectRef>
+            <a:fontRef idx="minor">
+              <a:schemeClr val="tx1"/>
+            </a:fontRef>
+          </p:style>
+        </p:cxnSp>
+        <p:cxnSp>
+          <p:nvCxnSpPr>
+            <p:cNvPr id="10" name="Straight Connector 9">
+              <a:extLst>
+                <a:ext uri="{FF2B5EF4-FFF2-40B4-BE49-F238E27FC236}">
+                  <a16:creationId xmlns:a16="http://schemas.microsoft.com/office/drawing/2014/main" id="{5331032B-BD21-4BDA-920C-12E358052567}"/>
+                </a:ext>
+                <a:ext uri="{C183D7F6-B498-43B3-948B-1728B52AA6E4}">
+                  <adec:decorative xmlns:adec="http://schemas.microsoft.com/office/drawing/2017/decorative" val="1"/>
+                </a:ext>
+              </a:extLst>
+            </p:cNvPr>
+            <p:cNvCxnSpPr/>
+            <p:nvPr>
+              <p:extLst>
+                <p:ext uri="{386F3935-93C4-4BCD-93E2-E3B085C9AB24}">
+                  <p16:designElem xmlns:p16="http://schemas.microsoft.com/office/powerpoint/2015/main" val="1"/>
+                </p:ext>
+              </p:extLst>
+            </p:nvPr>
+          </p:nvCxnSpPr>
+          <p:spPr>
+            <a:xfrm flipH="1">
+              <a:off x="7425267" y="3681413"/>
+              <a:ext cx="4763558" cy="3176587"/>
+            </a:xfrm>
+            <a:prstGeom prst="line">
+              <a:avLst/>
+            </a:prstGeom>
+            <a:ln w="9525">
+              <a:solidFill>
+                <a:schemeClr val="bg1">
+                  <a:lumMod val="85000"/>
+                </a:schemeClr>
+              </a:solidFill>
+            </a:ln>
+          </p:spPr>
+          <p:style>
+            <a:lnRef idx="2">
+              <a:schemeClr val="accent1"/>
+            </a:lnRef>
+            <a:fillRef idx="0">
+              <a:schemeClr val="accent1"/>
+            </a:fillRef>
+            <a:effectRef idx="1">
+              <a:schemeClr val="accent1"/>
+            </a:effectRef>
+            <a:fontRef idx="minor">
+              <a:schemeClr val="tx1"/>
+            </a:fontRef>
+          </p:style>
+        </p:cxnSp>
+        <p:sp>
+          <p:nvSpPr>
+            <p:cNvPr id="11" name="Rectangle 23">
+              <a:extLst>
+                <a:ext uri="{FF2B5EF4-FFF2-40B4-BE49-F238E27FC236}">
+                  <a16:creationId xmlns:a16="http://schemas.microsoft.com/office/drawing/2014/main" id="{E7514DA3-59E7-409E-8A3B-AD097F6E5644}"/>
+                </a:ext>
+                <a:ext uri="{C183D7F6-B498-43B3-948B-1728B52AA6E4}">
+                  <adec:decorative xmlns:adec="http://schemas.microsoft.com/office/drawing/2017/decorative" val="1"/>
+                </a:ext>
+              </a:extLst>
+            </p:cNvPr>
+            <p:cNvSpPr/>
+            <p:nvPr>
+              <p:extLst>
+                <p:ext uri="{386F3935-93C4-4BCD-93E2-E3B085C9AB24}">
+                  <p16:designElem xmlns:p16="http://schemas.microsoft.com/office/powerpoint/2015/main" val="1"/>
+                </p:ext>
+              </p:extLst>
+            </p:nvPr>
+          </p:nvSpPr>
+          <p:spPr>
+            <a:xfrm>
+              <a:off x="9181476" y="-8467"/>
+              <a:ext cx="3007349" cy="6866467"/>
+            </a:xfrm>
+            <a:custGeom>
+              <a:avLst/>
+              <a:gdLst/>
+              <a:ahLst/>
+              <a:cxnLst/>
+              <a:rect l="l" t="t" r="r" b="b"/>
+              <a:pathLst>
+                <a:path w="3007349" h="6866467">
+                  <a:moveTo>
+                    <a:pt x="2045532" y="0"/>
+                  </a:moveTo>
+                  <a:lnTo>
+                    <a:pt x="3007349" y="0"/>
+                  </a:lnTo>
+                  <a:lnTo>
+                    <a:pt x="3007349" y="6866467"/>
+                  </a:lnTo>
+                  <a:lnTo>
+                    <a:pt x="0" y="6866467"/>
+                  </a:lnTo>
+                  <a:lnTo>
+                    <a:pt x="2045532" y="0"/>
+                  </a:lnTo>
+                  <a:close/>
+                </a:path>
+              </a:pathLst>
+            </a:custGeom>
+            <a:solidFill>
+              <a:schemeClr val="accent1">
+                <a:alpha val="30000"/>
+              </a:schemeClr>
+            </a:solidFill>
+            <a:ln>
+              <a:noFill/>
+            </a:ln>
+            <a:effectLst/>
+          </p:spPr>
+          <p:style>
+            <a:lnRef idx="1">
+              <a:schemeClr val="accent1"/>
+            </a:lnRef>
+            <a:fillRef idx="3">
+              <a:schemeClr val="accent1"/>
+            </a:fillRef>
+            <a:effectRef idx="2">
+              <a:schemeClr val="accent1"/>
+            </a:effectRef>
+            <a:fontRef idx="minor">
+              <a:schemeClr val="lt1"/>
+            </a:fontRef>
+          </p:style>
+        </p:sp>
+        <p:sp>
+          <p:nvSpPr>
+            <p:cNvPr id="12" name="Rectangle 25">
+              <a:extLst>
+                <a:ext uri="{FF2B5EF4-FFF2-40B4-BE49-F238E27FC236}">
+                  <a16:creationId xmlns:a16="http://schemas.microsoft.com/office/drawing/2014/main" id="{57B9A2A6-3BE4-4599-9364-F71C5BFD61F8}"/>
+                </a:ext>
+                <a:ext uri="{C183D7F6-B498-43B3-948B-1728B52AA6E4}">
+                  <adec:decorative xmlns:adec="http://schemas.microsoft.com/office/drawing/2017/decorative" val="1"/>
+                </a:ext>
+              </a:extLst>
+            </p:cNvPr>
+            <p:cNvSpPr/>
+            <p:nvPr>
+              <p:extLst>
+                <p:ext uri="{386F3935-93C4-4BCD-93E2-E3B085C9AB24}">
+                  <p16:designElem xmlns:p16="http://schemas.microsoft.com/office/powerpoint/2015/main" val="1"/>
+                </p:ext>
+              </p:extLst>
+            </p:nvPr>
+          </p:nvSpPr>
+          <p:spPr>
+            <a:xfrm>
+              <a:off x="9603442" y="-8467"/>
+              <a:ext cx="2588558" cy="6866467"/>
+            </a:xfrm>
+            <a:custGeom>
+              <a:avLst/>
+              <a:gdLst/>
+              <a:ahLst/>
+              <a:cxnLst/>
+              <a:rect l="l" t="t" r="r" b="b"/>
+              <a:pathLst>
+                <a:path w="2573311" h="6866467">
+                  <a:moveTo>
+                    <a:pt x="0" y="0"/>
+                  </a:moveTo>
+                  <a:lnTo>
+                    <a:pt x="2573311" y="0"/>
+                  </a:lnTo>
+                  <a:lnTo>
+                    <a:pt x="2573311" y="6866467"/>
+                  </a:lnTo>
+                  <a:lnTo>
+                    <a:pt x="1202336" y="6866467"/>
+                  </a:lnTo>
+                  <a:lnTo>
+                    <a:pt x="0" y="0"/>
+                  </a:lnTo>
+                  <a:close/>
+                </a:path>
+              </a:pathLst>
+            </a:custGeom>
+            <a:solidFill>
+              <a:schemeClr val="accent1">
+                <a:alpha val="20000"/>
+              </a:schemeClr>
+            </a:solidFill>
+            <a:ln>
+              <a:noFill/>
+            </a:ln>
+            <a:effectLst/>
+          </p:spPr>
+          <p:style>
+            <a:lnRef idx="1">
+              <a:schemeClr val="accent1"/>
+            </a:lnRef>
+            <a:fillRef idx="3">
+              <a:schemeClr val="accent1"/>
+            </a:fillRef>
+            <a:effectRef idx="2">
+              <a:schemeClr val="accent1"/>
+            </a:effectRef>
+            <a:fontRef idx="minor">
+              <a:schemeClr val="lt1"/>
+            </a:fontRef>
+          </p:style>
+        </p:sp>
+        <p:sp>
+          <p:nvSpPr>
+            <p:cNvPr id="13" name="Isosceles Triangle 12">
+              <a:extLst>
+                <a:ext uri="{FF2B5EF4-FFF2-40B4-BE49-F238E27FC236}">
+                  <a16:creationId xmlns:a16="http://schemas.microsoft.com/office/drawing/2014/main" id="{4FD744C6-4ED8-4BC9-BF68-6BDF701C5DB4}"/>
+                </a:ext>
+                <a:ext uri="{C183D7F6-B498-43B3-948B-1728B52AA6E4}">
+                  <adec:decorative xmlns:adec="http://schemas.microsoft.com/office/drawing/2017/decorative" val="1"/>
+                </a:ext>
+              </a:extLst>
+            </p:cNvPr>
+            <p:cNvSpPr/>
+            <p:nvPr>
+              <p:extLst>
+                <p:ext uri="{386F3935-93C4-4BCD-93E2-E3B085C9AB24}">
+                  <p16:designElem xmlns:p16="http://schemas.microsoft.com/office/powerpoint/2015/main" val="1"/>
+                </p:ext>
+              </p:extLst>
+            </p:nvPr>
+          </p:nvSpPr>
+          <p:spPr>
+            <a:xfrm>
+              <a:off x="8932333" y="3048000"/>
+              <a:ext cx="3259667" cy="3810000"/>
+            </a:xfrm>
+            <a:prstGeom prst="triangle">
+              <a:avLst>
+                <a:gd name="adj" fmla="val 100000"/>
+              </a:avLst>
+            </a:prstGeom>
+            <a:solidFill>
+              <a:schemeClr val="accent2">
+                <a:alpha val="72000"/>
+              </a:schemeClr>
+            </a:solidFill>
+            <a:ln>
+              <a:noFill/>
+            </a:ln>
+            <a:effectLst/>
+          </p:spPr>
+          <p:style>
+            <a:lnRef idx="1">
+              <a:schemeClr val="accent1"/>
+            </a:lnRef>
+            <a:fillRef idx="3">
+              <a:schemeClr val="accent1"/>
+            </a:fillRef>
+            <a:effectRef idx="2">
+              <a:schemeClr val="accent1"/>
+            </a:effectRef>
+            <a:fontRef idx="minor">
+              <a:schemeClr val="lt1"/>
+            </a:fontRef>
+          </p:style>
+        </p:sp>
+        <p:sp>
+          <p:nvSpPr>
+            <p:cNvPr id="14" name="Rectangle 27">
+              <a:extLst>
+                <a:ext uri="{FF2B5EF4-FFF2-40B4-BE49-F238E27FC236}">
+                  <a16:creationId xmlns:a16="http://schemas.microsoft.com/office/drawing/2014/main" id="{092C5BAD-C911-4F8F-A1C5-470268BE668B}"/>
+                </a:ext>
+                <a:ext uri="{C183D7F6-B498-43B3-948B-1728B52AA6E4}">
+                  <adec:decorative xmlns:adec="http://schemas.microsoft.com/office/drawing/2017/decorative" val="1"/>
+                </a:ext>
+              </a:extLst>
+            </p:cNvPr>
+            <p:cNvSpPr/>
+            <p:nvPr>
+              <p:extLst>
+                <p:ext uri="{386F3935-93C4-4BCD-93E2-E3B085C9AB24}">
+                  <p16:designElem xmlns:p16="http://schemas.microsoft.com/office/powerpoint/2015/main" val="1"/>
+                </p:ext>
+              </p:extLst>
+            </p:nvPr>
+          </p:nvSpPr>
+          <p:spPr>
+            <a:xfrm>
+              <a:off x="9334500" y="-8467"/>
+              <a:ext cx="2854326" cy="6866467"/>
+            </a:xfrm>
+            <a:custGeom>
+              <a:avLst/>
+              <a:gdLst/>
+              <a:ahLst/>
+              <a:cxnLst/>
+              <a:rect l="l" t="t" r="r" b="b"/>
+              <a:pathLst>
+                <a:path w="2858013" h="6866467">
+                  <a:moveTo>
+                    <a:pt x="0" y="0"/>
+                  </a:moveTo>
+                  <a:lnTo>
+                    <a:pt x="2858013" y="0"/>
+                  </a:lnTo>
+                  <a:lnTo>
+                    <a:pt x="2858013" y="6866467"/>
+                  </a:lnTo>
+                  <a:lnTo>
+                    <a:pt x="2473942" y="6866467"/>
+                  </a:lnTo>
+                  <a:lnTo>
+                    <a:pt x="0" y="0"/>
+                  </a:lnTo>
+                  <a:close/>
+                </a:path>
+              </a:pathLst>
+            </a:custGeom>
+            <a:solidFill>
+              <a:schemeClr val="accent2">
+                <a:lumMod val="75000"/>
+                <a:alpha val="70000"/>
+              </a:schemeClr>
+            </a:solidFill>
+            <a:ln>
+              <a:noFill/>
+            </a:ln>
+            <a:effectLst/>
+          </p:spPr>
+          <p:style>
+            <a:lnRef idx="1">
+              <a:schemeClr val="accent1"/>
+            </a:lnRef>
+            <a:fillRef idx="3">
+              <a:schemeClr val="accent1"/>
+            </a:fillRef>
+            <a:effectRef idx="2">
+              <a:schemeClr val="accent1"/>
+            </a:effectRef>
+            <a:fontRef idx="minor">
+              <a:schemeClr val="lt1"/>
+            </a:fontRef>
+          </p:style>
+        </p:sp>
+        <p:sp>
+          <p:nvSpPr>
+            <p:cNvPr id="15" name="Rectangle 28">
+              <a:extLst>
+                <a:ext uri="{FF2B5EF4-FFF2-40B4-BE49-F238E27FC236}">
+                  <a16:creationId xmlns:a16="http://schemas.microsoft.com/office/drawing/2014/main" id="{B133D0C8-4EC4-424F-8E70-0482D5B1B653}"/>
+                </a:ext>
+                <a:ext uri="{C183D7F6-B498-43B3-948B-1728B52AA6E4}">
+                  <adec:decorative xmlns:adec="http://schemas.microsoft.com/office/drawing/2017/decorative" val="1"/>
+                </a:ext>
+              </a:extLst>
+            </p:cNvPr>
+            <p:cNvSpPr/>
+            <p:nvPr>
+              <p:extLst>
+                <p:ext uri="{386F3935-93C4-4BCD-93E2-E3B085C9AB24}">
+                  <p16:designElem xmlns:p16="http://schemas.microsoft.com/office/powerpoint/2015/main" val="1"/>
+                </p:ext>
+              </p:extLst>
+            </p:nvPr>
+          </p:nvSpPr>
+          <p:spPr>
+            <a:xfrm>
+              <a:off x="10898730" y="-8467"/>
+              <a:ext cx="1290094" cy="6866467"/>
+            </a:xfrm>
+            <a:custGeom>
+              <a:avLst/>
+              <a:gdLst/>
+              <a:ahLst/>
+              <a:cxnLst/>
+              <a:rect l="l" t="t" r="r" b="b"/>
+              <a:pathLst>
+                <a:path w="1290094" h="6858000">
+                  <a:moveTo>
+                    <a:pt x="1019735" y="0"/>
+                  </a:moveTo>
+                  <a:lnTo>
+                    <a:pt x="1290094" y="0"/>
+                  </a:lnTo>
+                  <a:lnTo>
+                    <a:pt x="1290094" y="6858000"/>
+                  </a:lnTo>
+                  <a:lnTo>
+                    <a:pt x="0" y="6858000"/>
+                  </a:lnTo>
+                  <a:lnTo>
+                    <a:pt x="1019735" y="0"/>
+                  </a:lnTo>
+                  <a:close/>
+                </a:path>
+              </a:pathLst>
+            </a:custGeom>
+            <a:solidFill>
+              <a:schemeClr val="accent1">
+                <a:lumMod val="60000"/>
+                <a:lumOff val="40000"/>
+                <a:alpha val="70000"/>
+              </a:schemeClr>
+            </a:solidFill>
+            <a:ln>
+              <a:noFill/>
+            </a:ln>
+            <a:effectLst/>
+          </p:spPr>
+          <p:style>
+            <a:lnRef idx="1">
+              <a:schemeClr val="accent1"/>
+            </a:lnRef>
+            <a:fillRef idx="3">
+              <a:schemeClr val="accent1"/>
+            </a:fillRef>
+            <a:effectRef idx="2">
+              <a:schemeClr val="accent1"/>
+            </a:effectRef>
+            <a:fontRef idx="minor">
+              <a:schemeClr val="lt1"/>
+            </a:fontRef>
+          </p:style>
+        </p:sp>
+        <p:sp>
+          <p:nvSpPr>
+            <p:cNvPr id="16" name="Rectangle 29">
+              <a:extLst>
+                <a:ext uri="{FF2B5EF4-FFF2-40B4-BE49-F238E27FC236}">
+                  <a16:creationId xmlns:a16="http://schemas.microsoft.com/office/drawing/2014/main" id="{7B1532A0-F4B3-4DE8-B18F-740CAAD25AC4}"/>
+                </a:ext>
+                <a:ext uri="{C183D7F6-B498-43B3-948B-1728B52AA6E4}">
+                  <adec:decorative xmlns:adec="http://schemas.microsoft.com/office/drawing/2017/decorative" val="1"/>
+                </a:ext>
+              </a:extLst>
+            </p:cNvPr>
+            <p:cNvSpPr/>
+            <p:nvPr>
+              <p:extLst>
+                <p:ext uri="{386F3935-93C4-4BCD-93E2-E3B085C9AB24}">
+                  <p16:designElem xmlns:p16="http://schemas.microsoft.com/office/powerpoint/2015/main" val="1"/>
+                </p:ext>
+              </p:extLst>
+            </p:nvPr>
+          </p:nvSpPr>
+          <p:spPr>
+            <a:xfrm>
+              <a:off x="10938999" y="-8467"/>
+              <a:ext cx="1249825" cy="6866467"/>
+            </a:xfrm>
+            <a:custGeom>
+              <a:avLst/>
+              <a:gdLst/>
+              <a:ahLst/>
+              <a:cxnLst/>
+              <a:rect l="l" t="t" r="r" b="b"/>
+              <a:pathLst>
+                <a:path w="1249825" h="6858000">
+                  <a:moveTo>
+                    <a:pt x="0" y="0"/>
+                  </a:moveTo>
+                  <a:lnTo>
+                    <a:pt x="1249825" y="0"/>
+                  </a:lnTo>
+                  <a:lnTo>
+                    <a:pt x="1249825" y="6858000"/>
+                  </a:lnTo>
+                  <a:lnTo>
+                    <a:pt x="1109382" y="6858000"/>
+                  </a:lnTo>
+                  <a:lnTo>
+                    <a:pt x="0" y="0"/>
+                  </a:lnTo>
+                  <a:close/>
+                </a:path>
+              </a:pathLst>
+            </a:custGeom>
+            <a:solidFill>
+              <a:schemeClr val="accent1">
+                <a:alpha val="65000"/>
+              </a:schemeClr>
+            </a:solidFill>
+            <a:ln>
+              <a:noFill/>
+            </a:ln>
+            <a:effectLst/>
+          </p:spPr>
+          <p:style>
+            <a:lnRef idx="1">
+              <a:schemeClr val="accent1"/>
+            </a:lnRef>
+            <a:fillRef idx="3">
+              <a:schemeClr val="accent1"/>
+            </a:fillRef>
+            <a:effectRef idx="2">
+              <a:schemeClr val="accent1"/>
+            </a:effectRef>
+            <a:fontRef idx="minor">
+              <a:schemeClr val="lt1"/>
+            </a:fontRef>
+          </p:style>
+        </p:sp>
+        <p:sp>
+          <p:nvSpPr>
+            <p:cNvPr id="17" name="Isosceles Triangle 16">
+              <a:extLst>
+                <a:ext uri="{FF2B5EF4-FFF2-40B4-BE49-F238E27FC236}">
+                  <a16:creationId xmlns:a16="http://schemas.microsoft.com/office/drawing/2014/main" id="{8EFDD162-BBBA-4062-8BBF-53DBA1091374}"/>
+                </a:ext>
+                <a:ext uri="{C183D7F6-B498-43B3-948B-1728B52AA6E4}">
+                  <adec:decorative xmlns:adec="http://schemas.microsoft.com/office/drawing/2017/decorative" val="1"/>
+                </a:ext>
+              </a:extLst>
+            </p:cNvPr>
+            <p:cNvSpPr/>
+            <p:nvPr>
+              <p:extLst>
+                <p:ext uri="{386F3935-93C4-4BCD-93E2-E3B085C9AB24}">
+                  <p16:designElem xmlns:p16="http://schemas.microsoft.com/office/powerpoint/2015/main" val="1"/>
+                </p:ext>
+              </p:extLst>
+            </p:nvPr>
+          </p:nvSpPr>
+          <p:spPr>
+            <a:xfrm>
+              <a:off x="10371666" y="3589867"/>
+              <a:ext cx="1817159" cy="3268133"/>
+            </a:xfrm>
+            <a:prstGeom prst="triangle">
+              <a:avLst>
+                <a:gd name="adj" fmla="val 100000"/>
+              </a:avLst>
+            </a:prstGeom>
+            <a:solidFill>
+              <a:schemeClr val="accent1">
+                <a:alpha val="80000"/>
+              </a:schemeClr>
+            </a:solidFill>
+            <a:ln>
+              <a:noFill/>
+            </a:ln>
+            <a:effectLst/>
+          </p:spPr>
+          <p:style>
+            <a:lnRef idx="1">
+              <a:schemeClr val="accent1"/>
+            </a:lnRef>
+            <a:fillRef idx="3">
+              <a:schemeClr val="accent1"/>
+            </a:fillRef>
+            <a:effectRef idx="2">
+              <a:schemeClr val="accent1"/>
+            </a:effectRef>
+            <a:fontRef idx="minor">
+              <a:schemeClr val="lt1"/>
+            </a:fontRef>
+          </p:style>
+        </p:sp>
+        <p:sp>
+          <p:nvSpPr>
+            <p:cNvPr id="18" name="Isosceles Triangle 17">
+              <a:extLst>
+                <a:ext uri="{FF2B5EF4-FFF2-40B4-BE49-F238E27FC236}">
+                  <a16:creationId xmlns:a16="http://schemas.microsoft.com/office/drawing/2014/main" id="{DCFC9E65-3E19-4483-B952-25D29683CA56}"/>
+                </a:ext>
+                <a:ext uri="{C183D7F6-B498-43B3-948B-1728B52AA6E4}">
+                  <adec:decorative xmlns:adec="http://schemas.microsoft.com/office/drawing/2017/decorative" val="1"/>
+                </a:ext>
+              </a:extLst>
+            </p:cNvPr>
+            <p:cNvSpPr/>
+            <p:nvPr>
+              <p:extLst>
+                <p:ext uri="{386F3935-93C4-4BCD-93E2-E3B085C9AB24}">
+                  <p16:designElem xmlns:p16="http://schemas.microsoft.com/office/powerpoint/2015/main" val="1"/>
+                </p:ext>
+              </p:extLst>
+            </p:nvPr>
+          </p:nvSpPr>
+          <p:spPr>
+            <a:xfrm rot="10800000">
+              <a:off x="0" y="0"/>
+              <a:ext cx="842596" cy="5666154"/>
+            </a:xfrm>
+            <a:prstGeom prst="triangle">
+              <a:avLst>
+                <a:gd name="adj" fmla="val 100000"/>
+              </a:avLst>
+            </a:prstGeom>
+            <a:solidFill>
+              <a:schemeClr val="accent1">
+                <a:alpha val="85000"/>
+              </a:schemeClr>
+            </a:solidFill>
+            <a:ln>
+              <a:noFill/>
+            </a:ln>
+            <a:effectLst/>
+          </p:spPr>
+          <p:style>
+            <a:lnRef idx="1">
+              <a:schemeClr val="accent1"/>
+            </a:lnRef>
+            <a:fillRef idx="3">
+              <a:schemeClr val="accent1"/>
+            </a:fillRef>
+            <a:effectRef idx="2">
+              <a:schemeClr val="accent1"/>
+            </a:effectRef>
+            <a:fontRef idx="minor">
+              <a:schemeClr val="lt1"/>
+            </a:fontRef>
+          </p:style>
+        </p:sp>
+      </p:grpSp>
+      <p:sp useBgFill="1">
+        <p:nvSpPr>
+          <p:cNvPr id="20" name="Rectangle 19">
+            <a:extLst>
+              <a:ext uri="{FF2B5EF4-FFF2-40B4-BE49-F238E27FC236}">
+                <a16:creationId xmlns:a16="http://schemas.microsoft.com/office/drawing/2014/main" id="{9179DE42-5613-4B35-A1E6-6CCBAA13C743}"/>
+              </a:ext>
+              <a:ext uri="{C183D7F6-B498-43B3-948B-1728B52AA6E4}">
+                <adec:decorative xmlns:adec="http://schemas.microsoft.com/office/drawing/2017/decorative" val="1"/>
+              </a:ext>
+            </a:extLst>
+          </p:cNvPr>
+          <p:cNvSpPr>
+            <a:spLocks noGrp="1" noRot="1" noChangeAspect="1" noMove="1" noResize="1" noEditPoints="1" noAdjustHandles="1" noChangeArrowheads="1" noChangeShapeType="1" noTextEdit="1"/>
+          </p:cNvSpPr>
+          <p:nvPr>
+            <p:extLst>
+              <p:ext uri="{386F3935-93C4-4BCD-93E2-E3B085C9AB24}">
+                <p16:designElem xmlns:p16="http://schemas.microsoft.com/office/powerpoint/2015/main" val="1"/>
+              </p:ext>
+            </p:extLst>
+          </p:nvPr>
+        </p:nvSpPr>
+        <p:spPr>
+          <a:xfrm>
+            <a:off x="0" y="0"/>
+            <a:ext cx="12192000" cy="6858000"/>
+          </a:xfrm>
+          <a:prstGeom prst="rect">
+            <a:avLst/>
+          </a:prstGeom>
+          <a:ln>
+            <a:noFill/>
+          </a:ln>
+        </p:spPr>
+        <p:style>
+          <a:lnRef idx="2">
+            <a:schemeClr val="accent1">
+              <a:shade val="50000"/>
+            </a:schemeClr>
+          </a:lnRef>
+          <a:fillRef idx="1">
+            <a:schemeClr val="accent1"/>
+          </a:fillRef>
+          <a:effectRef idx="0">
+            <a:schemeClr val="accent1"/>
+          </a:effectRef>
+          <a:fontRef idx="minor">
+            <a:schemeClr val="lt1"/>
+          </a:fontRef>
+        </p:style>
+        <p:txBody>
+          <a:bodyPr rtlCol="0" anchor="ctr"/>
+          <a:lstStyle/>
+          <a:p>
+            <a:pPr algn="ctr"/>
+            <a:endParaRPr lang="en-US"/>
+          </a:p>
+        </p:txBody>
+      </p:sp>
+      <p:cxnSp>
+        <p:nvCxnSpPr>
+          <p:cNvPr id="22" name="Straight Connector 21">
+            <a:extLst>
+              <a:ext uri="{FF2B5EF4-FFF2-40B4-BE49-F238E27FC236}">
+                <a16:creationId xmlns:a16="http://schemas.microsoft.com/office/drawing/2014/main" id="{EB898B32-3891-4C3A-8F58-C5969D2E9033}"/>
+              </a:ext>
+              <a:ext uri="{C183D7F6-B498-43B3-948B-1728B52AA6E4}">
+                <adec:decorative xmlns:adec="http://schemas.microsoft.com/office/drawing/2017/decorative" val="1"/>
+              </a:ext>
+            </a:extLst>
+          </p:cNvPr>
+          <p:cNvCxnSpPr>
+            <a:cxnSpLocks noGrp="1" noRot="1" noChangeAspect="1" noMove="1" noResize="1" noEditPoints="1" noAdjustHandles="1" noChangeArrowheads="1" noChangeShapeType="1"/>
+          </p:cNvCxnSpPr>
+          <p:nvPr>
+            <p:extLst>
+              <p:ext uri="{386F3935-93C4-4BCD-93E2-E3B085C9AB24}">
+                <p16:designElem xmlns:p16="http://schemas.microsoft.com/office/powerpoint/2015/main" val="1"/>
+              </p:ext>
+            </p:extLst>
+          </p:nvPr>
+        </p:nvCxnSpPr>
+        <p:spPr>
+          <a:xfrm>
+            <a:off x="1448300" y="0"/>
+            <a:ext cx="1219200" cy="6858000"/>
+          </a:xfrm>
+          <a:prstGeom prst="line">
+            <a:avLst/>
+          </a:prstGeom>
+          <a:ln w="9525">
+            <a:solidFill>
+              <a:schemeClr val="accent1">
+                <a:lumMod val="75000"/>
+              </a:schemeClr>
+            </a:solidFill>
+          </a:ln>
+        </p:spPr>
+        <p:style>
+          <a:lnRef idx="2">
+            <a:schemeClr val="accent1"/>
+          </a:lnRef>
+          <a:fillRef idx="0">
+            <a:schemeClr val="accent1"/>
+          </a:fillRef>
+          <a:effectRef idx="1">
+            <a:schemeClr val="accent1"/>
+          </a:effectRef>
+          <a:fontRef idx="minor">
+            <a:schemeClr val="tx1"/>
+          </a:fontRef>
+        </p:style>
+      </p:cxnSp>
+      <p:cxnSp>
+        <p:nvCxnSpPr>
+          <p:cNvPr id="24" name="Straight Connector 23">
+            <a:extLst>
+              <a:ext uri="{FF2B5EF4-FFF2-40B4-BE49-F238E27FC236}">
+                <a16:creationId xmlns:a16="http://schemas.microsoft.com/office/drawing/2014/main" id="{4AE4806D-B8F9-4679-A68A-9BD21C01A301}"/>
+              </a:ext>
+              <a:ext uri="{C183D7F6-B498-43B3-948B-1728B52AA6E4}">
+                <adec:decorative xmlns:adec="http://schemas.microsoft.com/office/drawing/2017/decorative" val="1"/>
+              </a:ext>
+            </a:extLst>
+          </p:cNvPr>
+          <p:cNvCxnSpPr>
+            <a:cxnSpLocks noGrp="1" noRot="1" noChangeAspect="1" noMove="1" noResize="1" noEditPoints="1" noAdjustHandles="1" noChangeArrowheads="1" noChangeShapeType="1"/>
+          </p:cNvCxnSpPr>
+          <p:nvPr>
+            <p:extLst>
+              <p:ext uri="{386F3935-93C4-4BCD-93E2-E3B085C9AB24}">
+                <p16:designElem xmlns:p16="http://schemas.microsoft.com/office/powerpoint/2015/main" val="1"/>
+              </p:ext>
+            </p:extLst>
+          </p:nvPr>
+        </p:nvCxnSpPr>
+        <p:spPr>
+          <a:xfrm flipH="1">
+            <a:off x="67175" y="3681413"/>
+            <a:ext cx="4763558" cy="3176587"/>
+          </a:xfrm>
+          <a:prstGeom prst="line">
+            <a:avLst/>
+          </a:prstGeom>
+          <a:ln w="9525">
+            <a:solidFill>
+              <a:schemeClr val="tx1">
+                <a:lumMod val="50000"/>
+                <a:lumOff val="50000"/>
+                <a:alpha val="80000"/>
+              </a:schemeClr>
+            </a:solidFill>
+          </a:ln>
+        </p:spPr>
+        <p:style>
+          <a:lnRef idx="2">
+            <a:schemeClr val="accent1"/>
+          </a:lnRef>
+          <a:fillRef idx="0">
+            <a:schemeClr val="accent1"/>
+          </a:fillRef>
+          <a:effectRef idx="1">
+            <a:schemeClr val="accent1"/>
+          </a:effectRef>
+          <a:fontRef idx="minor">
+            <a:schemeClr val="tx1"/>
+          </a:fontRef>
+        </p:style>
+      </p:cxnSp>
+      <p:sp>
+        <p:nvSpPr>
+          <p:cNvPr id="26" name="Rectangle 23">
+            <a:extLst>
+              <a:ext uri="{FF2B5EF4-FFF2-40B4-BE49-F238E27FC236}">
+                <a16:creationId xmlns:a16="http://schemas.microsoft.com/office/drawing/2014/main" id="{52FB45E9-914E-4471-AC87-E475CD51767D}"/>
+              </a:ext>
+              <a:ext uri="{C183D7F6-B498-43B3-948B-1728B52AA6E4}">
+                <adec:decorative xmlns:adec="http://schemas.microsoft.com/office/drawing/2017/decorative" val="1"/>
+              </a:ext>
+            </a:extLst>
+          </p:cNvPr>
+          <p:cNvSpPr>
+            <a:spLocks noGrp="1" noRot="1" noChangeAspect="1" noMove="1" noResize="1" noEditPoints="1" noAdjustHandles="1" noChangeArrowheads="1" noChangeShapeType="1" noTextEdit="1"/>
+          </p:cNvSpPr>
+          <p:nvPr>
+            <p:extLst>
+              <p:ext uri="{386F3935-93C4-4BCD-93E2-E3B085C9AB24}">
+                <p16:designElem xmlns:p16="http://schemas.microsoft.com/office/powerpoint/2015/main" val="1"/>
+              </p:ext>
+            </p:extLst>
+          </p:nvPr>
+        </p:nvSpPr>
+        <p:spPr>
+          <a:xfrm>
+            <a:off x="1258764" y="-8467"/>
+            <a:ext cx="3007349" cy="6866467"/>
+          </a:xfrm>
+          <a:custGeom>
+            <a:avLst/>
+            <a:gdLst/>
+            <a:ahLst/>
+            <a:cxnLst/>
+            <a:rect l="l" t="t" r="r" b="b"/>
+            <a:pathLst>
+              <a:path w="3007349" h="6866467">
+                <a:moveTo>
+                  <a:pt x="2045532" y="0"/>
+                </a:moveTo>
+                <a:lnTo>
+                  <a:pt x="3007349" y="0"/>
+                </a:lnTo>
+                <a:lnTo>
+                  <a:pt x="3007349" y="6866467"/>
+                </a:lnTo>
+                <a:lnTo>
+                  <a:pt x="0" y="6866467"/>
+                </a:lnTo>
+                <a:lnTo>
+                  <a:pt x="2045532" y="0"/>
+                </a:lnTo>
+                <a:close/>
+              </a:path>
+            </a:pathLst>
+          </a:custGeom>
+          <a:solidFill>
+            <a:schemeClr val="accent1">
+              <a:alpha val="30000"/>
+            </a:schemeClr>
+          </a:solidFill>
+          <a:ln>
+            <a:noFill/>
+          </a:ln>
+          <a:effectLst/>
+        </p:spPr>
+        <p:style>
+          <a:lnRef idx="1">
+            <a:schemeClr val="accent1"/>
+          </a:lnRef>
+          <a:fillRef idx="3">
+            <a:schemeClr val="accent1"/>
+          </a:fillRef>
+          <a:effectRef idx="2">
+            <a:schemeClr val="accent1"/>
+          </a:effectRef>
+          <a:fontRef idx="minor">
+            <a:schemeClr val="lt1"/>
+          </a:fontRef>
+        </p:style>
+      </p:sp>
+      <p:sp>
+        <p:nvSpPr>
+          <p:cNvPr id="28" name="Rectangle 25">
+            <a:extLst>
+              <a:ext uri="{FF2B5EF4-FFF2-40B4-BE49-F238E27FC236}">
+                <a16:creationId xmlns:a16="http://schemas.microsoft.com/office/drawing/2014/main" id="{C310626D-5743-49D4-8F7D-88C4F8F05774}"/>
+              </a:ext>
+              <a:ext uri="{C183D7F6-B498-43B3-948B-1728B52AA6E4}">
+                <adec:decorative xmlns:adec="http://schemas.microsoft.com/office/drawing/2017/decorative" val="1"/>
+              </a:ext>
+            </a:extLst>
+          </p:cNvPr>
+          <p:cNvSpPr>
+            <a:spLocks noGrp="1" noRot="1" noChangeAspect="1" noMove="1" noResize="1" noEditPoints="1" noAdjustHandles="1" noChangeArrowheads="1" noChangeShapeType="1" noTextEdit="1"/>
+          </p:cNvSpPr>
+          <p:nvPr>
+            <p:extLst>
+              <p:ext uri="{386F3935-93C4-4BCD-93E2-E3B085C9AB24}">
+                <p16:designElem xmlns:p16="http://schemas.microsoft.com/office/powerpoint/2015/main" val="1"/>
+              </p:ext>
+            </p:extLst>
+          </p:nvPr>
+        </p:nvSpPr>
+        <p:spPr>
+          <a:xfrm>
+            <a:off x="1680730" y="-8467"/>
+            <a:ext cx="2588558" cy="6866467"/>
+          </a:xfrm>
+          <a:custGeom>
+            <a:avLst/>
+            <a:gdLst/>
+            <a:ahLst/>
+            <a:cxnLst/>
+            <a:rect l="l" t="t" r="r" b="b"/>
+            <a:pathLst>
+              <a:path w="2573311" h="6866467">
+                <a:moveTo>
+                  <a:pt x="0" y="0"/>
+                </a:moveTo>
+                <a:lnTo>
+                  <a:pt x="2573311" y="0"/>
+                </a:lnTo>
+                <a:lnTo>
+                  <a:pt x="2573311" y="6866467"/>
+                </a:lnTo>
+                <a:lnTo>
+                  <a:pt x="1202336" y="6866467"/>
+                </a:lnTo>
+                <a:lnTo>
+                  <a:pt x="0" y="0"/>
+                </a:lnTo>
+                <a:close/>
+              </a:path>
+            </a:pathLst>
+          </a:custGeom>
+          <a:solidFill>
+            <a:schemeClr val="accent1">
+              <a:alpha val="20000"/>
+            </a:schemeClr>
+          </a:solidFill>
+          <a:ln>
+            <a:noFill/>
+          </a:ln>
+          <a:effectLst/>
+        </p:spPr>
+        <p:style>
+          <a:lnRef idx="1">
+            <a:schemeClr val="accent1"/>
+          </a:lnRef>
+          <a:fillRef idx="3">
+            <a:schemeClr val="accent1"/>
+          </a:fillRef>
+          <a:effectRef idx="2">
+            <a:schemeClr val="accent1"/>
+          </a:effectRef>
+          <a:fontRef idx="minor">
+            <a:schemeClr val="lt1"/>
+          </a:fontRef>
+        </p:style>
+      </p:sp>
+      <p:sp>
+        <p:nvSpPr>
+          <p:cNvPr id="30" name="Isosceles Triangle 29">
+            <a:extLst>
+              <a:ext uri="{FF2B5EF4-FFF2-40B4-BE49-F238E27FC236}">
+                <a16:creationId xmlns:a16="http://schemas.microsoft.com/office/drawing/2014/main" id="{3C195FC1-B568-4C72-9902-34CB35DDD7A1}"/>
+              </a:ext>
+              <a:ext uri="{C183D7F6-B498-43B3-948B-1728B52AA6E4}">
+                <adec:decorative xmlns:adec="http://schemas.microsoft.com/office/drawing/2017/decorative" val="1"/>
+              </a:ext>
+            </a:extLst>
+          </p:cNvPr>
+          <p:cNvSpPr>
+            <a:spLocks noGrp="1" noRot="1" noChangeAspect="1" noMove="1" noResize="1" noEditPoints="1" noAdjustHandles="1" noChangeArrowheads="1" noChangeShapeType="1" noTextEdit="1"/>
+          </p:cNvSpPr>
+          <p:nvPr>
+            <p:extLst>
+              <p:ext uri="{386F3935-93C4-4BCD-93E2-E3B085C9AB24}">
+                <p16:designElem xmlns:p16="http://schemas.microsoft.com/office/powerpoint/2015/main" val="1"/>
+              </p:ext>
+            </p:extLst>
+          </p:nvPr>
+        </p:nvSpPr>
+        <p:spPr>
+          <a:xfrm>
+            <a:off x="1009621" y="3048000"/>
+            <a:ext cx="3259667" cy="3810000"/>
+          </a:xfrm>
+          <a:prstGeom prst="triangle">
+            <a:avLst>
+              <a:gd name="adj" fmla="val 100000"/>
+            </a:avLst>
+          </a:prstGeom>
+          <a:solidFill>
+            <a:schemeClr val="accent2">
+              <a:alpha val="72000"/>
+            </a:schemeClr>
+          </a:solidFill>
+          <a:ln>
+            <a:noFill/>
+          </a:ln>
+          <a:effectLst/>
+        </p:spPr>
+        <p:style>
+          <a:lnRef idx="1">
+            <a:schemeClr val="accent1"/>
+          </a:lnRef>
+          <a:fillRef idx="3">
+            <a:schemeClr val="accent1"/>
+          </a:fillRef>
+          <a:effectRef idx="2">
+            <a:schemeClr val="accent1"/>
+          </a:effectRef>
+          <a:fontRef idx="minor">
+            <a:schemeClr val="lt1"/>
+          </a:fontRef>
+        </p:style>
+      </p:sp>
+      <p:sp>
+        <p:nvSpPr>
+          <p:cNvPr id="32" name="Rectangle 27">
+            <a:extLst>
+              <a:ext uri="{FF2B5EF4-FFF2-40B4-BE49-F238E27FC236}">
+                <a16:creationId xmlns:a16="http://schemas.microsoft.com/office/drawing/2014/main" id="{EF2BDF77-362C-43F0-8CBB-A969EC2AE0C4}"/>
+              </a:ext>
+              <a:ext uri="{C183D7F6-B498-43B3-948B-1728B52AA6E4}">
+                <adec:decorative xmlns:adec="http://schemas.microsoft.com/office/drawing/2017/decorative" val="1"/>
+              </a:ext>
+            </a:extLst>
+          </p:cNvPr>
+          <p:cNvSpPr>
+            <a:spLocks noGrp="1" noRot="1" noChangeAspect="1" noMove="1" noResize="1" noEditPoints="1" noAdjustHandles="1" noChangeArrowheads="1" noChangeShapeType="1" noTextEdit="1"/>
+          </p:cNvSpPr>
+          <p:nvPr>
+            <p:extLst>
+              <p:ext uri="{386F3935-93C4-4BCD-93E2-E3B085C9AB24}">
+                <p16:designElem xmlns:p16="http://schemas.microsoft.com/office/powerpoint/2015/main" val="1"/>
+              </p:ext>
+            </p:extLst>
+          </p:nvPr>
+        </p:nvSpPr>
+        <p:spPr>
+          <a:xfrm>
+            <a:off x="1411788" y="-8467"/>
+            <a:ext cx="2854326" cy="6866467"/>
+          </a:xfrm>
+          <a:custGeom>
+            <a:avLst/>
+            <a:gdLst/>
+            <a:ahLst/>
+            <a:cxnLst/>
+            <a:rect l="l" t="t" r="r" b="b"/>
+            <a:pathLst>
+              <a:path w="2858013" h="6866467">
+                <a:moveTo>
+                  <a:pt x="0" y="0"/>
+                </a:moveTo>
+                <a:lnTo>
+                  <a:pt x="2858013" y="0"/>
+                </a:lnTo>
+                <a:lnTo>
+                  <a:pt x="2858013" y="6866467"/>
+                </a:lnTo>
+                <a:lnTo>
+                  <a:pt x="2473942" y="6866467"/>
+                </a:lnTo>
+                <a:lnTo>
+                  <a:pt x="0" y="0"/>
+                </a:lnTo>
+                <a:close/>
+              </a:path>
+            </a:pathLst>
+          </a:custGeom>
+          <a:solidFill>
+            <a:schemeClr val="accent2">
+              <a:lumMod val="75000"/>
+              <a:alpha val="70000"/>
+            </a:schemeClr>
+          </a:solidFill>
+          <a:ln>
+            <a:noFill/>
+          </a:ln>
+          <a:effectLst/>
+        </p:spPr>
+        <p:style>
+          <a:lnRef idx="1">
+            <a:schemeClr val="accent1"/>
+          </a:lnRef>
+          <a:fillRef idx="3">
+            <a:schemeClr val="accent1"/>
+          </a:fillRef>
+          <a:effectRef idx="2">
+            <a:schemeClr val="accent1"/>
+          </a:effectRef>
+          <a:fontRef idx="minor">
+            <a:schemeClr val="lt1"/>
+          </a:fontRef>
+        </p:style>
+      </p:sp>
+      <p:sp>
+        <p:nvSpPr>
+          <p:cNvPr id="34" name="Isosceles Triangle 33">
+            <a:extLst>
+              <a:ext uri="{FF2B5EF4-FFF2-40B4-BE49-F238E27FC236}">
+                <a16:creationId xmlns:a16="http://schemas.microsoft.com/office/drawing/2014/main" id="{4BE96B01-3929-432D-B8C2-ADBCB74C2EF4}"/>
+              </a:ext>
+              <a:ext uri="{C183D7F6-B498-43B3-948B-1728B52AA6E4}">
+                <adec:decorative xmlns:adec="http://schemas.microsoft.com/office/drawing/2017/decorative" val="1"/>
+              </a:ext>
+            </a:extLst>
+          </p:cNvPr>
+          <p:cNvSpPr>
+            <a:spLocks noGrp="1" noRot="1" noChangeAspect="1" noMove="1" noResize="1" noEditPoints="1" noAdjustHandles="1" noChangeArrowheads="1" noChangeShapeType="1" noTextEdit="1"/>
+          </p:cNvSpPr>
+          <p:nvPr>
+            <p:extLst>
+              <p:ext uri="{386F3935-93C4-4BCD-93E2-E3B085C9AB24}">
+                <p16:designElem xmlns:p16="http://schemas.microsoft.com/office/powerpoint/2015/main" val="1"/>
+              </p:ext>
+            </p:extLst>
+          </p:nvPr>
+        </p:nvSpPr>
+        <p:spPr>
+          <a:xfrm>
+            <a:off x="2448954" y="3589867"/>
+            <a:ext cx="1817159" cy="3268133"/>
+          </a:xfrm>
+          <a:prstGeom prst="triangle">
+            <a:avLst>
+              <a:gd name="adj" fmla="val 100000"/>
+            </a:avLst>
+          </a:prstGeom>
+          <a:solidFill>
+            <a:schemeClr val="accent1">
+              <a:alpha val="80000"/>
+            </a:schemeClr>
+          </a:solidFill>
+          <a:ln>
+            <a:noFill/>
+          </a:ln>
+          <a:effectLst/>
+        </p:spPr>
+        <p:style>
+          <a:lnRef idx="1">
+            <a:schemeClr val="accent1"/>
+          </a:lnRef>
+          <a:fillRef idx="3">
+            <a:schemeClr val="accent1"/>
+          </a:fillRef>
+          <a:effectRef idx="2">
+            <a:schemeClr val="accent1"/>
+          </a:effectRef>
+          <a:fontRef idx="minor">
+            <a:schemeClr val="lt1"/>
+          </a:fontRef>
+        </p:style>
+      </p:sp>
+      <p:sp>
+        <p:nvSpPr>
+          <p:cNvPr id="36" name="Freeform: Shape 35">
+            <a:extLst>
+              <a:ext uri="{FF2B5EF4-FFF2-40B4-BE49-F238E27FC236}">
+                <a16:creationId xmlns:a16="http://schemas.microsoft.com/office/drawing/2014/main" id="{2A6FCDE6-CDE2-4C51-B18E-A95CFB679714}"/>
+              </a:ext>
+              <a:ext uri="{C183D7F6-B498-43B3-948B-1728B52AA6E4}">
+                <adec:decorative xmlns:adec="http://schemas.microsoft.com/office/drawing/2017/decorative" val="1"/>
+              </a:ext>
+            </a:extLst>
+          </p:cNvPr>
+          <p:cNvSpPr>
+            <a:spLocks noGrp="1" noRot="1" noChangeAspect="1" noMove="1" noResize="1" noEditPoints="1" noAdjustHandles="1" noChangeArrowheads="1" noChangeShapeType="1" noTextEdit="1"/>
+          </p:cNvSpPr>
+          <p:nvPr>
+            <p:extLst>
+              <p:ext uri="{386F3935-93C4-4BCD-93E2-E3B085C9AB24}">
+                <p16:designElem xmlns:p16="http://schemas.microsoft.com/office/powerpoint/2015/main" val="1"/>
+              </p:ext>
+            </p:extLst>
+          </p:nvPr>
+        </p:nvSpPr>
+        <p:spPr>
+          <a:xfrm>
+            <a:off x="3016287" y="-8467"/>
+            <a:ext cx="9175713" cy="6866467"/>
+          </a:xfrm>
+          <a:custGeom>
+            <a:avLst/>
+            <a:gdLst>
+              <a:gd name="connsiteX0" fmla="*/ 0 w 9175713"/>
+              <a:gd name="connsiteY0" fmla="*/ 0 h 6866467"/>
+              <a:gd name="connsiteX1" fmla="*/ 1249825 w 9175713"/>
+              <a:gd name="connsiteY1" fmla="*/ 0 h 6866467"/>
+              <a:gd name="connsiteX2" fmla="*/ 1249825 w 9175713"/>
+              <a:gd name="connsiteY2" fmla="*/ 8467 h 6866467"/>
+              <a:gd name="connsiteX3" fmla="*/ 9175713 w 9175713"/>
+              <a:gd name="connsiteY3" fmla="*/ 8467 h 6866467"/>
+              <a:gd name="connsiteX4" fmla="*/ 9175713 w 9175713"/>
+              <a:gd name="connsiteY4" fmla="*/ 6866467 h 6866467"/>
+              <a:gd name="connsiteX5" fmla="*/ 1249825 w 9175713"/>
+              <a:gd name="connsiteY5" fmla="*/ 6866467 h 6866467"/>
+              <a:gd name="connsiteX6" fmla="*/ 1109382 w 9175713"/>
+              <a:gd name="connsiteY6" fmla="*/ 6866467 h 6866467"/>
+            </a:gdLst>
+            <a:ahLst/>
+            <a:cxnLst>
+              <a:cxn ang="0">
+                <a:pos x="connsiteX0" y="connsiteY0"/>
+              </a:cxn>
+              <a:cxn ang="0">
+                <a:pos x="connsiteX1" y="connsiteY1"/>
+              </a:cxn>
+              <a:cxn ang="0">
+                <a:pos x="connsiteX2" y="connsiteY2"/>
+              </a:cxn>
+              <a:cxn ang="0">
+                <a:pos x="connsiteX3" y="connsiteY3"/>
+              </a:cxn>
+              <a:cxn ang="0">
+                <a:pos x="connsiteX4" y="connsiteY4"/>
+              </a:cxn>
+              <a:cxn ang="0">
+                <a:pos x="connsiteX5" y="connsiteY5"/>
+              </a:cxn>
+              <a:cxn ang="0">
+                <a:pos x="connsiteX6" y="connsiteY6"/>
+              </a:cxn>
+            </a:cxnLst>
+            <a:rect l="l" t="t" r="r" b="b"/>
+            <a:pathLst>
+              <a:path w="9175713" h="6866467">
+                <a:moveTo>
+                  <a:pt x="0" y="0"/>
+                </a:moveTo>
+                <a:lnTo>
+                  <a:pt x="1249825" y="0"/>
+                </a:lnTo>
+                <a:lnTo>
+                  <a:pt x="1249825" y="8467"/>
+                </a:lnTo>
+                <a:lnTo>
+                  <a:pt x="9175713" y="8467"/>
+                </a:lnTo>
+                <a:lnTo>
+                  <a:pt x="9175713" y="6866467"/>
+                </a:lnTo>
+                <a:lnTo>
+                  <a:pt x="1249825" y="6866467"/>
+                </a:lnTo>
+                <a:lnTo>
+                  <a:pt x="1109382" y="6866467"/>
+                </a:lnTo>
+                <a:close/>
+              </a:path>
+            </a:pathLst>
+          </a:custGeom>
+          <a:solidFill>
+            <a:schemeClr val="accent1"/>
+          </a:solidFill>
+          <a:ln>
+            <a:noFill/>
+          </a:ln>
+        </p:spPr>
+        <p:style>
+          <a:lnRef idx="2">
+            <a:schemeClr val="accent1">
+              <a:shade val="50000"/>
+            </a:schemeClr>
+          </a:lnRef>
+          <a:fillRef idx="1">
+            <a:schemeClr val="accent1"/>
+          </a:fillRef>
+          <a:effectRef idx="0">
+            <a:schemeClr val="accent1"/>
+          </a:effectRef>
+          <a:fontRef idx="minor">
+            <a:schemeClr val="lt1"/>
+          </a:fontRef>
+        </p:style>
+        <p:txBody>
+          <a:bodyPr rtlCol="0" anchor="ctr"/>
+          <a:lstStyle/>
+          <a:p>
+            <a:pPr algn="ctr"/>
+            <a:endParaRPr lang="en-US"/>
+          </a:p>
+        </p:txBody>
+      </p:sp>
+      <p:sp>
+        <p:nvSpPr>
+          <p:cNvPr id="38" name="Isosceles Triangle 37">
+            <a:extLst>
+              <a:ext uri="{FF2B5EF4-FFF2-40B4-BE49-F238E27FC236}">
+                <a16:creationId xmlns:a16="http://schemas.microsoft.com/office/drawing/2014/main" id="{9D2E8756-2465-473A-BA2A-2DB1D6224745}"/>
+              </a:ext>
+              <a:ext uri="{C183D7F6-B498-43B3-948B-1728B52AA6E4}">
+                <adec:decorative xmlns:adec="http://schemas.microsoft.com/office/drawing/2017/decorative" val="1"/>
+              </a:ext>
+            </a:extLst>
+          </p:cNvPr>
+          <p:cNvSpPr>
+            <a:spLocks noGrp="1" noRot="1" noChangeAspect="1" noMove="1" noResize="1" noEditPoints="1" noAdjustHandles="1" noChangeArrowheads="1" noChangeShapeType="1" noTextEdit="1"/>
+          </p:cNvSpPr>
+          <p:nvPr>
+            <p:extLst>
+              <p:ext uri="{386F3935-93C4-4BCD-93E2-E3B085C9AB24}">
+                <p16:designElem xmlns:p16="http://schemas.microsoft.com/office/powerpoint/2015/main" val="1"/>
+              </p:ext>
+            </p:extLst>
+          </p:nvPr>
+        </p:nvSpPr>
+        <p:spPr>
+          <a:xfrm rot="5400000">
+            <a:off x="4062562" y="3271487"/>
+            <a:ext cx="220660" cy="186439"/>
+          </a:xfrm>
+          <a:prstGeom prst="triangle">
+            <a:avLst/>
+          </a:prstGeom>
+          <a:solidFill>
+            <a:srgbClr val="FFFFFF"/>
+          </a:solidFill>
+          <a:ln>
+            <a:noFill/>
+          </a:ln>
+        </p:spPr>
+        <p:style>
+          <a:lnRef idx="2">
+            <a:schemeClr val="accent1">
+              <a:shade val="50000"/>
+            </a:schemeClr>
+          </a:lnRef>
+          <a:fillRef idx="1">
+            <a:schemeClr val="accent1"/>
+          </a:fillRef>
+          <a:effectRef idx="0">
+            <a:schemeClr val="accent1"/>
+          </a:effectRef>
+          <a:fontRef idx="minor">
+            <a:schemeClr val="lt1"/>
+          </a:fontRef>
+        </p:style>
+        <p:txBody>
+          <a:bodyPr rtlCol="0" anchor="ctr"/>
+          <a:lstStyle/>
+          <a:p>
+            <a:pPr algn="ctr"/>
+            <a:endParaRPr lang="en-US"/>
+          </a:p>
+        </p:txBody>
+      </p:sp>
       <p:sp>
         <p:nvSpPr>
           <p:cNvPr id="2" name="Titel 1">
@@ -10005,14 +12552,25 @@
             <p:ph type="title"/>
           </p:nvPr>
         </p:nvSpPr>
-        <p:spPr/>
+        <p:spPr>
+          <a:xfrm>
+            <a:off x="4419136" y="1020871"/>
+            <a:ext cx="6960759" cy="2849671"/>
+          </a:xfrm>
+        </p:spPr>
         <p:txBody>
-          <a:bodyPr/>
+          <a:bodyPr vert="horz" lIns="91440" tIns="45720" rIns="91440" bIns="45720" rtlCol="0" anchor="b">
+            <a:normAutofit/>
+          </a:bodyPr>
           <a:lstStyle/>
           <a:p>
             <a:r>
-              <a:rPr lang="de-DE" dirty="0"/>
-              <a:t>DEMO</a:t>
+              <a:rPr lang="en-US" sz="6000">
+                <a:solidFill>
+                  <a:srgbClr val="FFFFFF"/>
+                </a:solidFill>
+              </a:rPr>
+              <a:t>Live-Demo</a:t>
             </a:r>
           </a:p>
         </p:txBody>
@@ -10035,24 +12593,29 @@
         </p:nvSpPr>
         <p:spPr>
           <a:xfrm>
-            <a:off x="677334" y="1488613"/>
-            <a:ext cx="8596668" cy="3880773"/>
+            <a:off x="4548104" y="3962088"/>
+            <a:ext cx="6112077" cy="1186108"/>
           </a:xfrm>
         </p:spPr>
         <p:txBody>
-          <a:bodyPr anchor="ctr">
+          <a:bodyPr vert="horz" lIns="91440" tIns="45720" rIns="91440" bIns="45720" rtlCol="0" anchor="t">
             <a:normAutofit/>
           </a:bodyPr>
           <a:lstStyle/>
           <a:p>
-            <a:pPr marL="0" indent="0" algn="ctr">
+            <a:pPr marL="0" indent="0">
               <a:buNone/>
             </a:pPr>
             <a:r>
-              <a:rPr lang="en-US" sz="3200" dirty="0"/>
+              <a:rPr lang="en-US">
+                <a:solidFill>
+                  <a:srgbClr val="FFFFFF">
+                    <a:alpha val="70000"/>
+                  </a:srgbClr>
+                </a:solidFill>
+              </a:rPr>
               <a:t>Lean back and be amazed</a:t>
             </a:r>
-            <a:endParaRPr lang="de-DE" sz="3200" dirty="0"/>
           </a:p>
         </p:txBody>
       </p:sp>
@@ -10064,7 +12627,7 @@
     </p:extLst>
   </p:cSld>
   <p:clrMapOvr>
-    <a:masterClrMapping/>
+    <a:overrideClrMapping bg1="dk1" tx1="lt1" bg2="dk2" tx2="lt2" accent1="accent1" accent2="accent2" accent3="accent3" accent4="accent4" accent5="accent5" accent6="accent6" hlink="hlink" folHlink="folHlink"/>
   </p:clrMapOvr>
 </p:sld>
 </file>
@@ -10072,6 +12635,14 @@
 <file path=ppt/slides/slide5.xml><?xml version="1.0" encoding="utf-8"?>
 <p:sld xmlns:a="http://schemas.openxmlformats.org/drawingml/2006/main" xmlns:r="http://schemas.openxmlformats.org/officeDocument/2006/relationships" xmlns:p="http://schemas.openxmlformats.org/presentationml/2006/main">
   <p:cSld>
+    <p:bg>
+      <p:bgPr>
+        <a:solidFill>
+          <a:schemeClr val="bg1"/>
+        </a:solidFill>
+        <a:effectLst/>
+      </p:bgPr>
+    </p:bg>
     <p:spTree>
       <p:nvGrpSpPr>
         <p:cNvPr id="1" name=""/>
@@ -10086,6 +12657,725 @@
           <a:chExt cx="0" cy="0"/>
         </a:xfrm>
       </p:grpSpPr>
+      <p:sp useBgFill="1">
+        <p:nvSpPr>
+          <p:cNvPr id="10" name="Rectangle 9">
+            <a:extLst>
+              <a:ext uri="{FF2B5EF4-FFF2-40B4-BE49-F238E27FC236}">
+                <a16:creationId xmlns:a16="http://schemas.microsoft.com/office/drawing/2014/main" id="{A65AC7D1-EAA9-48F5-B509-60A7F50BF703}"/>
+              </a:ext>
+              <a:ext uri="{C183D7F6-B498-43B3-948B-1728B52AA6E4}">
+                <adec:decorative xmlns:adec="http://schemas.microsoft.com/office/drawing/2017/decorative" val="1"/>
+              </a:ext>
+            </a:extLst>
+          </p:cNvPr>
+          <p:cNvSpPr>
+            <a:spLocks noGrp="1" noRot="1" noChangeAspect="1" noMove="1" noResize="1" noEditPoints="1" noAdjustHandles="1" noChangeArrowheads="1" noChangeShapeType="1" noTextEdit="1"/>
+          </p:cNvSpPr>
+          <p:nvPr>
+            <p:extLst>
+              <p:ext uri="{386F3935-93C4-4BCD-93E2-E3B085C9AB24}">
+                <p16:designElem xmlns:p16="http://schemas.microsoft.com/office/powerpoint/2015/main" val="1"/>
+              </p:ext>
+            </p:extLst>
+          </p:nvPr>
+        </p:nvSpPr>
+        <p:spPr>
+          <a:xfrm>
+            <a:off x="0" y="0"/>
+            <a:ext cx="12192000" cy="6858000"/>
+          </a:xfrm>
+          <a:prstGeom prst="rect">
+            <a:avLst/>
+          </a:prstGeom>
+          <a:ln>
+            <a:noFill/>
+          </a:ln>
+        </p:spPr>
+        <p:style>
+          <a:lnRef idx="2">
+            <a:schemeClr val="accent1">
+              <a:shade val="50000"/>
+            </a:schemeClr>
+          </a:lnRef>
+          <a:fillRef idx="1">
+            <a:schemeClr val="accent1"/>
+          </a:fillRef>
+          <a:effectRef idx="0">
+            <a:schemeClr val="accent1"/>
+          </a:effectRef>
+          <a:fontRef idx="minor">
+            <a:schemeClr val="lt1"/>
+          </a:fontRef>
+        </p:style>
+        <p:txBody>
+          <a:bodyPr rtlCol="0" anchor="ctr"/>
+          <a:lstStyle/>
+          <a:p>
+            <a:pPr algn="ctr"/>
+            <a:endParaRPr lang="en-US" dirty="0"/>
+          </a:p>
+        </p:txBody>
+      </p:sp>
+      <p:sp useBgFill="1">
+        <p:nvSpPr>
+          <p:cNvPr id="12" name="Rectangle 11">
+            <a:extLst>
+              <a:ext uri="{FF2B5EF4-FFF2-40B4-BE49-F238E27FC236}">
+                <a16:creationId xmlns:a16="http://schemas.microsoft.com/office/drawing/2014/main" id="{D6320AF9-619A-4175-865B-5663E1AEF4C5}"/>
+              </a:ext>
+              <a:ext uri="{C183D7F6-B498-43B3-948B-1728B52AA6E4}">
+                <adec:decorative xmlns:adec="http://schemas.microsoft.com/office/drawing/2017/decorative" val="1"/>
+              </a:ext>
+            </a:extLst>
+          </p:cNvPr>
+          <p:cNvSpPr>
+            <a:spLocks noGrp="1" noRot="1" noChangeAspect="1" noMove="1" noResize="1" noEditPoints="1" noAdjustHandles="1" noChangeArrowheads="1" noChangeShapeType="1" noTextEdit="1"/>
+          </p:cNvSpPr>
+          <p:nvPr>
+            <p:extLst>
+              <p:ext uri="{386F3935-93C4-4BCD-93E2-E3B085C9AB24}">
+                <p16:designElem xmlns:p16="http://schemas.microsoft.com/office/powerpoint/2015/main" val="1"/>
+              </p:ext>
+            </p:extLst>
+          </p:nvPr>
+        </p:nvSpPr>
+        <p:spPr>
+          <a:xfrm>
+            <a:off x="0" y="0"/>
+            <a:ext cx="12192000" cy="6858000"/>
+          </a:xfrm>
+          <a:prstGeom prst="rect">
+            <a:avLst/>
+          </a:prstGeom>
+          <a:ln>
+            <a:noFill/>
+          </a:ln>
+        </p:spPr>
+        <p:style>
+          <a:lnRef idx="2">
+            <a:schemeClr val="accent1">
+              <a:shade val="50000"/>
+            </a:schemeClr>
+          </a:lnRef>
+          <a:fillRef idx="1">
+            <a:schemeClr val="accent1"/>
+          </a:fillRef>
+          <a:effectRef idx="0">
+            <a:schemeClr val="accent1"/>
+          </a:effectRef>
+          <a:fontRef idx="minor">
+            <a:schemeClr val="lt1"/>
+          </a:fontRef>
+        </p:style>
+        <p:txBody>
+          <a:bodyPr rtlCol="0" anchor="ctr"/>
+          <a:lstStyle/>
+          <a:p>
+            <a:pPr algn="ctr"/>
+            <a:endParaRPr lang="en-US"/>
+          </a:p>
+        </p:txBody>
+      </p:sp>
+      <p:cxnSp>
+        <p:nvCxnSpPr>
+          <p:cNvPr id="14" name="Straight Connector 13">
+            <a:extLst>
+              <a:ext uri="{FF2B5EF4-FFF2-40B4-BE49-F238E27FC236}">
+                <a16:creationId xmlns:a16="http://schemas.microsoft.com/office/drawing/2014/main" id="{063B6EC6-D752-4EE7-908B-F8F19E8C7FEA}"/>
+              </a:ext>
+              <a:ext uri="{C183D7F6-B498-43B3-948B-1728B52AA6E4}">
+                <adec:decorative xmlns:adec="http://schemas.microsoft.com/office/drawing/2017/decorative" val="1"/>
+              </a:ext>
+            </a:extLst>
+          </p:cNvPr>
+          <p:cNvCxnSpPr>
+            <a:cxnSpLocks noGrp="1" noRot="1" noChangeAspect="1" noMove="1" noResize="1" noEditPoints="1" noAdjustHandles="1" noChangeArrowheads="1" noChangeShapeType="1"/>
+          </p:cNvCxnSpPr>
+          <p:nvPr>
+            <p:extLst>
+              <p:ext uri="{386F3935-93C4-4BCD-93E2-E3B085C9AB24}">
+                <p16:designElem xmlns:p16="http://schemas.microsoft.com/office/powerpoint/2015/main" val="1"/>
+              </p:ext>
+            </p:extLst>
+          </p:nvPr>
+        </p:nvCxnSpPr>
+        <p:spPr>
+          <a:xfrm>
+            <a:off x="5111313" y="0"/>
+            <a:ext cx="1219200" cy="6858000"/>
+          </a:xfrm>
+          <a:prstGeom prst="line">
+            <a:avLst/>
+          </a:prstGeom>
+          <a:ln w="9525">
+            <a:solidFill>
+              <a:schemeClr val="accent1">
+                <a:lumMod val="75000"/>
+              </a:schemeClr>
+            </a:solidFill>
+          </a:ln>
+        </p:spPr>
+        <p:style>
+          <a:lnRef idx="2">
+            <a:schemeClr val="accent1"/>
+          </a:lnRef>
+          <a:fillRef idx="0">
+            <a:schemeClr val="accent1"/>
+          </a:fillRef>
+          <a:effectRef idx="1">
+            <a:schemeClr val="accent1"/>
+          </a:effectRef>
+          <a:fontRef idx="minor">
+            <a:schemeClr val="tx1"/>
+          </a:fontRef>
+        </p:style>
+      </p:cxnSp>
+      <p:cxnSp>
+        <p:nvCxnSpPr>
+          <p:cNvPr id="16" name="Straight Connector 15">
+            <a:extLst>
+              <a:ext uri="{FF2B5EF4-FFF2-40B4-BE49-F238E27FC236}">
+                <a16:creationId xmlns:a16="http://schemas.microsoft.com/office/drawing/2014/main" id="{EFECD4E8-AD3E-4228-82A2-9461958EA94D}"/>
+              </a:ext>
+              <a:ext uri="{C183D7F6-B498-43B3-948B-1728B52AA6E4}">
+                <adec:decorative xmlns:adec="http://schemas.microsoft.com/office/drawing/2017/decorative" val="1"/>
+              </a:ext>
+            </a:extLst>
+          </p:cNvPr>
+          <p:cNvCxnSpPr>
+            <a:cxnSpLocks noGrp="1" noRot="1" noChangeAspect="1" noMove="1" noResize="1" noEditPoints="1" noAdjustHandles="1" noChangeArrowheads="1" noChangeShapeType="1"/>
+          </p:cNvCxnSpPr>
+          <p:nvPr>
+            <p:extLst>
+              <p:ext uri="{386F3935-93C4-4BCD-93E2-E3B085C9AB24}">
+                <p16:designElem xmlns:p16="http://schemas.microsoft.com/office/powerpoint/2015/main" val="1"/>
+              </p:ext>
+            </p:extLst>
+          </p:nvPr>
+        </p:nvCxnSpPr>
+        <p:spPr>
+          <a:xfrm flipH="1">
+            <a:off x="3290979" y="3681413"/>
+            <a:ext cx="4763558" cy="3176587"/>
+          </a:xfrm>
+          <a:prstGeom prst="line">
+            <a:avLst/>
+          </a:prstGeom>
+          <a:ln w="9525">
+            <a:solidFill>
+              <a:schemeClr val="tx1">
+                <a:lumMod val="50000"/>
+                <a:lumOff val="50000"/>
+                <a:alpha val="80000"/>
+              </a:schemeClr>
+            </a:solidFill>
+          </a:ln>
+        </p:spPr>
+        <p:style>
+          <a:lnRef idx="2">
+            <a:schemeClr val="accent1"/>
+          </a:lnRef>
+          <a:fillRef idx="0">
+            <a:schemeClr val="accent1"/>
+          </a:fillRef>
+          <a:effectRef idx="1">
+            <a:schemeClr val="accent1"/>
+          </a:effectRef>
+          <a:fontRef idx="minor">
+            <a:schemeClr val="tx1"/>
+          </a:fontRef>
+        </p:style>
+      </p:cxnSp>
+      <p:sp>
+        <p:nvSpPr>
+          <p:cNvPr id="18" name="Rectangle 23">
+            <a:extLst>
+              <a:ext uri="{FF2B5EF4-FFF2-40B4-BE49-F238E27FC236}">
+                <a16:creationId xmlns:a16="http://schemas.microsoft.com/office/drawing/2014/main" id="{7E018740-5C2B-4A41-AC1A-7E68D1EC1954}"/>
+              </a:ext>
+              <a:ext uri="{C183D7F6-B498-43B3-948B-1728B52AA6E4}">
+                <adec:decorative xmlns:adec="http://schemas.microsoft.com/office/drawing/2017/decorative" val="1"/>
+              </a:ext>
+            </a:extLst>
+          </p:cNvPr>
+          <p:cNvSpPr>
+            <a:spLocks noGrp="1" noRot="1" noChangeAspect="1" noMove="1" noResize="1" noEditPoints="1" noAdjustHandles="1" noChangeArrowheads="1" noChangeShapeType="1" noTextEdit="1"/>
+          </p:cNvSpPr>
+          <p:nvPr>
+            <p:extLst>
+              <p:ext uri="{386F3935-93C4-4BCD-93E2-E3B085C9AB24}">
+                <p16:designElem xmlns:p16="http://schemas.microsoft.com/office/powerpoint/2015/main" val="1"/>
+              </p:ext>
+            </p:extLst>
+          </p:nvPr>
+        </p:nvSpPr>
+        <p:spPr>
+          <a:xfrm>
+            <a:off x="4482568" y="-8467"/>
+            <a:ext cx="3007349" cy="6866467"/>
+          </a:xfrm>
+          <a:custGeom>
+            <a:avLst/>
+            <a:gdLst/>
+            <a:ahLst/>
+            <a:cxnLst/>
+            <a:rect l="l" t="t" r="r" b="b"/>
+            <a:pathLst>
+              <a:path w="3007349" h="6866467">
+                <a:moveTo>
+                  <a:pt x="2045532" y="0"/>
+                </a:moveTo>
+                <a:lnTo>
+                  <a:pt x="3007349" y="0"/>
+                </a:lnTo>
+                <a:lnTo>
+                  <a:pt x="3007349" y="6866467"/>
+                </a:lnTo>
+                <a:lnTo>
+                  <a:pt x="0" y="6866467"/>
+                </a:lnTo>
+                <a:lnTo>
+                  <a:pt x="2045532" y="0"/>
+                </a:lnTo>
+                <a:close/>
+              </a:path>
+            </a:pathLst>
+          </a:custGeom>
+          <a:solidFill>
+            <a:schemeClr val="accent1">
+              <a:alpha val="30000"/>
+            </a:schemeClr>
+          </a:solidFill>
+          <a:ln>
+            <a:noFill/>
+          </a:ln>
+          <a:effectLst/>
+        </p:spPr>
+        <p:style>
+          <a:lnRef idx="1">
+            <a:schemeClr val="accent1"/>
+          </a:lnRef>
+          <a:fillRef idx="3">
+            <a:schemeClr val="accent1"/>
+          </a:fillRef>
+          <a:effectRef idx="2">
+            <a:schemeClr val="accent1"/>
+          </a:effectRef>
+          <a:fontRef idx="minor">
+            <a:schemeClr val="lt1"/>
+          </a:fontRef>
+        </p:style>
+      </p:sp>
+      <p:sp>
+        <p:nvSpPr>
+          <p:cNvPr id="20" name="Rectangle 25">
+            <a:extLst>
+              <a:ext uri="{FF2B5EF4-FFF2-40B4-BE49-F238E27FC236}">
+                <a16:creationId xmlns:a16="http://schemas.microsoft.com/office/drawing/2014/main" id="{166F75A4-C475-4941-8EE2-B80A06A2C1BB}"/>
+              </a:ext>
+              <a:ext uri="{C183D7F6-B498-43B3-948B-1728B52AA6E4}">
+                <adec:decorative xmlns:adec="http://schemas.microsoft.com/office/drawing/2017/decorative" val="1"/>
+              </a:ext>
+            </a:extLst>
+          </p:cNvPr>
+          <p:cNvSpPr>
+            <a:spLocks noGrp="1" noRot="1" noChangeAspect="1" noMove="1" noResize="1" noEditPoints="1" noAdjustHandles="1" noChangeArrowheads="1" noChangeShapeType="1" noTextEdit="1"/>
+          </p:cNvSpPr>
+          <p:nvPr>
+            <p:extLst>
+              <p:ext uri="{386F3935-93C4-4BCD-93E2-E3B085C9AB24}">
+                <p16:designElem xmlns:p16="http://schemas.microsoft.com/office/powerpoint/2015/main" val="1"/>
+              </p:ext>
+            </p:extLst>
+          </p:nvPr>
+        </p:nvSpPr>
+        <p:spPr>
+          <a:xfrm>
+            <a:off x="4904534" y="-8467"/>
+            <a:ext cx="2588558" cy="6866467"/>
+          </a:xfrm>
+          <a:custGeom>
+            <a:avLst/>
+            <a:gdLst/>
+            <a:ahLst/>
+            <a:cxnLst/>
+            <a:rect l="l" t="t" r="r" b="b"/>
+            <a:pathLst>
+              <a:path w="2573311" h="6866467">
+                <a:moveTo>
+                  <a:pt x="0" y="0"/>
+                </a:moveTo>
+                <a:lnTo>
+                  <a:pt x="2573311" y="0"/>
+                </a:lnTo>
+                <a:lnTo>
+                  <a:pt x="2573311" y="6866467"/>
+                </a:lnTo>
+                <a:lnTo>
+                  <a:pt x="1202336" y="6866467"/>
+                </a:lnTo>
+                <a:lnTo>
+                  <a:pt x="0" y="0"/>
+                </a:lnTo>
+                <a:close/>
+              </a:path>
+            </a:pathLst>
+          </a:custGeom>
+          <a:solidFill>
+            <a:schemeClr val="accent1">
+              <a:alpha val="20000"/>
+            </a:schemeClr>
+          </a:solidFill>
+          <a:ln>
+            <a:noFill/>
+          </a:ln>
+          <a:effectLst/>
+        </p:spPr>
+        <p:style>
+          <a:lnRef idx="1">
+            <a:schemeClr val="accent1"/>
+          </a:lnRef>
+          <a:fillRef idx="3">
+            <a:schemeClr val="accent1"/>
+          </a:fillRef>
+          <a:effectRef idx="2">
+            <a:schemeClr val="accent1"/>
+          </a:effectRef>
+          <a:fontRef idx="minor">
+            <a:schemeClr val="lt1"/>
+          </a:fontRef>
+        </p:style>
+      </p:sp>
+      <p:sp>
+        <p:nvSpPr>
+          <p:cNvPr id="22" name="Isosceles Triangle 21">
+            <a:extLst>
+              <a:ext uri="{FF2B5EF4-FFF2-40B4-BE49-F238E27FC236}">
+                <a16:creationId xmlns:a16="http://schemas.microsoft.com/office/drawing/2014/main" id="{A032553A-72E8-4B0D-8405-FF9771C9AF05}"/>
+              </a:ext>
+              <a:ext uri="{C183D7F6-B498-43B3-948B-1728B52AA6E4}">
+                <adec:decorative xmlns:adec="http://schemas.microsoft.com/office/drawing/2017/decorative" val="1"/>
+              </a:ext>
+            </a:extLst>
+          </p:cNvPr>
+          <p:cNvSpPr>
+            <a:spLocks noGrp="1" noRot="1" noChangeAspect="1" noMove="1" noResize="1" noEditPoints="1" noAdjustHandles="1" noChangeArrowheads="1" noChangeShapeType="1" noTextEdit="1"/>
+          </p:cNvSpPr>
+          <p:nvPr>
+            <p:extLst>
+              <p:ext uri="{386F3935-93C4-4BCD-93E2-E3B085C9AB24}">
+                <p16:designElem xmlns:p16="http://schemas.microsoft.com/office/powerpoint/2015/main" val="1"/>
+              </p:ext>
+            </p:extLst>
+          </p:nvPr>
+        </p:nvSpPr>
+        <p:spPr>
+          <a:xfrm>
+            <a:off x="4233425" y="3048000"/>
+            <a:ext cx="3259667" cy="3810000"/>
+          </a:xfrm>
+          <a:prstGeom prst="triangle">
+            <a:avLst>
+              <a:gd name="adj" fmla="val 100000"/>
+            </a:avLst>
+          </a:prstGeom>
+          <a:solidFill>
+            <a:schemeClr val="accent2">
+              <a:alpha val="72000"/>
+            </a:schemeClr>
+          </a:solidFill>
+          <a:ln>
+            <a:noFill/>
+          </a:ln>
+          <a:effectLst/>
+        </p:spPr>
+        <p:style>
+          <a:lnRef idx="1">
+            <a:schemeClr val="accent1"/>
+          </a:lnRef>
+          <a:fillRef idx="3">
+            <a:schemeClr val="accent1"/>
+          </a:fillRef>
+          <a:effectRef idx="2">
+            <a:schemeClr val="accent1"/>
+          </a:effectRef>
+          <a:fontRef idx="minor">
+            <a:schemeClr val="lt1"/>
+          </a:fontRef>
+        </p:style>
+      </p:sp>
+      <p:sp>
+        <p:nvSpPr>
+          <p:cNvPr id="24" name="Rectangle 27">
+            <a:extLst>
+              <a:ext uri="{FF2B5EF4-FFF2-40B4-BE49-F238E27FC236}">
+                <a16:creationId xmlns:a16="http://schemas.microsoft.com/office/drawing/2014/main" id="{765800AC-C3B9-498E-87BC-29FAE4C76B21}"/>
+              </a:ext>
+              <a:ext uri="{C183D7F6-B498-43B3-948B-1728B52AA6E4}">
+                <adec:decorative xmlns:adec="http://schemas.microsoft.com/office/drawing/2017/decorative" val="1"/>
+              </a:ext>
+            </a:extLst>
+          </p:cNvPr>
+          <p:cNvSpPr>
+            <a:spLocks noGrp="1" noRot="1" noChangeAspect="1" noMove="1" noResize="1" noEditPoints="1" noAdjustHandles="1" noChangeArrowheads="1" noChangeShapeType="1" noTextEdit="1"/>
+          </p:cNvSpPr>
+          <p:nvPr>
+            <p:extLst>
+              <p:ext uri="{386F3935-93C4-4BCD-93E2-E3B085C9AB24}">
+                <p16:designElem xmlns:p16="http://schemas.microsoft.com/office/powerpoint/2015/main" val="1"/>
+              </p:ext>
+            </p:extLst>
+          </p:nvPr>
+        </p:nvSpPr>
+        <p:spPr>
+          <a:xfrm>
+            <a:off x="4635592" y="-8467"/>
+            <a:ext cx="2854326" cy="6866467"/>
+          </a:xfrm>
+          <a:custGeom>
+            <a:avLst/>
+            <a:gdLst/>
+            <a:ahLst/>
+            <a:cxnLst/>
+            <a:rect l="l" t="t" r="r" b="b"/>
+            <a:pathLst>
+              <a:path w="2858013" h="6866467">
+                <a:moveTo>
+                  <a:pt x="0" y="0"/>
+                </a:moveTo>
+                <a:lnTo>
+                  <a:pt x="2858013" y="0"/>
+                </a:lnTo>
+                <a:lnTo>
+                  <a:pt x="2858013" y="6866467"/>
+                </a:lnTo>
+                <a:lnTo>
+                  <a:pt x="2473942" y="6866467"/>
+                </a:lnTo>
+                <a:lnTo>
+                  <a:pt x="0" y="0"/>
+                </a:lnTo>
+                <a:close/>
+              </a:path>
+            </a:pathLst>
+          </a:custGeom>
+          <a:solidFill>
+            <a:schemeClr val="accent2">
+              <a:lumMod val="75000"/>
+              <a:alpha val="70000"/>
+            </a:schemeClr>
+          </a:solidFill>
+          <a:ln>
+            <a:noFill/>
+          </a:ln>
+          <a:effectLst/>
+        </p:spPr>
+        <p:style>
+          <a:lnRef idx="1">
+            <a:schemeClr val="accent1"/>
+          </a:lnRef>
+          <a:fillRef idx="3">
+            <a:schemeClr val="accent1"/>
+          </a:fillRef>
+          <a:effectRef idx="2">
+            <a:schemeClr val="accent1"/>
+          </a:effectRef>
+          <a:fontRef idx="minor">
+            <a:schemeClr val="lt1"/>
+          </a:fontRef>
+        </p:style>
+      </p:sp>
+      <p:sp>
+        <p:nvSpPr>
+          <p:cNvPr id="26" name="Isosceles Triangle 25">
+            <a:extLst>
+              <a:ext uri="{FF2B5EF4-FFF2-40B4-BE49-F238E27FC236}">
+                <a16:creationId xmlns:a16="http://schemas.microsoft.com/office/drawing/2014/main" id="{1F9D6ACB-2FF4-49F9-978A-E0D5327FC635}"/>
+              </a:ext>
+              <a:ext uri="{C183D7F6-B498-43B3-948B-1728B52AA6E4}">
+                <adec:decorative xmlns:adec="http://schemas.microsoft.com/office/drawing/2017/decorative" val="1"/>
+              </a:ext>
+            </a:extLst>
+          </p:cNvPr>
+          <p:cNvSpPr>
+            <a:spLocks noGrp="1" noRot="1" noChangeAspect="1" noMove="1" noResize="1" noEditPoints="1" noAdjustHandles="1" noChangeArrowheads="1" noChangeShapeType="1" noTextEdit="1"/>
+          </p:cNvSpPr>
+          <p:nvPr>
+            <p:extLst>
+              <p:ext uri="{386F3935-93C4-4BCD-93E2-E3B085C9AB24}">
+                <p16:designElem xmlns:p16="http://schemas.microsoft.com/office/powerpoint/2015/main" val="1"/>
+              </p:ext>
+            </p:extLst>
+          </p:nvPr>
+        </p:nvSpPr>
+        <p:spPr>
+          <a:xfrm>
+            <a:off x="5672758" y="3589867"/>
+            <a:ext cx="1817159" cy="3268133"/>
+          </a:xfrm>
+          <a:prstGeom prst="triangle">
+            <a:avLst>
+              <a:gd name="adj" fmla="val 100000"/>
+            </a:avLst>
+          </a:prstGeom>
+          <a:solidFill>
+            <a:schemeClr val="accent1">
+              <a:alpha val="80000"/>
+            </a:schemeClr>
+          </a:solidFill>
+          <a:ln>
+            <a:noFill/>
+          </a:ln>
+          <a:effectLst/>
+        </p:spPr>
+        <p:style>
+          <a:lnRef idx="1">
+            <a:schemeClr val="accent1"/>
+          </a:lnRef>
+          <a:fillRef idx="3">
+            <a:schemeClr val="accent1"/>
+          </a:fillRef>
+          <a:effectRef idx="2">
+            <a:schemeClr val="accent1"/>
+          </a:effectRef>
+          <a:fontRef idx="minor">
+            <a:schemeClr val="lt1"/>
+          </a:fontRef>
+        </p:style>
+      </p:sp>
+      <p:sp>
+        <p:nvSpPr>
+          <p:cNvPr id="28" name="Freeform: Shape 27">
+            <a:extLst>
+              <a:ext uri="{FF2B5EF4-FFF2-40B4-BE49-F238E27FC236}">
+                <a16:creationId xmlns:a16="http://schemas.microsoft.com/office/drawing/2014/main" id="{A5EC319D-0FEA-4B95-A3EA-01E35672C95B}"/>
+              </a:ext>
+              <a:ext uri="{C183D7F6-B498-43B3-948B-1728B52AA6E4}">
+                <adec:decorative xmlns:adec="http://schemas.microsoft.com/office/drawing/2017/decorative" val="1"/>
+              </a:ext>
+            </a:extLst>
+          </p:cNvPr>
+          <p:cNvSpPr>
+            <a:spLocks noGrp="1" noRot="1" noChangeAspect="1" noMove="1" noResize="1" noEditPoints="1" noAdjustHandles="1" noChangeArrowheads="1" noChangeShapeType="1" noTextEdit="1"/>
+          </p:cNvSpPr>
+          <p:nvPr>
+            <p:extLst>
+              <p:ext uri="{386F3935-93C4-4BCD-93E2-E3B085C9AB24}">
+                <p16:designElem xmlns:p16="http://schemas.microsoft.com/office/powerpoint/2015/main" val="1"/>
+              </p:ext>
+            </p:extLst>
+          </p:nvPr>
+        </p:nvSpPr>
+        <p:spPr>
+          <a:xfrm>
+            <a:off x="6197631" y="-8467"/>
+            <a:ext cx="5994369" cy="6866467"/>
+          </a:xfrm>
+          <a:custGeom>
+            <a:avLst/>
+            <a:gdLst>
+              <a:gd name="connsiteX0" fmla="*/ 0 w 5994369"/>
+              <a:gd name="connsiteY0" fmla="*/ 0 h 6866467"/>
+              <a:gd name="connsiteX1" fmla="*/ 1249825 w 5994369"/>
+              <a:gd name="connsiteY1" fmla="*/ 0 h 6866467"/>
+              <a:gd name="connsiteX2" fmla="*/ 1249825 w 5994369"/>
+              <a:gd name="connsiteY2" fmla="*/ 8467 h 6866467"/>
+              <a:gd name="connsiteX3" fmla="*/ 5994369 w 5994369"/>
+              <a:gd name="connsiteY3" fmla="*/ 8467 h 6866467"/>
+              <a:gd name="connsiteX4" fmla="*/ 5994369 w 5994369"/>
+              <a:gd name="connsiteY4" fmla="*/ 6866467 h 6866467"/>
+              <a:gd name="connsiteX5" fmla="*/ 1249825 w 5994369"/>
+              <a:gd name="connsiteY5" fmla="*/ 6866467 h 6866467"/>
+              <a:gd name="connsiteX6" fmla="*/ 1109382 w 5994369"/>
+              <a:gd name="connsiteY6" fmla="*/ 6866467 h 6866467"/>
+            </a:gdLst>
+            <a:ahLst/>
+            <a:cxnLst>
+              <a:cxn ang="0">
+                <a:pos x="connsiteX0" y="connsiteY0"/>
+              </a:cxn>
+              <a:cxn ang="0">
+                <a:pos x="connsiteX1" y="connsiteY1"/>
+              </a:cxn>
+              <a:cxn ang="0">
+                <a:pos x="connsiteX2" y="connsiteY2"/>
+              </a:cxn>
+              <a:cxn ang="0">
+                <a:pos x="connsiteX3" y="connsiteY3"/>
+              </a:cxn>
+              <a:cxn ang="0">
+                <a:pos x="connsiteX4" y="connsiteY4"/>
+              </a:cxn>
+              <a:cxn ang="0">
+                <a:pos x="connsiteX5" y="connsiteY5"/>
+              </a:cxn>
+              <a:cxn ang="0">
+                <a:pos x="connsiteX6" y="connsiteY6"/>
+              </a:cxn>
+            </a:cxnLst>
+            <a:rect l="l" t="t" r="r" b="b"/>
+            <a:pathLst>
+              <a:path w="5994369" h="6866467">
+                <a:moveTo>
+                  <a:pt x="0" y="0"/>
+                </a:moveTo>
+                <a:lnTo>
+                  <a:pt x="1249825" y="0"/>
+                </a:lnTo>
+                <a:lnTo>
+                  <a:pt x="1249825" y="8467"/>
+                </a:lnTo>
+                <a:lnTo>
+                  <a:pt x="5994369" y="8467"/>
+                </a:lnTo>
+                <a:lnTo>
+                  <a:pt x="5994369" y="6866467"/>
+                </a:lnTo>
+                <a:lnTo>
+                  <a:pt x="1249825" y="6866467"/>
+                </a:lnTo>
+                <a:lnTo>
+                  <a:pt x="1109382" y="6866467"/>
+                </a:lnTo>
+                <a:close/>
+              </a:path>
+            </a:pathLst>
+          </a:custGeom>
+          <a:solidFill>
+            <a:schemeClr val="accent1"/>
+          </a:solidFill>
+          <a:ln>
+            <a:noFill/>
+          </a:ln>
+        </p:spPr>
+        <p:style>
+          <a:lnRef idx="2">
+            <a:schemeClr val="accent1">
+              <a:shade val="50000"/>
+            </a:schemeClr>
+          </a:lnRef>
+          <a:fillRef idx="1">
+            <a:schemeClr val="accent1"/>
+          </a:fillRef>
+          <a:effectRef idx="0">
+            <a:schemeClr val="accent1"/>
+          </a:effectRef>
+          <a:fontRef idx="minor">
+            <a:schemeClr val="lt1"/>
+          </a:fontRef>
+        </p:style>
+        <p:txBody>
+          <a:bodyPr wrap="square" rtlCol="0" anchor="ctr">
+            <a:noAutofit/>
+          </a:bodyPr>
+          <a:lstStyle/>
+          <a:p>
+            <a:pPr algn="ctr"/>
+            <a:endParaRPr lang="en-US"/>
+          </a:p>
+        </p:txBody>
+      </p:sp>
       <p:sp>
         <p:nvSpPr>
           <p:cNvPr id="2" name="Titel 1">
@@ -10102,28 +13392,26 @@
             <p:ph type="title"/>
           </p:nvPr>
         </p:nvSpPr>
-        <p:spPr/>
+        <p:spPr>
+          <a:xfrm>
+            <a:off x="7181723" y="609600"/>
+            <a:ext cx="4512989" cy="2227730"/>
+          </a:xfrm>
+        </p:spPr>
         <p:txBody>
-          <a:bodyPr/>
+          <a:bodyPr anchor="ctr">
+            <a:normAutofit/>
+          </a:bodyPr>
           <a:lstStyle/>
           <a:p>
             <a:r>
-              <a:rPr lang="de-DE" dirty="0"/>
-              <a:t>Development</a:t>
-            </a:r>
-            <a:r>
-              <a:rPr lang="de-DE" dirty="0">
+              <a:rPr lang="de-DE">
                 <a:solidFill>
-                  <a:schemeClr val="tx1"/>
+                  <a:srgbClr val="FFFFFF"/>
                 </a:solidFill>
               </a:rPr>
-              <a:t> </a:t>
+              <a:t>Development Challenges</a:t>
             </a:r>
-            <a:r>
-              <a:rPr lang="de-DE" dirty="0" err="1"/>
-              <a:t>Challenges</a:t>
-            </a:r>
-            <a:endParaRPr lang="de-DE" dirty="0"/>
           </a:p>
         </p:txBody>
       </p:sp>
@@ -10143,122 +13431,95 @@
             <p:ph idx="1"/>
           </p:nvPr>
         </p:nvSpPr>
-        <p:spPr/>
+        <p:spPr>
+          <a:xfrm>
+            <a:off x="7181725" y="2837329"/>
+            <a:ext cx="4512988" cy="3317938"/>
+          </a:xfrm>
+        </p:spPr>
         <p:txBody>
-          <a:bodyPr>
+          <a:bodyPr anchor="t">
             <a:normAutofit/>
           </a:bodyPr>
           <a:lstStyle/>
           <a:p>
             <a:r>
-              <a:rPr lang="en-US" dirty="0">
+              <a:rPr lang="en-US">
                 <a:solidFill>
-                  <a:schemeClr val="tx1"/>
+                  <a:srgbClr val="FFFFFF"/>
                 </a:solidFill>
               </a:rPr>
-              <a:t>Not every phone has build-in sensor for </a:t>
+              <a:t>Hardware sensors vary</a:t>
             </a:r>
+          </a:p>
+          <a:p>
             <a:r>
-              <a:rPr lang="en-US" dirty="0" err="1">
+              <a:rPr lang="en-US">
                 <a:solidFill>
-                  <a:schemeClr val="tx1"/>
+                  <a:srgbClr val="FFFFFF"/>
                 </a:solidFill>
               </a:rPr>
-              <a:t>stepcount</a:t>
+              <a:t>Intuitive UI/UX</a:t>
             </a:r>
-            <a:endParaRPr lang="en-US" dirty="0">
-              <a:solidFill>
-                <a:schemeClr val="tx1"/>
-              </a:solidFill>
-            </a:endParaRPr>
-          </a:p>
-          <a:p>
-            <a:pPr lvl="1"/>
+          </a:p>
+          <a:p>
             <a:r>
-              <a:rPr lang="en-US" dirty="0">
+              <a:rPr lang="en-US">
                 <a:solidFill>
-                  <a:schemeClr val="tx1"/>
+                  <a:srgbClr val="FFFFFF"/>
                 </a:solidFill>
               </a:rPr>
-              <a:t>Use accelerometer as substitute</a:t>
+              <a:t>Reliability and stableness of services</a:t>
             </a:r>
           </a:p>
           <a:p>
             <a:r>
-              <a:rPr lang="en-US" dirty="0">
+              <a:rPr lang="en-US">
                 <a:solidFill>
-                  <a:schemeClr val="tx1"/>
+                  <a:srgbClr val="FFFFFF"/>
                 </a:solidFill>
               </a:rPr>
-              <a:t>Make GUI intuitive and user-friendly</a:t>
+              <a:t>Locking Apps</a:t>
             </a:r>
-          </a:p>
-          <a:p>
-            <a:r>
-              <a:rPr lang="en-US" dirty="0">
-                <a:solidFill>
-                  <a:schemeClr val="tx1"/>
-                </a:solidFill>
-              </a:rPr>
-              <a:t>Create Database</a:t>
-            </a:r>
-          </a:p>
-          <a:p>
-            <a:endParaRPr lang="en-US" dirty="0">
-              <a:solidFill>
-                <a:schemeClr val="tx1"/>
-              </a:solidFill>
-            </a:endParaRPr>
-          </a:p>
-          <a:p>
-            <a:r>
-              <a:rPr lang="en-US" dirty="0">
-                <a:solidFill>
-                  <a:schemeClr val="tx1"/>
-                </a:solidFill>
-              </a:rPr>
-              <a:t>Get Services to run reliably and stable</a:t>
-            </a:r>
-          </a:p>
-          <a:p>
-            <a:r>
-              <a:rPr lang="en-US" dirty="0">
-                <a:solidFill>
-                  <a:schemeClr val="tx1"/>
-                </a:solidFill>
-              </a:rPr>
-              <a:t>Locking Apps as main problem</a:t>
-            </a:r>
-          </a:p>
-          <a:p>
-            <a:pPr lvl="1"/>
-            <a:r>
-              <a:rPr lang="en-US" dirty="0">
-                <a:solidFill>
-                  <a:schemeClr val="tx1"/>
-                </a:solidFill>
-              </a:rPr>
-              <a:t>How will the blocking be achievable: Locking through overlay</a:t>
-            </a:r>
-          </a:p>
-          <a:p>
-            <a:pPr lvl="1"/>
-            <a:r>
-              <a:rPr lang="en-US" dirty="0">
-                <a:solidFill>
-                  <a:schemeClr val="tx1"/>
-                </a:solidFill>
-              </a:rPr>
-              <a:t>get user permissions</a:t>
-            </a:r>
-            <a:endParaRPr lang="de-DE" dirty="0">
-              <a:solidFill>
-                <a:schemeClr val="tx1"/>
-              </a:solidFill>
-            </a:endParaRPr>
           </a:p>
         </p:txBody>
       </p:sp>
+      <p:pic>
+        <p:nvPicPr>
+          <p:cNvPr id="17" name="Grafik 16" descr="Kopf mit Zahnrädern">
+            <a:extLst>
+              <a:ext uri="{FF2B5EF4-FFF2-40B4-BE49-F238E27FC236}">
+                <a16:creationId xmlns:a16="http://schemas.microsoft.com/office/drawing/2014/main" id="{071135A5-502A-44ED-A9D9-B081FB5F208F}"/>
+              </a:ext>
+            </a:extLst>
+          </p:cNvPr>
+          <p:cNvPicPr>
+            <a:picLocks noChangeAspect="1"/>
+          </p:cNvPicPr>
+          <p:nvPr/>
+        </p:nvPicPr>
+        <p:blipFill>
+          <a:blip r:embed="rId2">
+            <a:extLst>
+              <a:ext uri="{96DAC541-7B7A-43D3-8B79-37D633B846F1}">
+                <asvg:svgBlip xmlns:asvg="http://schemas.microsoft.com/office/drawing/2016/SVG/main" r:embed="rId3"/>
+              </a:ext>
+            </a:extLst>
+          </a:blip>
+          <a:stretch>
+            <a:fillRect/>
+          </a:stretch>
+        </p:blipFill>
+        <p:spPr>
+          <a:xfrm>
+            <a:off x="735683" y="1523495"/>
+            <a:ext cx="3878341" cy="3878341"/>
+          </a:xfrm>
+          <a:prstGeom prst="rect">
+            <a:avLst/>
+          </a:prstGeom>
+        </p:spPr>
+      </p:pic>
     </p:spTree>
     <p:extLst>
       <p:ext uri="{BB962C8B-B14F-4D97-AF65-F5344CB8AC3E}">
@@ -10275,6 +13536,14 @@
 <file path=ppt/slides/slide6.xml><?xml version="1.0" encoding="utf-8"?>
 <p:sld xmlns:a="http://schemas.openxmlformats.org/drawingml/2006/main" xmlns:r="http://schemas.openxmlformats.org/officeDocument/2006/relationships" xmlns:p="http://schemas.openxmlformats.org/presentationml/2006/main">
   <p:cSld>
+    <p:bg>
+      <p:bgPr>
+        <a:solidFill>
+          <a:schemeClr val="bg1"/>
+        </a:solidFill>
+        <a:effectLst/>
+      </p:bgPr>
+    </p:bg>
     <p:spTree>
       <p:nvGrpSpPr>
         <p:cNvPr id="1" name=""/>
@@ -10289,138 +13558,6 @@
           <a:chExt cx="0" cy="0"/>
         </a:xfrm>
       </p:grpSpPr>
-      <p:sp>
-        <p:nvSpPr>
-          <p:cNvPr id="2" name="Titel 1">
-            <a:extLst>
-              <a:ext uri="{FF2B5EF4-FFF2-40B4-BE49-F238E27FC236}">
-                <a16:creationId xmlns:a16="http://schemas.microsoft.com/office/drawing/2014/main" id="{AC1030D6-A3A6-4F95-905E-E8C2018038ED}"/>
-              </a:ext>
-            </a:extLst>
-          </p:cNvPr>
-          <p:cNvSpPr>
-            <a:spLocks noGrp="1"/>
-          </p:cNvSpPr>
-          <p:nvPr>
-            <p:ph type="title"/>
-          </p:nvPr>
-        </p:nvSpPr>
-        <p:spPr/>
-        <p:txBody>
-          <a:bodyPr/>
-          <a:lstStyle/>
-          <a:p>
-            <a:r>
-              <a:rPr lang="de-DE" dirty="0"/>
-              <a:t>Future </a:t>
-            </a:r>
-            <a:r>
-              <a:rPr lang="de-DE" dirty="0" err="1"/>
-              <a:t>Improvements</a:t>
-            </a:r>
-            <a:endParaRPr lang="de-DE" dirty="0"/>
-          </a:p>
-        </p:txBody>
-      </p:sp>
-      <p:sp>
-        <p:nvSpPr>
-          <p:cNvPr id="3" name="Inhaltsplatzhalter 2">
-            <a:extLst>
-              <a:ext uri="{FF2B5EF4-FFF2-40B4-BE49-F238E27FC236}">
-                <a16:creationId xmlns:a16="http://schemas.microsoft.com/office/drawing/2014/main" id="{96495D1A-0022-4744-880A-24071AC24FC1}"/>
-              </a:ext>
-            </a:extLst>
-          </p:cNvPr>
-          <p:cNvSpPr>
-            <a:spLocks noGrp="1"/>
-          </p:cNvSpPr>
-          <p:nvPr>
-            <p:ph idx="1"/>
-          </p:nvPr>
-        </p:nvSpPr>
-        <p:spPr/>
-        <p:txBody>
-          <a:bodyPr/>
-          <a:lstStyle/>
-          <a:p>
-            <a:r>
-              <a:rPr lang="de-DE" dirty="0"/>
-              <a:t>Connection </a:t>
-            </a:r>
-            <a:r>
-              <a:rPr lang="de-DE" dirty="0" err="1"/>
-              <a:t>to</a:t>
-            </a:r>
-            <a:r>
-              <a:rPr lang="de-DE" dirty="0"/>
-              <a:t> </a:t>
-            </a:r>
-            <a:r>
-              <a:rPr lang="de-DE" dirty="0" err="1"/>
-              <a:t>wearables</a:t>
-            </a:r>
-            <a:endParaRPr lang="de-DE" dirty="0"/>
-          </a:p>
-          <a:p>
-            <a:r>
-              <a:rPr lang="de-DE" dirty="0"/>
-              <a:t>Charts </a:t>
-            </a:r>
-            <a:r>
-              <a:rPr lang="de-DE" dirty="0" err="1"/>
-              <a:t>for</a:t>
-            </a:r>
-            <a:r>
-              <a:rPr lang="de-DE" dirty="0"/>
-              <a:t> </a:t>
-            </a:r>
-            <a:r>
-              <a:rPr lang="de-DE" dirty="0" err="1"/>
-              <a:t>data</a:t>
-            </a:r>
-            <a:r>
-              <a:rPr lang="de-DE" dirty="0"/>
-              <a:t> </a:t>
-            </a:r>
-            <a:r>
-              <a:rPr lang="de-DE" dirty="0" err="1"/>
-              <a:t>visualization</a:t>
-            </a:r>
-            <a:endParaRPr lang="de-DE" dirty="0"/>
-          </a:p>
-          <a:p>
-            <a:r>
-              <a:rPr lang="de-DE" dirty="0" err="1"/>
-              <a:t>Assistant</a:t>
-            </a:r>
-            <a:r>
-              <a:rPr lang="de-DE" dirty="0"/>
-              <a:t> </a:t>
-            </a:r>
-            <a:r>
-              <a:rPr lang="de-DE" dirty="0" err="1"/>
-              <a:t>for</a:t>
-            </a:r>
-            <a:r>
-              <a:rPr lang="de-DE" dirty="0"/>
-              <a:t> a </a:t>
-            </a:r>
-            <a:r>
-              <a:rPr lang="de-DE" dirty="0" err="1"/>
-              <a:t>healthier</a:t>
-            </a:r>
-            <a:r>
-              <a:rPr lang="de-DE" dirty="0"/>
-              <a:t> </a:t>
-            </a:r>
-            <a:r>
-              <a:rPr lang="de-DE" dirty="0" err="1"/>
-              <a:t>lifestyle</a:t>
-            </a:r>
-            <a:endParaRPr lang="de-DE" dirty="0"/>
-          </a:p>
-        </p:txBody>
-      </p:sp>
       <p:pic>
         <p:nvPicPr>
           <p:cNvPr id="2050" name="Picture 2" descr="Bildergebnis fÃ¼r wearables">
@@ -10450,8 +13587,8 @@
         </p:blipFill>
         <p:spPr bwMode="auto">
           <a:xfrm>
-            <a:off x="4821142" y="2021366"/>
-            <a:ext cx="4891705" cy="2365441"/>
+            <a:off x="3868807" y="609600"/>
+            <a:ext cx="5392221" cy="2601747"/>
           </a:xfrm>
           <a:prstGeom prst="rect">
             <a:avLst/>
@@ -10497,8 +13634,8 @@
         </p:blipFill>
         <p:spPr bwMode="auto">
           <a:xfrm>
-            <a:off x="1735277" y="3815143"/>
-            <a:ext cx="2365442" cy="2365442"/>
+            <a:off x="5263748" y="3439020"/>
+            <a:ext cx="2602341" cy="2602341"/>
           </a:xfrm>
           <a:prstGeom prst="rect">
             <a:avLst/>
@@ -10515,6 +13652,152 @@
           </a:extLst>
         </p:spPr>
       </p:pic>
+      <p:sp>
+        <p:nvSpPr>
+          <p:cNvPr id="2" name="Titel 1">
+            <a:extLst>
+              <a:ext uri="{FF2B5EF4-FFF2-40B4-BE49-F238E27FC236}">
+                <a16:creationId xmlns:a16="http://schemas.microsoft.com/office/drawing/2014/main" id="{AC1030D6-A3A6-4F95-905E-E8C2018038ED}"/>
+              </a:ext>
+            </a:extLst>
+          </p:cNvPr>
+          <p:cNvSpPr>
+            <a:spLocks noGrp="1"/>
+          </p:cNvSpPr>
+          <p:nvPr>
+            <p:ph type="title"/>
+          </p:nvPr>
+        </p:nvSpPr>
+        <p:spPr>
+          <a:xfrm>
+            <a:off x="675065" y="609600"/>
+            <a:ext cx="2930518" cy="1320800"/>
+          </a:xfrm>
+        </p:spPr>
+        <p:txBody>
+          <a:bodyPr anchor="ctr">
+            <a:normAutofit/>
+          </a:bodyPr>
+          <a:lstStyle/>
+          <a:p>
+            <a:r>
+              <a:rPr lang="de-DE" sz="3300"/>
+              <a:t>Future </a:t>
+            </a:r>
+            <a:r>
+              <a:rPr lang="de-DE" sz="3300" err="1"/>
+              <a:t>Improvements</a:t>
+            </a:r>
+            <a:endParaRPr lang="de-DE" sz="3300"/>
+          </a:p>
+        </p:txBody>
+      </p:sp>
+      <p:sp>
+        <p:nvSpPr>
+          <p:cNvPr id="3" name="Inhaltsplatzhalter 2">
+            <a:extLst>
+              <a:ext uri="{FF2B5EF4-FFF2-40B4-BE49-F238E27FC236}">
+                <a16:creationId xmlns:a16="http://schemas.microsoft.com/office/drawing/2014/main" id="{96495D1A-0022-4744-880A-24071AC24FC1}"/>
+              </a:ext>
+            </a:extLst>
+          </p:cNvPr>
+          <p:cNvSpPr>
+            <a:spLocks noGrp="1"/>
+          </p:cNvSpPr>
+          <p:nvPr>
+            <p:ph idx="1"/>
+          </p:nvPr>
+        </p:nvSpPr>
+        <p:spPr>
+          <a:xfrm>
+            <a:off x="671361" y="2160589"/>
+            <a:ext cx="2930517" cy="3880773"/>
+          </a:xfrm>
+        </p:spPr>
+        <p:txBody>
+          <a:bodyPr>
+            <a:normAutofit/>
+          </a:bodyPr>
+          <a:lstStyle/>
+          <a:p>
+            <a:r>
+              <a:rPr lang="de-DE" dirty="0"/>
+              <a:t>Connection </a:t>
+            </a:r>
+            <a:r>
+              <a:rPr lang="de-DE" dirty="0" err="1"/>
+              <a:t>to</a:t>
+            </a:r>
+            <a:r>
+              <a:rPr lang="de-DE" dirty="0"/>
+              <a:t> </a:t>
+            </a:r>
+            <a:r>
+              <a:rPr lang="de-DE" dirty="0" err="1"/>
+              <a:t>wearables</a:t>
+            </a:r>
+            <a:endParaRPr lang="de-DE" dirty="0"/>
+          </a:p>
+          <a:p>
+            <a:r>
+              <a:rPr lang="de-DE" dirty="0"/>
+              <a:t>Charts </a:t>
+            </a:r>
+            <a:r>
+              <a:rPr lang="de-DE" dirty="0" err="1"/>
+              <a:t>for</a:t>
+            </a:r>
+            <a:r>
+              <a:rPr lang="de-DE" dirty="0"/>
+              <a:t> </a:t>
+            </a:r>
+            <a:r>
+              <a:rPr lang="de-DE" dirty="0" err="1"/>
+              <a:t>data</a:t>
+            </a:r>
+            <a:r>
+              <a:rPr lang="de-DE" dirty="0"/>
+              <a:t> </a:t>
+            </a:r>
+            <a:r>
+              <a:rPr lang="de-DE" dirty="0" err="1"/>
+              <a:t>visualization</a:t>
+            </a:r>
+            <a:endParaRPr lang="de-DE" dirty="0"/>
+          </a:p>
+          <a:p>
+            <a:r>
+              <a:rPr lang="de-DE" dirty="0" err="1"/>
+              <a:t>Assistant</a:t>
+            </a:r>
+            <a:r>
+              <a:rPr lang="de-DE" dirty="0"/>
+              <a:t> </a:t>
+            </a:r>
+            <a:r>
+              <a:rPr lang="de-DE" dirty="0" err="1"/>
+              <a:t>for</a:t>
+            </a:r>
+            <a:r>
+              <a:rPr lang="de-DE" dirty="0"/>
+              <a:t> a </a:t>
+            </a:r>
+            <a:r>
+              <a:rPr lang="de-DE" dirty="0" err="1"/>
+              <a:t>healthier</a:t>
+            </a:r>
+            <a:r>
+              <a:rPr lang="de-DE" dirty="0"/>
+              <a:t> </a:t>
+            </a:r>
+            <a:r>
+              <a:rPr lang="de-DE" dirty="0" err="1"/>
+              <a:t>lifestyle</a:t>
+            </a:r>
+            <a:endParaRPr lang="de-DE" dirty="0"/>
+          </a:p>
+        </p:txBody>
+      </p:sp>
     </p:spTree>
     <p:extLst>
       <p:ext uri="{BB962C8B-B14F-4D97-AF65-F5344CB8AC3E}">

--- a/doc/Presentation/Uniatron-Presentation1207.pptx
+++ b/doc/Presentation/Uniatron-Presentation1207.pptx
@@ -1273,6 +1273,46 @@
         </a:p>
       </dgm:t>
     </dgm:pt>
+    <dgm:pt modelId="{AD1157CC-CABC-455A-B402-7AFFDB3B850C}">
+      <dgm:prSet/>
+      <dgm:spPr/>
+      <dgm:t>
+        <a:bodyPr/>
+        <a:lstStyle/>
+        <a:p>
+          <a:r>
+            <a:rPr lang="en-US" dirty="0">
+              <a:solidFill>
+                <a:schemeClr val="tx1"/>
+              </a:solidFill>
+            </a:rPr>
+            <a:t>Onboarding</a:t>
+          </a:r>
+        </a:p>
+      </dgm:t>
+    </dgm:pt>
+    <dgm:pt modelId="{874D1DFC-5028-4404-B950-30EA52DAE76D}" type="parTrans" cxnId="{63EB41A2-48BD-4161-ACA5-170BBA5D0092}">
+      <dgm:prSet/>
+      <dgm:spPr/>
+      <dgm:t>
+        <a:bodyPr/>
+        <a:lstStyle/>
+        <a:p>
+          <a:endParaRPr lang="de-DE"/>
+        </a:p>
+      </dgm:t>
+    </dgm:pt>
+    <dgm:pt modelId="{009C0C62-286B-46A6-9257-FDE364E4C612}" type="sibTrans" cxnId="{63EB41A2-48BD-4161-ACA5-170BBA5D0092}">
+      <dgm:prSet/>
+      <dgm:spPr/>
+      <dgm:t>
+        <a:bodyPr/>
+        <a:lstStyle/>
+        <a:p>
+          <a:endParaRPr lang="de-DE"/>
+        </a:p>
+      </dgm:t>
+    </dgm:pt>
     <dgm:pt modelId="{21BE70A3-DBB1-4289-A900-456EA49B5BC3}" type="pres">
       <dgm:prSet presAssocID="{EE787B55-61CE-4574-A994-56642A3937CA}" presName="cycle" presStyleCnt="0">
         <dgm:presLayoutVars>
@@ -1288,16 +1328,32 @@
       <dgm:prSet presAssocID="{CCF17569-3965-458C-9839-E8FF0055E2DC}" presName="centerShape" presStyleLbl="node0" presStyleIdx="0" presStyleCnt="1"/>
       <dgm:spPr/>
     </dgm:pt>
+    <dgm:pt modelId="{70EE2680-2FEA-412B-AC90-752DD4EEBF60}" type="pres">
+      <dgm:prSet presAssocID="{874D1DFC-5028-4404-B950-30EA52DAE76D}" presName="Name9" presStyleLbl="parChTrans1D2" presStyleIdx="0" presStyleCnt="7"/>
+      <dgm:spPr/>
+    </dgm:pt>
+    <dgm:pt modelId="{F23D6A99-4630-47CC-AA6F-6396E9CF7DA2}" type="pres">
+      <dgm:prSet presAssocID="{874D1DFC-5028-4404-B950-30EA52DAE76D}" presName="connTx" presStyleLbl="parChTrans1D2" presStyleIdx="0" presStyleCnt="7"/>
+      <dgm:spPr/>
+    </dgm:pt>
+    <dgm:pt modelId="{74D1CE01-DDBE-4398-92BC-2AE474E925C9}" type="pres">
+      <dgm:prSet presAssocID="{AD1157CC-CABC-455A-B402-7AFFDB3B850C}" presName="node" presStyleLbl="node1" presStyleIdx="0" presStyleCnt="7">
+        <dgm:presLayoutVars>
+          <dgm:bulletEnabled val="1"/>
+        </dgm:presLayoutVars>
+      </dgm:prSet>
+      <dgm:spPr/>
+    </dgm:pt>
     <dgm:pt modelId="{9A780A5D-7F76-46ED-80B2-445E4D96B759}" type="pres">
-      <dgm:prSet presAssocID="{7082F214-DE62-4196-9D9F-902540A2608D}" presName="Name9" presStyleLbl="parChTrans1D2" presStyleIdx="0" presStyleCnt="6"/>
+      <dgm:prSet presAssocID="{7082F214-DE62-4196-9D9F-902540A2608D}" presName="Name9" presStyleLbl="parChTrans1D2" presStyleIdx="1" presStyleCnt="7"/>
       <dgm:spPr/>
     </dgm:pt>
     <dgm:pt modelId="{5292D23E-C187-49E0-AC92-2722614E5B1B}" type="pres">
-      <dgm:prSet presAssocID="{7082F214-DE62-4196-9D9F-902540A2608D}" presName="connTx" presStyleLbl="parChTrans1D2" presStyleIdx="0" presStyleCnt="6"/>
+      <dgm:prSet presAssocID="{7082F214-DE62-4196-9D9F-902540A2608D}" presName="connTx" presStyleLbl="parChTrans1D2" presStyleIdx="1" presStyleCnt="7"/>
       <dgm:spPr/>
     </dgm:pt>
     <dgm:pt modelId="{C722847B-D502-4570-8708-13F9C2F97E8A}" type="pres">
-      <dgm:prSet presAssocID="{65F6CB29-32DF-4CDA-BF85-6B5A77D3A8D0}" presName="node" presStyleLbl="node1" presStyleIdx="0" presStyleCnt="6">
+      <dgm:prSet presAssocID="{65F6CB29-32DF-4CDA-BF85-6B5A77D3A8D0}" presName="node" presStyleLbl="node1" presStyleIdx="1" presStyleCnt="7">
         <dgm:presLayoutVars>
           <dgm:bulletEnabled val="1"/>
         </dgm:presLayoutVars>
@@ -1305,15 +1361,15 @@
       <dgm:spPr/>
     </dgm:pt>
     <dgm:pt modelId="{E2B0948E-0EF3-43F8-A204-9201D709951F}" type="pres">
-      <dgm:prSet presAssocID="{E56E3889-EF5B-406E-91EE-415C6D0C31AF}" presName="Name9" presStyleLbl="parChTrans1D2" presStyleIdx="1" presStyleCnt="6"/>
+      <dgm:prSet presAssocID="{E56E3889-EF5B-406E-91EE-415C6D0C31AF}" presName="Name9" presStyleLbl="parChTrans1D2" presStyleIdx="2" presStyleCnt="7"/>
       <dgm:spPr/>
     </dgm:pt>
     <dgm:pt modelId="{4327AD47-569A-4874-AB93-46935551096D}" type="pres">
-      <dgm:prSet presAssocID="{E56E3889-EF5B-406E-91EE-415C6D0C31AF}" presName="connTx" presStyleLbl="parChTrans1D2" presStyleIdx="1" presStyleCnt="6"/>
+      <dgm:prSet presAssocID="{E56E3889-EF5B-406E-91EE-415C6D0C31AF}" presName="connTx" presStyleLbl="parChTrans1D2" presStyleIdx="2" presStyleCnt="7"/>
       <dgm:spPr/>
     </dgm:pt>
     <dgm:pt modelId="{6C36BD50-337E-4C08-B6BF-48A580DA90CC}" type="pres">
-      <dgm:prSet presAssocID="{99B38601-E8BB-4F86-9891-74BAA1593B82}" presName="node" presStyleLbl="node1" presStyleIdx="1" presStyleCnt="6">
+      <dgm:prSet presAssocID="{99B38601-E8BB-4F86-9891-74BAA1593B82}" presName="node" presStyleLbl="node1" presStyleIdx="2" presStyleCnt="7">
         <dgm:presLayoutVars>
           <dgm:bulletEnabled val="1"/>
         </dgm:presLayoutVars>
@@ -1321,15 +1377,15 @@
       <dgm:spPr/>
     </dgm:pt>
     <dgm:pt modelId="{D16D04FB-1A92-42A9-9468-ADA5240FE74B}" type="pres">
-      <dgm:prSet presAssocID="{F5FCA0E7-C02B-44DC-8C28-F0BA3E0E9B62}" presName="Name9" presStyleLbl="parChTrans1D2" presStyleIdx="2" presStyleCnt="6"/>
+      <dgm:prSet presAssocID="{F5FCA0E7-C02B-44DC-8C28-F0BA3E0E9B62}" presName="Name9" presStyleLbl="parChTrans1D2" presStyleIdx="3" presStyleCnt="7"/>
       <dgm:spPr/>
     </dgm:pt>
     <dgm:pt modelId="{A196499A-B71C-4806-B971-DDCFBD18BCB7}" type="pres">
-      <dgm:prSet presAssocID="{F5FCA0E7-C02B-44DC-8C28-F0BA3E0E9B62}" presName="connTx" presStyleLbl="parChTrans1D2" presStyleIdx="2" presStyleCnt="6"/>
+      <dgm:prSet presAssocID="{F5FCA0E7-C02B-44DC-8C28-F0BA3E0E9B62}" presName="connTx" presStyleLbl="parChTrans1D2" presStyleIdx="3" presStyleCnt="7"/>
       <dgm:spPr/>
     </dgm:pt>
     <dgm:pt modelId="{CCB1B31A-B074-4C69-810B-B13E0969399E}" type="pres">
-      <dgm:prSet presAssocID="{53E74A07-BE84-4491-B7A3-AEB4CA53660A}" presName="node" presStyleLbl="node1" presStyleIdx="2" presStyleCnt="6">
+      <dgm:prSet presAssocID="{53E74A07-BE84-4491-B7A3-AEB4CA53660A}" presName="node" presStyleLbl="node1" presStyleIdx="3" presStyleCnt="7">
         <dgm:presLayoutVars>
           <dgm:bulletEnabled val="1"/>
         </dgm:presLayoutVars>
@@ -1337,15 +1393,15 @@
       <dgm:spPr/>
     </dgm:pt>
     <dgm:pt modelId="{A4DF95CF-4080-41C9-8254-F75AE5A3117C}" type="pres">
-      <dgm:prSet presAssocID="{814878D8-7557-4009-834B-F0C02F767790}" presName="Name9" presStyleLbl="parChTrans1D2" presStyleIdx="3" presStyleCnt="6"/>
+      <dgm:prSet presAssocID="{814878D8-7557-4009-834B-F0C02F767790}" presName="Name9" presStyleLbl="parChTrans1D2" presStyleIdx="4" presStyleCnt="7"/>
       <dgm:spPr/>
     </dgm:pt>
     <dgm:pt modelId="{0A8861E4-9E4B-436E-95DE-2201FBF80298}" type="pres">
-      <dgm:prSet presAssocID="{814878D8-7557-4009-834B-F0C02F767790}" presName="connTx" presStyleLbl="parChTrans1D2" presStyleIdx="3" presStyleCnt="6"/>
+      <dgm:prSet presAssocID="{814878D8-7557-4009-834B-F0C02F767790}" presName="connTx" presStyleLbl="parChTrans1D2" presStyleIdx="4" presStyleCnt="7"/>
       <dgm:spPr/>
     </dgm:pt>
     <dgm:pt modelId="{DA9B1E3D-E968-4775-80D1-F0552449A93F}" type="pres">
-      <dgm:prSet presAssocID="{4CA19AFE-A92B-4A21-A707-F1A9220AE4D2}" presName="node" presStyleLbl="node1" presStyleIdx="3" presStyleCnt="6">
+      <dgm:prSet presAssocID="{4CA19AFE-A92B-4A21-A707-F1A9220AE4D2}" presName="node" presStyleLbl="node1" presStyleIdx="4" presStyleCnt="7">
         <dgm:presLayoutVars>
           <dgm:bulletEnabled val="1"/>
         </dgm:presLayoutVars>
@@ -1353,15 +1409,15 @@
       <dgm:spPr/>
     </dgm:pt>
     <dgm:pt modelId="{1422C677-B7C3-4DAF-88B4-98C6094B238E}" type="pres">
-      <dgm:prSet presAssocID="{71C44282-C674-442D-9DF2-C2C479C0278C}" presName="Name9" presStyleLbl="parChTrans1D2" presStyleIdx="4" presStyleCnt="6"/>
+      <dgm:prSet presAssocID="{71C44282-C674-442D-9DF2-C2C479C0278C}" presName="Name9" presStyleLbl="parChTrans1D2" presStyleIdx="5" presStyleCnt="7"/>
       <dgm:spPr/>
     </dgm:pt>
     <dgm:pt modelId="{92CD6007-82A5-4838-A328-DA0ED80B365A}" type="pres">
-      <dgm:prSet presAssocID="{71C44282-C674-442D-9DF2-C2C479C0278C}" presName="connTx" presStyleLbl="parChTrans1D2" presStyleIdx="4" presStyleCnt="6"/>
+      <dgm:prSet presAssocID="{71C44282-C674-442D-9DF2-C2C479C0278C}" presName="connTx" presStyleLbl="parChTrans1D2" presStyleIdx="5" presStyleCnt="7"/>
       <dgm:spPr/>
     </dgm:pt>
     <dgm:pt modelId="{1A6C708B-4FFF-4090-9861-668BFCC7F583}" type="pres">
-      <dgm:prSet presAssocID="{029D0851-5726-4B9B-B11E-89F38C07995E}" presName="node" presStyleLbl="node1" presStyleIdx="4" presStyleCnt="6">
+      <dgm:prSet presAssocID="{029D0851-5726-4B9B-B11E-89F38C07995E}" presName="node" presStyleLbl="node1" presStyleIdx="5" presStyleCnt="7">
         <dgm:presLayoutVars>
           <dgm:bulletEnabled val="1"/>
         </dgm:presLayoutVars>
@@ -1369,15 +1425,15 @@
       <dgm:spPr/>
     </dgm:pt>
     <dgm:pt modelId="{6D241E69-C450-4488-BAEA-AD6E600F8C7A}" type="pres">
-      <dgm:prSet presAssocID="{9F5B95BA-1BEC-4D21-8C8D-9C60A8E7EA6B}" presName="Name9" presStyleLbl="parChTrans1D2" presStyleIdx="5" presStyleCnt="6"/>
+      <dgm:prSet presAssocID="{9F5B95BA-1BEC-4D21-8C8D-9C60A8E7EA6B}" presName="Name9" presStyleLbl="parChTrans1D2" presStyleIdx="6" presStyleCnt="7"/>
       <dgm:spPr/>
     </dgm:pt>
     <dgm:pt modelId="{98AFE375-D08A-425F-B691-7F0DF771A974}" type="pres">
-      <dgm:prSet presAssocID="{9F5B95BA-1BEC-4D21-8C8D-9C60A8E7EA6B}" presName="connTx" presStyleLbl="parChTrans1D2" presStyleIdx="5" presStyleCnt="6"/>
+      <dgm:prSet presAssocID="{9F5B95BA-1BEC-4D21-8C8D-9C60A8E7EA6B}" presName="connTx" presStyleLbl="parChTrans1D2" presStyleIdx="6" presStyleCnt="7"/>
       <dgm:spPr/>
     </dgm:pt>
     <dgm:pt modelId="{23EE9F75-557B-4493-9918-2551B38A3764}" type="pres">
-      <dgm:prSet presAssocID="{4658E44B-CC13-4D53-B8E4-A2F0DF034CA2}" presName="node" presStyleLbl="node1" presStyleIdx="5" presStyleCnt="6">
+      <dgm:prSet presAssocID="{4658E44B-CC13-4D53-B8E4-A2F0DF034CA2}" presName="node" presStyleLbl="node1" presStyleIdx="6" presStyleCnt="7">
         <dgm:presLayoutVars>
           <dgm:bulletEnabled val="1"/>
         </dgm:presLayoutVars>
@@ -1386,6 +1442,7 @@
     </dgm:pt>
   </dgm:ptLst>
   <dgm:cxnLst>
+    <dgm:cxn modelId="{307DC610-C9B7-41D8-8E3F-EAFCFE5F450A}" type="presOf" srcId="{874D1DFC-5028-4404-B950-30EA52DAE76D}" destId="{70EE2680-2FEA-412B-AC90-752DD4EEBF60}" srcOrd="0" destOrd="0" presId="urn:microsoft.com/office/officeart/2005/8/layout/radial1"/>
     <dgm:cxn modelId="{9445221E-289B-4ED9-A43E-B51220112C52}" type="presOf" srcId="{814878D8-7557-4009-834B-F0C02F767790}" destId="{0A8861E4-9E4B-436E-95DE-2201FBF80298}" srcOrd="1" destOrd="0" presId="urn:microsoft.com/office/officeart/2005/8/layout/radial1"/>
     <dgm:cxn modelId="{98AEC722-7018-4315-8AE7-962046456CE5}" type="presOf" srcId="{E56E3889-EF5B-406E-91EE-415C6D0C31AF}" destId="{E2B0948E-0EF3-43F8-A204-9201D709951F}" srcOrd="0" destOrd="0" presId="urn:microsoft.com/office/officeart/2005/8/layout/radial1"/>
     <dgm:cxn modelId="{1E39E831-A584-4C02-A52F-10C236757BB0}" srcId="{EE787B55-61CE-4574-A994-56642A3937CA}" destId="{CCF17569-3965-458C-9839-E8FF0055E2DC}" srcOrd="0" destOrd="0" parTransId="{3A183526-05BE-4F77-8584-70290E53893D}" sibTransId="{0118719F-D18F-4C6E-9120-7A8A94825E91}"/>
@@ -1393,45 +1450,51 @@
     <dgm:cxn modelId="{6151113F-49F1-4C8C-AA62-587978A678CE}" type="presOf" srcId="{4658E44B-CC13-4D53-B8E4-A2F0DF034CA2}" destId="{23EE9F75-557B-4493-9918-2551B38A3764}" srcOrd="0" destOrd="0" presId="urn:microsoft.com/office/officeart/2005/8/layout/radial1"/>
     <dgm:cxn modelId="{6AB0F15D-61EB-4D40-8E40-AC77B6CBEACB}" type="presOf" srcId="{9F5B95BA-1BEC-4D21-8C8D-9C60A8E7EA6B}" destId="{98AFE375-D08A-425F-B691-7F0DF771A974}" srcOrd="1" destOrd="0" presId="urn:microsoft.com/office/officeart/2005/8/layout/radial1"/>
     <dgm:cxn modelId="{66DB1361-439F-4927-B9D8-452F29FD5A6D}" type="presOf" srcId="{814878D8-7557-4009-834B-F0C02F767790}" destId="{A4DF95CF-4080-41C9-8254-F75AE5A3117C}" srcOrd="0" destOrd="0" presId="urn:microsoft.com/office/officeart/2005/8/layout/radial1"/>
+    <dgm:cxn modelId="{EB4C0244-789E-4ED0-81BE-1BDC98D306A3}" type="presOf" srcId="{874D1DFC-5028-4404-B950-30EA52DAE76D}" destId="{F23D6A99-4630-47CC-AA6F-6396E9CF7DA2}" srcOrd="1" destOrd="0" presId="urn:microsoft.com/office/officeart/2005/8/layout/radial1"/>
     <dgm:cxn modelId="{4CB4274C-4BF2-4423-8B99-19C68DA455B0}" type="presOf" srcId="{9F5B95BA-1BEC-4D21-8C8D-9C60A8E7EA6B}" destId="{6D241E69-C450-4488-BAEA-AD6E600F8C7A}" srcOrd="0" destOrd="0" presId="urn:microsoft.com/office/officeart/2005/8/layout/radial1"/>
     <dgm:cxn modelId="{59EDCA4E-A642-477C-81A3-6881B3807580}" type="presOf" srcId="{71C44282-C674-442D-9DF2-C2C479C0278C}" destId="{1422C677-B7C3-4DAF-88B4-98C6094B238E}" srcOrd="0" destOrd="0" presId="urn:microsoft.com/office/officeart/2005/8/layout/radial1"/>
     <dgm:cxn modelId="{2023E572-D688-431B-A866-19DDC8408370}" type="presOf" srcId="{CCF17569-3965-458C-9839-E8FF0055E2DC}" destId="{EDDC9A6A-F139-41C2-B9BE-C5999B49B404}" srcOrd="0" destOrd="0" presId="urn:microsoft.com/office/officeart/2005/8/layout/radial1"/>
     <dgm:cxn modelId="{5D449873-00C2-42B7-B25B-84A78796A511}" type="presOf" srcId="{53E74A07-BE84-4491-B7A3-AEB4CA53660A}" destId="{CCB1B31A-B074-4C69-810B-B13E0969399E}" srcOrd="0" destOrd="0" presId="urn:microsoft.com/office/officeart/2005/8/layout/radial1"/>
-    <dgm:cxn modelId="{BDD1DD79-A96C-4DB2-8E63-956192D6A438}" srcId="{CCF17569-3965-458C-9839-E8FF0055E2DC}" destId="{4CA19AFE-A92B-4A21-A707-F1A9220AE4D2}" srcOrd="3" destOrd="0" parTransId="{814878D8-7557-4009-834B-F0C02F767790}" sibTransId="{9966915C-08B2-4C1A-B534-3B089A20F37B}"/>
+    <dgm:cxn modelId="{BDD1DD79-A96C-4DB2-8E63-956192D6A438}" srcId="{CCF17569-3965-458C-9839-E8FF0055E2DC}" destId="{4CA19AFE-A92B-4A21-A707-F1A9220AE4D2}" srcOrd="4" destOrd="0" parTransId="{814878D8-7557-4009-834B-F0C02F767790}" sibTransId="{9966915C-08B2-4C1A-B534-3B089A20F37B}"/>
     <dgm:cxn modelId="{E0353A7A-14EA-4704-ACB4-7BAB81495ADB}" type="presOf" srcId="{4CA19AFE-A92B-4A21-A707-F1A9220AE4D2}" destId="{DA9B1E3D-E968-4775-80D1-F0552449A93F}" srcOrd="0" destOrd="0" presId="urn:microsoft.com/office/officeart/2005/8/layout/radial1"/>
     <dgm:cxn modelId="{9589F187-9680-497C-B0B7-7BC4CF5D7885}" type="presOf" srcId="{7082F214-DE62-4196-9D9F-902540A2608D}" destId="{5292D23E-C187-49E0-AC92-2722614E5B1B}" srcOrd="1" destOrd="0" presId="urn:microsoft.com/office/officeart/2005/8/layout/radial1"/>
-    <dgm:cxn modelId="{D5826C9A-6726-42B5-A109-D778A4F7516A}" srcId="{CCF17569-3965-458C-9839-E8FF0055E2DC}" destId="{65F6CB29-32DF-4CDA-BF85-6B5A77D3A8D0}" srcOrd="0" destOrd="0" parTransId="{7082F214-DE62-4196-9D9F-902540A2608D}" sibTransId="{1C3801C1-1353-4F93-9055-A91433AFA796}"/>
+    <dgm:cxn modelId="{D5826C9A-6726-42B5-A109-D778A4F7516A}" srcId="{CCF17569-3965-458C-9839-E8FF0055E2DC}" destId="{65F6CB29-32DF-4CDA-BF85-6B5A77D3A8D0}" srcOrd="1" destOrd="0" parTransId="{7082F214-DE62-4196-9D9F-902540A2608D}" sibTransId="{1C3801C1-1353-4F93-9055-A91433AFA796}"/>
     <dgm:cxn modelId="{8936AF9C-DB71-46A0-A96D-1585A6E09273}" type="presOf" srcId="{F5FCA0E7-C02B-44DC-8C28-F0BA3E0E9B62}" destId="{D16D04FB-1A92-42A9-9468-ADA5240FE74B}" srcOrd="0" destOrd="0" presId="urn:microsoft.com/office/officeart/2005/8/layout/radial1"/>
     <dgm:cxn modelId="{7D559C9E-890B-4692-8F06-327A51DD3441}" type="presOf" srcId="{71C44282-C674-442D-9DF2-C2C479C0278C}" destId="{92CD6007-82A5-4838-A328-DA0ED80B365A}" srcOrd="1" destOrd="0" presId="urn:microsoft.com/office/officeart/2005/8/layout/radial1"/>
+    <dgm:cxn modelId="{63EB41A2-48BD-4161-ACA5-170BBA5D0092}" srcId="{CCF17569-3965-458C-9839-E8FF0055E2DC}" destId="{AD1157CC-CABC-455A-B402-7AFFDB3B850C}" srcOrd="0" destOrd="0" parTransId="{874D1DFC-5028-4404-B950-30EA52DAE76D}" sibTransId="{009C0C62-286B-46A6-9257-FDE364E4C612}"/>
     <dgm:cxn modelId="{467C72A6-B737-41E0-8773-BC83DAD5B479}" type="presOf" srcId="{65F6CB29-32DF-4CDA-BF85-6B5A77D3A8D0}" destId="{C722847B-D502-4570-8708-13F9C2F97E8A}" srcOrd="0" destOrd="0" presId="urn:microsoft.com/office/officeart/2005/8/layout/radial1"/>
-    <dgm:cxn modelId="{F24E5DB2-4B03-4A4E-A6CF-17E033023F87}" srcId="{CCF17569-3965-458C-9839-E8FF0055E2DC}" destId="{4658E44B-CC13-4D53-B8E4-A2F0DF034CA2}" srcOrd="5" destOrd="0" parTransId="{9F5B95BA-1BEC-4D21-8C8D-9C60A8E7EA6B}" sibTransId="{95EB7DBD-99BB-4E84-884C-1BA514B6C9A3}"/>
+    <dgm:cxn modelId="{F24E5DB2-4B03-4A4E-A6CF-17E033023F87}" srcId="{CCF17569-3965-458C-9839-E8FF0055E2DC}" destId="{4658E44B-CC13-4D53-B8E4-A2F0DF034CA2}" srcOrd="6" destOrd="0" parTransId="{9F5B95BA-1BEC-4D21-8C8D-9C60A8E7EA6B}" sibTransId="{95EB7DBD-99BB-4E84-884C-1BA514B6C9A3}"/>
     <dgm:cxn modelId="{55F74EB4-42E5-405F-B5AF-8B9D979BE049}" type="presOf" srcId="{7082F214-DE62-4196-9D9F-902540A2608D}" destId="{9A780A5D-7F76-46ED-80B2-445E4D96B759}" srcOrd="0" destOrd="0" presId="urn:microsoft.com/office/officeart/2005/8/layout/radial1"/>
     <dgm:cxn modelId="{27CE36DE-CA59-4D3A-9C6B-D20F81064273}" type="presOf" srcId="{E56E3889-EF5B-406E-91EE-415C6D0C31AF}" destId="{4327AD47-569A-4874-AB93-46935551096D}" srcOrd="1" destOrd="0" presId="urn:microsoft.com/office/officeart/2005/8/layout/radial1"/>
-    <dgm:cxn modelId="{2576F0E5-97BD-4569-83BB-2CE18C920851}" srcId="{CCF17569-3965-458C-9839-E8FF0055E2DC}" destId="{029D0851-5726-4B9B-B11E-89F38C07995E}" srcOrd="4" destOrd="0" parTransId="{71C44282-C674-442D-9DF2-C2C479C0278C}" sibTransId="{4DB8A41A-7425-4E97-AF8D-C71F66D7D4D3}"/>
+    <dgm:cxn modelId="{2576F0E5-97BD-4569-83BB-2CE18C920851}" srcId="{CCF17569-3965-458C-9839-E8FF0055E2DC}" destId="{029D0851-5726-4B9B-B11E-89F38C07995E}" srcOrd="5" destOrd="0" parTransId="{71C44282-C674-442D-9DF2-C2C479C0278C}" sibTransId="{4DB8A41A-7425-4E97-AF8D-C71F66D7D4D3}"/>
     <dgm:cxn modelId="{2F76D4E8-AA9A-42AF-B0E1-2BAAC68AC5DE}" type="presOf" srcId="{029D0851-5726-4B9B-B11E-89F38C07995E}" destId="{1A6C708B-4FFF-4090-9861-668BFCC7F583}" srcOrd="0" destOrd="0" presId="urn:microsoft.com/office/officeart/2005/8/layout/radial1"/>
-    <dgm:cxn modelId="{AF1884ED-8A47-4F85-A9BE-EA19CF6721E1}" srcId="{CCF17569-3965-458C-9839-E8FF0055E2DC}" destId="{99B38601-E8BB-4F86-9891-74BAA1593B82}" srcOrd="1" destOrd="0" parTransId="{E56E3889-EF5B-406E-91EE-415C6D0C31AF}" sibTransId="{D10D85CB-0180-4755-BBD6-1AC33DB240F9}"/>
+    <dgm:cxn modelId="{79009AEB-07A2-4832-9700-01D8DCE4CA50}" type="presOf" srcId="{AD1157CC-CABC-455A-B402-7AFFDB3B850C}" destId="{74D1CE01-DDBE-4398-92BC-2AE474E925C9}" srcOrd="0" destOrd="0" presId="urn:microsoft.com/office/officeart/2005/8/layout/radial1"/>
+    <dgm:cxn modelId="{AF1884ED-8A47-4F85-A9BE-EA19CF6721E1}" srcId="{CCF17569-3965-458C-9839-E8FF0055E2DC}" destId="{99B38601-E8BB-4F86-9891-74BAA1593B82}" srcOrd="2" destOrd="0" parTransId="{E56E3889-EF5B-406E-91EE-415C6D0C31AF}" sibTransId="{D10D85CB-0180-4755-BBD6-1AC33DB240F9}"/>
     <dgm:cxn modelId="{4AB959F3-B187-4DF7-9B67-9292C0106972}" type="presOf" srcId="{EE787B55-61CE-4574-A994-56642A3937CA}" destId="{21BE70A3-DBB1-4289-A900-456EA49B5BC3}" srcOrd="0" destOrd="0" presId="urn:microsoft.com/office/officeart/2005/8/layout/radial1"/>
     <dgm:cxn modelId="{0A0D76FC-DEDB-4228-ACB0-F9FB7ADD8E85}" type="presOf" srcId="{99B38601-E8BB-4F86-9891-74BAA1593B82}" destId="{6C36BD50-337E-4C08-B6BF-48A580DA90CC}" srcOrd="0" destOrd="0" presId="urn:microsoft.com/office/officeart/2005/8/layout/radial1"/>
-    <dgm:cxn modelId="{04CDA0FD-1606-4148-A52A-F91D05B2DD43}" srcId="{CCF17569-3965-458C-9839-E8FF0055E2DC}" destId="{53E74A07-BE84-4491-B7A3-AEB4CA53660A}" srcOrd="2" destOrd="0" parTransId="{F5FCA0E7-C02B-44DC-8C28-F0BA3E0E9B62}" sibTransId="{F465C93E-2D0E-4869-A7E3-3DF59704E692}"/>
+    <dgm:cxn modelId="{04CDA0FD-1606-4148-A52A-F91D05B2DD43}" srcId="{CCF17569-3965-458C-9839-E8FF0055E2DC}" destId="{53E74A07-BE84-4491-B7A3-AEB4CA53660A}" srcOrd="3" destOrd="0" parTransId="{F5FCA0E7-C02B-44DC-8C28-F0BA3E0E9B62}" sibTransId="{F465C93E-2D0E-4869-A7E3-3DF59704E692}"/>
     <dgm:cxn modelId="{40563613-9922-4D51-BA42-FCD6B7F7BAD9}" type="presParOf" srcId="{21BE70A3-DBB1-4289-A900-456EA49B5BC3}" destId="{EDDC9A6A-F139-41C2-B9BE-C5999B49B404}" srcOrd="0" destOrd="0" presId="urn:microsoft.com/office/officeart/2005/8/layout/radial1"/>
-    <dgm:cxn modelId="{869BDCA6-1654-4A12-A655-C8B915748EC7}" type="presParOf" srcId="{21BE70A3-DBB1-4289-A900-456EA49B5BC3}" destId="{9A780A5D-7F76-46ED-80B2-445E4D96B759}" srcOrd="1" destOrd="0" presId="urn:microsoft.com/office/officeart/2005/8/layout/radial1"/>
+    <dgm:cxn modelId="{CE74A35B-FD12-40E5-B01C-4804F05B844D}" type="presParOf" srcId="{21BE70A3-DBB1-4289-A900-456EA49B5BC3}" destId="{70EE2680-2FEA-412B-AC90-752DD4EEBF60}" srcOrd="1" destOrd="0" presId="urn:microsoft.com/office/officeart/2005/8/layout/radial1"/>
+    <dgm:cxn modelId="{7858E1B3-CC15-4DC7-8DD5-795080D551EC}" type="presParOf" srcId="{70EE2680-2FEA-412B-AC90-752DD4EEBF60}" destId="{F23D6A99-4630-47CC-AA6F-6396E9CF7DA2}" srcOrd="0" destOrd="0" presId="urn:microsoft.com/office/officeart/2005/8/layout/radial1"/>
+    <dgm:cxn modelId="{666CAE18-C1D9-41DB-9C33-13F218574B8B}" type="presParOf" srcId="{21BE70A3-DBB1-4289-A900-456EA49B5BC3}" destId="{74D1CE01-DDBE-4398-92BC-2AE474E925C9}" srcOrd="2" destOrd="0" presId="urn:microsoft.com/office/officeart/2005/8/layout/radial1"/>
+    <dgm:cxn modelId="{869BDCA6-1654-4A12-A655-C8B915748EC7}" type="presParOf" srcId="{21BE70A3-DBB1-4289-A900-456EA49B5BC3}" destId="{9A780A5D-7F76-46ED-80B2-445E4D96B759}" srcOrd="3" destOrd="0" presId="urn:microsoft.com/office/officeart/2005/8/layout/radial1"/>
     <dgm:cxn modelId="{B5FB38D5-5EF8-408A-9603-A782AFEEEEAA}" type="presParOf" srcId="{9A780A5D-7F76-46ED-80B2-445E4D96B759}" destId="{5292D23E-C187-49E0-AC92-2722614E5B1B}" srcOrd="0" destOrd="0" presId="urn:microsoft.com/office/officeart/2005/8/layout/radial1"/>
-    <dgm:cxn modelId="{A754C094-F8E8-49F6-8CE1-53B19E57C601}" type="presParOf" srcId="{21BE70A3-DBB1-4289-A900-456EA49B5BC3}" destId="{C722847B-D502-4570-8708-13F9C2F97E8A}" srcOrd="2" destOrd="0" presId="urn:microsoft.com/office/officeart/2005/8/layout/radial1"/>
-    <dgm:cxn modelId="{FF2DAF41-D0F7-48A2-B5CF-AB24E481F1A8}" type="presParOf" srcId="{21BE70A3-DBB1-4289-A900-456EA49B5BC3}" destId="{E2B0948E-0EF3-43F8-A204-9201D709951F}" srcOrd="3" destOrd="0" presId="urn:microsoft.com/office/officeart/2005/8/layout/radial1"/>
+    <dgm:cxn modelId="{A754C094-F8E8-49F6-8CE1-53B19E57C601}" type="presParOf" srcId="{21BE70A3-DBB1-4289-A900-456EA49B5BC3}" destId="{C722847B-D502-4570-8708-13F9C2F97E8A}" srcOrd="4" destOrd="0" presId="urn:microsoft.com/office/officeart/2005/8/layout/radial1"/>
+    <dgm:cxn modelId="{FF2DAF41-D0F7-48A2-B5CF-AB24E481F1A8}" type="presParOf" srcId="{21BE70A3-DBB1-4289-A900-456EA49B5BC3}" destId="{E2B0948E-0EF3-43F8-A204-9201D709951F}" srcOrd="5" destOrd="0" presId="urn:microsoft.com/office/officeart/2005/8/layout/radial1"/>
     <dgm:cxn modelId="{CE0D0369-55B4-4B1E-80F6-C3EDFB8C6C74}" type="presParOf" srcId="{E2B0948E-0EF3-43F8-A204-9201D709951F}" destId="{4327AD47-569A-4874-AB93-46935551096D}" srcOrd="0" destOrd="0" presId="urn:microsoft.com/office/officeart/2005/8/layout/radial1"/>
-    <dgm:cxn modelId="{AE4CA615-5327-4EA6-9D92-361A575BEEAB}" type="presParOf" srcId="{21BE70A3-DBB1-4289-A900-456EA49B5BC3}" destId="{6C36BD50-337E-4C08-B6BF-48A580DA90CC}" srcOrd="4" destOrd="0" presId="urn:microsoft.com/office/officeart/2005/8/layout/radial1"/>
-    <dgm:cxn modelId="{6C91A18D-9FF0-424B-BE86-1357AF91F9DF}" type="presParOf" srcId="{21BE70A3-DBB1-4289-A900-456EA49B5BC3}" destId="{D16D04FB-1A92-42A9-9468-ADA5240FE74B}" srcOrd="5" destOrd="0" presId="urn:microsoft.com/office/officeart/2005/8/layout/radial1"/>
+    <dgm:cxn modelId="{AE4CA615-5327-4EA6-9D92-361A575BEEAB}" type="presParOf" srcId="{21BE70A3-DBB1-4289-A900-456EA49B5BC3}" destId="{6C36BD50-337E-4C08-B6BF-48A580DA90CC}" srcOrd="6" destOrd="0" presId="urn:microsoft.com/office/officeart/2005/8/layout/radial1"/>
+    <dgm:cxn modelId="{6C91A18D-9FF0-424B-BE86-1357AF91F9DF}" type="presParOf" srcId="{21BE70A3-DBB1-4289-A900-456EA49B5BC3}" destId="{D16D04FB-1A92-42A9-9468-ADA5240FE74B}" srcOrd="7" destOrd="0" presId="urn:microsoft.com/office/officeart/2005/8/layout/radial1"/>
     <dgm:cxn modelId="{CF0AC525-CD1C-4A42-B748-A7EB0B9F9FF8}" type="presParOf" srcId="{D16D04FB-1A92-42A9-9468-ADA5240FE74B}" destId="{A196499A-B71C-4806-B971-DDCFBD18BCB7}" srcOrd="0" destOrd="0" presId="urn:microsoft.com/office/officeart/2005/8/layout/radial1"/>
-    <dgm:cxn modelId="{C80761F8-14B0-473F-9F84-A4958635F0B4}" type="presParOf" srcId="{21BE70A3-DBB1-4289-A900-456EA49B5BC3}" destId="{CCB1B31A-B074-4C69-810B-B13E0969399E}" srcOrd="6" destOrd="0" presId="urn:microsoft.com/office/officeart/2005/8/layout/radial1"/>
-    <dgm:cxn modelId="{C051D015-C7CC-4B81-B753-F96C84C1DB34}" type="presParOf" srcId="{21BE70A3-DBB1-4289-A900-456EA49B5BC3}" destId="{A4DF95CF-4080-41C9-8254-F75AE5A3117C}" srcOrd="7" destOrd="0" presId="urn:microsoft.com/office/officeart/2005/8/layout/radial1"/>
+    <dgm:cxn modelId="{C80761F8-14B0-473F-9F84-A4958635F0B4}" type="presParOf" srcId="{21BE70A3-DBB1-4289-A900-456EA49B5BC3}" destId="{CCB1B31A-B074-4C69-810B-B13E0969399E}" srcOrd="8" destOrd="0" presId="urn:microsoft.com/office/officeart/2005/8/layout/radial1"/>
+    <dgm:cxn modelId="{C051D015-C7CC-4B81-B753-F96C84C1DB34}" type="presParOf" srcId="{21BE70A3-DBB1-4289-A900-456EA49B5BC3}" destId="{A4DF95CF-4080-41C9-8254-F75AE5A3117C}" srcOrd="9" destOrd="0" presId="urn:microsoft.com/office/officeart/2005/8/layout/radial1"/>
     <dgm:cxn modelId="{71D5EC61-1EA8-4230-8403-0FDDE7428E95}" type="presParOf" srcId="{A4DF95CF-4080-41C9-8254-F75AE5A3117C}" destId="{0A8861E4-9E4B-436E-95DE-2201FBF80298}" srcOrd="0" destOrd="0" presId="urn:microsoft.com/office/officeart/2005/8/layout/radial1"/>
-    <dgm:cxn modelId="{8C3F667F-F9A2-4474-87E5-B5164321D19D}" type="presParOf" srcId="{21BE70A3-DBB1-4289-A900-456EA49B5BC3}" destId="{DA9B1E3D-E968-4775-80D1-F0552449A93F}" srcOrd="8" destOrd="0" presId="urn:microsoft.com/office/officeart/2005/8/layout/radial1"/>
-    <dgm:cxn modelId="{6A417F8C-3E0F-4489-AFFB-42FF314230AD}" type="presParOf" srcId="{21BE70A3-DBB1-4289-A900-456EA49B5BC3}" destId="{1422C677-B7C3-4DAF-88B4-98C6094B238E}" srcOrd="9" destOrd="0" presId="urn:microsoft.com/office/officeart/2005/8/layout/radial1"/>
+    <dgm:cxn modelId="{8C3F667F-F9A2-4474-87E5-B5164321D19D}" type="presParOf" srcId="{21BE70A3-DBB1-4289-A900-456EA49B5BC3}" destId="{DA9B1E3D-E968-4775-80D1-F0552449A93F}" srcOrd="10" destOrd="0" presId="urn:microsoft.com/office/officeart/2005/8/layout/radial1"/>
+    <dgm:cxn modelId="{6A417F8C-3E0F-4489-AFFB-42FF314230AD}" type="presParOf" srcId="{21BE70A3-DBB1-4289-A900-456EA49B5BC3}" destId="{1422C677-B7C3-4DAF-88B4-98C6094B238E}" srcOrd="11" destOrd="0" presId="urn:microsoft.com/office/officeart/2005/8/layout/radial1"/>
     <dgm:cxn modelId="{01D4C9F1-4712-4BBA-8B97-914556398A1D}" type="presParOf" srcId="{1422C677-B7C3-4DAF-88B4-98C6094B238E}" destId="{92CD6007-82A5-4838-A328-DA0ED80B365A}" srcOrd="0" destOrd="0" presId="urn:microsoft.com/office/officeart/2005/8/layout/radial1"/>
-    <dgm:cxn modelId="{2F152821-91E9-4AE1-A6BB-C92AE920FD39}" type="presParOf" srcId="{21BE70A3-DBB1-4289-A900-456EA49B5BC3}" destId="{1A6C708B-4FFF-4090-9861-668BFCC7F583}" srcOrd="10" destOrd="0" presId="urn:microsoft.com/office/officeart/2005/8/layout/radial1"/>
-    <dgm:cxn modelId="{7B1A8010-B259-4044-B118-C4CDE646090A}" type="presParOf" srcId="{21BE70A3-DBB1-4289-A900-456EA49B5BC3}" destId="{6D241E69-C450-4488-BAEA-AD6E600F8C7A}" srcOrd="11" destOrd="0" presId="urn:microsoft.com/office/officeart/2005/8/layout/radial1"/>
+    <dgm:cxn modelId="{2F152821-91E9-4AE1-A6BB-C92AE920FD39}" type="presParOf" srcId="{21BE70A3-DBB1-4289-A900-456EA49B5BC3}" destId="{1A6C708B-4FFF-4090-9861-668BFCC7F583}" srcOrd="12" destOrd="0" presId="urn:microsoft.com/office/officeart/2005/8/layout/radial1"/>
+    <dgm:cxn modelId="{7B1A8010-B259-4044-B118-C4CDE646090A}" type="presParOf" srcId="{21BE70A3-DBB1-4289-A900-456EA49B5BC3}" destId="{6D241E69-C450-4488-BAEA-AD6E600F8C7A}" srcOrd="13" destOrd="0" presId="urn:microsoft.com/office/officeart/2005/8/layout/radial1"/>
     <dgm:cxn modelId="{9E246738-8D28-496F-A9CB-77689CA7F7EE}" type="presParOf" srcId="{6D241E69-C450-4488-BAEA-AD6E600F8C7A}" destId="{98AFE375-D08A-425F-B691-7F0DF771A974}" srcOrd="0" destOrd="0" presId="urn:microsoft.com/office/officeart/2005/8/layout/radial1"/>
-    <dgm:cxn modelId="{E36BD862-FDB8-4969-B85E-60866677DB13}" type="presParOf" srcId="{21BE70A3-DBB1-4289-A900-456EA49B5BC3}" destId="{23EE9F75-557B-4493-9918-2551B38A3764}" srcOrd="12" destOrd="0" presId="urn:microsoft.com/office/officeart/2005/8/layout/radial1"/>
+    <dgm:cxn modelId="{E36BD862-FDB8-4969-B85E-60866677DB13}" type="presParOf" srcId="{21BE70A3-DBB1-4289-A900-456EA49B5BC3}" destId="{23EE9F75-557B-4493-9918-2551B38A3764}" srcOrd="14" destOrd="0" presId="urn:microsoft.com/office/officeart/2005/8/layout/radial1"/>
   </dgm:cxnLst>
   <dgm:bg/>
   <dgm:whole/>
@@ -1458,8 +1521,8 @@
       </dsp:nvSpPr>
       <dsp:spPr>
         <a:xfrm>
-          <a:off x="2803903" y="2224179"/>
-          <a:ext cx="1707344" cy="1707344"/>
+          <a:off x="2859266" y="2398047"/>
+          <a:ext cx="1596617" cy="1596617"/>
         </a:xfrm>
         <a:prstGeom prst="ellipse">
           <a:avLst/>
@@ -1500,12 +1563,12 @@
         </a:fontRef>
       </dsp:style>
       <dsp:txBody>
-        <a:bodyPr spcFirstLastPara="0" vert="horz" wrap="square" lIns="13335" tIns="13335" rIns="13335" bIns="13335" numCol="1" spcCol="1270" anchor="ctr" anchorCtr="0">
+        <a:bodyPr spcFirstLastPara="0" vert="horz" wrap="square" lIns="12700" tIns="12700" rIns="12700" bIns="12700" numCol="1" spcCol="1270" anchor="ctr" anchorCtr="0">
           <a:noAutofit/>
         </a:bodyPr>
         <a:lstStyle/>
         <a:p>
-          <a:pPr marL="0" lvl="0" indent="0" algn="ctr" defTabSz="933450">
+          <a:pPr marL="0" lvl="0" indent="0" algn="ctr" defTabSz="889000">
             <a:lnSpc>
               <a:spcPct val="90000"/>
             </a:lnSpc>
@@ -1518,14 +1581,14 @@
             <a:buNone/>
           </a:pPr>
           <a:r>
-            <a:rPr lang="en-US" sz="2100" b="1" kern="1200" dirty="0" err="1">
+            <a:rPr lang="en-US" sz="2000" b="1" kern="1200" dirty="0" err="1">
               <a:solidFill>
                 <a:schemeClr val="tx1"/>
               </a:solidFill>
             </a:rPr>
             <a:t>UNIAtron</a:t>
           </a:r>
-          <a:endParaRPr lang="en-US" sz="2100" b="1" kern="1200" dirty="0">
+          <a:endParaRPr lang="en-US" sz="2000" b="1" kern="1200" dirty="0">
             <a:solidFill>
               <a:schemeClr val="tx1"/>
             </a:solidFill>
@@ -1533,19 +1596,19 @@
         </a:p>
       </dsp:txBody>
       <dsp:txXfrm>
-        <a:off x="3053938" y="2474214"/>
-        <a:ext cx="1207274" cy="1207274"/>
+        <a:off x="3093085" y="2631866"/>
+        <a:ext cx="1128979" cy="1128979"/>
       </dsp:txXfrm>
     </dsp:sp>
-    <dsp:sp modelId="{9A780A5D-7F76-46ED-80B2-445E4D96B759}">
+    <dsp:sp modelId="{70EE2680-2FEA-412B-AC90-752DD4EEBF60}">
       <dsp:nvSpPr>
         <dsp:cNvPr id="0" name=""/>
         <dsp:cNvSpPr/>
       </dsp:nvSpPr>
       <dsp:spPr>
         <a:xfrm rot="16200000">
-          <a:off x="3400786" y="1946383"/>
-          <a:ext cx="513578" cy="42011"/>
+          <a:off x="3259243" y="1980072"/>
+          <a:ext cx="796663" cy="39287"/>
         </a:xfrm>
         <a:custGeom>
           <a:avLst/>
@@ -1556,10 +1619,171 @@
           <a:pathLst>
             <a:path>
               <a:moveTo>
-                <a:pt x="0" y="21005"/>
+                <a:pt x="0" y="19643"/>
               </a:moveTo>
               <a:lnTo>
-                <a:pt x="513578" y="21005"/>
+                <a:pt x="796663" y="19643"/>
+              </a:lnTo>
+            </a:path>
+          </a:pathLst>
+        </a:custGeom>
+        <a:noFill/>
+        <a:ln w="19050" cap="rnd" cmpd="sng" algn="ctr">
+          <a:solidFill>
+            <a:schemeClr val="accent3">
+              <a:shade val="60000"/>
+              <a:hueOff val="0"/>
+              <a:satOff val="0"/>
+              <a:lumOff val="0"/>
+              <a:alphaOff val="0"/>
+            </a:schemeClr>
+          </a:solidFill>
+          <a:prstDash val="solid"/>
+        </a:ln>
+        <a:effectLst/>
+      </dsp:spPr>
+      <dsp:style>
+        <a:lnRef idx="2">
+          <a:scrgbClr r="0" g="0" b="0"/>
+        </a:lnRef>
+        <a:fillRef idx="0">
+          <a:scrgbClr r="0" g="0" b="0"/>
+        </a:fillRef>
+        <a:effectRef idx="0">
+          <a:scrgbClr r="0" g="0" b="0"/>
+        </a:effectRef>
+        <a:fontRef idx="minor"/>
+      </dsp:style>
+      <dsp:txBody>
+        <a:bodyPr spcFirstLastPara="0" vert="horz" wrap="square" lIns="12700" tIns="0" rIns="12700" bIns="0" numCol="1" spcCol="1270" anchor="ctr" anchorCtr="0">
+          <a:noAutofit/>
+        </a:bodyPr>
+        <a:lstStyle/>
+        <a:p>
+          <a:pPr marL="0" lvl="0" indent="0" algn="ctr" defTabSz="222250">
+            <a:lnSpc>
+              <a:spcPct val="90000"/>
+            </a:lnSpc>
+            <a:spcBef>
+              <a:spcPct val="0"/>
+            </a:spcBef>
+            <a:spcAft>
+              <a:spcPct val="35000"/>
+            </a:spcAft>
+            <a:buNone/>
+          </a:pPr>
+          <a:endParaRPr lang="de-DE" sz="500" kern="1200"/>
+        </a:p>
+      </dsp:txBody>
+      <dsp:txXfrm>
+        <a:off x="3637658" y="1979799"/>
+        <a:ext cx="39833" cy="39833"/>
+      </dsp:txXfrm>
+    </dsp:sp>
+    <dsp:sp modelId="{74D1CE01-DDBE-4398-92BC-2AE474E925C9}">
+      <dsp:nvSpPr>
+        <dsp:cNvPr id="0" name=""/>
+        <dsp:cNvSpPr/>
+      </dsp:nvSpPr>
+      <dsp:spPr>
+        <a:xfrm>
+          <a:off x="2859266" y="4766"/>
+          <a:ext cx="1596617" cy="1596617"/>
+        </a:xfrm>
+        <a:prstGeom prst="ellipse">
+          <a:avLst/>
+        </a:prstGeom>
+        <a:solidFill>
+          <a:schemeClr val="accent3">
+            <a:hueOff val="0"/>
+            <a:satOff val="0"/>
+            <a:lumOff val="0"/>
+            <a:alphaOff val="0"/>
+          </a:schemeClr>
+        </a:solidFill>
+        <a:ln w="25400" cap="rnd" cmpd="sng" algn="ctr">
+          <a:solidFill>
+            <a:schemeClr val="lt1">
+              <a:hueOff val="0"/>
+              <a:satOff val="0"/>
+              <a:lumOff val="0"/>
+              <a:alphaOff val="0"/>
+            </a:schemeClr>
+          </a:solidFill>
+          <a:prstDash val="solid"/>
+        </a:ln>
+        <a:effectLst/>
+      </dsp:spPr>
+      <dsp:style>
+        <a:lnRef idx="3">
+          <a:scrgbClr r="0" g="0" b="0"/>
+        </a:lnRef>
+        <a:fillRef idx="1">
+          <a:scrgbClr r="0" g="0" b="0"/>
+        </a:fillRef>
+        <a:effectRef idx="1">
+          <a:scrgbClr r="0" g="0" b="0"/>
+        </a:effectRef>
+        <a:fontRef idx="minor">
+          <a:schemeClr val="lt1"/>
+        </a:fontRef>
+      </dsp:style>
+      <dsp:txBody>
+        <a:bodyPr spcFirstLastPara="0" vert="horz" wrap="square" lIns="8255" tIns="8255" rIns="8255" bIns="8255" numCol="1" spcCol="1270" anchor="ctr" anchorCtr="0">
+          <a:noAutofit/>
+        </a:bodyPr>
+        <a:lstStyle/>
+        <a:p>
+          <a:pPr marL="0" lvl="0" indent="0" algn="ctr" defTabSz="577850">
+            <a:lnSpc>
+              <a:spcPct val="90000"/>
+            </a:lnSpc>
+            <a:spcBef>
+              <a:spcPct val="0"/>
+            </a:spcBef>
+            <a:spcAft>
+              <a:spcPct val="35000"/>
+            </a:spcAft>
+            <a:buNone/>
+          </a:pPr>
+          <a:r>
+            <a:rPr lang="en-US" sz="1300" kern="1200" dirty="0">
+              <a:solidFill>
+                <a:schemeClr val="tx1"/>
+              </a:solidFill>
+            </a:rPr>
+            <a:t>Onboarding</a:t>
+          </a:r>
+        </a:p>
+      </dsp:txBody>
+      <dsp:txXfrm>
+        <a:off x="3093085" y="238585"/>
+        <a:ext cx="1128979" cy="1128979"/>
+      </dsp:txXfrm>
+    </dsp:sp>
+    <dsp:sp modelId="{9A780A5D-7F76-46ED-80B2-445E4D96B759}">
+      <dsp:nvSpPr>
+        <dsp:cNvPr id="0" name=""/>
+        <dsp:cNvSpPr/>
+      </dsp:nvSpPr>
+      <dsp:spPr>
+        <a:xfrm rot="19285714">
+          <a:off x="4194814" y="2430619"/>
+          <a:ext cx="796663" cy="39287"/>
+        </a:xfrm>
+        <a:custGeom>
+          <a:avLst/>
+          <a:gdLst/>
+          <a:ahLst/>
+          <a:cxnLst/>
+          <a:rect l="0" t="0" r="0" b="0"/>
+          <a:pathLst>
+            <a:path>
+              <a:moveTo>
+                <a:pt x="0" y="19643"/>
+              </a:moveTo>
+              <a:lnTo>
+                <a:pt x="796663" y="19643"/>
               </a:lnTo>
             </a:path>
           </a:pathLst>
@@ -1617,8 +1841,8 @@
         </a:p>
       </dsp:txBody>
       <dsp:txXfrm>
-        <a:off x="3644736" y="1954550"/>
-        <a:ext cx="25678" cy="25678"/>
+        <a:off x="4573230" y="2430346"/>
+        <a:ext cx="39833" cy="39833"/>
       </dsp:txXfrm>
     </dsp:sp>
     <dsp:sp modelId="{C722847B-D502-4570-8708-13F9C2F97E8A}">
@@ -1628,8 +1852,8 @@
       </dsp:nvSpPr>
       <dsp:spPr>
         <a:xfrm>
-          <a:off x="2803903" y="3255"/>
-          <a:ext cx="1707344" cy="1707344"/>
+          <a:off x="4730408" y="905861"/>
+          <a:ext cx="1596617" cy="1596617"/>
         </a:xfrm>
         <a:prstGeom prst="ellipse">
           <a:avLst/>
@@ -1670,12 +1894,12 @@
         </a:fontRef>
       </dsp:style>
       <dsp:txBody>
-        <a:bodyPr spcFirstLastPara="0" vert="horz" wrap="square" lIns="8890" tIns="8890" rIns="8890" bIns="8890" numCol="1" spcCol="1270" anchor="ctr" anchorCtr="0">
+        <a:bodyPr spcFirstLastPara="0" vert="horz" wrap="square" lIns="8255" tIns="8255" rIns="8255" bIns="8255" numCol="1" spcCol="1270" anchor="ctr" anchorCtr="0">
           <a:noAutofit/>
         </a:bodyPr>
         <a:lstStyle/>
         <a:p>
-          <a:pPr marL="0" lvl="0" indent="0" algn="ctr" defTabSz="622300">
+          <a:pPr marL="0" lvl="0" indent="0" algn="ctr" defTabSz="577850">
             <a:lnSpc>
               <a:spcPct val="90000"/>
             </a:lnSpc>
@@ -1688,14 +1912,14 @@
             <a:buNone/>
           </a:pPr>
           <a:r>
-            <a:rPr lang="de-DE" sz="1400" kern="1200" dirty="0">
+            <a:rPr lang="de-DE" sz="1300" kern="1200" dirty="0">
               <a:solidFill>
                 <a:schemeClr val="tx1"/>
               </a:solidFill>
             </a:rPr>
             <a:t>Step counter</a:t>
           </a:r>
-          <a:endParaRPr lang="en-US" sz="1400" kern="1200" dirty="0">
+          <a:endParaRPr lang="en-US" sz="1300" kern="1200" dirty="0">
             <a:solidFill>
               <a:schemeClr val="tx1"/>
             </a:solidFill>
@@ -1703,8 +1927,8 @@
         </a:p>
       </dsp:txBody>
       <dsp:txXfrm>
-        <a:off x="3053938" y="253290"/>
-        <a:ext cx="1207274" cy="1207274"/>
+        <a:off x="4964227" y="1139680"/>
+        <a:ext cx="1128979" cy="1128979"/>
       </dsp:txXfrm>
     </dsp:sp>
     <dsp:sp modelId="{E2B0948E-0EF3-43F8-A204-9201D709951F}">
@@ -1713,9 +1937,9 @@
         <dsp:cNvSpPr/>
       </dsp:nvSpPr>
       <dsp:spPr>
-        <a:xfrm rot="19800000">
-          <a:off x="4362474" y="2501614"/>
-          <a:ext cx="513578" cy="42011"/>
+        <a:xfrm rot="771429">
+          <a:off x="4425881" y="3442990"/>
+          <a:ext cx="796663" cy="39287"/>
         </a:xfrm>
         <a:custGeom>
           <a:avLst/>
@@ -1726,10 +1950,10 @@
           <a:pathLst>
             <a:path>
               <a:moveTo>
-                <a:pt x="0" y="21005"/>
+                <a:pt x="0" y="19643"/>
               </a:moveTo>
               <a:lnTo>
-                <a:pt x="513578" y="21005"/>
+                <a:pt x="796663" y="19643"/>
               </a:lnTo>
             </a:path>
           </a:pathLst>
@@ -1787,8 +2011,8 @@
         </a:p>
       </dsp:txBody>
       <dsp:txXfrm>
-        <a:off x="4606424" y="2509781"/>
-        <a:ext cx="25678" cy="25678"/>
+        <a:off x="4804296" y="3442717"/>
+        <a:ext cx="39833" cy="39833"/>
       </dsp:txXfrm>
     </dsp:sp>
     <dsp:sp modelId="{6C36BD50-337E-4C08-B6BF-48A580DA90CC}">
@@ -1798,8 +2022,8 @@
       </dsp:nvSpPr>
       <dsp:spPr>
         <a:xfrm>
-          <a:off x="4727279" y="1113717"/>
-          <a:ext cx="1707344" cy="1707344"/>
+          <a:off x="5192542" y="2930602"/>
+          <a:ext cx="1596617" cy="1596617"/>
         </a:xfrm>
         <a:prstGeom prst="ellipse">
           <a:avLst/>
@@ -1840,12 +2064,12 @@
         </a:fontRef>
       </dsp:style>
       <dsp:txBody>
-        <a:bodyPr spcFirstLastPara="0" vert="horz" wrap="square" lIns="8890" tIns="8890" rIns="8890" bIns="8890" numCol="1" spcCol="1270" anchor="ctr" anchorCtr="0">
+        <a:bodyPr spcFirstLastPara="0" vert="horz" wrap="square" lIns="8255" tIns="8255" rIns="8255" bIns="8255" numCol="1" spcCol="1270" anchor="ctr" anchorCtr="0">
           <a:noAutofit/>
         </a:bodyPr>
         <a:lstStyle/>
         <a:p>
-          <a:pPr marL="0" lvl="0" indent="0" algn="ctr" defTabSz="622300">
+          <a:pPr marL="0" lvl="0" indent="0" algn="ctr" defTabSz="577850">
             <a:lnSpc>
               <a:spcPct val="90000"/>
             </a:lnSpc>
@@ -1858,7 +2082,7 @@
             <a:buNone/>
           </a:pPr>
           <a:r>
-            <a:rPr lang="de-DE" sz="1400" kern="1200" dirty="0">
+            <a:rPr lang="de-DE" sz="1300" kern="1200" dirty="0">
               <a:solidFill>
                 <a:schemeClr val="tx1"/>
               </a:solidFill>
@@ -1866,14 +2090,14 @@
             <a:t>App time </a:t>
           </a:r>
           <a:r>
-            <a:rPr lang="de-DE" sz="1400" kern="1200" dirty="0" err="1">
+            <a:rPr lang="de-DE" sz="1300" kern="1200" dirty="0" err="1">
               <a:solidFill>
                 <a:schemeClr val="tx1"/>
               </a:solidFill>
             </a:rPr>
             <a:t>usage</a:t>
           </a:r>
-          <a:endParaRPr lang="en-US" sz="1400" kern="1200" dirty="0">
+          <a:endParaRPr lang="en-US" sz="1300" kern="1200" dirty="0">
             <a:solidFill>
               <a:schemeClr val="tx1"/>
             </a:solidFill>
@@ -1881,8 +2105,8 @@
         </a:p>
       </dsp:txBody>
       <dsp:txXfrm>
-        <a:off x="4977314" y="1363752"/>
-        <a:ext cx="1207274" cy="1207274"/>
+        <a:off x="5426361" y="3164421"/>
+        <a:ext cx="1128979" cy="1128979"/>
       </dsp:txXfrm>
     </dsp:sp>
     <dsp:sp modelId="{D16D04FB-1A92-42A9-9468-ADA5240FE74B}">
@@ -1891,9 +2115,9 @@
         <dsp:cNvSpPr/>
       </dsp:nvSpPr>
       <dsp:spPr>
-        <a:xfrm rot="1800000">
-          <a:off x="4362474" y="3612076"/>
-          <a:ext cx="513578" cy="42011"/>
+        <a:xfrm rot="3857143">
+          <a:off x="3778446" y="4254848"/>
+          <a:ext cx="796663" cy="39287"/>
         </a:xfrm>
         <a:custGeom>
           <a:avLst/>
@@ -1904,10 +2128,10 @@
           <a:pathLst>
             <a:path>
               <a:moveTo>
-                <a:pt x="0" y="21005"/>
+                <a:pt x="0" y="19643"/>
               </a:moveTo>
               <a:lnTo>
-                <a:pt x="513578" y="21005"/>
+                <a:pt x="796663" y="19643"/>
               </a:lnTo>
             </a:path>
           </a:pathLst>
@@ -1965,8 +2189,8 @@
         </a:p>
       </dsp:txBody>
       <dsp:txXfrm>
-        <a:off x="4606424" y="3620242"/>
-        <a:ext cx="25678" cy="25678"/>
+        <a:off x="4156861" y="4254575"/>
+        <a:ext cx="39833" cy="39833"/>
       </dsp:txXfrm>
     </dsp:sp>
     <dsp:sp modelId="{CCB1B31A-B074-4C69-810B-B13E0969399E}">
@@ -1976,8 +2200,8 @@
       </dsp:nvSpPr>
       <dsp:spPr>
         <a:xfrm>
-          <a:off x="4727279" y="3334640"/>
-          <a:ext cx="1707344" cy="1707344"/>
+          <a:off x="3897672" y="4554318"/>
+          <a:ext cx="1596617" cy="1596617"/>
         </a:xfrm>
         <a:prstGeom prst="ellipse">
           <a:avLst/>
@@ -2018,12 +2242,12 @@
         </a:fontRef>
       </dsp:style>
       <dsp:txBody>
-        <a:bodyPr spcFirstLastPara="0" vert="horz" wrap="square" lIns="8890" tIns="8890" rIns="8890" bIns="8890" numCol="1" spcCol="1270" anchor="ctr" anchorCtr="0">
+        <a:bodyPr spcFirstLastPara="0" vert="horz" wrap="square" lIns="8255" tIns="8255" rIns="8255" bIns="8255" numCol="1" spcCol="1270" anchor="ctr" anchorCtr="0">
           <a:noAutofit/>
         </a:bodyPr>
         <a:lstStyle/>
         <a:p>
-          <a:pPr marL="0" lvl="0" indent="0" algn="ctr" defTabSz="622300">
+          <a:pPr marL="0" lvl="0" indent="0" algn="ctr" defTabSz="577850">
             <a:lnSpc>
               <a:spcPct val="90000"/>
             </a:lnSpc>
@@ -2036,7 +2260,7 @@
             <a:buNone/>
           </a:pPr>
           <a:r>
-            <a:rPr lang="de-DE" sz="1400" kern="1200" dirty="0">
+            <a:rPr lang="de-DE" sz="1300" kern="1200" dirty="0">
               <a:solidFill>
                 <a:schemeClr val="tx1"/>
               </a:solidFill>
@@ -2044,14 +2268,14 @@
             <a:t>App </a:t>
           </a:r>
           <a:r>
-            <a:rPr lang="de-DE" sz="1400" kern="1200" dirty="0" err="1">
+            <a:rPr lang="de-DE" sz="1300" kern="1200" dirty="0" err="1">
               <a:solidFill>
                 <a:schemeClr val="tx1"/>
               </a:solidFill>
             </a:rPr>
             <a:t>locking</a:t>
           </a:r>
-          <a:endParaRPr lang="en-US" sz="1400" kern="1200" dirty="0">
+          <a:endParaRPr lang="en-US" sz="1300" kern="1200" dirty="0">
             <a:solidFill>
               <a:schemeClr val="tx1"/>
             </a:solidFill>
@@ -2059,8 +2283,8 @@
         </a:p>
       </dsp:txBody>
       <dsp:txXfrm>
-        <a:off x="4977314" y="3584675"/>
-        <a:ext cx="1207274" cy="1207274"/>
+        <a:off x="4131491" y="4788137"/>
+        <a:ext cx="1128979" cy="1128979"/>
       </dsp:txXfrm>
     </dsp:sp>
     <dsp:sp modelId="{A4DF95CF-4080-41C9-8254-F75AE5A3117C}">
@@ -2069,9 +2293,9 @@
         <dsp:cNvSpPr/>
       </dsp:nvSpPr>
       <dsp:spPr>
-        <a:xfrm rot="5400000">
-          <a:off x="3400786" y="4167307"/>
-          <a:ext cx="513578" cy="42011"/>
+        <a:xfrm rot="6942857">
+          <a:off x="2740041" y="4254848"/>
+          <a:ext cx="796663" cy="39287"/>
         </a:xfrm>
         <a:custGeom>
           <a:avLst/>
@@ -2082,180 +2306,10 @@
           <a:pathLst>
             <a:path>
               <a:moveTo>
-                <a:pt x="0" y="21005"/>
+                <a:pt x="0" y="19643"/>
               </a:moveTo>
               <a:lnTo>
-                <a:pt x="513578" y="21005"/>
-              </a:lnTo>
-            </a:path>
-          </a:pathLst>
-        </a:custGeom>
-        <a:noFill/>
-        <a:ln w="19050" cap="rnd" cmpd="sng" algn="ctr">
-          <a:solidFill>
-            <a:schemeClr val="accent3">
-              <a:shade val="60000"/>
-              <a:hueOff val="0"/>
-              <a:satOff val="0"/>
-              <a:lumOff val="0"/>
-              <a:alphaOff val="0"/>
-            </a:schemeClr>
-          </a:solidFill>
-          <a:prstDash val="solid"/>
-        </a:ln>
-        <a:effectLst/>
-      </dsp:spPr>
-      <dsp:style>
-        <a:lnRef idx="2">
-          <a:scrgbClr r="0" g="0" b="0"/>
-        </a:lnRef>
-        <a:fillRef idx="0">
-          <a:scrgbClr r="0" g="0" b="0"/>
-        </a:fillRef>
-        <a:effectRef idx="0">
-          <a:scrgbClr r="0" g="0" b="0"/>
-        </a:effectRef>
-        <a:fontRef idx="minor"/>
-      </dsp:style>
-      <dsp:txBody>
-        <a:bodyPr spcFirstLastPara="0" vert="horz" wrap="square" lIns="12700" tIns="0" rIns="12700" bIns="0" numCol="1" spcCol="1270" anchor="ctr" anchorCtr="0">
-          <a:noAutofit/>
-        </a:bodyPr>
-        <a:lstStyle/>
-        <a:p>
-          <a:pPr marL="0" lvl="0" indent="0" algn="ctr" defTabSz="222250">
-            <a:lnSpc>
-              <a:spcPct val="90000"/>
-            </a:lnSpc>
-            <a:spcBef>
-              <a:spcPct val="0"/>
-            </a:spcBef>
-            <a:spcAft>
-              <a:spcPct val="35000"/>
-            </a:spcAft>
-            <a:buNone/>
-          </a:pPr>
-          <a:endParaRPr lang="en-US" sz="500" kern="1200">
-            <a:solidFill>
-              <a:schemeClr val="tx1"/>
-            </a:solidFill>
-          </a:endParaRPr>
-        </a:p>
-      </dsp:txBody>
-      <dsp:txXfrm>
-        <a:off x="3644736" y="4175473"/>
-        <a:ext cx="25678" cy="25678"/>
-      </dsp:txXfrm>
-    </dsp:sp>
-    <dsp:sp modelId="{DA9B1E3D-E968-4775-80D1-F0552449A93F}">
-      <dsp:nvSpPr>
-        <dsp:cNvPr id="0" name=""/>
-        <dsp:cNvSpPr/>
-      </dsp:nvSpPr>
-      <dsp:spPr>
-        <a:xfrm>
-          <a:off x="2803903" y="4445102"/>
-          <a:ext cx="1707344" cy="1707344"/>
-        </a:xfrm>
-        <a:prstGeom prst="ellipse">
-          <a:avLst/>
-        </a:prstGeom>
-        <a:solidFill>
-          <a:schemeClr val="accent3">
-            <a:hueOff val="0"/>
-            <a:satOff val="0"/>
-            <a:lumOff val="0"/>
-            <a:alphaOff val="0"/>
-          </a:schemeClr>
-        </a:solidFill>
-        <a:ln w="25400" cap="rnd" cmpd="sng" algn="ctr">
-          <a:solidFill>
-            <a:schemeClr val="lt1">
-              <a:hueOff val="0"/>
-              <a:satOff val="0"/>
-              <a:lumOff val="0"/>
-              <a:alphaOff val="0"/>
-            </a:schemeClr>
-          </a:solidFill>
-          <a:prstDash val="solid"/>
-        </a:ln>
-        <a:effectLst/>
-      </dsp:spPr>
-      <dsp:style>
-        <a:lnRef idx="3">
-          <a:scrgbClr r="0" g="0" b="0"/>
-        </a:lnRef>
-        <a:fillRef idx="1">
-          <a:scrgbClr r="0" g="0" b="0"/>
-        </a:fillRef>
-        <a:effectRef idx="1">
-          <a:scrgbClr r="0" g="0" b="0"/>
-        </a:effectRef>
-        <a:fontRef idx="minor">
-          <a:schemeClr val="lt1"/>
-        </a:fontRef>
-      </dsp:style>
-      <dsp:txBody>
-        <a:bodyPr spcFirstLastPara="0" vert="horz" wrap="square" lIns="8890" tIns="8890" rIns="8890" bIns="8890" numCol="1" spcCol="1270" anchor="ctr" anchorCtr="0">
-          <a:noAutofit/>
-        </a:bodyPr>
-        <a:lstStyle/>
-        <a:p>
-          <a:pPr marL="0" lvl="0" indent="0" algn="ctr" defTabSz="622300">
-            <a:lnSpc>
-              <a:spcPct val="90000"/>
-            </a:lnSpc>
-            <a:spcBef>
-              <a:spcPct val="0"/>
-            </a:spcBef>
-            <a:spcAft>
-              <a:spcPct val="35000"/>
-            </a:spcAft>
-            <a:buNone/>
-          </a:pPr>
-          <a:r>
-            <a:rPr lang="de-DE" sz="1400" kern="1200" dirty="0">
-              <a:solidFill>
-                <a:schemeClr val="tx1"/>
-              </a:solidFill>
-            </a:rPr>
-            <a:t>Learning Aid</a:t>
-          </a:r>
-          <a:endParaRPr lang="en-US" sz="1400" kern="1200" dirty="0">
-            <a:solidFill>
-              <a:schemeClr val="tx1"/>
-            </a:solidFill>
-          </a:endParaRPr>
-        </a:p>
-      </dsp:txBody>
-      <dsp:txXfrm>
-        <a:off x="3053938" y="4695137"/>
-        <a:ext cx="1207274" cy="1207274"/>
-      </dsp:txXfrm>
-    </dsp:sp>
-    <dsp:sp modelId="{1422C677-B7C3-4DAF-88B4-98C6094B238E}">
-      <dsp:nvSpPr>
-        <dsp:cNvPr id="0" name=""/>
-        <dsp:cNvSpPr/>
-      </dsp:nvSpPr>
-      <dsp:spPr>
-        <a:xfrm rot="9000000">
-          <a:off x="2439098" y="3612076"/>
-          <a:ext cx="513578" cy="42011"/>
-        </a:xfrm>
-        <a:custGeom>
-          <a:avLst/>
-          <a:gdLst/>
-          <a:ahLst/>
-          <a:cxnLst/>
-          <a:rect l="0" t="0" r="0" b="0"/>
-          <a:pathLst>
-            <a:path>
-              <a:moveTo>
-                <a:pt x="0" y="21005"/>
-              </a:moveTo>
-              <a:lnTo>
-                <a:pt x="513578" y="21005"/>
+                <a:pt x="796663" y="19643"/>
               </a:lnTo>
             </a:path>
           </a:pathLst>
@@ -2313,19 +2367,19 @@
         </a:p>
       </dsp:txBody>
       <dsp:txXfrm rot="10800000">
-        <a:off x="2683047" y="3620242"/>
-        <a:ext cx="25678" cy="25678"/>
+        <a:off x="3118456" y="4254575"/>
+        <a:ext cx="39833" cy="39833"/>
       </dsp:txXfrm>
     </dsp:sp>
-    <dsp:sp modelId="{1A6C708B-4FFF-4090-9861-668BFCC7F583}">
+    <dsp:sp modelId="{DA9B1E3D-E968-4775-80D1-F0552449A93F}">
       <dsp:nvSpPr>
         <dsp:cNvPr id="0" name=""/>
         <dsp:cNvSpPr/>
       </dsp:nvSpPr>
       <dsp:spPr>
         <a:xfrm>
-          <a:off x="880526" y="3334640"/>
-          <a:ext cx="1707344" cy="1707344"/>
+          <a:off x="1820861" y="4554318"/>
+          <a:ext cx="1596617" cy="1596617"/>
         </a:xfrm>
         <a:prstGeom prst="ellipse">
           <a:avLst/>
@@ -2366,12 +2420,12 @@
         </a:fontRef>
       </dsp:style>
       <dsp:txBody>
-        <a:bodyPr spcFirstLastPara="0" vert="horz" wrap="square" lIns="8890" tIns="8890" rIns="8890" bIns="8890" numCol="1" spcCol="1270" anchor="ctr" anchorCtr="0">
+        <a:bodyPr spcFirstLastPara="0" vert="horz" wrap="square" lIns="8255" tIns="8255" rIns="8255" bIns="8255" numCol="1" spcCol="1270" anchor="ctr" anchorCtr="0">
           <a:noAutofit/>
         </a:bodyPr>
         <a:lstStyle/>
         <a:p>
-          <a:pPr marL="0" lvl="0" indent="0" algn="ctr" defTabSz="622300">
+          <a:pPr marL="0" lvl="0" indent="0" algn="ctr" defTabSz="577850">
             <a:lnSpc>
               <a:spcPct val="90000"/>
             </a:lnSpc>
@@ -2384,22 +2438,14 @@
             <a:buNone/>
           </a:pPr>
           <a:r>
-            <a:rPr lang="de-DE" sz="1400" kern="1200" dirty="0">
+            <a:rPr lang="de-DE" sz="1300" kern="1200" dirty="0">
               <a:solidFill>
                 <a:schemeClr val="tx1"/>
               </a:solidFill>
             </a:rPr>
-            <a:t>Emotion </a:t>
+            <a:t>Learning Aid</a:t>
           </a:r>
-          <a:r>
-            <a:rPr lang="de-DE" sz="1400" kern="1200" dirty="0" err="1">
-              <a:solidFill>
-                <a:schemeClr val="tx1"/>
-              </a:solidFill>
-            </a:rPr>
-            <a:t>tracking</a:t>
-          </a:r>
-          <a:endParaRPr lang="en-US" sz="1400" kern="1200" dirty="0">
+          <a:endParaRPr lang="en-US" sz="1300" kern="1200" dirty="0">
             <a:solidFill>
               <a:schemeClr val="tx1"/>
             </a:solidFill>
@@ -2407,19 +2453,19 @@
         </a:p>
       </dsp:txBody>
       <dsp:txXfrm>
-        <a:off x="1130561" y="3584675"/>
-        <a:ext cx="1207274" cy="1207274"/>
+        <a:off x="2054680" y="4788137"/>
+        <a:ext cx="1128979" cy="1128979"/>
       </dsp:txXfrm>
     </dsp:sp>
-    <dsp:sp modelId="{6D241E69-C450-4488-BAEA-AD6E600F8C7A}">
+    <dsp:sp modelId="{1422C677-B7C3-4DAF-88B4-98C6094B238E}">
       <dsp:nvSpPr>
         <dsp:cNvPr id="0" name=""/>
         <dsp:cNvSpPr/>
       </dsp:nvSpPr>
       <dsp:spPr>
-        <a:xfrm rot="12600000">
-          <a:off x="2439098" y="2501614"/>
-          <a:ext cx="513578" cy="42011"/>
+        <a:xfrm rot="10028571">
+          <a:off x="2092605" y="3442990"/>
+          <a:ext cx="796663" cy="39287"/>
         </a:xfrm>
         <a:custGeom>
           <a:avLst/>
@@ -2430,10 +2476,10 @@
           <a:pathLst>
             <a:path>
               <a:moveTo>
-                <a:pt x="0" y="21005"/>
+                <a:pt x="0" y="19643"/>
               </a:moveTo>
               <a:lnTo>
-                <a:pt x="513578" y="21005"/>
+                <a:pt x="796663" y="19643"/>
               </a:lnTo>
             </a:path>
           </a:pathLst>
@@ -2491,19 +2537,19 @@
         </a:p>
       </dsp:txBody>
       <dsp:txXfrm rot="10800000">
-        <a:off x="2683047" y="2509781"/>
-        <a:ext cx="25678" cy="25678"/>
+        <a:off x="2471020" y="3442717"/>
+        <a:ext cx="39833" cy="39833"/>
       </dsp:txXfrm>
     </dsp:sp>
-    <dsp:sp modelId="{23EE9F75-557B-4493-9918-2551B38A3764}">
+    <dsp:sp modelId="{1A6C708B-4FFF-4090-9861-668BFCC7F583}">
       <dsp:nvSpPr>
         <dsp:cNvPr id="0" name=""/>
         <dsp:cNvSpPr/>
       </dsp:nvSpPr>
       <dsp:spPr>
         <a:xfrm>
-          <a:off x="880526" y="1113717"/>
-          <a:ext cx="1707344" cy="1707344"/>
+          <a:off x="525990" y="2930602"/>
+          <a:ext cx="1596617" cy="1596617"/>
         </a:xfrm>
         <a:prstGeom prst="ellipse">
           <a:avLst/>
@@ -2544,12 +2590,12 @@
         </a:fontRef>
       </dsp:style>
       <dsp:txBody>
-        <a:bodyPr spcFirstLastPara="0" vert="horz" wrap="square" lIns="8890" tIns="8890" rIns="8890" bIns="8890" numCol="1" spcCol="1270" anchor="ctr" anchorCtr="0">
+        <a:bodyPr spcFirstLastPara="0" vert="horz" wrap="square" lIns="8255" tIns="8255" rIns="8255" bIns="8255" numCol="1" spcCol="1270" anchor="ctr" anchorCtr="0">
           <a:noAutofit/>
         </a:bodyPr>
         <a:lstStyle/>
         <a:p>
-          <a:pPr marL="0" lvl="0" indent="0" algn="ctr" defTabSz="622300">
+          <a:pPr marL="0" lvl="0" indent="0" algn="ctr" defTabSz="577850">
             <a:lnSpc>
               <a:spcPct val="90000"/>
             </a:lnSpc>
@@ -2562,14 +2608,22 @@
             <a:buNone/>
           </a:pPr>
           <a:r>
-            <a:rPr lang="de-DE" sz="1400" kern="1200" dirty="0">
+            <a:rPr lang="de-DE" sz="1300" kern="1200" dirty="0">
               <a:solidFill>
                 <a:schemeClr val="tx1"/>
               </a:solidFill>
             </a:rPr>
-            <a:t>Configurations</a:t>
+            <a:t>Emotion </a:t>
           </a:r>
-          <a:endParaRPr lang="en-US" sz="1400" kern="1200" dirty="0">
+          <a:r>
+            <a:rPr lang="de-DE" sz="1300" kern="1200" dirty="0" err="1">
+              <a:solidFill>
+                <a:schemeClr val="tx1"/>
+              </a:solidFill>
+            </a:rPr>
+            <a:t>tracking</a:t>
+          </a:r>
+          <a:endParaRPr lang="en-US" sz="1300" kern="1200" dirty="0">
             <a:solidFill>
               <a:schemeClr val="tx1"/>
             </a:solidFill>
@@ -2577,8 +2631,178 @@
         </a:p>
       </dsp:txBody>
       <dsp:txXfrm>
-        <a:off x="1130561" y="1363752"/>
-        <a:ext cx="1207274" cy="1207274"/>
+        <a:off x="759809" y="3164421"/>
+        <a:ext cx="1128979" cy="1128979"/>
+      </dsp:txXfrm>
+    </dsp:sp>
+    <dsp:sp modelId="{6D241E69-C450-4488-BAEA-AD6E600F8C7A}">
+      <dsp:nvSpPr>
+        <dsp:cNvPr id="0" name=""/>
+        <dsp:cNvSpPr/>
+      </dsp:nvSpPr>
+      <dsp:spPr>
+        <a:xfrm rot="13114286">
+          <a:off x="2323672" y="2430619"/>
+          <a:ext cx="796663" cy="39287"/>
+        </a:xfrm>
+        <a:custGeom>
+          <a:avLst/>
+          <a:gdLst/>
+          <a:ahLst/>
+          <a:cxnLst/>
+          <a:rect l="0" t="0" r="0" b="0"/>
+          <a:pathLst>
+            <a:path>
+              <a:moveTo>
+                <a:pt x="0" y="19643"/>
+              </a:moveTo>
+              <a:lnTo>
+                <a:pt x="796663" y="19643"/>
+              </a:lnTo>
+            </a:path>
+          </a:pathLst>
+        </a:custGeom>
+        <a:noFill/>
+        <a:ln w="19050" cap="rnd" cmpd="sng" algn="ctr">
+          <a:solidFill>
+            <a:schemeClr val="accent3">
+              <a:shade val="60000"/>
+              <a:hueOff val="0"/>
+              <a:satOff val="0"/>
+              <a:lumOff val="0"/>
+              <a:alphaOff val="0"/>
+            </a:schemeClr>
+          </a:solidFill>
+          <a:prstDash val="solid"/>
+        </a:ln>
+        <a:effectLst/>
+      </dsp:spPr>
+      <dsp:style>
+        <a:lnRef idx="2">
+          <a:scrgbClr r="0" g="0" b="0"/>
+        </a:lnRef>
+        <a:fillRef idx="0">
+          <a:scrgbClr r="0" g="0" b="0"/>
+        </a:fillRef>
+        <a:effectRef idx="0">
+          <a:scrgbClr r="0" g="0" b="0"/>
+        </a:effectRef>
+        <a:fontRef idx="minor"/>
+      </dsp:style>
+      <dsp:txBody>
+        <a:bodyPr spcFirstLastPara="0" vert="horz" wrap="square" lIns="12700" tIns="0" rIns="12700" bIns="0" numCol="1" spcCol="1270" anchor="ctr" anchorCtr="0">
+          <a:noAutofit/>
+        </a:bodyPr>
+        <a:lstStyle/>
+        <a:p>
+          <a:pPr marL="0" lvl="0" indent="0" algn="ctr" defTabSz="222250">
+            <a:lnSpc>
+              <a:spcPct val="90000"/>
+            </a:lnSpc>
+            <a:spcBef>
+              <a:spcPct val="0"/>
+            </a:spcBef>
+            <a:spcAft>
+              <a:spcPct val="35000"/>
+            </a:spcAft>
+            <a:buNone/>
+          </a:pPr>
+          <a:endParaRPr lang="en-US" sz="500" kern="1200">
+            <a:solidFill>
+              <a:schemeClr val="tx1"/>
+            </a:solidFill>
+          </a:endParaRPr>
+        </a:p>
+      </dsp:txBody>
+      <dsp:txXfrm rot="10800000">
+        <a:off x="2702087" y="2430346"/>
+        <a:ext cx="39833" cy="39833"/>
+      </dsp:txXfrm>
+    </dsp:sp>
+    <dsp:sp modelId="{23EE9F75-557B-4493-9918-2551B38A3764}">
+      <dsp:nvSpPr>
+        <dsp:cNvPr id="0" name=""/>
+        <dsp:cNvSpPr/>
+      </dsp:nvSpPr>
+      <dsp:spPr>
+        <a:xfrm>
+          <a:off x="988124" y="905861"/>
+          <a:ext cx="1596617" cy="1596617"/>
+        </a:xfrm>
+        <a:prstGeom prst="ellipse">
+          <a:avLst/>
+        </a:prstGeom>
+        <a:solidFill>
+          <a:schemeClr val="accent3">
+            <a:hueOff val="0"/>
+            <a:satOff val="0"/>
+            <a:lumOff val="0"/>
+            <a:alphaOff val="0"/>
+          </a:schemeClr>
+        </a:solidFill>
+        <a:ln w="25400" cap="rnd" cmpd="sng" algn="ctr">
+          <a:solidFill>
+            <a:schemeClr val="lt1">
+              <a:hueOff val="0"/>
+              <a:satOff val="0"/>
+              <a:lumOff val="0"/>
+              <a:alphaOff val="0"/>
+            </a:schemeClr>
+          </a:solidFill>
+          <a:prstDash val="solid"/>
+        </a:ln>
+        <a:effectLst/>
+      </dsp:spPr>
+      <dsp:style>
+        <a:lnRef idx="3">
+          <a:scrgbClr r="0" g="0" b="0"/>
+        </a:lnRef>
+        <a:fillRef idx="1">
+          <a:scrgbClr r="0" g="0" b="0"/>
+        </a:fillRef>
+        <a:effectRef idx="1">
+          <a:scrgbClr r="0" g="0" b="0"/>
+        </a:effectRef>
+        <a:fontRef idx="minor">
+          <a:schemeClr val="lt1"/>
+        </a:fontRef>
+      </dsp:style>
+      <dsp:txBody>
+        <a:bodyPr spcFirstLastPara="0" vert="horz" wrap="square" lIns="8255" tIns="8255" rIns="8255" bIns="8255" numCol="1" spcCol="1270" anchor="ctr" anchorCtr="0">
+          <a:noAutofit/>
+        </a:bodyPr>
+        <a:lstStyle/>
+        <a:p>
+          <a:pPr marL="0" lvl="0" indent="0" algn="ctr" defTabSz="577850">
+            <a:lnSpc>
+              <a:spcPct val="90000"/>
+            </a:lnSpc>
+            <a:spcBef>
+              <a:spcPct val="0"/>
+            </a:spcBef>
+            <a:spcAft>
+              <a:spcPct val="35000"/>
+            </a:spcAft>
+            <a:buNone/>
+          </a:pPr>
+          <a:r>
+            <a:rPr lang="de-DE" sz="1300" kern="1200" dirty="0">
+              <a:solidFill>
+                <a:schemeClr val="tx1"/>
+              </a:solidFill>
+            </a:rPr>
+            <a:t>Configurations</a:t>
+          </a:r>
+          <a:endParaRPr lang="en-US" sz="1300" kern="1200" dirty="0">
+            <a:solidFill>
+              <a:schemeClr val="tx1"/>
+            </a:solidFill>
+          </a:endParaRPr>
+        </a:p>
+      </dsp:txBody>
+      <dsp:txXfrm>
+        <a:off x="1221943" y="1139680"/>
+        <a:ext cx="1128979" cy="1128979"/>
       </dsp:txXfrm>
     </dsp:sp>
   </dsp:spTree>
@@ -11066,7 +11290,7 @@
             <p:ph idx="1"/>
             <p:extLst>
               <p:ext uri="{D42A27DB-BD31-4B8C-83A1-F6EECF244321}">
-                <p14:modId xmlns:p14="http://schemas.microsoft.com/office/powerpoint/2010/main" val="657136371"/>
+                <p14:modId xmlns:p14="http://schemas.microsoft.com/office/powerpoint/2010/main" val="1472064238"/>
               </p:ext>
             </p:extLst>
           </p:nvPr>

--- a/doc/Presentation/Uniatron-Presentation1207.pptx
+++ b/doc/Presentation/Uniatron-Presentation1207.pptx
@@ -11,6 +11,7 @@
     <p:sldId id="267" r:id="rId5"/>
     <p:sldId id="268" r:id="rId6"/>
     <p:sldId id="269" r:id="rId7"/>
+    <p:sldId id="270" r:id="rId8"/>
   </p:sldIdLst>
   <p:sldSz cx="12192000" cy="6858000"/>
   <p:notesSz cx="6858000" cy="9144000"/>
@@ -14035,6 +14036,217 @@
 </p:sld>
 </file>
 
+<file path=ppt/slides/slide7.xml><?xml version="1.0" encoding="utf-8"?>
+<p:sld xmlns:a="http://schemas.openxmlformats.org/drawingml/2006/main" xmlns:r="http://schemas.openxmlformats.org/officeDocument/2006/relationships" xmlns:p="http://schemas.openxmlformats.org/presentationml/2006/main">
+  <p:cSld>
+    <p:bg>
+      <p:bgPr>
+        <a:solidFill>
+          <a:schemeClr val="tx1"/>
+        </a:solidFill>
+        <a:effectLst/>
+      </p:bgPr>
+    </p:bg>
+    <p:spTree>
+      <p:nvGrpSpPr>
+        <p:cNvPr id="1" name=""/>
+        <p:cNvGrpSpPr/>
+        <p:nvPr/>
+      </p:nvGrpSpPr>
+      <p:grpSpPr>
+        <a:xfrm>
+          <a:off x="0" y="0"/>
+          <a:ext cx="0" cy="0"/>
+          <a:chOff x="0" y="0"/>
+          <a:chExt cx="0" cy="0"/>
+        </a:xfrm>
+      </p:grpSpPr>
+      <p:sp>
+        <p:nvSpPr>
+          <p:cNvPr id="13" name="Isosceles Triangle 12">
+            <a:extLst>
+              <a:ext uri="{FF2B5EF4-FFF2-40B4-BE49-F238E27FC236}">
+                <a16:creationId xmlns:a16="http://schemas.microsoft.com/office/drawing/2014/main" id="{5A7802B6-FF37-40CF-A7E2-6F2A0D9A91EF}"/>
+              </a:ext>
+              <a:ext uri="{C183D7F6-B498-43B3-948B-1728B52AA6E4}">
+                <adec:decorative xmlns:adec="http://schemas.microsoft.com/office/drawing/2017/decorative" val="1"/>
+              </a:ext>
+            </a:extLst>
+          </p:cNvPr>
+          <p:cNvSpPr>
+            <a:spLocks noGrp="1" noRot="1" noChangeAspect="1" noMove="1" noResize="1" noEditPoints="1" noAdjustHandles="1" noChangeArrowheads="1" noChangeShapeType="1" noTextEdit="1"/>
+          </p:cNvSpPr>
+          <p:nvPr>
+            <p:extLst>
+              <p:ext uri="{386F3935-93C4-4BCD-93E2-E3B085C9AB24}">
+                <p16:designElem xmlns:p16="http://schemas.microsoft.com/office/powerpoint/2015/main" val="1"/>
+              </p:ext>
+            </p:extLst>
+          </p:nvPr>
+        </p:nvSpPr>
+        <p:spPr>
+          <a:xfrm rot="10800000">
+            <a:off x="3174" y="12700"/>
+            <a:ext cx="842596" cy="5666154"/>
+          </a:xfrm>
+          <a:prstGeom prst="triangle">
+            <a:avLst>
+              <a:gd name="adj" fmla="val 100000"/>
+            </a:avLst>
+          </a:prstGeom>
+          <a:solidFill>
+            <a:schemeClr val="accent1">
+              <a:alpha val="85000"/>
+            </a:schemeClr>
+          </a:solidFill>
+          <a:ln>
+            <a:noFill/>
+          </a:ln>
+          <a:effectLst/>
+        </p:spPr>
+        <p:style>
+          <a:lnRef idx="1">
+            <a:schemeClr val="accent1"/>
+          </a:lnRef>
+          <a:fillRef idx="3">
+            <a:schemeClr val="accent1"/>
+          </a:fillRef>
+          <a:effectRef idx="2">
+            <a:schemeClr val="accent1"/>
+          </a:effectRef>
+          <a:fontRef idx="minor">
+            <a:schemeClr val="lt1"/>
+          </a:fontRef>
+        </p:style>
+      </p:sp>
+      <p:pic>
+        <p:nvPicPr>
+          <p:cNvPr id="7" name="Grafik 6">
+            <a:extLst>
+              <a:ext uri="{FF2B5EF4-FFF2-40B4-BE49-F238E27FC236}">
+                <a16:creationId xmlns:a16="http://schemas.microsoft.com/office/drawing/2014/main" id="{5677E999-16A7-44CC-99C6-AADFF4184A4F}"/>
+              </a:ext>
+            </a:extLst>
+          </p:cNvPr>
+          <p:cNvPicPr>
+            <a:picLocks noChangeAspect="1"/>
+          </p:cNvPicPr>
+          <p:nvPr/>
+        </p:nvPicPr>
+        <p:blipFill>
+          <a:blip r:embed="rId2"/>
+          <a:stretch>
+            <a:fillRect/>
+          </a:stretch>
+        </p:blipFill>
+        <p:spPr>
+          <a:xfrm>
+            <a:off x="888604" y="2703382"/>
+            <a:ext cx="3765692" cy="1459206"/>
+          </a:xfrm>
+          <a:prstGeom prst="rect">
+            <a:avLst/>
+          </a:prstGeom>
+        </p:spPr>
+      </p:pic>
+      <p:sp>
+        <p:nvSpPr>
+          <p:cNvPr id="4" name="Titel 3">
+            <a:extLst>
+              <a:ext uri="{FF2B5EF4-FFF2-40B4-BE49-F238E27FC236}">
+                <a16:creationId xmlns:a16="http://schemas.microsoft.com/office/drawing/2014/main" id="{41954FE1-CBAB-49BC-9560-3E8097D0944D}"/>
+              </a:ext>
+            </a:extLst>
+          </p:cNvPr>
+          <p:cNvSpPr>
+            <a:spLocks noGrp="1"/>
+          </p:cNvSpPr>
+          <p:nvPr>
+            <p:ph type="ctrTitle"/>
+          </p:nvPr>
+        </p:nvSpPr>
+        <p:spPr>
+          <a:xfrm>
+            <a:off x="4974337" y="1265314"/>
+            <a:ext cx="4299666" cy="3249131"/>
+          </a:xfrm>
+        </p:spPr>
+        <p:txBody>
+          <a:bodyPr>
+            <a:normAutofit/>
+          </a:bodyPr>
+          <a:lstStyle/>
+          <a:p>
+            <a:pPr algn="l"/>
+            <a:r>
+              <a:rPr lang="de-DE"/>
+              <a:t>Don‘t keep waiting…</a:t>
+            </a:r>
+          </a:p>
+        </p:txBody>
+      </p:sp>
+      <p:sp>
+        <p:nvSpPr>
+          <p:cNvPr id="8" name="Untertitel 7">
+            <a:extLst>
+              <a:ext uri="{FF2B5EF4-FFF2-40B4-BE49-F238E27FC236}">
+                <a16:creationId xmlns:a16="http://schemas.microsoft.com/office/drawing/2014/main" id="{E7F495B1-8F88-4317-A8F3-D57601DA9789}"/>
+              </a:ext>
+            </a:extLst>
+          </p:cNvPr>
+          <p:cNvSpPr>
+            <a:spLocks noGrp="1"/>
+          </p:cNvSpPr>
+          <p:nvPr>
+            <p:ph type="subTitle" idx="1"/>
+          </p:nvPr>
+        </p:nvSpPr>
+        <p:spPr>
+          <a:xfrm>
+            <a:off x="4974336" y="4514446"/>
+            <a:ext cx="4299666" cy="871042"/>
+          </a:xfrm>
+        </p:spPr>
+        <p:txBody>
+          <a:bodyPr>
+            <a:normAutofit/>
+          </a:bodyPr>
+          <a:lstStyle/>
+          <a:p>
+            <a:pPr algn="l"/>
+            <a:r>
+              <a:rPr lang="de-DE">
+                <a:solidFill>
+                  <a:schemeClr val="bg1">
+                    <a:lumMod val="95000"/>
+                  </a:schemeClr>
+                </a:solidFill>
+              </a:rPr>
+              <a:t>Start your new lifestyle today!</a:t>
+            </a:r>
+            <a:endParaRPr lang="de-DE" dirty="0">
+              <a:solidFill>
+                <a:schemeClr val="bg1">
+                  <a:lumMod val="95000"/>
+                </a:schemeClr>
+              </a:solidFill>
+            </a:endParaRPr>
+          </a:p>
+        </p:txBody>
+      </p:sp>
+    </p:spTree>
+    <p:extLst>
+      <p:ext uri="{BB962C8B-B14F-4D97-AF65-F5344CB8AC3E}">
+        <p14:creationId xmlns:p14="http://schemas.microsoft.com/office/powerpoint/2010/main" val="3151449363"/>
+      </p:ext>
+    </p:extLst>
+  </p:cSld>
+  <p:clrMapOvr>
+    <a:masterClrMapping/>
+  </p:clrMapOvr>
+</p:sld>
+</file>
+
 <file path=ppt/theme/theme1.xml><?xml version="1.0" encoding="utf-8"?>
 <a:theme xmlns:a="http://schemas.openxmlformats.org/drawingml/2006/main" name="Facette">
   <a:themeElements>
